--- a/Documentation/Presentation.pptx
+++ b/Documentation/Presentation.pptx
@@ -5,7 +5,7 @@
     <p:sldMasterId id="2147483660" r:id="rId1"/>
   </p:sldMasterIdLst>
   <p:notesMasterIdLst>
-    <p:notesMasterId r:id="rId14"/>
+    <p:notesMasterId r:id="rId19"/>
   </p:notesMasterIdLst>
   <p:sldIdLst>
     <p:sldId id="256" r:id="rId2"/>
@@ -15,11 +15,16 @@
     <p:sldId id="276" r:id="rId6"/>
     <p:sldId id="277" r:id="rId7"/>
     <p:sldId id="278" r:id="rId8"/>
-    <p:sldId id="281" r:id="rId9"/>
-    <p:sldId id="284" r:id="rId10"/>
-    <p:sldId id="286" r:id="rId11"/>
-    <p:sldId id="285" r:id="rId12"/>
-    <p:sldId id="289" r:id="rId13"/>
+    <p:sldId id="292" r:id="rId9"/>
+    <p:sldId id="291" r:id="rId10"/>
+    <p:sldId id="290" r:id="rId11"/>
+    <p:sldId id="293" r:id="rId12"/>
+    <p:sldId id="294" r:id="rId13"/>
+    <p:sldId id="281" r:id="rId14"/>
+    <p:sldId id="284" r:id="rId15"/>
+    <p:sldId id="286" r:id="rId16"/>
+    <p:sldId id="285" r:id="rId17"/>
+    <p:sldId id="289" r:id="rId18"/>
   </p:sldIdLst>
   <p:sldSz cx="9144000" cy="6858000" type="screen4x3"/>
   <p:notesSz cx="6858000" cy="9144000"/>
@@ -431,7 +436,7 @@
           <a:p>
             <a:fld id="{BC687BD1-250A-4D3C-93F8-CE8E4620A598}" type="slidenum">
               <a:rPr lang="en-GB" smtClean="0"/>
-              <a:t>‹N›</a:t>
+              <a:t>‹#›</a:t>
             </a:fld>
             <a:endParaRPr lang="en-GB" dirty="0"/>
           </a:p>
@@ -797,7 +802,7 @@
           <a:p>
             <a:fld id="{2D2B23BE-89C9-4E17-8330-1D0EE89529DF}" type="slidenum">
               <a:rPr lang="en-GB" smtClean="0"/>
-              <a:t>‹N›</a:t>
+              <a:t>‹#›</a:t>
             </a:fld>
             <a:endParaRPr lang="en-GB" dirty="0"/>
           </a:p>
@@ -967,7 +972,7 @@
           <a:p>
             <a:fld id="{2D2B23BE-89C9-4E17-8330-1D0EE89529DF}" type="slidenum">
               <a:rPr lang="en-GB" smtClean="0"/>
-              <a:t>‹N›</a:t>
+              <a:t>‹#›</a:t>
             </a:fld>
             <a:endParaRPr lang="en-GB" dirty="0"/>
           </a:p>
@@ -1147,7 +1152,7 @@
           <a:p>
             <a:fld id="{2D2B23BE-89C9-4E17-8330-1D0EE89529DF}" type="slidenum">
               <a:rPr lang="en-GB" smtClean="0"/>
-              <a:t>‹N›</a:t>
+              <a:t>‹#›</a:t>
             </a:fld>
             <a:endParaRPr lang="en-GB" dirty="0"/>
           </a:p>
@@ -1317,7 +1322,7 @@
           <a:p>
             <a:fld id="{2D2B23BE-89C9-4E17-8330-1D0EE89529DF}" type="slidenum">
               <a:rPr lang="en-GB" smtClean="0"/>
-              <a:t>‹N›</a:t>
+              <a:t>‹#›</a:t>
             </a:fld>
             <a:endParaRPr lang="en-GB" dirty="0"/>
           </a:p>
@@ -1561,7 +1566,7 @@
           <a:p>
             <a:fld id="{2D2B23BE-89C9-4E17-8330-1D0EE89529DF}" type="slidenum">
               <a:rPr lang="en-GB" smtClean="0"/>
-              <a:t>‹N›</a:t>
+              <a:t>‹#›</a:t>
             </a:fld>
             <a:endParaRPr lang="en-GB" dirty="0"/>
           </a:p>
@@ -1793,7 +1798,7 @@
           <a:p>
             <a:fld id="{2D2B23BE-89C9-4E17-8330-1D0EE89529DF}" type="slidenum">
               <a:rPr lang="en-GB" smtClean="0"/>
-              <a:t>‹N›</a:t>
+              <a:t>‹#›</a:t>
             </a:fld>
             <a:endParaRPr lang="en-GB" dirty="0"/>
           </a:p>
@@ -2160,7 +2165,7 @@
           <a:p>
             <a:fld id="{2D2B23BE-89C9-4E17-8330-1D0EE89529DF}" type="slidenum">
               <a:rPr lang="en-GB" smtClean="0"/>
-              <a:t>‹N›</a:t>
+              <a:t>‹#›</a:t>
             </a:fld>
             <a:endParaRPr lang="en-GB" dirty="0"/>
           </a:p>
@@ -2278,7 +2283,7 @@
           <a:p>
             <a:fld id="{2D2B23BE-89C9-4E17-8330-1D0EE89529DF}" type="slidenum">
               <a:rPr lang="en-GB" smtClean="0"/>
-              <a:t>‹N›</a:t>
+              <a:t>‹#›</a:t>
             </a:fld>
             <a:endParaRPr lang="en-GB" dirty="0"/>
           </a:p>
@@ -2373,7 +2378,7 @@
           <a:p>
             <a:fld id="{2D2B23BE-89C9-4E17-8330-1D0EE89529DF}" type="slidenum">
               <a:rPr lang="en-GB" smtClean="0"/>
-              <a:t>‹N›</a:t>
+              <a:t>‹#›</a:t>
             </a:fld>
             <a:endParaRPr lang="en-GB" dirty="0"/>
           </a:p>
@@ -2650,7 +2655,7 @@
           <a:p>
             <a:fld id="{2D2B23BE-89C9-4E17-8330-1D0EE89529DF}" type="slidenum">
               <a:rPr lang="en-GB" smtClean="0"/>
-              <a:t>‹N›</a:t>
+              <a:t>‹#›</a:t>
             </a:fld>
             <a:endParaRPr lang="en-GB" dirty="0"/>
           </a:p>
@@ -2906,7 +2911,7 @@
           <a:p>
             <a:fld id="{2D2B23BE-89C9-4E17-8330-1D0EE89529DF}" type="slidenum">
               <a:rPr lang="en-GB" smtClean="0"/>
-              <a:t>‹N›</a:t>
+              <a:t>‹#›</a:t>
             </a:fld>
             <a:endParaRPr lang="en-GB" dirty="0"/>
           </a:p>
@@ -3155,7 +3160,7 @@
           <a:p>
             <a:fld id="{2D2B23BE-89C9-4E17-8330-1D0EE89529DF}" type="slidenum">
               <a:rPr lang="en-GB" smtClean="0"/>
-              <a:t>‹N›</a:t>
+              <a:t>‹#›</a:t>
             </a:fld>
             <a:endParaRPr lang="en-GB" dirty="0"/>
           </a:p>
@@ -3582,177 +3587,871 @@
           <a:p>
             <a:r>
               <a:rPr lang="en-GB" dirty="0"/>
-              <a:t>Components</a:t>
-            </a:r>
-          </a:p>
-        </p:txBody>
-      </p:sp>
-      <p:sp>
-        <p:nvSpPr>
-          <p:cNvPr id="4" name="Content Placeholder 3"/>
-          <p:cNvSpPr>
-            <a:spLocks noGrp="1"/>
+              <a:t>Relationship “including” </a:t>
+            </a:r>
+          </a:p>
+        </p:txBody>
+      </p:sp>
+      <p:sp>
+        <p:nvSpPr>
+          <p:cNvPr id="6" name="Rectangle 5"/>
+          <p:cNvSpPr/>
+          <p:nvPr/>
+        </p:nvSpPr>
+        <p:spPr>
+          <a:xfrm>
+            <a:off x="2968593" y="1744230"/>
+            <a:ext cx="1568918" cy="471638"/>
+          </a:xfrm>
+          <a:prstGeom prst="rect">
+            <a:avLst/>
+          </a:prstGeom>
+          <a:ln w="38100"/>
+        </p:spPr>
+        <p:style>
+          <a:lnRef idx="2">
+            <a:schemeClr val="accent1"/>
+          </a:lnRef>
+          <a:fillRef idx="1">
+            <a:schemeClr val="lt1"/>
+          </a:fillRef>
+          <a:effectRef idx="0">
+            <a:schemeClr val="accent1"/>
+          </a:effectRef>
+          <a:fontRef idx="minor">
+            <a:schemeClr val="dk1"/>
+          </a:fontRef>
+        </p:style>
+        <p:txBody>
+          <a:bodyPr rtlCol="0" anchor="ctr"/>
+          <a:lstStyle/>
+          <a:p>
+            <a:pPr algn="ctr"/>
+            <a:r>
+              <a:rPr lang="en-GB" dirty="0"/>
+              <a:t>Answer</a:t>
+            </a:r>
+          </a:p>
+        </p:txBody>
+      </p:sp>
+      <p:sp>
+        <p:nvSpPr>
+          <p:cNvPr id="7" name="Rectangle 6"/>
+          <p:cNvSpPr/>
+          <p:nvPr/>
+        </p:nvSpPr>
+        <p:spPr>
+          <a:xfrm>
+            <a:off x="204531" y="1744230"/>
+            <a:ext cx="1568918" cy="471638"/>
+          </a:xfrm>
+          <a:prstGeom prst="rect">
+            <a:avLst/>
+          </a:prstGeom>
+          <a:ln w="38100"/>
+        </p:spPr>
+        <p:style>
+          <a:lnRef idx="2">
+            <a:schemeClr val="accent1"/>
+          </a:lnRef>
+          <a:fillRef idx="1">
+            <a:schemeClr val="lt1"/>
+          </a:fillRef>
+          <a:effectRef idx="0">
+            <a:schemeClr val="accent1"/>
+          </a:effectRef>
+          <a:fontRef idx="minor">
+            <a:schemeClr val="dk1"/>
+          </a:fontRef>
+        </p:style>
+        <p:txBody>
+          <a:bodyPr rtlCol="0" anchor="ctr"/>
+          <a:lstStyle/>
+          <a:p>
+            <a:pPr algn="ctr"/>
+            <a:r>
+              <a:rPr lang="en-GB" dirty="0"/>
+              <a:t>Submission</a:t>
+            </a:r>
+          </a:p>
+        </p:txBody>
+      </p:sp>
+      <p:sp>
+        <p:nvSpPr>
+          <p:cNvPr id="8" name="Diamond 7"/>
+          <p:cNvSpPr/>
+          <p:nvPr/>
+        </p:nvSpPr>
+        <p:spPr>
+          <a:xfrm rot="5400000">
+            <a:off x="2204983" y="1771428"/>
+            <a:ext cx="394638" cy="417244"/>
+          </a:xfrm>
+          <a:prstGeom prst="diamond">
+            <a:avLst/>
+          </a:prstGeom>
+          <a:ln w="38100"/>
+        </p:spPr>
+        <p:style>
+          <a:lnRef idx="2">
+            <a:schemeClr val="accent1"/>
+          </a:lnRef>
+          <a:fillRef idx="1">
+            <a:schemeClr val="lt1"/>
+          </a:fillRef>
+          <a:effectRef idx="0">
+            <a:schemeClr val="accent1"/>
+          </a:effectRef>
+          <a:fontRef idx="minor">
+            <a:schemeClr val="dk1"/>
+          </a:fontRef>
+        </p:style>
+        <p:txBody>
+          <a:bodyPr rtlCol="0" anchor="ctr"/>
+          <a:lstStyle/>
+          <a:p>
+            <a:pPr algn="ctr"/>
+            <a:endParaRPr lang="en-GB">
+              <a:solidFill>
+                <a:schemeClr val="dk1"/>
+              </a:solidFill>
+            </a:endParaRPr>
+          </a:p>
+        </p:txBody>
+      </p:sp>
+      <p:cxnSp>
+        <p:nvCxnSpPr>
+          <p:cNvPr id="9" name="Straight Connector 8"/>
+          <p:cNvCxnSpPr>
+            <a:stCxn id="6" idx="1"/>
+          </p:cNvCxnSpPr>
+          <p:nvPr/>
+        </p:nvCxnSpPr>
+        <p:spPr>
+          <a:xfrm flipH="1">
+            <a:off x="2639800" y="1980049"/>
+            <a:ext cx="328793" cy="1"/>
+          </a:xfrm>
+          <a:prstGeom prst="line">
+            <a:avLst/>
+          </a:prstGeom>
+          <a:ln w="28575">
+            <a:solidFill>
+              <a:schemeClr val="accent1"/>
+            </a:solidFill>
+          </a:ln>
+        </p:spPr>
+        <p:style>
+          <a:lnRef idx="1">
+            <a:schemeClr val="accent1"/>
+          </a:lnRef>
+          <a:fillRef idx="0">
+            <a:schemeClr val="accent1"/>
+          </a:fillRef>
+          <a:effectRef idx="0">
+            <a:schemeClr val="accent1"/>
+          </a:effectRef>
+          <a:fontRef idx="minor">
+            <a:schemeClr val="tx1"/>
+          </a:fontRef>
+        </p:style>
+      </p:cxnSp>
+      <p:cxnSp>
+        <p:nvCxnSpPr>
+          <p:cNvPr id="10" name="Straight Connector 9"/>
+          <p:cNvCxnSpPr>
+            <a:stCxn id="8" idx="2"/>
+          </p:cNvCxnSpPr>
+          <p:nvPr/>
+        </p:nvCxnSpPr>
+        <p:spPr>
+          <a:xfrm flipH="1">
+            <a:off x="1773450" y="1980050"/>
+            <a:ext cx="420230" cy="0"/>
+          </a:xfrm>
+          <a:prstGeom prst="line">
+            <a:avLst/>
+          </a:prstGeom>
+          <a:ln w="28575">
+            <a:solidFill>
+              <a:schemeClr val="accent1"/>
+            </a:solidFill>
+          </a:ln>
+        </p:spPr>
+        <p:style>
+          <a:lnRef idx="1">
+            <a:schemeClr val="accent1"/>
+          </a:lnRef>
+          <a:fillRef idx="0">
+            <a:schemeClr val="accent1"/>
+          </a:fillRef>
+          <a:effectRef idx="0">
+            <a:schemeClr val="accent1"/>
+          </a:effectRef>
+          <a:fontRef idx="minor">
+            <a:schemeClr val="tx1"/>
+          </a:fontRef>
+        </p:style>
+      </p:cxnSp>
+      <p:sp>
+        <p:nvSpPr>
+          <p:cNvPr id="11" name="TextBox 10"/>
+          <p:cNvSpPr txBox="1"/>
+          <p:nvPr/>
+        </p:nvSpPr>
+        <p:spPr>
+          <a:xfrm>
+            <a:off x="2548363" y="2105721"/>
+            <a:ext cx="481222" cy="369332"/>
+          </a:xfrm>
+          <a:prstGeom prst="rect">
+            <a:avLst/>
+          </a:prstGeom>
+          <a:noFill/>
+        </p:spPr>
+        <p:txBody>
+          <a:bodyPr wrap="none" rtlCol="0">
+            <a:spAutoFit/>
+          </a:bodyPr>
+          <a:lstStyle/>
+          <a:p>
+            <a:r>
+              <a:rPr lang="en-GB" dirty="0"/>
+              <a:t>1:1</a:t>
+            </a:r>
+          </a:p>
+        </p:txBody>
+      </p:sp>
+      <p:sp>
+        <p:nvSpPr>
+          <p:cNvPr id="12" name="TextBox 11"/>
+          <p:cNvSpPr txBox="1"/>
+          <p:nvPr/>
+        </p:nvSpPr>
+        <p:spPr>
+          <a:xfrm>
+            <a:off x="1824778" y="2110612"/>
+            <a:ext cx="513282" cy="369332"/>
+          </a:xfrm>
+          <a:prstGeom prst="rect">
+            <a:avLst/>
+          </a:prstGeom>
+          <a:noFill/>
+        </p:spPr>
+        <p:txBody>
+          <a:bodyPr wrap="none" rtlCol="0">
+            <a:spAutoFit/>
+          </a:bodyPr>
+          <a:lstStyle/>
+          <a:p>
+            <a:r>
+              <a:rPr lang="en-GB" dirty="0"/>
+              <a:t>0:N</a:t>
+            </a:r>
+          </a:p>
+        </p:txBody>
+      </p:sp>
+      <p:sp>
+        <p:nvSpPr>
+          <p:cNvPr id="13" name="TextBox 12"/>
+          <p:cNvSpPr txBox="1"/>
+          <p:nvPr/>
+        </p:nvSpPr>
+        <p:spPr>
+          <a:xfrm>
+            <a:off x="1911676" y="1355558"/>
+            <a:ext cx="1037463" cy="369332"/>
+          </a:xfrm>
+          <a:prstGeom prst="rect">
+            <a:avLst/>
+          </a:prstGeom>
+          <a:noFill/>
+        </p:spPr>
+        <p:txBody>
+          <a:bodyPr wrap="none" rtlCol="0">
+            <a:spAutoFit/>
+          </a:bodyPr>
+          <a:lstStyle/>
+          <a:p>
+            <a:r>
+              <a:rPr lang="en-GB" dirty="0"/>
+              <a:t>including</a:t>
+            </a:r>
+          </a:p>
+        </p:txBody>
+      </p:sp>
+      <p:sp>
+        <p:nvSpPr>
+          <p:cNvPr id="14" name="Rectangle 13"/>
+          <p:cNvSpPr/>
+          <p:nvPr/>
+        </p:nvSpPr>
+        <p:spPr>
+          <a:xfrm>
+            <a:off x="2986239" y="3167167"/>
+            <a:ext cx="1568918" cy="471638"/>
+          </a:xfrm>
+          <a:prstGeom prst="rect">
+            <a:avLst/>
+          </a:prstGeom>
+          <a:noFill/>
+          <a:ln w="38100">
+            <a:solidFill>
+              <a:srgbClr val="00B050"/>
+            </a:solidFill>
+          </a:ln>
+        </p:spPr>
+        <p:style>
+          <a:lnRef idx="2">
+            <a:schemeClr val="accent1"/>
+          </a:lnRef>
+          <a:fillRef idx="1">
+            <a:schemeClr val="lt1"/>
+          </a:fillRef>
+          <a:effectRef idx="0">
+            <a:schemeClr val="accent1"/>
+          </a:effectRef>
+          <a:fontRef idx="minor">
+            <a:schemeClr val="dk1"/>
+          </a:fontRef>
+        </p:style>
+        <p:txBody>
+          <a:bodyPr rtlCol="0" anchor="ctr"/>
+          <a:lstStyle/>
+          <a:p>
+            <a:pPr algn="ctr"/>
+            <a:r>
+              <a:rPr lang="en-GB" dirty="0"/>
+              <a:t>Answer</a:t>
+            </a:r>
+          </a:p>
+        </p:txBody>
+      </p:sp>
+      <p:sp>
+        <p:nvSpPr>
+          <p:cNvPr id="15" name="Rectangle 14"/>
+          <p:cNvSpPr/>
+          <p:nvPr/>
+        </p:nvSpPr>
+        <p:spPr>
+          <a:xfrm>
+            <a:off x="222177" y="3167167"/>
+            <a:ext cx="1568918" cy="471638"/>
+          </a:xfrm>
+          <a:prstGeom prst="rect">
+            <a:avLst/>
+          </a:prstGeom>
+          <a:noFill/>
+          <a:ln w="38100">
+            <a:solidFill>
+              <a:srgbClr val="00B050"/>
+            </a:solidFill>
+          </a:ln>
+        </p:spPr>
+        <p:style>
+          <a:lnRef idx="2">
+            <a:schemeClr val="accent1"/>
+          </a:lnRef>
+          <a:fillRef idx="1">
+            <a:schemeClr val="lt1"/>
+          </a:fillRef>
+          <a:effectRef idx="0">
+            <a:schemeClr val="accent1"/>
+          </a:effectRef>
+          <a:fontRef idx="minor">
+            <a:schemeClr val="dk1"/>
+          </a:fontRef>
+        </p:style>
+        <p:txBody>
+          <a:bodyPr rtlCol="0" anchor="ctr"/>
+          <a:lstStyle/>
+          <a:p>
+            <a:pPr algn="ctr"/>
+            <a:r>
+              <a:rPr lang="en-GB" dirty="0"/>
+              <a:t>Submission</a:t>
+            </a:r>
+          </a:p>
+        </p:txBody>
+      </p:sp>
+      <p:cxnSp>
+        <p:nvCxnSpPr>
+          <p:cNvPr id="16" name="Straight Connector 15"/>
+          <p:cNvCxnSpPr>
+            <a:stCxn id="14" idx="1"/>
+            <a:endCxn id="15" idx="3"/>
+          </p:cNvCxnSpPr>
+          <p:nvPr/>
+        </p:nvCxnSpPr>
+        <p:spPr>
+          <a:xfrm flipH="1">
+            <a:off x="1791095" y="3402986"/>
+            <a:ext cx="1195144" cy="0"/>
+          </a:xfrm>
+          <a:prstGeom prst="line">
+            <a:avLst/>
+          </a:prstGeom>
+          <a:ln w="38100">
+            <a:solidFill>
+              <a:srgbClr val="00B050"/>
+            </a:solidFill>
+            <a:headEnd type="triangle" w="med" len="med"/>
+            <a:tailEnd type="none" w="med" len="med"/>
+          </a:ln>
+        </p:spPr>
+        <p:style>
+          <a:lnRef idx="1">
+            <a:schemeClr val="accent1"/>
+          </a:lnRef>
+          <a:fillRef idx="0">
+            <a:schemeClr val="accent1"/>
+          </a:fillRef>
+          <a:effectRef idx="0">
+            <a:schemeClr val="accent1"/>
+          </a:effectRef>
+          <a:fontRef idx="minor">
+            <a:schemeClr val="tx1"/>
+          </a:fontRef>
+        </p:style>
+      </p:cxnSp>
+      <p:sp>
+        <p:nvSpPr>
+          <p:cNvPr id="17" name="Rectangle 16"/>
+          <p:cNvSpPr/>
+          <p:nvPr/>
+        </p:nvSpPr>
+        <p:spPr>
+          <a:xfrm>
+            <a:off x="2994260" y="4474599"/>
+            <a:ext cx="1568918" cy="471638"/>
+          </a:xfrm>
+          <a:prstGeom prst="rect">
+            <a:avLst/>
+          </a:prstGeom>
+          <a:noFill/>
+          <a:ln w="38100">
+            <a:solidFill>
+              <a:srgbClr val="00B050"/>
+            </a:solidFill>
+          </a:ln>
+        </p:spPr>
+        <p:style>
+          <a:lnRef idx="2">
+            <a:schemeClr val="accent1"/>
+          </a:lnRef>
+          <a:fillRef idx="1">
+            <a:schemeClr val="lt1"/>
+          </a:fillRef>
+          <a:effectRef idx="0">
+            <a:schemeClr val="accent1"/>
+          </a:effectRef>
+          <a:fontRef idx="minor">
+            <a:schemeClr val="dk1"/>
+          </a:fontRef>
+        </p:style>
+        <p:txBody>
+          <a:bodyPr rtlCol="0" anchor="ctr"/>
+          <a:lstStyle/>
+          <a:p>
+            <a:pPr algn="ctr"/>
+            <a:r>
+              <a:rPr lang="en-GB" dirty="0"/>
+              <a:t>Answer</a:t>
+            </a:r>
+          </a:p>
+        </p:txBody>
+      </p:sp>
+      <p:sp>
+        <p:nvSpPr>
+          <p:cNvPr id="18" name="Rectangle 17"/>
+          <p:cNvSpPr/>
+          <p:nvPr/>
+        </p:nvSpPr>
+        <p:spPr>
+          <a:xfrm>
+            <a:off x="230198" y="4474599"/>
+            <a:ext cx="1568918" cy="471638"/>
+          </a:xfrm>
+          <a:prstGeom prst="rect">
+            <a:avLst/>
+          </a:prstGeom>
+          <a:noFill/>
+          <a:ln w="38100">
+            <a:solidFill>
+              <a:srgbClr val="00B050"/>
+            </a:solidFill>
+          </a:ln>
+        </p:spPr>
+        <p:style>
+          <a:lnRef idx="2">
+            <a:schemeClr val="accent1"/>
+          </a:lnRef>
+          <a:fillRef idx="1">
+            <a:schemeClr val="lt1"/>
+          </a:fillRef>
+          <a:effectRef idx="0">
+            <a:schemeClr val="accent1"/>
+          </a:effectRef>
+          <a:fontRef idx="minor">
+            <a:schemeClr val="dk1"/>
+          </a:fontRef>
+        </p:style>
+        <p:txBody>
+          <a:bodyPr rtlCol="0" anchor="ctr"/>
+          <a:lstStyle/>
+          <a:p>
+            <a:pPr algn="ctr"/>
+            <a:r>
+              <a:rPr lang="en-GB" dirty="0"/>
+              <a:t>Submission</a:t>
+            </a:r>
+          </a:p>
+        </p:txBody>
+      </p:sp>
+      <p:cxnSp>
+        <p:nvCxnSpPr>
+          <p:cNvPr id="19" name="Straight Connector 18"/>
+          <p:cNvCxnSpPr>
+            <a:stCxn id="17" idx="1"/>
+            <a:endCxn id="18" idx="3"/>
+          </p:cNvCxnSpPr>
+          <p:nvPr/>
+        </p:nvCxnSpPr>
+        <p:spPr>
+          <a:xfrm flipH="1">
+            <a:off x="1799116" y="4710418"/>
+            <a:ext cx="1195144" cy="0"/>
+          </a:xfrm>
+          <a:prstGeom prst="line">
+            <a:avLst/>
+          </a:prstGeom>
+          <a:ln w="38100">
+            <a:solidFill>
+              <a:srgbClr val="00B050"/>
+            </a:solidFill>
+            <a:headEnd type="none" w="med" len="med"/>
+            <a:tailEnd type="triangle" w="med" len="med"/>
+          </a:ln>
+        </p:spPr>
+        <p:style>
+          <a:lnRef idx="1">
+            <a:schemeClr val="accent1"/>
+          </a:lnRef>
+          <a:fillRef idx="0">
+            <a:schemeClr val="accent1"/>
+          </a:fillRef>
+          <a:effectRef idx="0">
+            <a:schemeClr val="accent1"/>
+          </a:effectRef>
+          <a:fontRef idx="minor">
+            <a:schemeClr val="tx1"/>
+          </a:fontRef>
+        </p:style>
+      </p:cxnSp>
+      <p:sp>
+        <p:nvSpPr>
+          <p:cNvPr id="20" name="TextBox 19"/>
+          <p:cNvSpPr txBox="1"/>
+          <p:nvPr/>
+        </p:nvSpPr>
+        <p:spPr>
+          <a:xfrm>
+            <a:off x="2671888" y="3134022"/>
+            <a:ext cx="300082" cy="369332"/>
+          </a:xfrm>
+          <a:prstGeom prst="rect">
+            <a:avLst/>
+          </a:prstGeom>
+          <a:noFill/>
+        </p:spPr>
+        <p:txBody>
+          <a:bodyPr wrap="none" rtlCol="0">
+            <a:spAutoFit/>
+          </a:bodyPr>
+          <a:lstStyle/>
+          <a:p>
+            <a:r>
+              <a:rPr lang="en-GB" dirty="0"/>
+              <a:t>*</a:t>
+            </a:r>
+          </a:p>
+        </p:txBody>
+      </p:sp>
+      <p:sp>
+        <p:nvSpPr>
+          <p:cNvPr id="21" name="TextBox 20"/>
+          <p:cNvSpPr txBox="1"/>
+          <p:nvPr/>
+        </p:nvSpPr>
+        <p:spPr>
+          <a:xfrm>
+            <a:off x="1786359" y="4308305"/>
+            <a:ext cx="301686" cy="369332"/>
+          </a:xfrm>
+          <a:prstGeom prst="rect">
+            <a:avLst/>
+          </a:prstGeom>
+          <a:noFill/>
+        </p:spPr>
+        <p:txBody>
+          <a:bodyPr wrap="none" rtlCol="0">
+            <a:spAutoFit/>
+          </a:bodyPr>
+          <a:lstStyle/>
+          <a:p>
+            <a:r>
+              <a:rPr lang="en-GB" dirty="0"/>
+              <a:t>1</a:t>
+            </a:r>
+          </a:p>
+        </p:txBody>
+      </p:sp>
+      <p:sp>
+        <p:nvSpPr>
+          <p:cNvPr id="22" name="Content Placeholder 4">
+            <a:extLst>
+              <a:ext uri="{FF2B5EF4-FFF2-40B4-BE49-F238E27FC236}">
+                <a16:creationId xmlns:a16="http://schemas.microsoft.com/office/drawing/2014/main" id="{36A9B92E-2BF6-4D50-89D0-8DD811F14F0F}"/>
+              </a:ext>
+            </a:extLst>
+          </p:cNvPr>
+          <p:cNvSpPr txBox="1">
+            <a:spLocks/>
           </p:cNvSpPr>
-          <p:nvPr>
-            <p:ph sz="half" idx="1"/>
-          </p:nvPr>
-        </p:nvSpPr>
-        <p:spPr/>
-        <p:txBody>
-          <a:bodyPr>
+          <p:nvPr/>
+        </p:nvSpPr>
+        <p:spPr>
+          <a:xfrm>
+            <a:off x="4629149" y="1825625"/>
+            <a:ext cx="4213293" cy="4351338"/>
+          </a:xfrm>
+          <a:prstGeom prst="rect">
+            <a:avLst/>
+          </a:prstGeom>
+        </p:spPr>
+        <p:txBody>
+          <a:bodyPr vert="horz" lIns="91440" tIns="45720" rIns="91440" bIns="45720" rtlCol="0">
             <a:normAutofit/>
           </a:bodyPr>
-          <a:lstStyle/>
-          <a:p>
-            <a:r>
-              <a:rPr lang="en-GB" dirty="0"/>
-              <a:t>Client components</a:t>
+          <a:lstStyle>
+            <a:lvl1pPr marL="228600" indent="-228600" algn="l" defTabSz="914400" rtl="0" eaLnBrk="1" latinLnBrk="0" hangingPunct="1">
+              <a:lnSpc>
+                <a:spcPct val="90000"/>
+              </a:lnSpc>
+              <a:spcBef>
+                <a:spcPts val="1000"/>
+              </a:spcBef>
+              <a:buFont typeface="Arial" panose="020B0604020202020204" pitchFamily="34" charset="0"/>
+              <a:buChar char="•"/>
+              <a:defRPr sz="2800" kern="1200">
+                <a:solidFill>
+                  <a:schemeClr val="tx1"/>
+                </a:solidFill>
+                <a:latin typeface="+mn-lt"/>
+                <a:ea typeface="+mn-ea"/>
+                <a:cs typeface="+mn-cs"/>
+              </a:defRPr>
+            </a:lvl1pPr>
+            <a:lvl2pPr marL="685800" indent="-228600" algn="l" defTabSz="914400" rtl="0" eaLnBrk="1" latinLnBrk="0" hangingPunct="1">
+              <a:lnSpc>
+                <a:spcPct val="90000"/>
+              </a:lnSpc>
+              <a:spcBef>
+                <a:spcPts val="500"/>
+              </a:spcBef>
+              <a:buFont typeface="Arial" panose="020B0604020202020204" pitchFamily="34" charset="0"/>
+              <a:buChar char="•"/>
+              <a:defRPr sz="2400" kern="1200">
+                <a:solidFill>
+                  <a:schemeClr val="tx1"/>
+                </a:solidFill>
+                <a:latin typeface="+mn-lt"/>
+                <a:ea typeface="+mn-ea"/>
+                <a:cs typeface="+mn-cs"/>
+              </a:defRPr>
+            </a:lvl2pPr>
+            <a:lvl3pPr marL="1143000" indent="-228600" algn="l" defTabSz="914400" rtl="0" eaLnBrk="1" latinLnBrk="0" hangingPunct="1">
+              <a:lnSpc>
+                <a:spcPct val="90000"/>
+              </a:lnSpc>
+              <a:spcBef>
+                <a:spcPts val="500"/>
+              </a:spcBef>
+              <a:buFont typeface="Arial" panose="020B0604020202020204" pitchFamily="34" charset="0"/>
+              <a:buChar char="•"/>
+              <a:defRPr sz="2000" kern="1200">
+                <a:solidFill>
+                  <a:schemeClr val="tx1"/>
+                </a:solidFill>
+                <a:latin typeface="+mn-lt"/>
+                <a:ea typeface="+mn-ea"/>
+                <a:cs typeface="+mn-cs"/>
+              </a:defRPr>
+            </a:lvl3pPr>
+            <a:lvl4pPr marL="1600200" indent="-228600" algn="l" defTabSz="914400" rtl="0" eaLnBrk="1" latinLnBrk="0" hangingPunct="1">
+              <a:lnSpc>
+                <a:spcPct val="90000"/>
+              </a:lnSpc>
+              <a:spcBef>
+                <a:spcPts val="500"/>
+              </a:spcBef>
+              <a:buFont typeface="Arial" panose="020B0604020202020204" pitchFamily="34" charset="0"/>
+              <a:buChar char="•"/>
+              <a:defRPr sz="1800" kern="1200">
+                <a:solidFill>
+                  <a:schemeClr val="tx1"/>
+                </a:solidFill>
+                <a:latin typeface="+mn-lt"/>
+                <a:ea typeface="+mn-ea"/>
+                <a:cs typeface="+mn-cs"/>
+              </a:defRPr>
+            </a:lvl4pPr>
+            <a:lvl5pPr marL="2057400" indent="-228600" algn="l" defTabSz="914400" rtl="0" eaLnBrk="1" latinLnBrk="0" hangingPunct="1">
+              <a:lnSpc>
+                <a:spcPct val="90000"/>
+              </a:lnSpc>
+              <a:spcBef>
+                <a:spcPts val="500"/>
+              </a:spcBef>
+              <a:buFont typeface="Arial" panose="020B0604020202020204" pitchFamily="34" charset="0"/>
+              <a:buChar char="•"/>
+              <a:defRPr sz="1800" kern="1200">
+                <a:solidFill>
+                  <a:schemeClr val="tx1"/>
+                </a:solidFill>
+                <a:latin typeface="+mn-lt"/>
+                <a:ea typeface="+mn-ea"/>
+                <a:cs typeface="+mn-cs"/>
+              </a:defRPr>
+            </a:lvl5pPr>
+            <a:lvl6pPr marL="2514600" indent="-228600" algn="l" defTabSz="914400" rtl="0" eaLnBrk="1" latinLnBrk="0" hangingPunct="1">
+              <a:lnSpc>
+                <a:spcPct val="90000"/>
+              </a:lnSpc>
+              <a:spcBef>
+                <a:spcPts val="500"/>
+              </a:spcBef>
+              <a:buFont typeface="Arial" panose="020B0604020202020204" pitchFamily="34" charset="0"/>
+              <a:buChar char="•"/>
+              <a:defRPr sz="1800" kern="1200">
+                <a:solidFill>
+                  <a:schemeClr val="tx1"/>
+                </a:solidFill>
+                <a:latin typeface="+mn-lt"/>
+                <a:ea typeface="+mn-ea"/>
+                <a:cs typeface="+mn-cs"/>
+              </a:defRPr>
+            </a:lvl6pPr>
+            <a:lvl7pPr marL="2971800" indent="-228600" algn="l" defTabSz="914400" rtl="0" eaLnBrk="1" latinLnBrk="0" hangingPunct="1">
+              <a:lnSpc>
+                <a:spcPct val="90000"/>
+              </a:lnSpc>
+              <a:spcBef>
+                <a:spcPts val="500"/>
+              </a:spcBef>
+              <a:buFont typeface="Arial" panose="020B0604020202020204" pitchFamily="34" charset="0"/>
+              <a:buChar char="•"/>
+              <a:defRPr sz="1800" kern="1200">
+                <a:solidFill>
+                  <a:schemeClr val="tx1"/>
+                </a:solidFill>
+                <a:latin typeface="+mn-lt"/>
+                <a:ea typeface="+mn-ea"/>
+                <a:cs typeface="+mn-cs"/>
+              </a:defRPr>
+            </a:lvl7pPr>
+            <a:lvl8pPr marL="3429000" indent="-228600" algn="l" defTabSz="914400" rtl="0" eaLnBrk="1" latinLnBrk="0" hangingPunct="1">
+              <a:lnSpc>
+                <a:spcPct val="90000"/>
+              </a:lnSpc>
+              <a:spcBef>
+                <a:spcPts val="500"/>
+              </a:spcBef>
+              <a:buFont typeface="Arial" panose="020B0604020202020204" pitchFamily="34" charset="0"/>
+              <a:buChar char="•"/>
+              <a:defRPr sz="1800" kern="1200">
+                <a:solidFill>
+                  <a:schemeClr val="tx1"/>
+                </a:solidFill>
+                <a:latin typeface="+mn-lt"/>
+                <a:ea typeface="+mn-ea"/>
+                <a:cs typeface="+mn-cs"/>
+              </a:defRPr>
+            </a:lvl8pPr>
+            <a:lvl9pPr marL="3886200" indent="-228600" algn="l" defTabSz="914400" rtl="0" eaLnBrk="1" latinLnBrk="0" hangingPunct="1">
+              <a:lnSpc>
+                <a:spcPct val="90000"/>
+              </a:lnSpc>
+              <a:spcBef>
+                <a:spcPts val="500"/>
+              </a:spcBef>
+              <a:buFont typeface="Arial" panose="020B0604020202020204" pitchFamily="34" charset="0"/>
+              <a:buChar char="•"/>
+              <a:defRPr sz="1800" kern="1200">
+                <a:solidFill>
+                  <a:schemeClr val="tx1"/>
+                </a:solidFill>
+                <a:latin typeface="+mn-lt"/>
+                <a:ea typeface="+mn-ea"/>
+                <a:cs typeface="+mn-cs"/>
+              </a:defRPr>
+            </a:lvl9pPr>
+          </a:lstStyle>
+          <a:p>
+            <a:r>
+              <a:rPr lang="en-GB" dirty="0"/>
+              <a:t>Submission </a:t>
+            </a:r>
+            <a:r>
+              <a:rPr lang="en-GB" dirty="0">
+                <a:sym typeface="Wingdings" panose="05000000000000000000" pitchFamily="2" charset="2"/>
+              </a:rPr>
+              <a:t></a:t>
+            </a:r>
+            <a:r>
+              <a:rPr lang="en-GB" dirty="0"/>
+              <a:t> Answer @OneToMany</a:t>
             </a:r>
           </a:p>
           <a:p>
             <a:pPr lvl="1"/>
             <a:r>
-              <a:rPr lang="en-GB" sz="2000" dirty="0"/>
-              <a:t>Login/Logout (if requested)</a:t>
+              <a:rPr lang="en-GB" dirty="0"/>
+              <a:t>Each submission includes many answer</a:t>
+            </a:r>
+          </a:p>
+          <a:p>
+            <a:r>
+              <a:rPr lang="en-GB" dirty="0"/>
+              <a:t>Answer </a:t>
+            </a:r>
+            <a:r>
+              <a:rPr lang="en-GB" dirty="0">
+                <a:sym typeface="Wingdings" panose="05000000000000000000" pitchFamily="2" charset="2"/>
+              </a:rPr>
+              <a:t> Submission </a:t>
+            </a:r>
+            <a:r>
+              <a:rPr lang="en-GB" dirty="0"/>
+              <a:t>@ManyToOne</a:t>
             </a:r>
           </a:p>
           <a:p>
             <a:pPr lvl="1"/>
             <a:r>
-              <a:rPr lang="en-GB" sz="2000" dirty="0"/>
-              <a:t>Servlets</a:t>
+              <a:rPr lang="en-GB" dirty="0"/>
+              <a:t>Many answers can be included in the same submission</a:t>
             </a:r>
           </a:p>
           <a:p>
             <a:pPr lvl="1"/>
             <a:r>
-              <a:rPr lang="en-GB" sz="2000" dirty="0"/>
-              <a:t>Views</a:t>
-            </a:r>
-          </a:p>
-        </p:txBody>
-      </p:sp>
-      <p:sp>
-        <p:nvSpPr>
-          <p:cNvPr id="5" name="Content Placeholder 4"/>
-          <p:cNvSpPr>
-            <a:spLocks noGrp="1"/>
-          </p:cNvSpPr>
-          <p:nvPr>
-            <p:ph sz="half" idx="2"/>
-          </p:nvPr>
-        </p:nvSpPr>
-        <p:spPr>
-          <a:xfrm>
-            <a:off x="4629149" y="1825625"/>
-            <a:ext cx="4418597" cy="4351338"/>
-          </a:xfrm>
-        </p:spPr>
-        <p:txBody>
-          <a:bodyPr>
-            <a:normAutofit/>
-          </a:bodyPr>
-          <a:lstStyle/>
-          <a:p>
-            <a:r>
-              <a:rPr lang="en-GB" dirty="0"/>
-              <a:t>Business Components</a:t>
+              <a:rPr lang="en-GB" dirty="0"/>
+              <a:t>Owner of the relationship</a:t>
             </a:r>
           </a:p>
           <a:p>
             <a:pPr lvl="1"/>
-            <a:r>
-              <a:rPr lang="en-GB" dirty="0"/>
-              <a:t>BC1 </a:t>
-            </a:r>
-          </a:p>
-          <a:p>
-            <a:pPr lvl="2"/>
-            <a:r>
-              <a:rPr lang="en-GB" dirty="0"/>
-              <a:t>(stateless or stateful)</a:t>
-            </a:r>
-          </a:p>
-          <a:p>
-            <a:pPr lvl="2"/>
-            <a:r>
-              <a:rPr lang="en-GB" dirty="0"/>
-              <a:t>Method BC11( </a:t>
-            </a:r>
-            <a:r>
-              <a:rPr lang="en-GB" dirty="0" err="1"/>
-              <a:t>params</a:t>
-            </a:r>
-            <a:r>
-              <a:rPr lang="en-GB" dirty="0"/>
-              <a:t>)</a:t>
-            </a:r>
-          </a:p>
-          <a:p>
-            <a:pPr lvl="2"/>
-            <a:r>
-              <a:rPr lang="en-GB" dirty="0"/>
-              <a:t>Method BC11( </a:t>
-            </a:r>
-            <a:r>
-              <a:rPr lang="en-GB" dirty="0" err="1"/>
-              <a:t>params</a:t>
-            </a:r>
-            <a:r>
-              <a:rPr lang="en-GB" dirty="0"/>
-              <a:t>)</a:t>
-            </a:r>
-          </a:p>
-          <a:p>
-            <a:pPr lvl="1"/>
-            <a:endParaRPr lang="en-GB" dirty="0"/>
-          </a:p>
-          <a:p>
-            <a:pPr lvl="1"/>
-            <a:r>
-              <a:rPr lang="en-GB" dirty="0"/>
-              <a:t>BC2</a:t>
-            </a:r>
-          </a:p>
-          <a:p>
-            <a:pPr lvl="2"/>
-            <a:r>
-              <a:rPr lang="en-GB" dirty="0"/>
-              <a:t>(stateless or stateful)</a:t>
-            </a:r>
-          </a:p>
-          <a:p>
-            <a:pPr lvl="2"/>
-            <a:r>
-              <a:rPr lang="en-GB" dirty="0"/>
-              <a:t>Method BC21( </a:t>
-            </a:r>
-            <a:r>
-              <a:rPr lang="en-GB" dirty="0" err="1"/>
-              <a:t>params</a:t>
-            </a:r>
-            <a:r>
-              <a:rPr lang="en-GB" dirty="0"/>
-              <a:t>)</a:t>
-            </a:r>
-          </a:p>
-          <a:p>
-            <a:pPr lvl="2"/>
-            <a:r>
-              <a:rPr lang="en-GB" dirty="0"/>
-              <a:t>Method BC22( </a:t>
-            </a:r>
-            <a:r>
-              <a:rPr lang="en-GB" dirty="0" err="1"/>
-              <a:t>params</a:t>
-            </a:r>
-            <a:r>
-              <a:rPr lang="en-GB" dirty="0"/>
-              <a:t>)</a:t>
-            </a:r>
-          </a:p>
-          <a:p>
-            <a:pPr lvl="2"/>
             <a:endParaRPr lang="en-GB" dirty="0"/>
           </a:p>
           <a:p>
@@ -3764,7 +4463,7 @@
     </p:spTree>
     <p:extLst>
       <p:ext uri="{BB962C8B-B14F-4D97-AF65-F5344CB8AC3E}">
-        <p14:creationId xmlns:p14="http://schemas.microsoft.com/office/powerpoint/2010/main" val="1681549262"/>
+        <p14:creationId xmlns:p14="http://schemas.microsoft.com/office/powerpoint/2010/main" val="2857637880"/>
       </p:ext>
     </p:extLst>
   </p:cSld>
@@ -3808,6 +4507,2719 @@
           <a:p>
             <a:r>
               <a:rPr lang="en-GB" dirty="0"/>
+              <a:t>Relationship “replying” </a:t>
+            </a:r>
+          </a:p>
+        </p:txBody>
+      </p:sp>
+      <p:sp>
+        <p:nvSpPr>
+          <p:cNvPr id="6" name="Rectangle 5"/>
+          <p:cNvSpPr/>
+          <p:nvPr/>
+        </p:nvSpPr>
+        <p:spPr>
+          <a:xfrm>
+            <a:off x="2968593" y="1744230"/>
+            <a:ext cx="1568918" cy="471638"/>
+          </a:xfrm>
+          <a:prstGeom prst="rect">
+            <a:avLst/>
+          </a:prstGeom>
+          <a:ln w="38100"/>
+        </p:spPr>
+        <p:style>
+          <a:lnRef idx="2">
+            <a:schemeClr val="accent1"/>
+          </a:lnRef>
+          <a:fillRef idx="1">
+            <a:schemeClr val="lt1"/>
+          </a:fillRef>
+          <a:effectRef idx="0">
+            <a:schemeClr val="accent1"/>
+          </a:effectRef>
+          <a:fontRef idx="minor">
+            <a:schemeClr val="dk1"/>
+          </a:fontRef>
+        </p:style>
+        <p:txBody>
+          <a:bodyPr rtlCol="0" anchor="ctr"/>
+          <a:lstStyle/>
+          <a:p>
+            <a:pPr algn="ctr"/>
+            <a:r>
+              <a:rPr lang="en-GB" dirty="0"/>
+              <a:t>Answer</a:t>
+            </a:r>
+          </a:p>
+        </p:txBody>
+      </p:sp>
+      <p:sp>
+        <p:nvSpPr>
+          <p:cNvPr id="7" name="Rectangle 6"/>
+          <p:cNvSpPr/>
+          <p:nvPr/>
+        </p:nvSpPr>
+        <p:spPr>
+          <a:xfrm>
+            <a:off x="204531" y="1744230"/>
+            <a:ext cx="1568918" cy="471638"/>
+          </a:xfrm>
+          <a:prstGeom prst="rect">
+            <a:avLst/>
+          </a:prstGeom>
+          <a:ln w="38100"/>
+        </p:spPr>
+        <p:style>
+          <a:lnRef idx="2">
+            <a:schemeClr val="accent1"/>
+          </a:lnRef>
+          <a:fillRef idx="1">
+            <a:schemeClr val="lt1"/>
+          </a:fillRef>
+          <a:effectRef idx="0">
+            <a:schemeClr val="accent1"/>
+          </a:effectRef>
+          <a:fontRef idx="minor">
+            <a:schemeClr val="dk1"/>
+          </a:fontRef>
+        </p:style>
+        <p:txBody>
+          <a:bodyPr rtlCol="0" anchor="ctr"/>
+          <a:lstStyle/>
+          <a:p>
+            <a:pPr algn="ctr"/>
+            <a:r>
+              <a:rPr lang="en-GB" dirty="0"/>
+              <a:t>Question</a:t>
+            </a:r>
+          </a:p>
+        </p:txBody>
+      </p:sp>
+      <p:sp>
+        <p:nvSpPr>
+          <p:cNvPr id="8" name="Diamond 7"/>
+          <p:cNvSpPr/>
+          <p:nvPr/>
+        </p:nvSpPr>
+        <p:spPr>
+          <a:xfrm rot="5400000">
+            <a:off x="2204983" y="1771428"/>
+            <a:ext cx="394638" cy="417244"/>
+          </a:xfrm>
+          <a:prstGeom prst="diamond">
+            <a:avLst/>
+          </a:prstGeom>
+          <a:ln w="38100"/>
+        </p:spPr>
+        <p:style>
+          <a:lnRef idx="2">
+            <a:schemeClr val="accent1"/>
+          </a:lnRef>
+          <a:fillRef idx="1">
+            <a:schemeClr val="lt1"/>
+          </a:fillRef>
+          <a:effectRef idx="0">
+            <a:schemeClr val="accent1"/>
+          </a:effectRef>
+          <a:fontRef idx="minor">
+            <a:schemeClr val="dk1"/>
+          </a:fontRef>
+        </p:style>
+        <p:txBody>
+          <a:bodyPr rtlCol="0" anchor="ctr"/>
+          <a:lstStyle/>
+          <a:p>
+            <a:pPr algn="ctr"/>
+            <a:endParaRPr lang="en-GB">
+              <a:solidFill>
+                <a:schemeClr val="dk1"/>
+              </a:solidFill>
+            </a:endParaRPr>
+          </a:p>
+        </p:txBody>
+      </p:sp>
+      <p:cxnSp>
+        <p:nvCxnSpPr>
+          <p:cNvPr id="9" name="Straight Connector 8"/>
+          <p:cNvCxnSpPr>
+            <a:stCxn id="6" idx="1"/>
+          </p:cNvCxnSpPr>
+          <p:nvPr/>
+        </p:nvCxnSpPr>
+        <p:spPr>
+          <a:xfrm flipH="1">
+            <a:off x="2639800" y="1980049"/>
+            <a:ext cx="328793" cy="1"/>
+          </a:xfrm>
+          <a:prstGeom prst="line">
+            <a:avLst/>
+          </a:prstGeom>
+          <a:ln w="28575">
+            <a:solidFill>
+              <a:schemeClr val="accent1"/>
+            </a:solidFill>
+          </a:ln>
+        </p:spPr>
+        <p:style>
+          <a:lnRef idx="1">
+            <a:schemeClr val="accent1"/>
+          </a:lnRef>
+          <a:fillRef idx="0">
+            <a:schemeClr val="accent1"/>
+          </a:fillRef>
+          <a:effectRef idx="0">
+            <a:schemeClr val="accent1"/>
+          </a:effectRef>
+          <a:fontRef idx="minor">
+            <a:schemeClr val="tx1"/>
+          </a:fontRef>
+        </p:style>
+      </p:cxnSp>
+      <p:cxnSp>
+        <p:nvCxnSpPr>
+          <p:cNvPr id="10" name="Straight Connector 9"/>
+          <p:cNvCxnSpPr>
+            <a:stCxn id="8" idx="2"/>
+          </p:cNvCxnSpPr>
+          <p:nvPr/>
+        </p:nvCxnSpPr>
+        <p:spPr>
+          <a:xfrm flipH="1">
+            <a:off x="1773450" y="1980050"/>
+            <a:ext cx="420230" cy="0"/>
+          </a:xfrm>
+          <a:prstGeom prst="line">
+            <a:avLst/>
+          </a:prstGeom>
+          <a:ln w="28575">
+            <a:solidFill>
+              <a:schemeClr val="accent1"/>
+            </a:solidFill>
+          </a:ln>
+        </p:spPr>
+        <p:style>
+          <a:lnRef idx="1">
+            <a:schemeClr val="accent1"/>
+          </a:lnRef>
+          <a:fillRef idx="0">
+            <a:schemeClr val="accent1"/>
+          </a:fillRef>
+          <a:effectRef idx="0">
+            <a:schemeClr val="accent1"/>
+          </a:effectRef>
+          <a:fontRef idx="minor">
+            <a:schemeClr val="tx1"/>
+          </a:fontRef>
+        </p:style>
+      </p:cxnSp>
+      <p:sp>
+        <p:nvSpPr>
+          <p:cNvPr id="11" name="TextBox 10"/>
+          <p:cNvSpPr txBox="1"/>
+          <p:nvPr/>
+        </p:nvSpPr>
+        <p:spPr>
+          <a:xfrm>
+            <a:off x="2548363" y="2105721"/>
+            <a:ext cx="481222" cy="369332"/>
+          </a:xfrm>
+          <a:prstGeom prst="rect">
+            <a:avLst/>
+          </a:prstGeom>
+          <a:noFill/>
+        </p:spPr>
+        <p:txBody>
+          <a:bodyPr wrap="none" rtlCol="0">
+            <a:spAutoFit/>
+          </a:bodyPr>
+          <a:lstStyle/>
+          <a:p>
+            <a:r>
+              <a:rPr lang="en-GB" dirty="0"/>
+              <a:t>1:1</a:t>
+            </a:r>
+          </a:p>
+        </p:txBody>
+      </p:sp>
+      <p:sp>
+        <p:nvSpPr>
+          <p:cNvPr id="12" name="TextBox 11"/>
+          <p:cNvSpPr txBox="1"/>
+          <p:nvPr/>
+        </p:nvSpPr>
+        <p:spPr>
+          <a:xfrm>
+            <a:off x="1824778" y="2110612"/>
+            <a:ext cx="513282" cy="369332"/>
+          </a:xfrm>
+          <a:prstGeom prst="rect">
+            <a:avLst/>
+          </a:prstGeom>
+          <a:noFill/>
+        </p:spPr>
+        <p:txBody>
+          <a:bodyPr wrap="none" rtlCol="0">
+            <a:spAutoFit/>
+          </a:bodyPr>
+          <a:lstStyle/>
+          <a:p>
+            <a:r>
+              <a:rPr lang="en-GB" dirty="0"/>
+              <a:t>0:N</a:t>
+            </a:r>
+          </a:p>
+        </p:txBody>
+      </p:sp>
+      <p:sp>
+        <p:nvSpPr>
+          <p:cNvPr id="13" name="TextBox 12"/>
+          <p:cNvSpPr txBox="1"/>
+          <p:nvPr/>
+        </p:nvSpPr>
+        <p:spPr>
+          <a:xfrm>
+            <a:off x="1921108" y="1355558"/>
+            <a:ext cx="939873" cy="369332"/>
+          </a:xfrm>
+          <a:prstGeom prst="rect">
+            <a:avLst/>
+          </a:prstGeom>
+          <a:noFill/>
+        </p:spPr>
+        <p:txBody>
+          <a:bodyPr wrap="none" rtlCol="0">
+            <a:spAutoFit/>
+          </a:bodyPr>
+          <a:lstStyle/>
+          <a:p>
+            <a:r>
+              <a:rPr lang="en-GB" dirty="0"/>
+              <a:t>replying</a:t>
+            </a:r>
+          </a:p>
+        </p:txBody>
+      </p:sp>
+      <p:sp>
+        <p:nvSpPr>
+          <p:cNvPr id="14" name="Rectangle 13"/>
+          <p:cNvSpPr/>
+          <p:nvPr/>
+        </p:nvSpPr>
+        <p:spPr>
+          <a:xfrm>
+            <a:off x="2986239" y="3167167"/>
+            <a:ext cx="1568918" cy="471638"/>
+          </a:xfrm>
+          <a:prstGeom prst="rect">
+            <a:avLst/>
+          </a:prstGeom>
+          <a:noFill/>
+          <a:ln w="38100">
+            <a:solidFill>
+              <a:srgbClr val="00B050"/>
+            </a:solidFill>
+          </a:ln>
+        </p:spPr>
+        <p:style>
+          <a:lnRef idx="2">
+            <a:schemeClr val="accent1"/>
+          </a:lnRef>
+          <a:fillRef idx="1">
+            <a:schemeClr val="lt1"/>
+          </a:fillRef>
+          <a:effectRef idx="0">
+            <a:schemeClr val="accent1"/>
+          </a:effectRef>
+          <a:fontRef idx="minor">
+            <a:schemeClr val="dk1"/>
+          </a:fontRef>
+        </p:style>
+        <p:txBody>
+          <a:bodyPr rtlCol="0" anchor="ctr"/>
+          <a:lstStyle/>
+          <a:p>
+            <a:pPr algn="ctr"/>
+            <a:r>
+              <a:rPr lang="en-GB" dirty="0"/>
+              <a:t>Answer</a:t>
+            </a:r>
+          </a:p>
+        </p:txBody>
+      </p:sp>
+      <p:sp>
+        <p:nvSpPr>
+          <p:cNvPr id="15" name="Rectangle 14"/>
+          <p:cNvSpPr/>
+          <p:nvPr/>
+        </p:nvSpPr>
+        <p:spPr>
+          <a:xfrm>
+            <a:off x="222177" y="3167167"/>
+            <a:ext cx="1568918" cy="471638"/>
+          </a:xfrm>
+          <a:prstGeom prst="rect">
+            <a:avLst/>
+          </a:prstGeom>
+          <a:noFill/>
+          <a:ln w="38100">
+            <a:solidFill>
+              <a:srgbClr val="00B050"/>
+            </a:solidFill>
+          </a:ln>
+        </p:spPr>
+        <p:style>
+          <a:lnRef idx="2">
+            <a:schemeClr val="accent1"/>
+          </a:lnRef>
+          <a:fillRef idx="1">
+            <a:schemeClr val="lt1"/>
+          </a:fillRef>
+          <a:effectRef idx="0">
+            <a:schemeClr val="accent1"/>
+          </a:effectRef>
+          <a:fontRef idx="minor">
+            <a:schemeClr val="dk1"/>
+          </a:fontRef>
+        </p:style>
+        <p:txBody>
+          <a:bodyPr rtlCol="0" anchor="ctr"/>
+          <a:lstStyle/>
+          <a:p>
+            <a:pPr algn="ctr"/>
+            <a:r>
+              <a:rPr lang="en-GB" dirty="0"/>
+              <a:t>Question</a:t>
+            </a:r>
+          </a:p>
+        </p:txBody>
+      </p:sp>
+      <p:cxnSp>
+        <p:nvCxnSpPr>
+          <p:cNvPr id="16" name="Straight Connector 15"/>
+          <p:cNvCxnSpPr>
+            <a:stCxn id="14" idx="1"/>
+            <a:endCxn id="15" idx="3"/>
+          </p:cNvCxnSpPr>
+          <p:nvPr/>
+        </p:nvCxnSpPr>
+        <p:spPr>
+          <a:xfrm flipH="1">
+            <a:off x="1791095" y="3402986"/>
+            <a:ext cx="1195144" cy="0"/>
+          </a:xfrm>
+          <a:prstGeom prst="line">
+            <a:avLst/>
+          </a:prstGeom>
+          <a:ln w="38100">
+            <a:solidFill>
+              <a:srgbClr val="00B050"/>
+            </a:solidFill>
+            <a:headEnd type="triangle" w="med" len="med"/>
+            <a:tailEnd type="none" w="med" len="med"/>
+          </a:ln>
+        </p:spPr>
+        <p:style>
+          <a:lnRef idx="1">
+            <a:schemeClr val="accent1"/>
+          </a:lnRef>
+          <a:fillRef idx="0">
+            <a:schemeClr val="accent1"/>
+          </a:fillRef>
+          <a:effectRef idx="0">
+            <a:schemeClr val="accent1"/>
+          </a:effectRef>
+          <a:fontRef idx="minor">
+            <a:schemeClr val="tx1"/>
+          </a:fontRef>
+        </p:style>
+      </p:cxnSp>
+      <p:sp>
+        <p:nvSpPr>
+          <p:cNvPr id="17" name="Rectangle 16"/>
+          <p:cNvSpPr/>
+          <p:nvPr/>
+        </p:nvSpPr>
+        <p:spPr>
+          <a:xfrm>
+            <a:off x="2994260" y="4474599"/>
+            <a:ext cx="1568918" cy="471638"/>
+          </a:xfrm>
+          <a:prstGeom prst="rect">
+            <a:avLst/>
+          </a:prstGeom>
+          <a:noFill/>
+          <a:ln w="38100">
+            <a:solidFill>
+              <a:srgbClr val="00B050"/>
+            </a:solidFill>
+          </a:ln>
+        </p:spPr>
+        <p:style>
+          <a:lnRef idx="2">
+            <a:schemeClr val="accent1"/>
+          </a:lnRef>
+          <a:fillRef idx="1">
+            <a:schemeClr val="lt1"/>
+          </a:fillRef>
+          <a:effectRef idx="0">
+            <a:schemeClr val="accent1"/>
+          </a:effectRef>
+          <a:fontRef idx="minor">
+            <a:schemeClr val="dk1"/>
+          </a:fontRef>
+        </p:style>
+        <p:txBody>
+          <a:bodyPr rtlCol="0" anchor="ctr"/>
+          <a:lstStyle/>
+          <a:p>
+            <a:pPr algn="ctr"/>
+            <a:r>
+              <a:rPr lang="en-GB" dirty="0"/>
+              <a:t>Answer</a:t>
+            </a:r>
+          </a:p>
+        </p:txBody>
+      </p:sp>
+      <p:sp>
+        <p:nvSpPr>
+          <p:cNvPr id="18" name="Rectangle 17"/>
+          <p:cNvSpPr/>
+          <p:nvPr/>
+        </p:nvSpPr>
+        <p:spPr>
+          <a:xfrm>
+            <a:off x="230198" y="4474599"/>
+            <a:ext cx="1568918" cy="471638"/>
+          </a:xfrm>
+          <a:prstGeom prst="rect">
+            <a:avLst/>
+          </a:prstGeom>
+          <a:noFill/>
+          <a:ln w="38100">
+            <a:solidFill>
+              <a:srgbClr val="00B050"/>
+            </a:solidFill>
+          </a:ln>
+        </p:spPr>
+        <p:style>
+          <a:lnRef idx="2">
+            <a:schemeClr val="accent1"/>
+          </a:lnRef>
+          <a:fillRef idx="1">
+            <a:schemeClr val="lt1"/>
+          </a:fillRef>
+          <a:effectRef idx="0">
+            <a:schemeClr val="accent1"/>
+          </a:effectRef>
+          <a:fontRef idx="minor">
+            <a:schemeClr val="dk1"/>
+          </a:fontRef>
+        </p:style>
+        <p:txBody>
+          <a:bodyPr rtlCol="0" anchor="ctr"/>
+          <a:lstStyle/>
+          <a:p>
+            <a:pPr algn="ctr"/>
+            <a:r>
+              <a:rPr lang="en-GB" dirty="0"/>
+              <a:t>Question</a:t>
+            </a:r>
+          </a:p>
+        </p:txBody>
+      </p:sp>
+      <p:cxnSp>
+        <p:nvCxnSpPr>
+          <p:cNvPr id="19" name="Straight Connector 18"/>
+          <p:cNvCxnSpPr>
+            <a:stCxn id="17" idx="1"/>
+            <a:endCxn id="18" idx="3"/>
+          </p:cNvCxnSpPr>
+          <p:nvPr/>
+        </p:nvCxnSpPr>
+        <p:spPr>
+          <a:xfrm flipH="1">
+            <a:off x="1799116" y="4710418"/>
+            <a:ext cx="1195144" cy="0"/>
+          </a:xfrm>
+          <a:prstGeom prst="line">
+            <a:avLst/>
+          </a:prstGeom>
+          <a:ln w="38100">
+            <a:solidFill>
+              <a:srgbClr val="00B050"/>
+            </a:solidFill>
+            <a:headEnd type="none" w="med" len="med"/>
+            <a:tailEnd type="triangle" w="med" len="med"/>
+          </a:ln>
+        </p:spPr>
+        <p:style>
+          <a:lnRef idx="1">
+            <a:schemeClr val="accent1"/>
+          </a:lnRef>
+          <a:fillRef idx="0">
+            <a:schemeClr val="accent1"/>
+          </a:fillRef>
+          <a:effectRef idx="0">
+            <a:schemeClr val="accent1"/>
+          </a:effectRef>
+          <a:fontRef idx="minor">
+            <a:schemeClr val="tx1"/>
+          </a:fontRef>
+        </p:style>
+      </p:cxnSp>
+      <p:sp>
+        <p:nvSpPr>
+          <p:cNvPr id="20" name="TextBox 19"/>
+          <p:cNvSpPr txBox="1"/>
+          <p:nvPr/>
+        </p:nvSpPr>
+        <p:spPr>
+          <a:xfrm>
+            <a:off x="2671888" y="3134022"/>
+            <a:ext cx="300082" cy="369332"/>
+          </a:xfrm>
+          <a:prstGeom prst="rect">
+            <a:avLst/>
+          </a:prstGeom>
+          <a:noFill/>
+        </p:spPr>
+        <p:txBody>
+          <a:bodyPr wrap="none" rtlCol="0">
+            <a:spAutoFit/>
+          </a:bodyPr>
+          <a:lstStyle/>
+          <a:p>
+            <a:r>
+              <a:rPr lang="en-GB" dirty="0"/>
+              <a:t>*</a:t>
+            </a:r>
+          </a:p>
+        </p:txBody>
+      </p:sp>
+      <p:sp>
+        <p:nvSpPr>
+          <p:cNvPr id="21" name="TextBox 20"/>
+          <p:cNvSpPr txBox="1"/>
+          <p:nvPr/>
+        </p:nvSpPr>
+        <p:spPr>
+          <a:xfrm>
+            <a:off x="1786359" y="4308305"/>
+            <a:ext cx="301686" cy="369332"/>
+          </a:xfrm>
+          <a:prstGeom prst="rect">
+            <a:avLst/>
+          </a:prstGeom>
+          <a:noFill/>
+        </p:spPr>
+        <p:txBody>
+          <a:bodyPr wrap="none" rtlCol="0">
+            <a:spAutoFit/>
+          </a:bodyPr>
+          <a:lstStyle/>
+          <a:p>
+            <a:r>
+              <a:rPr lang="en-GB" dirty="0"/>
+              <a:t>1</a:t>
+            </a:r>
+          </a:p>
+        </p:txBody>
+      </p:sp>
+      <p:sp>
+        <p:nvSpPr>
+          <p:cNvPr id="22" name="Content Placeholder 4">
+            <a:extLst>
+              <a:ext uri="{FF2B5EF4-FFF2-40B4-BE49-F238E27FC236}">
+                <a16:creationId xmlns:a16="http://schemas.microsoft.com/office/drawing/2014/main" id="{2D767349-A091-4229-9D5F-23826C10AD32}"/>
+              </a:ext>
+            </a:extLst>
+          </p:cNvPr>
+          <p:cNvSpPr txBox="1">
+            <a:spLocks/>
+          </p:cNvSpPr>
+          <p:nvPr/>
+        </p:nvSpPr>
+        <p:spPr>
+          <a:xfrm>
+            <a:off x="4629149" y="1825625"/>
+            <a:ext cx="4213293" cy="4351338"/>
+          </a:xfrm>
+          <a:prstGeom prst="rect">
+            <a:avLst/>
+          </a:prstGeom>
+        </p:spPr>
+        <p:txBody>
+          <a:bodyPr vert="horz" lIns="91440" tIns="45720" rIns="91440" bIns="45720" rtlCol="0">
+            <a:normAutofit/>
+          </a:bodyPr>
+          <a:lstStyle>
+            <a:lvl1pPr marL="228600" indent="-228600" algn="l" defTabSz="914400" rtl="0" eaLnBrk="1" latinLnBrk="0" hangingPunct="1">
+              <a:lnSpc>
+                <a:spcPct val="90000"/>
+              </a:lnSpc>
+              <a:spcBef>
+                <a:spcPts val="1000"/>
+              </a:spcBef>
+              <a:buFont typeface="Arial" panose="020B0604020202020204" pitchFamily="34" charset="0"/>
+              <a:buChar char="•"/>
+              <a:defRPr sz="2800" kern="1200">
+                <a:solidFill>
+                  <a:schemeClr val="tx1"/>
+                </a:solidFill>
+                <a:latin typeface="+mn-lt"/>
+                <a:ea typeface="+mn-ea"/>
+                <a:cs typeface="+mn-cs"/>
+              </a:defRPr>
+            </a:lvl1pPr>
+            <a:lvl2pPr marL="685800" indent="-228600" algn="l" defTabSz="914400" rtl="0" eaLnBrk="1" latinLnBrk="0" hangingPunct="1">
+              <a:lnSpc>
+                <a:spcPct val="90000"/>
+              </a:lnSpc>
+              <a:spcBef>
+                <a:spcPts val="500"/>
+              </a:spcBef>
+              <a:buFont typeface="Arial" panose="020B0604020202020204" pitchFamily="34" charset="0"/>
+              <a:buChar char="•"/>
+              <a:defRPr sz="2400" kern="1200">
+                <a:solidFill>
+                  <a:schemeClr val="tx1"/>
+                </a:solidFill>
+                <a:latin typeface="+mn-lt"/>
+                <a:ea typeface="+mn-ea"/>
+                <a:cs typeface="+mn-cs"/>
+              </a:defRPr>
+            </a:lvl2pPr>
+            <a:lvl3pPr marL="1143000" indent="-228600" algn="l" defTabSz="914400" rtl="0" eaLnBrk="1" latinLnBrk="0" hangingPunct="1">
+              <a:lnSpc>
+                <a:spcPct val="90000"/>
+              </a:lnSpc>
+              <a:spcBef>
+                <a:spcPts val="500"/>
+              </a:spcBef>
+              <a:buFont typeface="Arial" panose="020B0604020202020204" pitchFamily="34" charset="0"/>
+              <a:buChar char="•"/>
+              <a:defRPr sz="2000" kern="1200">
+                <a:solidFill>
+                  <a:schemeClr val="tx1"/>
+                </a:solidFill>
+                <a:latin typeface="+mn-lt"/>
+                <a:ea typeface="+mn-ea"/>
+                <a:cs typeface="+mn-cs"/>
+              </a:defRPr>
+            </a:lvl3pPr>
+            <a:lvl4pPr marL="1600200" indent="-228600" algn="l" defTabSz="914400" rtl="0" eaLnBrk="1" latinLnBrk="0" hangingPunct="1">
+              <a:lnSpc>
+                <a:spcPct val="90000"/>
+              </a:lnSpc>
+              <a:spcBef>
+                <a:spcPts val="500"/>
+              </a:spcBef>
+              <a:buFont typeface="Arial" panose="020B0604020202020204" pitchFamily="34" charset="0"/>
+              <a:buChar char="•"/>
+              <a:defRPr sz="1800" kern="1200">
+                <a:solidFill>
+                  <a:schemeClr val="tx1"/>
+                </a:solidFill>
+                <a:latin typeface="+mn-lt"/>
+                <a:ea typeface="+mn-ea"/>
+                <a:cs typeface="+mn-cs"/>
+              </a:defRPr>
+            </a:lvl4pPr>
+            <a:lvl5pPr marL="2057400" indent="-228600" algn="l" defTabSz="914400" rtl="0" eaLnBrk="1" latinLnBrk="0" hangingPunct="1">
+              <a:lnSpc>
+                <a:spcPct val="90000"/>
+              </a:lnSpc>
+              <a:spcBef>
+                <a:spcPts val="500"/>
+              </a:spcBef>
+              <a:buFont typeface="Arial" panose="020B0604020202020204" pitchFamily="34" charset="0"/>
+              <a:buChar char="•"/>
+              <a:defRPr sz="1800" kern="1200">
+                <a:solidFill>
+                  <a:schemeClr val="tx1"/>
+                </a:solidFill>
+                <a:latin typeface="+mn-lt"/>
+                <a:ea typeface="+mn-ea"/>
+                <a:cs typeface="+mn-cs"/>
+              </a:defRPr>
+            </a:lvl5pPr>
+            <a:lvl6pPr marL="2514600" indent="-228600" algn="l" defTabSz="914400" rtl="0" eaLnBrk="1" latinLnBrk="0" hangingPunct="1">
+              <a:lnSpc>
+                <a:spcPct val="90000"/>
+              </a:lnSpc>
+              <a:spcBef>
+                <a:spcPts val="500"/>
+              </a:spcBef>
+              <a:buFont typeface="Arial" panose="020B0604020202020204" pitchFamily="34" charset="0"/>
+              <a:buChar char="•"/>
+              <a:defRPr sz="1800" kern="1200">
+                <a:solidFill>
+                  <a:schemeClr val="tx1"/>
+                </a:solidFill>
+                <a:latin typeface="+mn-lt"/>
+                <a:ea typeface="+mn-ea"/>
+                <a:cs typeface="+mn-cs"/>
+              </a:defRPr>
+            </a:lvl6pPr>
+            <a:lvl7pPr marL="2971800" indent="-228600" algn="l" defTabSz="914400" rtl="0" eaLnBrk="1" latinLnBrk="0" hangingPunct="1">
+              <a:lnSpc>
+                <a:spcPct val="90000"/>
+              </a:lnSpc>
+              <a:spcBef>
+                <a:spcPts val="500"/>
+              </a:spcBef>
+              <a:buFont typeface="Arial" panose="020B0604020202020204" pitchFamily="34" charset="0"/>
+              <a:buChar char="•"/>
+              <a:defRPr sz="1800" kern="1200">
+                <a:solidFill>
+                  <a:schemeClr val="tx1"/>
+                </a:solidFill>
+                <a:latin typeface="+mn-lt"/>
+                <a:ea typeface="+mn-ea"/>
+                <a:cs typeface="+mn-cs"/>
+              </a:defRPr>
+            </a:lvl7pPr>
+            <a:lvl8pPr marL="3429000" indent="-228600" algn="l" defTabSz="914400" rtl="0" eaLnBrk="1" latinLnBrk="0" hangingPunct="1">
+              <a:lnSpc>
+                <a:spcPct val="90000"/>
+              </a:lnSpc>
+              <a:spcBef>
+                <a:spcPts val="500"/>
+              </a:spcBef>
+              <a:buFont typeface="Arial" panose="020B0604020202020204" pitchFamily="34" charset="0"/>
+              <a:buChar char="•"/>
+              <a:defRPr sz="1800" kern="1200">
+                <a:solidFill>
+                  <a:schemeClr val="tx1"/>
+                </a:solidFill>
+                <a:latin typeface="+mn-lt"/>
+                <a:ea typeface="+mn-ea"/>
+                <a:cs typeface="+mn-cs"/>
+              </a:defRPr>
+            </a:lvl8pPr>
+            <a:lvl9pPr marL="3886200" indent="-228600" algn="l" defTabSz="914400" rtl="0" eaLnBrk="1" latinLnBrk="0" hangingPunct="1">
+              <a:lnSpc>
+                <a:spcPct val="90000"/>
+              </a:lnSpc>
+              <a:spcBef>
+                <a:spcPts val="500"/>
+              </a:spcBef>
+              <a:buFont typeface="Arial" panose="020B0604020202020204" pitchFamily="34" charset="0"/>
+              <a:buChar char="•"/>
+              <a:defRPr sz="1800" kern="1200">
+                <a:solidFill>
+                  <a:schemeClr val="tx1"/>
+                </a:solidFill>
+                <a:latin typeface="+mn-lt"/>
+                <a:ea typeface="+mn-ea"/>
+                <a:cs typeface="+mn-cs"/>
+              </a:defRPr>
+            </a:lvl9pPr>
+          </a:lstStyle>
+          <a:p>
+            <a:r>
+              <a:rPr lang="en-GB" dirty="0"/>
+              <a:t>Question </a:t>
+            </a:r>
+            <a:r>
+              <a:rPr lang="en-GB" dirty="0">
+                <a:sym typeface="Wingdings" panose="05000000000000000000" pitchFamily="2" charset="2"/>
+              </a:rPr>
+              <a:t></a:t>
+            </a:r>
+            <a:r>
+              <a:rPr lang="en-GB" dirty="0"/>
+              <a:t> Answer @OneToMany</a:t>
+            </a:r>
+          </a:p>
+          <a:p>
+            <a:pPr lvl="1"/>
+            <a:r>
+              <a:rPr lang="en-GB" dirty="0"/>
+              <a:t>Each question can be replied by many questions </a:t>
+            </a:r>
+          </a:p>
+          <a:p>
+            <a:r>
+              <a:rPr lang="en-GB" dirty="0"/>
+              <a:t>Answer </a:t>
+            </a:r>
+            <a:r>
+              <a:rPr lang="en-GB" dirty="0">
+                <a:sym typeface="Wingdings" panose="05000000000000000000" pitchFamily="2" charset="2"/>
+              </a:rPr>
+              <a:t> Question </a:t>
+            </a:r>
+            <a:r>
+              <a:rPr lang="en-GB" dirty="0"/>
+              <a:t>@ManyToOne</a:t>
+            </a:r>
+          </a:p>
+          <a:p>
+            <a:pPr lvl="1"/>
+            <a:r>
+              <a:rPr lang="en-GB" dirty="0"/>
+              <a:t>Many answers can reply the same question</a:t>
+            </a:r>
+          </a:p>
+          <a:p>
+            <a:pPr lvl="1"/>
+            <a:r>
+              <a:rPr lang="en-GB" dirty="0"/>
+              <a:t>Owner of the relationship</a:t>
+            </a:r>
+          </a:p>
+          <a:p>
+            <a:pPr lvl="1"/>
+            <a:endParaRPr lang="en-GB" dirty="0"/>
+          </a:p>
+        </p:txBody>
+      </p:sp>
+    </p:spTree>
+    <p:extLst>
+      <p:ext uri="{BB962C8B-B14F-4D97-AF65-F5344CB8AC3E}">
+        <p14:creationId xmlns:p14="http://schemas.microsoft.com/office/powerpoint/2010/main" val="1392560634"/>
+      </p:ext>
+    </p:extLst>
+  </p:cSld>
+  <p:clrMapOvr>
+    <a:masterClrMapping/>
+  </p:clrMapOvr>
+</p:sld>
+</file>
+
+<file path=ppt/slides/slide12.xml><?xml version="1.0" encoding="utf-8"?>
+<p:sld xmlns:a="http://schemas.openxmlformats.org/drawingml/2006/main" xmlns:r="http://schemas.openxmlformats.org/officeDocument/2006/relationships" xmlns:p="http://schemas.openxmlformats.org/presentationml/2006/main">
+  <p:cSld>
+    <p:spTree>
+      <p:nvGrpSpPr>
+        <p:cNvPr id="1" name=""/>
+        <p:cNvGrpSpPr/>
+        <p:nvPr/>
+      </p:nvGrpSpPr>
+      <p:grpSpPr>
+        <a:xfrm>
+          <a:off x="0" y="0"/>
+          <a:ext cx="0" cy="0"/>
+          <a:chOff x="0" y="0"/>
+          <a:chExt cx="0" cy="0"/>
+        </a:xfrm>
+      </p:grpSpPr>
+      <p:sp>
+        <p:nvSpPr>
+          <p:cNvPr id="2" name="Title 1"/>
+          <p:cNvSpPr>
+            <a:spLocks noGrp="1"/>
+          </p:cNvSpPr>
+          <p:nvPr>
+            <p:ph type="title"/>
+          </p:nvPr>
+        </p:nvSpPr>
+        <p:spPr/>
+        <p:txBody>
+          <a:bodyPr/>
+          <a:lstStyle/>
+          <a:p>
+            <a:r>
+              <a:rPr lang="en-GB" dirty="0"/>
+              <a:t>Relationship “having” </a:t>
+            </a:r>
+          </a:p>
+        </p:txBody>
+      </p:sp>
+      <p:sp>
+        <p:nvSpPr>
+          <p:cNvPr id="6" name="Rectangle 5"/>
+          <p:cNvSpPr/>
+          <p:nvPr/>
+        </p:nvSpPr>
+        <p:spPr>
+          <a:xfrm>
+            <a:off x="2968593" y="1744230"/>
+            <a:ext cx="1568918" cy="471638"/>
+          </a:xfrm>
+          <a:prstGeom prst="rect">
+            <a:avLst/>
+          </a:prstGeom>
+          <a:ln w="38100"/>
+        </p:spPr>
+        <p:style>
+          <a:lnRef idx="2">
+            <a:schemeClr val="accent1"/>
+          </a:lnRef>
+          <a:fillRef idx="1">
+            <a:schemeClr val="lt1"/>
+          </a:fillRef>
+          <a:effectRef idx="0">
+            <a:schemeClr val="accent1"/>
+          </a:effectRef>
+          <a:fontRef idx="minor">
+            <a:schemeClr val="dk1"/>
+          </a:fontRef>
+        </p:style>
+        <p:txBody>
+          <a:bodyPr rtlCol="0" anchor="ctr"/>
+          <a:lstStyle/>
+          <a:p>
+            <a:pPr algn="ctr"/>
+            <a:r>
+              <a:rPr lang="en-GB" dirty="0"/>
+              <a:t>Question</a:t>
+            </a:r>
+          </a:p>
+        </p:txBody>
+      </p:sp>
+      <p:sp>
+        <p:nvSpPr>
+          <p:cNvPr id="7" name="Rectangle 6"/>
+          <p:cNvSpPr/>
+          <p:nvPr/>
+        </p:nvSpPr>
+        <p:spPr>
+          <a:xfrm>
+            <a:off x="204531" y="1744230"/>
+            <a:ext cx="1568918" cy="471638"/>
+          </a:xfrm>
+          <a:prstGeom prst="rect">
+            <a:avLst/>
+          </a:prstGeom>
+          <a:ln w="38100"/>
+        </p:spPr>
+        <p:style>
+          <a:lnRef idx="2">
+            <a:schemeClr val="accent1"/>
+          </a:lnRef>
+          <a:fillRef idx="1">
+            <a:schemeClr val="lt1"/>
+          </a:fillRef>
+          <a:effectRef idx="0">
+            <a:schemeClr val="accent1"/>
+          </a:effectRef>
+          <a:fontRef idx="minor">
+            <a:schemeClr val="dk1"/>
+          </a:fontRef>
+        </p:style>
+        <p:txBody>
+          <a:bodyPr rtlCol="0" anchor="ctr"/>
+          <a:lstStyle/>
+          <a:p>
+            <a:pPr algn="ctr"/>
+            <a:r>
+              <a:rPr lang="en-GB" dirty="0"/>
+              <a:t>Product</a:t>
+            </a:r>
+          </a:p>
+        </p:txBody>
+      </p:sp>
+      <p:sp>
+        <p:nvSpPr>
+          <p:cNvPr id="8" name="Diamond 7"/>
+          <p:cNvSpPr/>
+          <p:nvPr/>
+        </p:nvSpPr>
+        <p:spPr>
+          <a:xfrm rot="5400000">
+            <a:off x="2204983" y="1771428"/>
+            <a:ext cx="394638" cy="417244"/>
+          </a:xfrm>
+          <a:prstGeom prst="diamond">
+            <a:avLst/>
+          </a:prstGeom>
+          <a:ln w="38100"/>
+        </p:spPr>
+        <p:style>
+          <a:lnRef idx="2">
+            <a:schemeClr val="accent1"/>
+          </a:lnRef>
+          <a:fillRef idx="1">
+            <a:schemeClr val="lt1"/>
+          </a:fillRef>
+          <a:effectRef idx="0">
+            <a:schemeClr val="accent1"/>
+          </a:effectRef>
+          <a:fontRef idx="minor">
+            <a:schemeClr val="dk1"/>
+          </a:fontRef>
+        </p:style>
+        <p:txBody>
+          <a:bodyPr rtlCol="0" anchor="ctr"/>
+          <a:lstStyle/>
+          <a:p>
+            <a:pPr algn="ctr"/>
+            <a:endParaRPr lang="en-GB">
+              <a:solidFill>
+                <a:schemeClr val="dk1"/>
+              </a:solidFill>
+            </a:endParaRPr>
+          </a:p>
+        </p:txBody>
+      </p:sp>
+      <p:cxnSp>
+        <p:nvCxnSpPr>
+          <p:cNvPr id="9" name="Straight Connector 8"/>
+          <p:cNvCxnSpPr>
+            <a:stCxn id="6" idx="1"/>
+          </p:cNvCxnSpPr>
+          <p:nvPr/>
+        </p:nvCxnSpPr>
+        <p:spPr>
+          <a:xfrm flipH="1">
+            <a:off x="2639800" y="1980049"/>
+            <a:ext cx="328793" cy="1"/>
+          </a:xfrm>
+          <a:prstGeom prst="line">
+            <a:avLst/>
+          </a:prstGeom>
+          <a:ln w="28575">
+            <a:solidFill>
+              <a:schemeClr val="accent1"/>
+            </a:solidFill>
+          </a:ln>
+        </p:spPr>
+        <p:style>
+          <a:lnRef idx="1">
+            <a:schemeClr val="accent1"/>
+          </a:lnRef>
+          <a:fillRef idx="0">
+            <a:schemeClr val="accent1"/>
+          </a:fillRef>
+          <a:effectRef idx="0">
+            <a:schemeClr val="accent1"/>
+          </a:effectRef>
+          <a:fontRef idx="minor">
+            <a:schemeClr val="tx1"/>
+          </a:fontRef>
+        </p:style>
+      </p:cxnSp>
+      <p:cxnSp>
+        <p:nvCxnSpPr>
+          <p:cNvPr id="10" name="Straight Connector 9"/>
+          <p:cNvCxnSpPr>
+            <a:stCxn id="8" idx="2"/>
+          </p:cNvCxnSpPr>
+          <p:nvPr/>
+        </p:nvCxnSpPr>
+        <p:spPr>
+          <a:xfrm flipH="1">
+            <a:off x="1773450" y="1980050"/>
+            <a:ext cx="420230" cy="0"/>
+          </a:xfrm>
+          <a:prstGeom prst="line">
+            <a:avLst/>
+          </a:prstGeom>
+          <a:ln w="28575">
+            <a:solidFill>
+              <a:schemeClr val="accent1"/>
+            </a:solidFill>
+          </a:ln>
+        </p:spPr>
+        <p:style>
+          <a:lnRef idx="1">
+            <a:schemeClr val="accent1"/>
+          </a:lnRef>
+          <a:fillRef idx="0">
+            <a:schemeClr val="accent1"/>
+          </a:fillRef>
+          <a:effectRef idx="0">
+            <a:schemeClr val="accent1"/>
+          </a:effectRef>
+          <a:fontRef idx="minor">
+            <a:schemeClr val="tx1"/>
+          </a:fontRef>
+        </p:style>
+      </p:cxnSp>
+      <p:sp>
+        <p:nvSpPr>
+          <p:cNvPr id="11" name="TextBox 10"/>
+          <p:cNvSpPr txBox="1"/>
+          <p:nvPr/>
+        </p:nvSpPr>
+        <p:spPr>
+          <a:xfrm>
+            <a:off x="2548363" y="2105721"/>
+            <a:ext cx="481222" cy="369332"/>
+          </a:xfrm>
+          <a:prstGeom prst="rect">
+            <a:avLst/>
+          </a:prstGeom>
+          <a:noFill/>
+        </p:spPr>
+        <p:txBody>
+          <a:bodyPr wrap="none" rtlCol="0">
+            <a:spAutoFit/>
+          </a:bodyPr>
+          <a:lstStyle/>
+          <a:p>
+            <a:r>
+              <a:rPr lang="en-GB" dirty="0"/>
+              <a:t>1:1</a:t>
+            </a:r>
+          </a:p>
+        </p:txBody>
+      </p:sp>
+      <p:sp>
+        <p:nvSpPr>
+          <p:cNvPr id="12" name="TextBox 11"/>
+          <p:cNvSpPr txBox="1"/>
+          <p:nvPr/>
+        </p:nvSpPr>
+        <p:spPr>
+          <a:xfrm>
+            <a:off x="1824778" y="2110612"/>
+            <a:ext cx="513282" cy="369332"/>
+          </a:xfrm>
+          <a:prstGeom prst="rect">
+            <a:avLst/>
+          </a:prstGeom>
+          <a:noFill/>
+        </p:spPr>
+        <p:txBody>
+          <a:bodyPr wrap="none" rtlCol="0">
+            <a:spAutoFit/>
+          </a:bodyPr>
+          <a:lstStyle/>
+          <a:p>
+            <a:r>
+              <a:rPr lang="en-GB" dirty="0"/>
+              <a:t>3:N</a:t>
+            </a:r>
+          </a:p>
+        </p:txBody>
+      </p:sp>
+      <p:sp>
+        <p:nvSpPr>
+          <p:cNvPr id="13" name="TextBox 12"/>
+          <p:cNvSpPr txBox="1"/>
+          <p:nvPr/>
+        </p:nvSpPr>
+        <p:spPr>
+          <a:xfrm>
+            <a:off x="2005944" y="1355558"/>
+            <a:ext cx="801181" cy="369332"/>
+          </a:xfrm>
+          <a:prstGeom prst="rect">
+            <a:avLst/>
+          </a:prstGeom>
+          <a:noFill/>
+        </p:spPr>
+        <p:txBody>
+          <a:bodyPr wrap="none" rtlCol="0">
+            <a:spAutoFit/>
+          </a:bodyPr>
+          <a:lstStyle/>
+          <a:p>
+            <a:r>
+              <a:rPr lang="en-GB" dirty="0"/>
+              <a:t>having</a:t>
+            </a:r>
+          </a:p>
+        </p:txBody>
+      </p:sp>
+      <p:sp>
+        <p:nvSpPr>
+          <p:cNvPr id="14" name="Rectangle 13"/>
+          <p:cNvSpPr/>
+          <p:nvPr/>
+        </p:nvSpPr>
+        <p:spPr>
+          <a:xfrm>
+            <a:off x="2986239" y="3167167"/>
+            <a:ext cx="1568918" cy="471638"/>
+          </a:xfrm>
+          <a:prstGeom prst="rect">
+            <a:avLst/>
+          </a:prstGeom>
+          <a:noFill/>
+          <a:ln w="38100">
+            <a:solidFill>
+              <a:srgbClr val="00B050"/>
+            </a:solidFill>
+          </a:ln>
+        </p:spPr>
+        <p:style>
+          <a:lnRef idx="2">
+            <a:schemeClr val="accent1"/>
+          </a:lnRef>
+          <a:fillRef idx="1">
+            <a:schemeClr val="lt1"/>
+          </a:fillRef>
+          <a:effectRef idx="0">
+            <a:schemeClr val="accent1"/>
+          </a:effectRef>
+          <a:fontRef idx="minor">
+            <a:schemeClr val="dk1"/>
+          </a:fontRef>
+        </p:style>
+        <p:txBody>
+          <a:bodyPr rtlCol="0" anchor="ctr"/>
+          <a:lstStyle/>
+          <a:p>
+            <a:pPr algn="ctr"/>
+            <a:r>
+              <a:rPr lang="en-GB" dirty="0"/>
+              <a:t>Question</a:t>
+            </a:r>
+          </a:p>
+        </p:txBody>
+      </p:sp>
+      <p:sp>
+        <p:nvSpPr>
+          <p:cNvPr id="15" name="Rectangle 14"/>
+          <p:cNvSpPr/>
+          <p:nvPr/>
+        </p:nvSpPr>
+        <p:spPr>
+          <a:xfrm>
+            <a:off x="222177" y="3167167"/>
+            <a:ext cx="1568918" cy="471638"/>
+          </a:xfrm>
+          <a:prstGeom prst="rect">
+            <a:avLst/>
+          </a:prstGeom>
+          <a:noFill/>
+          <a:ln w="38100">
+            <a:solidFill>
+              <a:srgbClr val="00B050"/>
+            </a:solidFill>
+          </a:ln>
+        </p:spPr>
+        <p:style>
+          <a:lnRef idx="2">
+            <a:schemeClr val="accent1"/>
+          </a:lnRef>
+          <a:fillRef idx="1">
+            <a:schemeClr val="lt1"/>
+          </a:fillRef>
+          <a:effectRef idx="0">
+            <a:schemeClr val="accent1"/>
+          </a:effectRef>
+          <a:fontRef idx="minor">
+            <a:schemeClr val="dk1"/>
+          </a:fontRef>
+        </p:style>
+        <p:txBody>
+          <a:bodyPr rtlCol="0" anchor="ctr"/>
+          <a:lstStyle/>
+          <a:p>
+            <a:pPr algn="ctr"/>
+            <a:r>
+              <a:rPr lang="en-GB" dirty="0"/>
+              <a:t>Product</a:t>
+            </a:r>
+          </a:p>
+        </p:txBody>
+      </p:sp>
+      <p:cxnSp>
+        <p:nvCxnSpPr>
+          <p:cNvPr id="16" name="Straight Connector 15"/>
+          <p:cNvCxnSpPr>
+            <a:stCxn id="14" idx="1"/>
+            <a:endCxn id="15" idx="3"/>
+          </p:cNvCxnSpPr>
+          <p:nvPr/>
+        </p:nvCxnSpPr>
+        <p:spPr>
+          <a:xfrm flipH="1">
+            <a:off x="1791095" y="3402986"/>
+            <a:ext cx="1195144" cy="0"/>
+          </a:xfrm>
+          <a:prstGeom prst="line">
+            <a:avLst/>
+          </a:prstGeom>
+          <a:ln w="38100">
+            <a:solidFill>
+              <a:srgbClr val="00B050"/>
+            </a:solidFill>
+            <a:headEnd type="triangle" w="med" len="med"/>
+            <a:tailEnd type="none" w="med" len="med"/>
+          </a:ln>
+        </p:spPr>
+        <p:style>
+          <a:lnRef idx="1">
+            <a:schemeClr val="accent1"/>
+          </a:lnRef>
+          <a:fillRef idx="0">
+            <a:schemeClr val="accent1"/>
+          </a:fillRef>
+          <a:effectRef idx="0">
+            <a:schemeClr val="accent1"/>
+          </a:effectRef>
+          <a:fontRef idx="minor">
+            <a:schemeClr val="tx1"/>
+          </a:fontRef>
+        </p:style>
+      </p:cxnSp>
+      <p:sp>
+        <p:nvSpPr>
+          <p:cNvPr id="17" name="Rectangle 16"/>
+          <p:cNvSpPr/>
+          <p:nvPr/>
+        </p:nvSpPr>
+        <p:spPr>
+          <a:xfrm>
+            <a:off x="2994260" y="4474599"/>
+            <a:ext cx="1568918" cy="471638"/>
+          </a:xfrm>
+          <a:prstGeom prst="rect">
+            <a:avLst/>
+          </a:prstGeom>
+          <a:noFill/>
+          <a:ln w="38100">
+            <a:solidFill>
+              <a:srgbClr val="00B050"/>
+            </a:solidFill>
+          </a:ln>
+        </p:spPr>
+        <p:style>
+          <a:lnRef idx="2">
+            <a:schemeClr val="accent1"/>
+          </a:lnRef>
+          <a:fillRef idx="1">
+            <a:schemeClr val="lt1"/>
+          </a:fillRef>
+          <a:effectRef idx="0">
+            <a:schemeClr val="accent1"/>
+          </a:effectRef>
+          <a:fontRef idx="minor">
+            <a:schemeClr val="dk1"/>
+          </a:fontRef>
+        </p:style>
+        <p:txBody>
+          <a:bodyPr rtlCol="0" anchor="ctr"/>
+          <a:lstStyle/>
+          <a:p>
+            <a:pPr algn="ctr"/>
+            <a:r>
+              <a:rPr lang="en-GB" dirty="0"/>
+              <a:t>Question</a:t>
+            </a:r>
+          </a:p>
+        </p:txBody>
+      </p:sp>
+      <p:sp>
+        <p:nvSpPr>
+          <p:cNvPr id="18" name="Rectangle 17"/>
+          <p:cNvSpPr/>
+          <p:nvPr/>
+        </p:nvSpPr>
+        <p:spPr>
+          <a:xfrm>
+            <a:off x="230198" y="4474599"/>
+            <a:ext cx="1568918" cy="471638"/>
+          </a:xfrm>
+          <a:prstGeom prst="rect">
+            <a:avLst/>
+          </a:prstGeom>
+          <a:noFill/>
+          <a:ln w="38100">
+            <a:solidFill>
+              <a:srgbClr val="00B050"/>
+            </a:solidFill>
+          </a:ln>
+        </p:spPr>
+        <p:style>
+          <a:lnRef idx="2">
+            <a:schemeClr val="accent1"/>
+          </a:lnRef>
+          <a:fillRef idx="1">
+            <a:schemeClr val="lt1"/>
+          </a:fillRef>
+          <a:effectRef idx="0">
+            <a:schemeClr val="accent1"/>
+          </a:effectRef>
+          <a:fontRef idx="minor">
+            <a:schemeClr val="dk1"/>
+          </a:fontRef>
+        </p:style>
+        <p:txBody>
+          <a:bodyPr rtlCol="0" anchor="ctr"/>
+          <a:lstStyle/>
+          <a:p>
+            <a:pPr algn="ctr"/>
+            <a:r>
+              <a:rPr lang="en-GB" dirty="0"/>
+              <a:t>Product</a:t>
+            </a:r>
+          </a:p>
+        </p:txBody>
+      </p:sp>
+      <p:cxnSp>
+        <p:nvCxnSpPr>
+          <p:cNvPr id="19" name="Straight Connector 18"/>
+          <p:cNvCxnSpPr>
+            <a:stCxn id="17" idx="1"/>
+            <a:endCxn id="18" idx="3"/>
+          </p:cNvCxnSpPr>
+          <p:nvPr/>
+        </p:nvCxnSpPr>
+        <p:spPr>
+          <a:xfrm flipH="1">
+            <a:off x="1799116" y="4710418"/>
+            <a:ext cx="1195144" cy="0"/>
+          </a:xfrm>
+          <a:prstGeom prst="line">
+            <a:avLst/>
+          </a:prstGeom>
+          <a:ln w="38100">
+            <a:solidFill>
+              <a:srgbClr val="00B050"/>
+            </a:solidFill>
+            <a:headEnd type="none" w="med" len="med"/>
+            <a:tailEnd type="triangle" w="med" len="med"/>
+          </a:ln>
+        </p:spPr>
+        <p:style>
+          <a:lnRef idx="1">
+            <a:schemeClr val="accent1"/>
+          </a:lnRef>
+          <a:fillRef idx="0">
+            <a:schemeClr val="accent1"/>
+          </a:fillRef>
+          <a:effectRef idx="0">
+            <a:schemeClr val="accent1"/>
+          </a:effectRef>
+          <a:fontRef idx="minor">
+            <a:schemeClr val="tx1"/>
+          </a:fontRef>
+        </p:style>
+      </p:cxnSp>
+      <p:sp>
+        <p:nvSpPr>
+          <p:cNvPr id="20" name="TextBox 19"/>
+          <p:cNvSpPr txBox="1"/>
+          <p:nvPr/>
+        </p:nvSpPr>
+        <p:spPr>
+          <a:xfrm>
+            <a:off x="2671888" y="3134022"/>
+            <a:ext cx="300082" cy="369332"/>
+          </a:xfrm>
+          <a:prstGeom prst="rect">
+            <a:avLst/>
+          </a:prstGeom>
+          <a:noFill/>
+        </p:spPr>
+        <p:txBody>
+          <a:bodyPr wrap="none" rtlCol="0">
+            <a:spAutoFit/>
+          </a:bodyPr>
+          <a:lstStyle/>
+          <a:p>
+            <a:r>
+              <a:rPr lang="en-GB" dirty="0"/>
+              <a:t>*</a:t>
+            </a:r>
+          </a:p>
+        </p:txBody>
+      </p:sp>
+      <p:sp>
+        <p:nvSpPr>
+          <p:cNvPr id="21" name="TextBox 20"/>
+          <p:cNvSpPr txBox="1"/>
+          <p:nvPr/>
+        </p:nvSpPr>
+        <p:spPr>
+          <a:xfrm>
+            <a:off x="1786359" y="4308305"/>
+            <a:ext cx="301686" cy="369332"/>
+          </a:xfrm>
+          <a:prstGeom prst="rect">
+            <a:avLst/>
+          </a:prstGeom>
+          <a:noFill/>
+        </p:spPr>
+        <p:txBody>
+          <a:bodyPr wrap="none" rtlCol="0">
+            <a:spAutoFit/>
+          </a:bodyPr>
+          <a:lstStyle/>
+          <a:p>
+            <a:r>
+              <a:rPr lang="en-GB" dirty="0"/>
+              <a:t>1</a:t>
+            </a:r>
+          </a:p>
+        </p:txBody>
+      </p:sp>
+      <p:sp>
+        <p:nvSpPr>
+          <p:cNvPr id="23" name="Content Placeholder 4">
+            <a:extLst>
+              <a:ext uri="{FF2B5EF4-FFF2-40B4-BE49-F238E27FC236}">
+                <a16:creationId xmlns:a16="http://schemas.microsoft.com/office/drawing/2014/main" id="{7B006282-73CE-4708-9F6E-6D94AC90BF94}"/>
+              </a:ext>
+            </a:extLst>
+          </p:cNvPr>
+          <p:cNvSpPr txBox="1">
+            <a:spLocks/>
+          </p:cNvSpPr>
+          <p:nvPr/>
+        </p:nvSpPr>
+        <p:spPr>
+          <a:xfrm>
+            <a:off x="4629149" y="1825625"/>
+            <a:ext cx="4213293" cy="4351338"/>
+          </a:xfrm>
+          <a:prstGeom prst="rect">
+            <a:avLst/>
+          </a:prstGeom>
+        </p:spPr>
+        <p:txBody>
+          <a:bodyPr vert="horz" lIns="91440" tIns="45720" rIns="91440" bIns="45720" rtlCol="0">
+            <a:normAutofit/>
+          </a:bodyPr>
+          <a:lstStyle>
+            <a:lvl1pPr marL="228600" indent="-228600" algn="l" defTabSz="914400" rtl="0" eaLnBrk="1" latinLnBrk="0" hangingPunct="1">
+              <a:lnSpc>
+                <a:spcPct val="90000"/>
+              </a:lnSpc>
+              <a:spcBef>
+                <a:spcPts val="1000"/>
+              </a:spcBef>
+              <a:buFont typeface="Arial" panose="020B0604020202020204" pitchFamily="34" charset="0"/>
+              <a:buChar char="•"/>
+              <a:defRPr sz="2800" kern="1200">
+                <a:solidFill>
+                  <a:schemeClr val="tx1"/>
+                </a:solidFill>
+                <a:latin typeface="+mn-lt"/>
+                <a:ea typeface="+mn-ea"/>
+                <a:cs typeface="+mn-cs"/>
+              </a:defRPr>
+            </a:lvl1pPr>
+            <a:lvl2pPr marL="685800" indent="-228600" algn="l" defTabSz="914400" rtl="0" eaLnBrk="1" latinLnBrk="0" hangingPunct="1">
+              <a:lnSpc>
+                <a:spcPct val="90000"/>
+              </a:lnSpc>
+              <a:spcBef>
+                <a:spcPts val="500"/>
+              </a:spcBef>
+              <a:buFont typeface="Arial" panose="020B0604020202020204" pitchFamily="34" charset="0"/>
+              <a:buChar char="•"/>
+              <a:defRPr sz="2400" kern="1200">
+                <a:solidFill>
+                  <a:schemeClr val="tx1"/>
+                </a:solidFill>
+                <a:latin typeface="+mn-lt"/>
+                <a:ea typeface="+mn-ea"/>
+                <a:cs typeface="+mn-cs"/>
+              </a:defRPr>
+            </a:lvl2pPr>
+            <a:lvl3pPr marL="1143000" indent="-228600" algn="l" defTabSz="914400" rtl="0" eaLnBrk="1" latinLnBrk="0" hangingPunct="1">
+              <a:lnSpc>
+                <a:spcPct val="90000"/>
+              </a:lnSpc>
+              <a:spcBef>
+                <a:spcPts val="500"/>
+              </a:spcBef>
+              <a:buFont typeface="Arial" panose="020B0604020202020204" pitchFamily="34" charset="0"/>
+              <a:buChar char="•"/>
+              <a:defRPr sz="2000" kern="1200">
+                <a:solidFill>
+                  <a:schemeClr val="tx1"/>
+                </a:solidFill>
+                <a:latin typeface="+mn-lt"/>
+                <a:ea typeface="+mn-ea"/>
+                <a:cs typeface="+mn-cs"/>
+              </a:defRPr>
+            </a:lvl3pPr>
+            <a:lvl4pPr marL="1600200" indent="-228600" algn="l" defTabSz="914400" rtl="0" eaLnBrk="1" latinLnBrk="0" hangingPunct="1">
+              <a:lnSpc>
+                <a:spcPct val="90000"/>
+              </a:lnSpc>
+              <a:spcBef>
+                <a:spcPts val="500"/>
+              </a:spcBef>
+              <a:buFont typeface="Arial" panose="020B0604020202020204" pitchFamily="34" charset="0"/>
+              <a:buChar char="•"/>
+              <a:defRPr sz="1800" kern="1200">
+                <a:solidFill>
+                  <a:schemeClr val="tx1"/>
+                </a:solidFill>
+                <a:latin typeface="+mn-lt"/>
+                <a:ea typeface="+mn-ea"/>
+                <a:cs typeface="+mn-cs"/>
+              </a:defRPr>
+            </a:lvl4pPr>
+            <a:lvl5pPr marL="2057400" indent="-228600" algn="l" defTabSz="914400" rtl="0" eaLnBrk="1" latinLnBrk="0" hangingPunct="1">
+              <a:lnSpc>
+                <a:spcPct val="90000"/>
+              </a:lnSpc>
+              <a:spcBef>
+                <a:spcPts val="500"/>
+              </a:spcBef>
+              <a:buFont typeface="Arial" panose="020B0604020202020204" pitchFamily="34" charset="0"/>
+              <a:buChar char="•"/>
+              <a:defRPr sz="1800" kern="1200">
+                <a:solidFill>
+                  <a:schemeClr val="tx1"/>
+                </a:solidFill>
+                <a:latin typeface="+mn-lt"/>
+                <a:ea typeface="+mn-ea"/>
+                <a:cs typeface="+mn-cs"/>
+              </a:defRPr>
+            </a:lvl5pPr>
+            <a:lvl6pPr marL="2514600" indent="-228600" algn="l" defTabSz="914400" rtl="0" eaLnBrk="1" latinLnBrk="0" hangingPunct="1">
+              <a:lnSpc>
+                <a:spcPct val="90000"/>
+              </a:lnSpc>
+              <a:spcBef>
+                <a:spcPts val="500"/>
+              </a:spcBef>
+              <a:buFont typeface="Arial" panose="020B0604020202020204" pitchFamily="34" charset="0"/>
+              <a:buChar char="•"/>
+              <a:defRPr sz="1800" kern="1200">
+                <a:solidFill>
+                  <a:schemeClr val="tx1"/>
+                </a:solidFill>
+                <a:latin typeface="+mn-lt"/>
+                <a:ea typeface="+mn-ea"/>
+                <a:cs typeface="+mn-cs"/>
+              </a:defRPr>
+            </a:lvl6pPr>
+            <a:lvl7pPr marL="2971800" indent="-228600" algn="l" defTabSz="914400" rtl="0" eaLnBrk="1" latinLnBrk="0" hangingPunct="1">
+              <a:lnSpc>
+                <a:spcPct val="90000"/>
+              </a:lnSpc>
+              <a:spcBef>
+                <a:spcPts val="500"/>
+              </a:spcBef>
+              <a:buFont typeface="Arial" panose="020B0604020202020204" pitchFamily="34" charset="0"/>
+              <a:buChar char="•"/>
+              <a:defRPr sz="1800" kern="1200">
+                <a:solidFill>
+                  <a:schemeClr val="tx1"/>
+                </a:solidFill>
+                <a:latin typeface="+mn-lt"/>
+                <a:ea typeface="+mn-ea"/>
+                <a:cs typeface="+mn-cs"/>
+              </a:defRPr>
+            </a:lvl7pPr>
+            <a:lvl8pPr marL="3429000" indent="-228600" algn="l" defTabSz="914400" rtl="0" eaLnBrk="1" latinLnBrk="0" hangingPunct="1">
+              <a:lnSpc>
+                <a:spcPct val="90000"/>
+              </a:lnSpc>
+              <a:spcBef>
+                <a:spcPts val="500"/>
+              </a:spcBef>
+              <a:buFont typeface="Arial" panose="020B0604020202020204" pitchFamily="34" charset="0"/>
+              <a:buChar char="•"/>
+              <a:defRPr sz="1800" kern="1200">
+                <a:solidFill>
+                  <a:schemeClr val="tx1"/>
+                </a:solidFill>
+                <a:latin typeface="+mn-lt"/>
+                <a:ea typeface="+mn-ea"/>
+                <a:cs typeface="+mn-cs"/>
+              </a:defRPr>
+            </a:lvl8pPr>
+            <a:lvl9pPr marL="3886200" indent="-228600" algn="l" defTabSz="914400" rtl="0" eaLnBrk="1" latinLnBrk="0" hangingPunct="1">
+              <a:lnSpc>
+                <a:spcPct val="90000"/>
+              </a:lnSpc>
+              <a:spcBef>
+                <a:spcPts val="500"/>
+              </a:spcBef>
+              <a:buFont typeface="Arial" panose="020B0604020202020204" pitchFamily="34" charset="0"/>
+              <a:buChar char="•"/>
+              <a:defRPr sz="1800" kern="1200">
+                <a:solidFill>
+                  <a:schemeClr val="tx1"/>
+                </a:solidFill>
+                <a:latin typeface="+mn-lt"/>
+                <a:ea typeface="+mn-ea"/>
+                <a:cs typeface="+mn-cs"/>
+              </a:defRPr>
+            </a:lvl9pPr>
+          </a:lstStyle>
+          <a:p>
+            <a:r>
+              <a:rPr lang="en-GB" dirty="0"/>
+              <a:t>Product </a:t>
+            </a:r>
+            <a:r>
+              <a:rPr lang="en-GB" dirty="0">
+                <a:sym typeface="Wingdings" panose="05000000000000000000" pitchFamily="2" charset="2"/>
+              </a:rPr>
+              <a:t></a:t>
+            </a:r>
+            <a:r>
+              <a:rPr lang="en-GB" dirty="0"/>
+              <a:t> Question @OneToMany</a:t>
+            </a:r>
+          </a:p>
+          <a:p>
+            <a:pPr lvl="1"/>
+            <a:r>
+              <a:rPr lang="en-GB" dirty="0"/>
+              <a:t>Each product has many questions</a:t>
+            </a:r>
+          </a:p>
+          <a:p>
+            <a:r>
+              <a:rPr lang="en-GB" dirty="0"/>
+              <a:t>Question </a:t>
+            </a:r>
+            <a:r>
+              <a:rPr lang="en-GB" dirty="0">
+                <a:sym typeface="Wingdings" panose="05000000000000000000" pitchFamily="2" charset="2"/>
+              </a:rPr>
+              <a:t> Product </a:t>
+            </a:r>
+            <a:r>
+              <a:rPr lang="en-GB" dirty="0"/>
+              <a:t>@ManyToOne</a:t>
+            </a:r>
+          </a:p>
+          <a:p>
+            <a:pPr lvl="1"/>
+            <a:r>
+              <a:rPr lang="en-GB" dirty="0"/>
+              <a:t>Many questions can be related to the same product </a:t>
+            </a:r>
+          </a:p>
+          <a:p>
+            <a:pPr lvl="1"/>
+            <a:r>
+              <a:rPr lang="en-GB" dirty="0"/>
+              <a:t>Owner of the relationship</a:t>
+            </a:r>
+          </a:p>
+          <a:p>
+            <a:pPr lvl="1"/>
+            <a:endParaRPr lang="en-GB" dirty="0"/>
+          </a:p>
+        </p:txBody>
+      </p:sp>
+    </p:spTree>
+    <p:extLst>
+      <p:ext uri="{BB962C8B-B14F-4D97-AF65-F5344CB8AC3E}">
+        <p14:creationId xmlns:p14="http://schemas.microsoft.com/office/powerpoint/2010/main" val="3661702524"/>
+      </p:ext>
+    </p:extLst>
+  </p:cSld>
+  <p:clrMapOvr>
+    <a:masterClrMapping/>
+  </p:clrMapOvr>
+</p:sld>
+</file>
+
+<file path=ppt/slides/slide13.xml><?xml version="1.0" encoding="utf-8"?>
+<p:sld xmlns:a="http://schemas.openxmlformats.org/drawingml/2006/main" xmlns:r="http://schemas.openxmlformats.org/officeDocument/2006/relationships" xmlns:p="http://schemas.openxmlformats.org/presentationml/2006/main">
+  <p:cSld>
+    <p:spTree>
+      <p:nvGrpSpPr>
+        <p:cNvPr id="1" name=""/>
+        <p:cNvGrpSpPr/>
+        <p:nvPr/>
+      </p:nvGrpSpPr>
+      <p:grpSpPr>
+        <a:xfrm>
+          <a:off x="0" y="0"/>
+          <a:ext cx="0" cy="0"/>
+          <a:chOff x="0" y="0"/>
+          <a:chExt cx="0" cy="0"/>
+        </a:xfrm>
+      </p:grpSpPr>
+      <p:sp>
+        <p:nvSpPr>
+          <p:cNvPr id="2" name="Title 1"/>
+          <p:cNvSpPr>
+            <a:spLocks noGrp="1"/>
+          </p:cNvSpPr>
+          <p:nvPr>
+            <p:ph type="title"/>
+          </p:nvPr>
+        </p:nvSpPr>
+        <p:spPr/>
+        <p:txBody>
+          <a:bodyPr/>
+          <a:lstStyle/>
+          <a:p>
+            <a:r>
+              <a:rPr lang="en-GB" dirty="0"/>
+              <a:t>Entity Log</a:t>
+            </a:r>
+          </a:p>
+        </p:txBody>
+      </p:sp>
+      <p:sp>
+        <p:nvSpPr>
+          <p:cNvPr id="5" name="Content Placeholder 4"/>
+          <p:cNvSpPr>
+            <a:spLocks noGrp="1"/>
+          </p:cNvSpPr>
+          <p:nvPr>
+            <p:ph idx="1"/>
+          </p:nvPr>
+        </p:nvSpPr>
+        <p:spPr>
+          <a:xfrm>
+            <a:off x="1" y="1434164"/>
+            <a:ext cx="9144000" cy="5342021"/>
+          </a:xfrm>
+        </p:spPr>
+        <p:txBody>
+          <a:bodyPr>
+            <a:normAutofit/>
+          </a:bodyPr>
+          <a:lstStyle/>
+          <a:p>
+            <a:pPr marL="0" indent="0">
+              <a:spcBef>
+                <a:spcPts val="0"/>
+              </a:spcBef>
+              <a:buNone/>
+            </a:pPr>
+            <a:r>
+              <a:rPr lang="en-GB" sz="1500" dirty="0">
+                <a:latin typeface="Courier New" panose="02070309020205020404" pitchFamily="49" charset="0"/>
+                <a:cs typeface="Courier New" panose="02070309020205020404" pitchFamily="49" charset="0"/>
+              </a:rPr>
+              <a:t>@Entity</a:t>
+            </a:r>
+          </a:p>
+          <a:p>
+            <a:pPr marL="0" indent="0">
+              <a:spcBef>
+                <a:spcPts val="0"/>
+              </a:spcBef>
+              <a:buNone/>
+            </a:pPr>
+            <a:r>
+              <a:rPr lang="en-GB" sz="1500" dirty="0">
+                <a:latin typeface="Courier New" panose="02070309020205020404" pitchFamily="49" charset="0"/>
+                <a:cs typeface="Courier New" panose="02070309020205020404" pitchFamily="49" charset="0"/>
+              </a:rPr>
+              <a:t>@Table(name = “log”, schema = “</a:t>
+            </a:r>
+            <a:r>
+              <a:rPr lang="en-GB" sz="1500" dirty="0" err="1">
+                <a:latin typeface="Courier New" panose="02070309020205020404" pitchFamily="49" charset="0"/>
+                <a:cs typeface="Courier New" panose="02070309020205020404" pitchFamily="49" charset="0"/>
+              </a:rPr>
+              <a:t>db_gamified_marketing_app</a:t>
+            </a:r>
+            <a:r>
+              <a:rPr lang="en-GB" sz="1500" dirty="0">
+                <a:latin typeface="Courier New" panose="02070309020205020404" pitchFamily="49" charset="0"/>
+                <a:cs typeface="Courier New" panose="02070309020205020404" pitchFamily="49" charset="0"/>
+              </a:rPr>
+              <a:t>”)</a:t>
+            </a:r>
+          </a:p>
+          <a:p>
+            <a:pPr marL="0" indent="0">
+              <a:spcBef>
+                <a:spcPts val="0"/>
+              </a:spcBef>
+              <a:buNone/>
+            </a:pPr>
+            <a:r>
+              <a:rPr lang="en-GB" sz="1500" dirty="0">
+                <a:latin typeface="Courier New" panose="02070309020205020404" pitchFamily="49" charset="0"/>
+                <a:cs typeface="Courier New" panose="02070309020205020404" pitchFamily="49" charset="0"/>
+              </a:rPr>
+              <a:t>public class A implements Serializable {</a:t>
+            </a:r>
+          </a:p>
+          <a:p>
+            <a:pPr marL="0" indent="0">
+              <a:spcBef>
+                <a:spcPts val="0"/>
+              </a:spcBef>
+              <a:buNone/>
+            </a:pPr>
+            <a:r>
+              <a:rPr lang="en-US" sz="1500" dirty="0">
+                <a:latin typeface="Courier New" panose="02070309020205020404" pitchFamily="49" charset="0"/>
+                <a:cs typeface="Courier New" panose="02070309020205020404" pitchFamily="49" charset="0"/>
+              </a:rPr>
+              <a:t>	private static final long </a:t>
+            </a:r>
+            <a:r>
+              <a:rPr lang="en-US" sz="1500" dirty="0" err="1">
+                <a:latin typeface="Courier New" panose="02070309020205020404" pitchFamily="49" charset="0"/>
+                <a:cs typeface="Courier New" panose="02070309020205020404" pitchFamily="49" charset="0"/>
+              </a:rPr>
+              <a:t>serialVersionUID</a:t>
+            </a:r>
+            <a:r>
+              <a:rPr lang="en-US" sz="1500" dirty="0">
+                <a:latin typeface="Courier New" panose="02070309020205020404" pitchFamily="49" charset="0"/>
+                <a:cs typeface="Courier New" panose="02070309020205020404" pitchFamily="49" charset="0"/>
+              </a:rPr>
+              <a:t> = 1L;</a:t>
+            </a:r>
+            <a:endParaRPr lang="en-GB" sz="1500" dirty="0">
+              <a:latin typeface="Courier New" panose="02070309020205020404" pitchFamily="49" charset="0"/>
+              <a:cs typeface="Courier New" panose="02070309020205020404" pitchFamily="49" charset="0"/>
+            </a:endParaRPr>
+          </a:p>
+          <a:p>
+            <a:pPr marL="0" indent="0">
+              <a:spcBef>
+                <a:spcPts val="0"/>
+              </a:spcBef>
+              <a:buNone/>
+            </a:pPr>
+            <a:endParaRPr lang="en-GB" sz="1500" dirty="0">
+              <a:latin typeface="Courier New" panose="02070309020205020404" pitchFamily="49" charset="0"/>
+              <a:cs typeface="Courier New" panose="02070309020205020404" pitchFamily="49" charset="0"/>
+            </a:endParaRPr>
+          </a:p>
+          <a:p>
+            <a:pPr marL="0" indent="0">
+              <a:spcBef>
+                <a:spcPts val="0"/>
+              </a:spcBef>
+              <a:buNone/>
+            </a:pPr>
+            <a:r>
+              <a:rPr lang="en-GB" sz="1500" dirty="0">
+                <a:latin typeface="Courier New" panose="02070309020205020404" pitchFamily="49" charset="0"/>
+                <a:cs typeface="Courier New" panose="02070309020205020404" pitchFamily="49" charset="0"/>
+              </a:rPr>
+              <a:t>// attributes &amp; their annotations</a:t>
+            </a:r>
+          </a:p>
+          <a:p>
+            <a:pPr marL="0" indent="0">
+              <a:spcBef>
+                <a:spcPts val="0"/>
+              </a:spcBef>
+              <a:buNone/>
+            </a:pPr>
+            <a:r>
+              <a:rPr lang="en-GB" sz="1500" dirty="0">
+                <a:latin typeface="Courier New" panose="02070309020205020404" pitchFamily="49" charset="0"/>
+                <a:cs typeface="Courier New" panose="02070309020205020404" pitchFamily="49" charset="0"/>
+              </a:rPr>
+              <a:t>	@Id</a:t>
+            </a:r>
+          </a:p>
+          <a:p>
+            <a:pPr marL="0" indent="0">
+              <a:spcBef>
+                <a:spcPts val="0"/>
+              </a:spcBef>
+              <a:buNone/>
+            </a:pPr>
+            <a:r>
+              <a:rPr lang="en-GB" sz="1500" dirty="0">
+                <a:latin typeface="Courier New" panose="02070309020205020404" pitchFamily="49" charset="0"/>
+                <a:cs typeface="Courier New" panose="02070309020205020404" pitchFamily="49" charset="0"/>
+              </a:rPr>
+              <a:t>	@GeneratedValue(strategy = </a:t>
+            </a:r>
+            <a:r>
+              <a:rPr lang="en-GB" sz="1500" dirty="0" err="1">
+                <a:latin typeface="Courier New" panose="02070309020205020404" pitchFamily="49" charset="0"/>
+                <a:cs typeface="Courier New" panose="02070309020205020404" pitchFamily="49" charset="0"/>
+              </a:rPr>
+              <a:t>GenerationType.IDENTITY</a:t>
+            </a:r>
+            <a:r>
+              <a:rPr lang="en-GB" sz="1500" dirty="0">
+                <a:latin typeface="Courier New" panose="02070309020205020404" pitchFamily="49" charset="0"/>
+                <a:cs typeface="Courier New" panose="02070309020205020404" pitchFamily="49" charset="0"/>
+              </a:rPr>
+              <a:t>)</a:t>
+            </a:r>
+          </a:p>
+          <a:p>
+            <a:pPr marL="0" indent="0">
+              <a:spcBef>
+                <a:spcPts val="0"/>
+              </a:spcBef>
+              <a:buNone/>
+            </a:pPr>
+            <a:r>
+              <a:rPr lang="en-GB" sz="1500" dirty="0">
+                <a:latin typeface="Courier New" panose="02070309020205020404" pitchFamily="49" charset="0"/>
+                <a:cs typeface="Courier New" panose="02070309020205020404" pitchFamily="49" charset="0"/>
+              </a:rPr>
+              <a:t>    	private int id;</a:t>
+            </a:r>
+          </a:p>
+          <a:p>
+            <a:pPr marL="0" indent="0">
+              <a:spcBef>
+                <a:spcPts val="0"/>
+              </a:spcBef>
+              <a:buNone/>
+            </a:pPr>
+            <a:endParaRPr lang="en-GB" sz="1500" dirty="0">
+              <a:latin typeface="Courier New" panose="02070309020205020404" pitchFamily="49" charset="0"/>
+              <a:cs typeface="Courier New" panose="02070309020205020404" pitchFamily="49" charset="0"/>
+            </a:endParaRPr>
+          </a:p>
+          <a:p>
+            <a:pPr marL="0" indent="0">
+              <a:spcBef>
+                <a:spcPts val="0"/>
+              </a:spcBef>
+              <a:buNone/>
+            </a:pPr>
+            <a:r>
+              <a:rPr lang="en-GB" sz="1500" dirty="0">
+                <a:latin typeface="Courier New" panose="02070309020205020404" pitchFamily="49" charset="0"/>
+                <a:cs typeface="Courier New" panose="02070309020205020404" pitchFamily="49" charset="0"/>
+              </a:rPr>
+              <a:t>	@Temporal(TemporalType.TIMESTAMP)</a:t>
+            </a:r>
+          </a:p>
+          <a:p>
+            <a:pPr marL="0" indent="0">
+              <a:spcBef>
+                <a:spcPts val="0"/>
+              </a:spcBef>
+              <a:buNone/>
+            </a:pPr>
+            <a:r>
+              <a:rPr lang="en-GB" sz="1500" dirty="0">
+                <a:latin typeface="Courier New" panose="02070309020205020404" pitchFamily="49" charset="0"/>
+                <a:cs typeface="Courier New" panose="02070309020205020404" pitchFamily="49" charset="0"/>
+              </a:rPr>
+              <a:t>	private Date datetime;</a:t>
+            </a:r>
+          </a:p>
+          <a:p>
+            <a:pPr marL="0" indent="0">
+              <a:spcBef>
+                <a:spcPts val="0"/>
+              </a:spcBef>
+              <a:buNone/>
+            </a:pPr>
+            <a:endParaRPr lang="en-GB" sz="1500" dirty="0">
+              <a:latin typeface="Courier New" panose="02070309020205020404" pitchFamily="49" charset="0"/>
+              <a:cs typeface="Courier New" panose="02070309020205020404" pitchFamily="49" charset="0"/>
+            </a:endParaRPr>
+          </a:p>
+          <a:p>
+            <a:pPr marL="0" indent="0">
+              <a:spcBef>
+                <a:spcPts val="0"/>
+              </a:spcBef>
+              <a:buNone/>
+            </a:pPr>
+            <a:r>
+              <a:rPr lang="en-GB" sz="1500" dirty="0">
+                <a:latin typeface="Courier New" panose="02070309020205020404" pitchFamily="49" charset="0"/>
+                <a:cs typeface="Courier New" panose="02070309020205020404" pitchFamily="49" charset="0"/>
+              </a:rPr>
+              <a:t>// relationships &amp; their annotations</a:t>
+            </a:r>
+          </a:p>
+          <a:p>
+            <a:pPr marL="0" indent="0">
+              <a:spcBef>
+                <a:spcPts val="0"/>
+              </a:spcBef>
+              <a:buNone/>
+            </a:pPr>
+            <a:r>
+              <a:rPr lang="en-GB" sz="1500" dirty="0">
+                <a:latin typeface="Courier New" panose="02070309020205020404" pitchFamily="49" charset="0"/>
+                <a:cs typeface="Courier New" panose="02070309020205020404" pitchFamily="49" charset="0"/>
+              </a:rPr>
+              <a:t>	@ManyToOne</a:t>
+            </a:r>
+          </a:p>
+          <a:p>
+            <a:pPr marL="0" indent="0">
+              <a:spcBef>
+                <a:spcPts val="0"/>
+              </a:spcBef>
+              <a:buNone/>
+            </a:pPr>
+            <a:r>
+              <a:rPr lang="en-GB" sz="1500" dirty="0">
+                <a:latin typeface="Courier New" panose="02070309020205020404" pitchFamily="49" charset="0"/>
+                <a:cs typeface="Courier New" panose="02070309020205020404" pitchFamily="49" charset="0"/>
+              </a:rPr>
+              <a:t>	@JoinColumn(name = "user)</a:t>
+            </a:r>
+          </a:p>
+          <a:p>
+            <a:pPr marL="0" indent="0">
+              <a:spcBef>
+                <a:spcPts val="0"/>
+              </a:spcBef>
+              <a:buNone/>
+            </a:pPr>
+            <a:r>
+              <a:rPr lang="en-GB" sz="1500" dirty="0">
+                <a:latin typeface="Courier New" panose="02070309020205020404" pitchFamily="49" charset="0"/>
+                <a:cs typeface="Courier New" panose="02070309020205020404" pitchFamily="49" charset="0"/>
+              </a:rPr>
+              <a:t>    	private User </a:t>
+            </a:r>
+            <a:r>
+              <a:rPr lang="en-GB" sz="1500" dirty="0" err="1">
+                <a:latin typeface="Courier New" panose="02070309020205020404" pitchFamily="49" charset="0"/>
+                <a:cs typeface="Courier New" panose="02070309020205020404" pitchFamily="49" charset="0"/>
+              </a:rPr>
+              <a:t>user</a:t>
+            </a:r>
+            <a:r>
+              <a:rPr lang="en-GB" sz="1500" dirty="0">
+                <a:latin typeface="Courier New" panose="02070309020205020404" pitchFamily="49" charset="0"/>
+                <a:cs typeface="Courier New" panose="02070309020205020404" pitchFamily="49" charset="0"/>
+              </a:rPr>
+              <a:t>;</a:t>
+            </a:r>
+          </a:p>
+          <a:p>
+            <a:pPr marL="0" indent="0">
+              <a:spcBef>
+                <a:spcPts val="0"/>
+              </a:spcBef>
+              <a:buNone/>
+            </a:pPr>
+            <a:endParaRPr lang="en-GB" sz="1500" dirty="0">
+              <a:latin typeface="Courier New" panose="02070309020205020404" pitchFamily="49" charset="0"/>
+              <a:cs typeface="Courier New" panose="02070309020205020404" pitchFamily="49" charset="0"/>
+            </a:endParaRPr>
+          </a:p>
+          <a:p>
+            <a:pPr marL="0" indent="0">
+              <a:spcBef>
+                <a:spcPts val="0"/>
+              </a:spcBef>
+              <a:buNone/>
+            </a:pPr>
+            <a:r>
+              <a:rPr lang="en-GB" sz="1500" dirty="0">
+                <a:latin typeface="Courier New" panose="02070309020205020404" pitchFamily="49" charset="0"/>
+                <a:cs typeface="Courier New" panose="02070309020205020404" pitchFamily="49" charset="0"/>
+              </a:rPr>
+              <a:t>/* </a:t>
+            </a:r>
+          </a:p>
+          <a:p>
+            <a:pPr marL="0" indent="0">
+              <a:spcBef>
+                <a:spcPts val="0"/>
+              </a:spcBef>
+              <a:buNone/>
+            </a:pPr>
+            <a:r>
+              <a:rPr lang="en-GB" sz="1500" dirty="0">
+                <a:latin typeface="Courier New" panose="02070309020205020404" pitchFamily="49" charset="0"/>
+                <a:cs typeface="Courier New" panose="02070309020205020404" pitchFamily="49" charset="0"/>
+              </a:rPr>
+              <a:t>  clone this slide as may times as there are   </a:t>
+            </a:r>
+            <a:br>
+              <a:rPr lang="en-GB" sz="1500" dirty="0">
+                <a:latin typeface="Courier New" panose="02070309020205020404" pitchFamily="49" charset="0"/>
+                <a:cs typeface="Courier New" panose="02070309020205020404" pitchFamily="49" charset="0"/>
+              </a:rPr>
+            </a:br>
+            <a:r>
+              <a:rPr lang="en-GB" sz="1500" dirty="0">
+                <a:latin typeface="Courier New" panose="02070309020205020404" pitchFamily="49" charset="0"/>
+                <a:cs typeface="Courier New" panose="02070309020205020404" pitchFamily="49" charset="0"/>
+              </a:rPr>
+              <a:t>  entities </a:t>
+            </a:r>
+          </a:p>
+          <a:p>
+            <a:pPr marL="0" indent="0">
+              <a:spcBef>
+                <a:spcPts val="0"/>
+              </a:spcBef>
+              <a:buNone/>
+            </a:pPr>
+            <a:r>
+              <a:rPr lang="en-GB" sz="1500" dirty="0">
+                <a:latin typeface="Courier New" panose="02070309020205020404" pitchFamily="49" charset="0"/>
+                <a:cs typeface="Courier New" panose="02070309020205020404" pitchFamily="49" charset="0"/>
+              </a:rPr>
+              <a:t>*/</a:t>
+            </a:r>
+          </a:p>
+          <a:p>
+            <a:pPr marL="0" indent="0">
+              <a:spcBef>
+                <a:spcPts val="0"/>
+              </a:spcBef>
+              <a:buNone/>
+            </a:pPr>
+            <a:endParaRPr lang="en-GB" sz="1500" dirty="0">
+              <a:latin typeface="Courier New" panose="02070309020205020404" pitchFamily="49" charset="0"/>
+              <a:cs typeface="Courier New" panose="02070309020205020404" pitchFamily="49" charset="0"/>
+            </a:endParaRPr>
+          </a:p>
+          <a:p>
+            <a:pPr marL="0" indent="0">
+              <a:spcBef>
+                <a:spcPts val="0"/>
+              </a:spcBef>
+              <a:buNone/>
+            </a:pPr>
+            <a:endParaRPr lang="en-GB" sz="1500" dirty="0">
+              <a:latin typeface="Courier New" panose="02070309020205020404" pitchFamily="49" charset="0"/>
+              <a:cs typeface="Courier New" panose="02070309020205020404" pitchFamily="49" charset="0"/>
+            </a:endParaRPr>
+          </a:p>
+        </p:txBody>
+      </p:sp>
+    </p:spTree>
+    <p:extLst>
+      <p:ext uri="{BB962C8B-B14F-4D97-AF65-F5344CB8AC3E}">
+        <p14:creationId xmlns:p14="http://schemas.microsoft.com/office/powerpoint/2010/main" val="484876262"/>
+      </p:ext>
+    </p:extLst>
+  </p:cSld>
+  <p:clrMapOvr>
+    <a:masterClrMapping/>
+  </p:clrMapOvr>
+</p:sld>
+</file>
+
+<file path=ppt/slides/slide14.xml><?xml version="1.0" encoding="utf-8"?>
+<p:sld xmlns:a="http://schemas.openxmlformats.org/drawingml/2006/main" xmlns:r="http://schemas.openxmlformats.org/officeDocument/2006/relationships" xmlns:p="http://schemas.openxmlformats.org/presentationml/2006/main">
+  <p:cSld>
+    <p:spTree>
+      <p:nvGrpSpPr>
+        <p:cNvPr id="1" name=""/>
+        <p:cNvGrpSpPr/>
+        <p:nvPr/>
+      </p:nvGrpSpPr>
+      <p:grpSpPr>
+        <a:xfrm>
+          <a:off x="0" y="0"/>
+          <a:ext cx="0" cy="0"/>
+          <a:chOff x="0" y="0"/>
+          <a:chExt cx="0" cy="0"/>
+        </a:xfrm>
+      </p:grpSpPr>
+      <p:sp>
+        <p:nvSpPr>
+          <p:cNvPr id="2" name="Title 1"/>
+          <p:cNvSpPr>
+            <a:spLocks noGrp="1"/>
+          </p:cNvSpPr>
+          <p:nvPr>
+            <p:ph type="title"/>
+          </p:nvPr>
+        </p:nvSpPr>
+        <p:spPr/>
+        <p:txBody>
+          <a:bodyPr/>
+          <a:lstStyle/>
+          <a:p>
+            <a:r>
+              <a:rPr lang="en-GB" dirty="0"/>
+              <a:t>Entity method for doing something</a:t>
+            </a:r>
+          </a:p>
+        </p:txBody>
+      </p:sp>
+      <p:sp>
+        <p:nvSpPr>
+          <p:cNvPr id="3" name="Content Placeholder 2"/>
+          <p:cNvSpPr>
+            <a:spLocks noGrp="1"/>
+          </p:cNvSpPr>
+          <p:nvPr>
+            <p:ph idx="1"/>
+          </p:nvPr>
+        </p:nvSpPr>
+        <p:spPr/>
+        <p:txBody>
+          <a:bodyPr>
+            <a:normAutofit/>
+          </a:bodyPr>
+          <a:lstStyle/>
+          <a:p>
+            <a:pPr marL="0" indent="0">
+              <a:buNone/>
+            </a:pPr>
+            <a:r>
+              <a:rPr lang="en-GB" sz="1500" dirty="0">
+                <a:latin typeface="Courier New" panose="02070309020205020404" pitchFamily="49" charset="0"/>
+                <a:cs typeface="Courier New" panose="02070309020205020404" pitchFamily="49" charset="0"/>
+              </a:rPr>
+              <a:t>// in entity A	</a:t>
+            </a:r>
+          </a:p>
+          <a:p>
+            <a:pPr marL="0" indent="0">
+              <a:buNone/>
+            </a:pPr>
+            <a:r>
+              <a:rPr lang="en-GB" sz="1500" dirty="0">
+                <a:latin typeface="Courier New" panose="02070309020205020404" pitchFamily="49" charset="0"/>
+                <a:cs typeface="Courier New" panose="02070309020205020404" pitchFamily="49" charset="0"/>
+              </a:rPr>
+              <a:t>public void  method(Class </a:t>
+            </a:r>
+            <a:r>
+              <a:rPr lang="en-GB" sz="1500" dirty="0" err="1">
+                <a:latin typeface="Courier New" panose="02070309020205020404" pitchFamily="49" charset="0"/>
+                <a:cs typeface="Courier New" panose="02070309020205020404" pitchFamily="49" charset="0"/>
+              </a:rPr>
+              <a:t>arg</a:t>
+            </a:r>
+            <a:r>
+              <a:rPr lang="en-GB" sz="1500" dirty="0">
+                <a:latin typeface="Courier New" panose="02070309020205020404" pitchFamily="49" charset="0"/>
+                <a:cs typeface="Courier New" panose="02070309020205020404" pitchFamily="49" charset="0"/>
+              </a:rPr>
+              <a:t>, . . .) {</a:t>
+            </a:r>
+          </a:p>
+          <a:p>
+            <a:pPr marL="0" indent="0">
+              <a:buNone/>
+            </a:pPr>
+            <a:endParaRPr lang="en-GB" sz="1500" dirty="0">
+              <a:latin typeface="Courier New" panose="02070309020205020404" pitchFamily="49" charset="0"/>
+              <a:cs typeface="Courier New" panose="02070309020205020404" pitchFamily="49" charset="0"/>
+            </a:endParaRPr>
+          </a:p>
+          <a:p>
+            <a:pPr marL="0" indent="0">
+              <a:buNone/>
+            </a:pPr>
+            <a:r>
+              <a:rPr lang="en-GB" sz="1500" dirty="0">
+                <a:latin typeface="Courier New" panose="02070309020205020404" pitchFamily="49" charset="0"/>
+                <a:cs typeface="Courier New" panose="02070309020205020404" pitchFamily="49" charset="0"/>
+              </a:rPr>
+              <a:t>   // code </a:t>
+            </a:r>
+          </a:p>
+          <a:p>
+            <a:pPr marL="0" indent="0">
+              <a:buNone/>
+            </a:pPr>
+            <a:endParaRPr lang="en-GB" sz="1500" dirty="0">
+              <a:latin typeface="Courier New" panose="02070309020205020404" pitchFamily="49" charset="0"/>
+              <a:cs typeface="Courier New" panose="02070309020205020404" pitchFamily="49" charset="0"/>
+            </a:endParaRPr>
+          </a:p>
+          <a:p>
+            <a:pPr marL="0" indent="0">
+              <a:buNone/>
+            </a:pPr>
+            <a:r>
+              <a:rPr lang="en-GB" sz="1500" dirty="0">
+                <a:latin typeface="Courier New" panose="02070309020205020404" pitchFamily="49" charset="0"/>
+                <a:cs typeface="Courier New" panose="02070309020205020404" pitchFamily="49" charset="0"/>
+              </a:rPr>
+              <a:t>}</a:t>
+            </a:r>
+          </a:p>
+          <a:p>
+            <a:pPr marL="0" indent="0">
+              <a:buNone/>
+            </a:pPr>
+            <a:endParaRPr lang="en-GB" sz="1500" dirty="0">
+              <a:latin typeface="Courier New" panose="02070309020205020404" pitchFamily="49" charset="0"/>
+              <a:cs typeface="Courier New" panose="02070309020205020404" pitchFamily="49" charset="0"/>
+            </a:endParaRPr>
+          </a:p>
+          <a:p>
+            <a:pPr marL="0" indent="0">
+              <a:buNone/>
+            </a:pPr>
+            <a:endParaRPr lang="en-GB" sz="1500" dirty="0">
+              <a:latin typeface="Courier New" panose="02070309020205020404" pitchFamily="49" charset="0"/>
+              <a:cs typeface="Courier New" panose="02070309020205020404" pitchFamily="49" charset="0"/>
+            </a:endParaRPr>
+          </a:p>
+          <a:p>
+            <a:pPr marL="0" indent="0">
+              <a:buNone/>
+            </a:pPr>
+            <a:r>
+              <a:rPr lang="en-GB" sz="1500" dirty="0">
+                <a:latin typeface="Courier New" panose="02070309020205020404" pitchFamily="49" charset="0"/>
+                <a:cs typeface="Courier New" panose="02070309020205020404" pitchFamily="49" charset="0"/>
+              </a:rPr>
+              <a:t>// use if requested</a:t>
+            </a:r>
+          </a:p>
+        </p:txBody>
+      </p:sp>
+    </p:spTree>
+    <p:extLst>
+      <p:ext uri="{BB962C8B-B14F-4D97-AF65-F5344CB8AC3E}">
+        <p14:creationId xmlns:p14="http://schemas.microsoft.com/office/powerpoint/2010/main" val="1218911751"/>
+      </p:ext>
+    </p:extLst>
+  </p:cSld>
+  <p:clrMapOvr>
+    <a:masterClrMapping/>
+  </p:clrMapOvr>
+</p:sld>
+</file>
+
+<file path=ppt/slides/slide15.xml><?xml version="1.0" encoding="utf-8"?>
+<p:sld xmlns:a="http://schemas.openxmlformats.org/drawingml/2006/main" xmlns:r="http://schemas.openxmlformats.org/officeDocument/2006/relationships" xmlns:p="http://schemas.openxmlformats.org/presentationml/2006/main">
+  <p:cSld>
+    <p:spTree>
+      <p:nvGrpSpPr>
+        <p:cNvPr id="1" name=""/>
+        <p:cNvGrpSpPr/>
+        <p:nvPr/>
+      </p:nvGrpSpPr>
+      <p:grpSpPr>
+        <a:xfrm>
+          <a:off x="0" y="0"/>
+          <a:ext cx="0" cy="0"/>
+          <a:chOff x="0" y="0"/>
+          <a:chExt cx="0" cy="0"/>
+        </a:xfrm>
+      </p:grpSpPr>
+      <p:sp>
+        <p:nvSpPr>
+          <p:cNvPr id="2" name="Title 1"/>
+          <p:cNvSpPr>
+            <a:spLocks noGrp="1"/>
+          </p:cNvSpPr>
+          <p:nvPr>
+            <p:ph type="title"/>
+          </p:nvPr>
+        </p:nvSpPr>
+        <p:spPr/>
+        <p:txBody>
+          <a:bodyPr/>
+          <a:lstStyle/>
+          <a:p>
+            <a:r>
+              <a:rPr lang="en-GB" dirty="0"/>
+              <a:t>Components</a:t>
+            </a:r>
+          </a:p>
+        </p:txBody>
+      </p:sp>
+      <p:sp>
+        <p:nvSpPr>
+          <p:cNvPr id="4" name="Content Placeholder 3"/>
+          <p:cNvSpPr>
+            <a:spLocks noGrp="1"/>
+          </p:cNvSpPr>
+          <p:nvPr>
+            <p:ph sz="half" idx="1"/>
+          </p:nvPr>
+        </p:nvSpPr>
+        <p:spPr/>
+        <p:txBody>
+          <a:bodyPr>
+            <a:normAutofit/>
+          </a:bodyPr>
+          <a:lstStyle/>
+          <a:p>
+            <a:r>
+              <a:rPr lang="en-GB" dirty="0"/>
+              <a:t>Client components</a:t>
+            </a:r>
+          </a:p>
+          <a:p>
+            <a:pPr lvl="1"/>
+            <a:r>
+              <a:rPr lang="en-GB" sz="2000" dirty="0"/>
+              <a:t>Login/Logout (if requested)</a:t>
+            </a:r>
+          </a:p>
+          <a:p>
+            <a:pPr lvl="1"/>
+            <a:r>
+              <a:rPr lang="en-GB" sz="2000" dirty="0"/>
+              <a:t>Servlets</a:t>
+            </a:r>
+          </a:p>
+          <a:p>
+            <a:pPr lvl="1"/>
+            <a:r>
+              <a:rPr lang="en-GB" sz="2000" dirty="0"/>
+              <a:t>Views</a:t>
+            </a:r>
+          </a:p>
+        </p:txBody>
+      </p:sp>
+      <p:sp>
+        <p:nvSpPr>
+          <p:cNvPr id="5" name="Content Placeholder 4"/>
+          <p:cNvSpPr>
+            <a:spLocks noGrp="1"/>
+          </p:cNvSpPr>
+          <p:nvPr>
+            <p:ph sz="half" idx="2"/>
+          </p:nvPr>
+        </p:nvSpPr>
+        <p:spPr>
+          <a:xfrm>
+            <a:off x="4629149" y="1825625"/>
+            <a:ext cx="4418597" cy="4351338"/>
+          </a:xfrm>
+        </p:spPr>
+        <p:txBody>
+          <a:bodyPr>
+            <a:normAutofit/>
+          </a:bodyPr>
+          <a:lstStyle/>
+          <a:p>
+            <a:r>
+              <a:rPr lang="en-GB" dirty="0"/>
+              <a:t>Business Components</a:t>
+            </a:r>
+          </a:p>
+          <a:p>
+            <a:pPr lvl="1"/>
+            <a:r>
+              <a:rPr lang="en-GB" dirty="0"/>
+              <a:t>BC1 </a:t>
+            </a:r>
+          </a:p>
+          <a:p>
+            <a:pPr lvl="2"/>
+            <a:r>
+              <a:rPr lang="en-GB" dirty="0"/>
+              <a:t>(stateless or stateful)</a:t>
+            </a:r>
+          </a:p>
+          <a:p>
+            <a:pPr lvl="2"/>
+            <a:r>
+              <a:rPr lang="en-GB" dirty="0"/>
+              <a:t>Method BC11( </a:t>
+            </a:r>
+            <a:r>
+              <a:rPr lang="en-GB" dirty="0" err="1"/>
+              <a:t>params</a:t>
+            </a:r>
+            <a:r>
+              <a:rPr lang="en-GB" dirty="0"/>
+              <a:t>)</a:t>
+            </a:r>
+          </a:p>
+          <a:p>
+            <a:pPr lvl="2"/>
+            <a:r>
+              <a:rPr lang="en-GB" dirty="0"/>
+              <a:t>Method BC11( </a:t>
+            </a:r>
+            <a:r>
+              <a:rPr lang="en-GB" dirty="0" err="1"/>
+              <a:t>params</a:t>
+            </a:r>
+            <a:r>
+              <a:rPr lang="en-GB" dirty="0"/>
+              <a:t>)</a:t>
+            </a:r>
+          </a:p>
+          <a:p>
+            <a:pPr lvl="1"/>
+            <a:endParaRPr lang="en-GB" dirty="0"/>
+          </a:p>
+          <a:p>
+            <a:pPr lvl="1"/>
+            <a:r>
+              <a:rPr lang="en-GB" dirty="0"/>
+              <a:t>BC2</a:t>
+            </a:r>
+          </a:p>
+          <a:p>
+            <a:pPr lvl="2"/>
+            <a:r>
+              <a:rPr lang="en-GB" dirty="0"/>
+              <a:t>(stateless or stateful)</a:t>
+            </a:r>
+          </a:p>
+          <a:p>
+            <a:pPr lvl="2"/>
+            <a:r>
+              <a:rPr lang="en-GB" dirty="0"/>
+              <a:t>Method BC21( </a:t>
+            </a:r>
+            <a:r>
+              <a:rPr lang="en-GB" dirty="0" err="1"/>
+              <a:t>params</a:t>
+            </a:r>
+            <a:r>
+              <a:rPr lang="en-GB" dirty="0"/>
+              <a:t>)</a:t>
+            </a:r>
+          </a:p>
+          <a:p>
+            <a:pPr lvl="2"/>
+            <a:r>
+              <a:rPr lang="en-GB" dirty="0"/>
+              <a:t>Method BC22( </a:t>
+            </a:r>
+            <a:r>
+              <a:rPr lang="en-GB" dirty="0" err="1"/>
+              <a:t>params</a:t>
+            </a:r>
+            <a:r>
+              <a:rPr lang="en-GB" dirty="0"/>
+              <a:t>)</a:t>
+            </a:r>
+          </a:p>
+          <a:p>
+            <a:pPr lvl="2"/>
+            <a:endParaRPr lang="en-GB" dirty="0"/>
+          </a:p>
+          <a:p>
+            <a:pPr lvl="1"/>
+            <a:endParaRPr lang="en-GB" dirty="0"/>
+          </a:p>
+        </p:txBody>
+      </p:sp>
+    </p:spTree>
+    <p:extLst>
+      <p:ext uri="{BB962C8B-B14F-4D97-AF65-F5344CB8AC3E}">
+        <p14:creationId xmlns:p14="http://schemas.microsoft.com/office/powerpoint/2010/main" val="1681549262"/>
+      </p:ext>
+    </p:extLst>
+  </p:cSld>
+  <p:clrMapOvr>
+    <a:masterClrMapping/>
+  </p:clrMapOvr>
+</p:sld>
+</file>
+
+<file path=ppt/slides/slide16.xml><?xml version="1.0" encoding="utf-8"?>
+<p:sld xmlns:a="http://schemas.openxmlformats.org/drawingml/2006/main" xmlns:r="http://schemas.openxmlformats.org/officeDocument/2006/relationships" xmlns:p="http://schemas.openxmlformats.org/presentationml/2006/main">
+  <p:cSld>
+    <p:spTree>
+      <p:nvGrpSpPr>
+        <p:cNvPr id="1" name=""/>
+        <p:cNvGrpSpPr/>
+        <p:nvPr/>
+      </p:nvGrpSpPr>
+      <p:grpSpPr>
+        <a:xfrm>
+          <a:off x="0" y="0"/>
+          <a:ext cx="0" cy="0"/>
+          <a:chOff x="0" y="0"/>
+          <a:chExt cx="0" cy="0"/>
+        </a:xfrm>
+      </p:grpSpPr>
+      <p:sp>
+        <p:nvSpPr>
+          <p:cNvPr id="2" name="Title 1"/>
+          <p:cNvSpPr>
+            <a:spLocks noGrp="1"/>
+          </p:cNvSpPr>
+          <p:nvPr>
+            <p:ph type="title"/>
+          </p:nvPr>
+        </p:nvSpPr>
+        <p:spPr/>
+        <p:txBody>
+          <a:bodyPr/>
+          <a:lstStyle/>
+          <a:p>
+            <a:r>
+              <a:rPr lang="en-GB" dirty="0"/>
               <a:t>Business method for  doing something</a:t>
             </a:r>
           </a:p>
@@ -3978,7 +7390,7 @@
 </p:sld>
 </file>
 
-<file path=ppt/slides/slide12.xml><?xml version="1.0" encoding="utf-8"?>
+<file path=ppt/slides/slide17.xml><?xml version="1.0" encoding="utf-8"?>
 <p:sld xmlns:a="http://schemas.openxmlformats.org/drawingml/2006/main" xmlns:r="http://schemas.openxmlformats.org/officeDocument/2006/relationships" xmlns:p="http://schemas.openxmlformats.org/presentationml/2006/main">
   <p:cSld>
     <p:spTree>
@@ -7172,7 +10584,7 @@
           <a:p>
             <a:r>
               <a:rPr lang="en-GB" dirty="0"/>
-              <a:t>Relationship “rel1” </a:t>
+              <a:t>Relationship “logging” </a:t>
             </a:r>
           </a:p>
         </p:txBody>
@@ -7187,16 +10599,21 @@
             <p:ph sz="half" idx="2"/>
           </p:nvPr>
         </p:nvSpPr>
-        <p:spPr/>
+        <p:spPr>
+          <a:xfrm>
+            <a:off x="4629149" y="1825625"/>
+            <a:ext cx="4213293" cy="4351338"/>
+          </a:xfrm>
+        </p:spPr>
         <p:txBody>
           <a:bodyPr>
-            <a:normAutofit fontScale="92500" lnSpcReduction="20000"/>
+            <a:normAutofit/>
           </a:bodyPr>
           <a:lstStyle/>
           <a:p>
             <a:r>
               <a:rPr lang="en-GB" dirty="0"/>
-              <a:t>A </a:t>
+              <a:t>User </a:t>
             </a:r>
             <a:r>
               <a:rPr lang="en-GB" dirty="0">
@@ -7206,36 +10623,45 @@
             </a:r>
             <a:r>
               <a:rPr lang="en-GB" dirty="0"/>
-              <a:t> B … describe ORM here</a:t>
+              <a:t> Log @OneToMany</a:t>
             </a:r>
           </a:p>
           <a:p>
             <a:pPr lvl="1"/>
             <a:r>
               <a:rPr lang="en-GB" dirty="0"/>
-              <a:t>including annotations for the attributes and for the relationships, fetch type of attributes and of relationships, and operation cascading policies for relationships  </a:t>
-            </a:r>
-          </a:p>
-          <a:p>
-            <a:r>
-              <a:rPr lang="en-GB" dirty="0"/>
-              <a:t>B </a:t>
+              <a:t>For each user the database stores multiple log containing date and time of the access</a:t>
+            </a:r>
+          </a:p>
+          <a:p>
+            <a:r>
+              <a:rPr lang="en-GB" dirty="0"/>
+              <a:t>Log </a:t>
             </a:r>
             <a:r>
               <a:rPr lang="en-GB" dirty="0">
                 <a:sym typeface="Wingdings" panose="05000000000000000000" pitchFamily="2" charset="2"/>
               </a:rPr>
-              <a:t> A … describe ORM here</a:t>
-            </a:r>
-          </a:p>
-          <a:p>
-            <a:r>
-              <a:rPr lang="en-GB" dirty="0">
-                <a:sym typeface="Wingdings" panose="05000000000000000000" pitchFamily="2" charset="2"/>
-              </a:rPr>
-              <a:t>Clone this slide as many times as there are relationships</a:t>
-            </a:r>
-            <a:endParaRPr lang="en-GB" dirty="0"/>
+              <a:t> User </a:t>
+            </a:r>
+            <a:r>
+              <a:rPr lang="en-GB" dirty="0"/>
+              <a:t>@ManyToOne</a:t>
+            </a:r>
+          </a:p>
+          <a:p>
+            <a:pPr lvl="1"/>
+            <a:r>
+              <a:rPr lang="en-GB" dirty="0"/>
+              <a:t>Many logs refer to a single user</a:t>
+            </a:r>
+          </a:p>
+          <a:p>
+            <a:pPr lvl="1"/>
+            <a:r>
+              <a:rPr lang="en-GB" dirty="0"/>
+              <a:t>Owner of the relationship</a:t>
+            </a:r>
           </a:p>
           <a:p>
             <a:endParaRPr lang="en-GB" dirty="0"/>
@@ -7279,7 +10705,7 @@
             <a:pPr algn="ctr"/>
             <a:r>
               <a:rPr lang="en-GB" dirty="0"/>
-              <a:t>B</a:t>
+              <a:t>Log</a:t>
             </a:r>
           </a:p>
         </p:txBody>
@@ -7321,7 +10747,7 @@
             <a:pPr algn="ctr"/>
             <a:r>
               <a:rPr lang="en-GB" dirty="0"/>
-              <a:t>A</a:t>
+              <a:t>User</a:t>
             </a:r>
           </a:p>
         </p:txBody>
@@ -7509,8 +10935,8 @@
         </p:nvSpPr>
         <p:spPr>
           <a:xfrm>
-            <a:off x="1619446" y="1355558"/>
-            <a:ext cx="1436804" cy="369332"/>
+            <a:off x="1987088" y="1355558"/>
+            <a:ext cx="863250" cy="369332"/>
           </a:xfrm>
           <a:prstGeom prst="rect">
             <a:avLst/>
@@ -7525,7 +10951,7 @@
           <a:p>
             <a:r>
               <a:rPr lang="en-GB" dirty="0"/>
-              <a:t>responsibility</a:t>
+              <a:t>logging</a:t>
             </a:r>
           </a:p>
         </p:txBody>
@@ -7572,7 +10998,7 @@
             <a:pPr algn="ctr"/>
             <a:r>
               <a:rPr lang="en-GB" dirty="0"/>
-              <a:t>B</a:t>
+              <a:t>Log</a:t>
             </a:r>
           </a:p>
         </p:txBody>
@@ -7619,7 +11045,7 @@
             <a:pPr algn="ctr"/>
             <a:r>
               <a:rPr lang="en-GB" dirty="0"/>
-              <a:t>A</a:t>
+              <a:t>User</a:t>
             </a:r>
           </a:p>
         </p:txBody>
@@ -7706,7 +11132,7 @@
             <a:pPr algn="ctr"/>
             <a:r>
               <a:rPr lang="en-GB" dirty="0"/>
-              <a:t>B</a:t>
+              <a:t>Log</a:t>
             </a:r>
           </a:p>
         </p:txBody>
@@ -7753,7 +11179,7 @@
             <a:pPr algn="ctr"/>
             <a:r>
               <a:rPr lang="en-GB" dirty="0"/>
-              <a:t>A</a:t>
+              <a:t>User</a:t>
             </a:r>
           </a:p>
         </p:txBody>
@@ -7903,357 +11329,877 @@
           <a:p>
             <a:r>
               <a:rPr lang="en-GB" dirty="0"/>
-              <a:t>Entity Employee</a:t>
-            </a:r>
-          </a:p>
-        </p:txBody>
-      </p:sp>
-      <p:sp>
-        <p:nvSpPr>
-          <p:cNvPr id="5" name="Content Placeholder 4"/>
-          <p:cNvSpPr>
-            <a:spLocks noGrp="1"/>
+              <a:t>Relationship “sending” </a:t>
+            </a:r>
+          </a:p>
+        </p:txBody>
+      </p:sp>
+      <p:sp>
+        <p:nvSpPr>
+          <p:cNvPr id="6" name="Rectangle 5"/>
+          <p:cNvSpPr/>
+          <p:nvPr/>
+        </p:nvSpPr>
+        <p:spPr>
+          <a:xfrm>
+            <a:off x="2968593" y="1744230"/>
+            <a:ext cx="1568918" cy="471638"/>
+          </a:xfrm>
+          <a:prstGeom prst="rect">
+            <a:avLst/>
+          </a:prstGeom>
+          <a:ln w="38100"/>
+        </p:spPr>
+        <p:style>
+          <a:lnRef idx="2">
+            <a:schemeClr val="accent1"/>
+          </a:lnRef>
+          <a:fillRef idx="1">
+            <a:schemeClr val="lt1"/>
+          </a:fillRef>
+          <a:effectRef idx="0">
+            <a:schemeClr val="accent1"/>
+          </a:effectRef>
+          <a:fontRef idx="minor">
+            <a:schemeClr val="dk1"/>
+          </a:fontRef>
+        </p:style>
+        <p:txBody>
+          <a:bodyPr rtlCol="0" anchor="ctr"/>
+          <a:lstStyle/>
+          <a:p>
+            <a:pPr algn="ctr"/>
+            <a:r>
+              <a:rPr lang="en-GB" dirty="0"/>
+              <a:t>Submission</a:t>
+            </a:r>
+          </a:p>
+        </p:txBody>
+      </p:sp>
+      <p:sp>
+        <p:nvSpPr>
+          <p:cNvPr id="7" name="Rectangle 6"/>
+          <p:cNvSpPr/>
+          <p:nvPr/>
+        </p:nvSpPr>
+        <p:spPr>
+          <a:xfrm>
+            <a:off x="204531" y="1744230"/>
+            <a:ext cx="1568918" cy="471638"/>
+          </a:xfrm>
+          <a:prstGeom prst="rect">
+            <a:avLst/>
+          </a:prstGeom>
+          <a:ln w="38100"/>
+        </p:spPr>
+        <p:style>
+          <a:lnRef idx="2">
+            <a:schemeClr val="accent1"/>
+          </a:lnRef>
+          <a:fillRef idx="1">
+            <a:schemeClr val="lt1"/>
+          </a:fillRef>
+          <a:effectRef idx="0">
+            <a:schemeClr val="accent1"/>
+          </a:effectRef>
+          <a:fontRef idx="minor">
+            <a:schemeClr val="dk1"/>
+          </a:fontRef>
+        </p:style>
+        <p:txBody>
+          <a:bodyPr rtlCol="0" anchor="ctr"/>
+          <a:lstStyle/>
+          <a:p>
+            <a:pPr algn="ctr"/>
+            <a:r>
+              <a:rPr lang="en-GB" dirty="0"/>
+              <a:t>User</a:t>
+            </a:r>
+          </a:p>
+        </p:txBody>
+      </p:sp>
+      <p:sp>
+        <p:nvSpPr>
+          <p:cNvPr id="8" name="Diamond 7"/>
+          <p:cNvSpPr/>
+          <p:nvPr/>
+        </p:nvSpPr>
+        <p:spPr>
+          <a:xfrm rot="5400000">
+            <a:off x="2204983" y="1771428"/>
+            <a:ext cx="394638" cy="417244"/>
+          </a:xfrm>
+          <a:prstGeom prst="diamond">
+            <a:avLst/>
+          </a:prstGeom>
+          <a:ln w="38100"/>
+        </p:spPr>
+        <p:style>
+          <a:lnRef idx="2">
+            <a:schemeClr val="accent1"/>
+          </a:lnRef>
+          <a:fillRef idx="1">
+            <a:schemeClr val="lt1"/>
+          </a:fillRef>
+          <a:effectRef idx="0">
+            <a:schemeClr val="accent1"/>
+          </a:effectRef>
+          <a:fontRef idx="minor">
+            <a:schemeClr val="dk1"/>
+          </a:fontRef>
+        </p:style>
+        <p:txBody>
+          <a:bodyPr rtlCol="0" anchor="ctr"/>
+          <a:lstStyle/>
+          <a:p>
+            <a:pPr algn="ctr"/>
+            <a:endParaRPr lang="en-GB">
+              <a:solidFill>
+                <a:schemeClr val="dk1"/>
+              </a:solidFill>
+            </a:endParaRPr>
+          </a:p>
+        </p:txBody>
+      </p:sp>
+      <p:cxnSp>
+        <p:nvCxnSpPr>
+          <p:cNvPr id="9" name="Straight Connector 8"/>
+          <p:cNvCxnSpPr>
+            <a:stCxn id="6" idx="1"/>
+          </p:cNvCxnSpPr>
+          <p:nvPr/>
+        </p:nvCxnSpPr>
+        <p:spPr>
+          <a:xfrm flipH="1">
+            <a:off x="2639800" y="1980049"/>
+            <a:ext cx="328793" cy="1"/>
+          </a:xfrm>
+          <a:prstGeom prst="line">
+            <a:avLst/>
+          </a:prstGeom>
+          <a:ln w="28575">
+            <a:solidFill>
+              <a:schemeClr val="accent1"/>
+            </a:solidFill>
+          </a:ln>
+        </p:spPr>
+        <p:style>
+          <a:lnRef idx="1">
+            <a:schemeClr val="accent1"/>
+          </a:lnRef>
+          <a:fillRef idx="0">
+            <a:schemeClr val="accent1"/>
+          </a:fillRef>
+          <a:effectRef idx="0">
+            <a:schemeClr val="accent1"/>
+          </a:effectRef>
+          <a:fontRef idx="minor">
+            <a:schemeClr val="tx1"/>
+          </a:fontRef>
+        </p:style>
+      </p:cxnSp>
+      <p:cxnSp>
+        <p:nvCxnSpPr>
+          <p:cNvPr id="10" name="Straight Connector 9"/>
+          <p:cNvCxnSpPr>
+            <a:stCxn id="8" idx="2"/>
+          </p:cNvCxnSpPr>
+          <p:nvPr/>
+        </p:nvCxnSpPr>
+        <p:spPr>
+          <a:xfrm flipH="1">
+            <a:off x="1773450" y="1980050"/>
+            <a:ext cx="420230" cy="0"/>
+          </a:xfrm>
+          <a:prstGeom prst="line">
+            <a:avLst/>
+          </a:prstGeom>
+          <a:ln w="28575">
+            <a:solidFill>
+              <a:schemeClr val="accent1"/>
+            </a:solidFill>
+          </a:ln>
+        </p:spPr>
+        <p:style>
+          <a:lnRef idx="1">
+            <a:schemeClr val="accent1"/>
+          </a:lnRef>
+          <a:fillRef idx="0">
+            <a:schemeClr val="accent1"/>
+          </a:fillRef>
+          <a:effectRef idx="0">
+            <a:schemeClr val="accent1"/>
+          </a:effectRef>
+          <a:fontRef idx="minor">
+            <a:schemeClr val="tx1"/>
+          </a:fontRef>
+        </p:style>
+      </p:cxnSp>
+      <p:sp>
+        <p:nvSpPr>
+          <p:cNvPr id="11" name="TextBox 10"/>
+          <p:cNvSpPr txBox="1"/>
+          <p:nvPr/>
+        </p:nvSpPr>
+        <p:spPr>
+          <a:xfrm>
+            <a:off x="2548363" y="2105721"/>
+            <a:ext cx="481222" cy="369332"/>
+          </a:xfrm>
+          <a:prstGeom prst="rect">
+            <a:avLst/>
+          </a:prstGeom>
+          <a:noFill/>
+        </p:spPr>
+        <p:txBody>
+          <a:bodyPr wrap="none" rtlCol="0">
+            <a:spAutoFit/>
+          </a:bodyPr>
+          <a:lstStyle/>
+          <a:p>
+            <a:r>
+              <a:rPr lang="en-GB" dirty="0"/>
+              <a:t>1:1</a:t>
+            </a:r>
+          </a:p>
+        </p:txBody>
+      </p:sp>
+      <p:sp>
+        <p:nvSpPr>
+          <p:cNvPr id="12" name="TextBox 11"/>
+          <p:cNvSpPr txBox="1"/>
+          <p:nvPr/>
+        </p:nvSpPr>
+        <p:spPr>
+          <a:xfrm>
+            <a:off x="1824778" y="2110612"/>
+            <a:ext cx="513282" cy="369332"/>
+          </a:xfrm>
+          <a:prstGeom prst="rect">
+            <a:avLst/>
+          </a:prstGeom>
+          <a:noFill/>
+        </p:spPr>
+        <p:txBody>
+          <a:bodyPr wrap="none" rtlCol="0">
+            <a:spAutoFit/>
+          </a:bodyPr>
+          <a:lstStyle/>
+          <a:p>
+            <a:r>
+              <a:rPr lang="en-GB" dirty="0"/>
+              <a:t>0:N</a:t>
+            </a:r>
+          </a:p>
+        </p:txBody>
+      </p:sp>
+      <p:sp>
+        <p:nvSpPr>
+          <p:cNvPr id="13" name="TextBox 12"/>
+          <p:cNvSpPr txBox="1"/>
+          <p:nvPr/>
+        </p:nvSpPr>
+        <p:spPr>
+          <a:xfrm>
+            <a:off x="1939955" y="1355558"/>
+            <a:ext cx="917239" cy="369332"/>
+          </a:xfrm>
+          <a:prstGeom prst="rect">
+            <a:avLst/>
+          </a:prstGeom>
+          <a:noFill/>
+        </p:spPr>
+        <p:txBody>
+          <a:bodyPr wrap="none" rtlCol="0">
+            <a:spAutoFit/>
+          </a:bodyPr>
+          <a:lstStyle/>
+          <a:p>
+            <a:r>
+              <a:rPr lang="en-GB" dirty="0"/>
+              <a:t>sending</a:t>
+            </a:r>
+          </a:p>
+        </p:txBody>
+      </p:sp>
+      <p:sp>
+        <p:nvSpPr>
+          <p:cNvPr id="14" name="Rectangle 13"/>
+          <p:cNvSpPr/>
+          <p:nvPr/>
+        </p:nvSpPr>
+        <p:spPr>
+          <a:xfrm>
+            <a:off x="2986239" y="3167167"/>
+            <a:ext cx="1568918" cy="471638"/>
+          </a:xfrm>
+          <a:prstGeom prst="rect">
+            <a:avLst/>
+          </a:prstGeom>
+          <a:noFill/>
+          <a:ln w="38100">
+            <a:solidFill>
+              <a:srgbClr val="00B050"/>
+            </a:solidFill>
+          </a:ln>
+        </p:spPr>
+        <p:style>
+          <a:lnRef idx="2">
+            <a:schemeClr val="accent1"/>
+          </a:lnRef>
+          <a:fillRef idx="1">
+            <a:schemeClr val="lt1"/>
+          </a:fillRef>
+          <a:effectRef idx="0">
+            <a:schemeClr val="accent1"/>
+          </a:effectRef>
+          <a:fontRef idx="minor">
+            <a:schemeClr val="dk1"/>
+          </a:fontRef>
+        </p:style>
+        <p:txBody>
+          <a:bodyPr rtlCol="0" anchor="ctr"/>
+          <a:lstStyle/>
+          <a:p>
+            <a:pPr algn="ctr"/>
+            <a:r>
+              <a:rPr lang="en-GB" dirty="0"/>
+              <a:t>Submission</a:t>
+            </a:r>
+          </a:p>
+        </p:txBody>
+      </p:sp>
+      <p:sp>
+        <p:nvSpPr>
+          <p:cNvPr id="15" name="Rectangle 14"/>
+          <p:cNvSpPr/>
+          <p:nvPr/>
+        </p:nvSpPr>
+        <p:spPr>
+          <a:xfrm>
+            <a:off x="222177" y="3167167"/>
+            <a:ext cx="1568918" cy="471638"/>
+          </a:xfrm>
+          <a:prstGeom prst="rect">
+            <a:avLst/>
+          </a:prstGeom>
+          <a:noFill/>
+          <a:ln w="38100">
+            <a:solidFill>
+              <a:srgbClr val="00B050"/>
+            </a:solidFill>
+          </a:ln>
+        </p:spPr>
+        <p:style>
+          <a:lnRef idx="2">
+            <a:schemeClr val="accent1"/>
+          </a:lnRef>
+          <a:fillRef idx="1">
+            <a:schemeClr val="lt1"/>
+          </a:fillRef>
+          <a:effectRef idx="0">
+            <a:schemeClr val="accent1"/>
+          </a:effectRef>
+          <a:fontRef idx="minor">
+            <a:schemeClr val="dk1"/>
+          </a:fontRef>
+        </p:style>
+        <p:txBody>
+          <a:bodyPr rtlCol="0" anchor="ctr"/>
+          <a:lstStyle/>
+          <a:p>
+            <a:pPr algn="ctr"/>
+            <a:r>
+              <a:rPr lang="en-GB" dirty="0"/>
+              <a:t>User</a:t>
+            </a:r>
+          </a:p>
+        </p:txBody>
+      </p:sp>
+      <p:cxnSp>
+        <p:nvCxnSpPr>
+          <p:cNvPr id="16" name="Straight Connector 15"/>
+          <p:cNvCxnSpPr>
+            <a:stCxn id="14" idx="1"/>
+            <a:endCxn id="15" idx="3"/>
+          </p:cNvCxnSpPr>
+          <p:nvPr/>
+        </p:nvCxnSpPr>
+        <p:spPr>
+          <a:xfrm flipH="1">
+            <a:off x="1791095" y="3402986"/>
+            <a:ext cx="1195144" cy="0"/>
+          </a:xfrm>
+          <a:prstGeom prst="line">
+            <a:avLst/>
+          </a:prstGeom>
+          <a:ln w="38100">
+            <a:solidFill>
+              <a:srgbClr val="00B050"/>
+            </a:solidFill>
+            <a:headEnd type="triangle" w="med" len="med"/>
+            <a:tailEnd type="none" w="med" len="med"/>
+          </a:ln>
+        </p:spPr>
+        <p:style>
+          <a:lnRef idx="1">
+            <a:schemeClr val="accent1"/>
+          </a:lnRef>
+          <a:fillRef idx="0">
+            <a:schemeClr val="accent1"/>
+          </a:fillRef>
+          <a:effectRef idx="0">
+            <a:schemeClr val="accent1"/>
+          </a:effectRef>
+          <a:fontRef idx="minor">
+            <a:schemeClr val="tx1"/>
+          </a:fontRef>
+        </p:style>
+      </p:cxnSp>
+      <p:sp>
+        <p:nvSpPr>
+          <p:cNvPr id="17" name="Rectangle 16"/>
+          <p:cNvSpPr/>
+          <p:nvPr/>
+        </p:nvSpPr>
+        <p:spPr>
+          <a:xfrm>
+            <a:off x="2994260" y="4474599"/>
+            <a:ext cx="1568918" cy="471638"/>
+          </a:xfrm>
+          <a:prstGeom prst="rect">
+            <a:avLst/>
+          </a:prstGeom>
+          <a:noFill/>
+          <a:ln w="38100">
+            <a:solidFill>
+              <a:srgbClr val="00B050"/>
+            </a:solidFill>
+          </a:ln>
+        </p:spPr>
+        <p:style>
+          <a:lnRef idx="2">
+            <a:schemeClr val="accent1"/>
+          </a:lnRef>
+          <a:fillRef idx="1">
+            <a:schemeClr val="lt1"/>
+          </a:fillRef>
+          <a:effectRef idx="0">
+            <a:schemeClr val="accent1"/>
+          </a:effectRef>
+          <a:fontRef idx="minor">
+            <a:schemeClr val="dk1"/>
+          </a:fontRef>
+        </p:style>
+        <p:txBody>
+          <a:bodyPr rtlCol="0" anchor="ctr"/>
+          <a:lstStyle/>
+          <a:p>
+            <a:pPr algn="ctr"/>
+            <a:r>
+              <a:rPr lang="en-GB" dirty="0"/>
+              <a:t>Submission</a:t>
+            </a:r>
+          </a:p>
+        </p:txBody>
+      </p:sp>
+      <p:sp>
+        <p:nvSpPr>
+          <p:cNvPr id="18" name="Rectangle 17"/>
+          <p:cNvSpPr/>
+          <p:nvPr/>
+        </p:nvSpPr>
+        <p:spPr>
+          <a:xfrm>
+            <a:off x="230198" y="4474599"/>
+            <a:ext cx="1568918" cy="471638"/>
+          </a:xfrm>
+          <a:prstGeom prst="rect">
+            <a:avLst/>
+          </a:prstGeom>
+          <a:noFill/>
+          <a:ln w="38100">
+            <a:solidFill>
+              <a:srgbClr val="00B050"/>
+            </a:solidFill>
+          </a:ln>
+        </p:spPr>
+        <p:style>
+          <a:lnRef idx="2">
+            <a:schemeClr val="accent1"/>
+          </a:lnRef>
+          <a:fillRef idx="1">
+            <a:schemeClr val="lt1"/>
+          </a:fillRef>
+          <a:effectRef idx="0">
+            <a:schemeClr val="accent1"/>
+          </a:effectRef>
+          <a:fontRef idx="minor">
+            <a:schemeClr val="dk1"/>
+          </a:fontRef>
+        </p:style>
+        <p:txBody>
+          <a:bodyPr rtlCol="0" anchor="ctr"/>
+          <a:lstStyle/>
+          <a:p>
+            <a:pPr algn="ctr"/>
+            <a:r>
+              <a:rPr lang="en-GB" dirty="0"/>
+              <a:t>User</a:t>
+            </a:r>
+          </a:p>
+        </p:txBody>
+      </p:sp>
+      <p:cxnSp>
+        <p:nvCxnSpPr>
+          <p:cNvPr id="19" name="Straight Connector 18"/>
+          <p:cNvCxnSpPr>
+            <a:stCxn id="17" idx="1"/>
+            <a:endCxn id="18" idx="3"/>
+          </p:cNvCxnSpPr>
+          <p:nvPr/>
+        </p:nvCxnSpPr>
+        <p:spPr>
+          <a:xfrm flipH="1">
+            <a:off x="1799116" y="4710418"/>
+            <a:ext cx="1195144" cy="0"/>
+          </a:xfrm>
+          <a:prstGeom prst="line">
+            <a:avLst/>
+          </a:prstGeom>
+          <a:ln w="38100">
+            <a:solidFill>
+              <a:srgbClr val="00B050"/>
+            </a:solidFill>
+            <a:headEnd type="none" w="med" len="med"/>
+            <a:tailEnd type="triangle" w="med" len="med"/>
+          </a:ln>
+        </p:spPr>
+        <p:style>
+          <a:lnRef idx="1">
+            <a:schemeClr val="accent1"/>
+          </a:lnRef>
+          <a:fillRef idx="0">
+            <a:schemeClr val="accent1"/>
+          </a:fillRef>
+          <a:effectRef idx="0">
+            <a:schemeClr val="accent1"/>
+          </a:effectRef>
+          <a:fontRef idx="minor">
+            <a:schemeClr val="tx1"/>
+          </a:fontRef>
+        </p:style>
+      </p:cxnSp>
+      <p:sp>
+        <p:nvSpPr>
+          <p:cNvPr id="20" name="TextBox 19"/>
+          <p:cNvSpPr txBox="1"/>
+          <p:nvPr/>
+        </p:nvSpPr>
+        <p:spPr>
+          <a:xfrm>
+            <a:off x="2671888" y="3134022"/>
+            <a:ext cx="300082" cy="369332"/>
+          </a:xfrm>
+          <a:prstGeom prst="rect">
+            <a:avLst/>
+          </a:prstGeom>
+          <a:noFill/>
+        </p:spPr>
+        <p:txBody>
+          <a:bodyPr wrap="none" rtlCol="0">
+            <a:spAutoFit/>
+          </a:bodyPr>
+          <a:lstStyle/>
+          <a:p>
+            <a:r>
+              <a:rPr lang="en-GB" dirty="0"/>
+              <a:t>*</a:t>
+            </a:r>
+          </a:p>
+        </p:txBody>
+      </p:sp>
+      <p:sp>
+        <p:nvSpPr>
+          <p:cNvPr id="21" name="TextBox 20"/>
+          <p:cNvSpPr txBox="1"/>
+          <p:nvPr/>
+        </p:nvSpPr>
+        <p:spPr>
+          <a:xfrm>
+            <a:off x="1786359" y="4308305"/>
+            <a:ext cx="301686" cy="369332"/>
+          </a:xfrm>
+          <a:prstGeom prst="rect">
+            <a:avLst/>
+          </a:prstGeom>
+          <a:noFill/>
+        </p:spPr>
+        <p:txBody>
+          <a:bodyPr wrap="none" rtlCol="0">
+            <a:spAutoFit/>
+          </a:bodyPr>
+          <a:lstStyle/>
+          <a:p>
+            <a:r>
+              <a:rPr lang="en-GB" dirty="0"/>
+              <a:t>1</a:t>
+            </a:r>
+          </a:p>
+        </p:txBody>
+      </p:sp>
+      <p:sp>
+        <p:nvSpPr>
+          <p:cNvPr id="22" name="Content Placeholder 4">
+            <a:extLst>
+              <a:ext uri="{FF2B5EF4-FFF2-40B4-BE49-F238E27FC236}">
+                <a16:creationId xmlns:a16="http://schemas.microsoft.com/office/drawing/2014/main" id="{FE0E8248-1BC4-4CCA-99E1-8D87B3E26F46}"/>
+              </a:ext>
+            </a:extLst>
+          </p:cNvPr>
+          <p:cNvSpPr txBox="1">
+            <a:spLocks/>
           </p:cNvSpPr>
-          <p:nvPr>
-            <p:ph idx="1"/>
-          </p:nvPr>
-        </p:nvSpPr>
-        <p:spPr>
-          <a:xfrm>
-            <a:off x="1" y="1434164"/>
-            <a:ext cx="9144000" cy="5342021"/>
-          </a:xfrm>
-        </p:spPr>
-        <p:txBody>
-          <a:bodyPr>
+          <p:nvPr/>
+        </p:nvSpPr>
+        <p:spPr>
+          <a:xfrm>
+            <a:off x="4629149" y="1825625"/>
+            <a:ext cx="4213293" cy="4351338"/>
+          </a:xfrm>
+          <a:prstGeom prst="rect">
+            <a:avLst/>
+          </a:prstGeom>
+        </p:spPr>
+        <p:txBody>
+          <a:bodyPr vert="horz" lIns="91440" tIns="45720" rIns="91440" bIns="45720" rtlCol="0">
             <a:normAutofit/>
           </a:bodyPr>
-          <a:lstStyle/>
-          <a:p>
-            <a:pPr marL="0" indent="0">
+          <a:lstStyle>
+            <a:lvl1pPr marL="228600" indent="-228600" algn="l" defTabSz="914400" rtl="0" eaLnBrk="1" latinLnBrk="0" hangingPunct="1">
+              <a:lnSpc>
+                <a:spcPct val="90000"/>
+              </a:lnSpc>
               <a:spcBef>
-                <a:spcPts val="0"/>
+                <a:spcPts val="1000"/>
               </a:spcBef>
-              <a:buNone/>
-            </a:pPr>
-            <a:r>
-              <a:rPr lang="en-GB" sz="1500" dirty="0">
-                <a:latin typeface="Courier New" panose="02070309020205020404" pitchFamily="49" charset="0"/>
-                <a:cs typeface="Courier New" panose="02070309020205020404" pitchFamily="49" charset="0"/>
+              <a:buFont typeface="Arial" panose="020B0604020202020204" pitchFamily="34" charset="0"/>
+              <a:buChar char="•"/>
+              <a:defRPr sz="2800" kern="1200">
+                <a:solidFill>
+                  <a:schemeClr val="tx1"/>
+                </a:solidFill>
+                <a:latin typeface="+mn-lt"/>
+                <a:ea typeface="+mn-ea"/>
+                <a:cs typeface="+mn-cs"/>
+              </a:defRPr>
+            </a:lvl1pPr>
+            <a:lvl2pPr marL="685800" indent="-228600" algn="l" defTabSz="914400" rtl="0" eaLnBrk="1" latinLnBrk="0" hangingPunct="1">
+              <a:lnSpc>
+                <a:spcPct val="90000"/>
+              </a:lnSpc>
+              <a:spcBef>
+                <a:spcPts val="500"/>
+              </a:spcBef>
+              <a:buFont typeface="Arial" panose="020B0604020202020204" pitchFamily="34" charset="0"/>
+              <a:buChar char="•"/>
+              <a:defRPr sz="2400" kern="1200">
+                <a:solidFill>
+                  <a:schemeClr val="tx1"/>
+                </a:solidFill>
+                <a:latin typeface="+mn-lt"/>
+                <a:ea typeface="+mn-ea"/>
+                <a:cs typeface="+mn-cs"/>
+              </a:defRPr>
+            </a:lvl2pPr>
+            <a:lvl3pPr marL="1143000" indent="-228600" algn="l" defTabSz="914400" rtl="0" eaLnBrk="1" latinLnBrk="0" hangingPunct="1">
+              <a:lnSpc>
+                <a:spcPct val="90000"/>
+              </a:lnSpc>
+              <a:spcBef>
+                <a:spcPts val="500"/>
+              </a:spcBef>
+              <a:buFont typeface="Arial" panose="020B0604020202020204" pitchFamily="34" charset="0"/>
+              <a:buChar char="•"/>
+              <a:defRPr sz="2000" kern="1200">
+                <a:solidFill>
+                  <a:schemeClr val="tx1"/>
+                </a:solidFill>
+                <a:latin typeface="+mn-lt"/>
+                <a:ea typeface="+mn-ea"/>
+                <a:cs typeface="+mn-cs"/>
+              </a:defRPr>
+            </a:lvl3pPr>
+            <a:lvl4pPr marL="1600200" indent="-228600" algn="l" defTabSz="914400" rtl="0" eaLnBrk="1" latinLnBrk="0" hangingPunct="1">
+              <a:lnSpc>
+                <a:spcPct val="90000"/>
+              </a:lnSpc>
+              <a:spcBef>
+                <a:spcPts val="500"/>
+              </a:spcBef>
+              <a:buFont typeface="Arial" panose="020B0604020202020204" pitchFamily="34" charset="0"/>
+              <a:buChar char="•"/>
+              <a:defRPr sz="1800" kern="1200">
+                <a:solidFill>
+                  <a:schemeClr val="tx1"/>
+                </a:solidFill>
+                <a:latin typeface="+mn-lt"/>
+                <a:ea typeface="+mn-ea"/>
+                <a:cs typeface="+mn-cs"/>
+              </a:defRPr>
+            </a:lvl4pPr>
+            <a:lvl5pPr marL="2057400" indent="-228600" algn="l" defTabSz="914400" rtl="0" eaLnBrk="1" latinLnBrk="0" hangingPunct="1">
+              <a:lnSpc>
+                <a:spcPct val="90000"/>
+              </a:lnSpc>
+              <a:spcBef>
+                <a:spcPts val="500"/>
+              </a:spcBef>
+              <a:buFont typeface="Arial" panose="020B0604020202020204" pitchFamily="34" charset="0"/>
+              <a:buChar char="•"/>
+              <a:defRPr sz="1800" kern="1200">
+                <a:solidFill>
+                  <a:schemeClr val="tx1"/>
+                </a:solidFill>
+                <a:latin typeface="+mn-lt"/>
+                <a:ea typeface="+mn-ea"/>
+                <a:cs typeface="+mn-cs"/>
+              </a:defRPr>
+            </a:lvl5pPr>
+            <a:lvl6pPr marL="2514600" indent="-228600" algn="l" defTabSz="914400" rtl="0" eaLnBrk="1" latinLnBrk="0" hangingPunct="1">
+              <a:lnSpc>
+                <a:spcPct val="90000"/>
+              </a:lnSpc>
+              <a:spcBef>
+                <a:spcPts val="500"/>
+              </a:spcBef>
+              <a:buFont typeface="Arial" panose="020B0604020202020204" pitchFamily="34" charset="0"/>
+              <a:buChar char="•"/>
+              <a:defRPr sz="1800" kern="1200">
+                <a:solidFill>
+                  <a:schemeClr val="tx1"/>
+                </a:solidFill>
+                <a:latin typeface="+mn-lt"/>
+                <a:ea typeface="+mn-ea"/>
+                <a:cs typeface="+mn-cs"/>
+              </a:defRPr>
+            </a:lvl6pPr>
+            <a:lvl7pPr marL="2971800" indent="-228600" algn="l" defTabSz="914400" rtl="0" eaLnBrk="1" latinLnBrk="0" hangingPunct="1">
+              <a:lnSpc>
+                <a:spcPct val="90000"/>
+              </a:lnSpc>
+              <a:spcBef>
+                <a:spcPts val="500"/>
+              </a:spcBef>
+              <a:buFont typeface="Arial" panose="020B0604020202020204" pitchFamily="34" charset="0"/>
+              <a:buChar char="•"/>
+              <a:defRPr sz="1800" kern="1200">
+                <a:solidFill>
+                  <a:schemeClr val="tx1"/>
+                </a:solidFill>
+                <a:latin typeface="+mn-lt"/>
+                <a:ea typeface="+mn-ea"/>
+                <a:cs typeface="+mn-cs"/>
+              </a:defRPr>
+            </a:lvl7pPr>
+            <a:lvl8pPr marL="3429000" indent="-228600" algn="l" defTabSz="914400" rtl="0" eaLnBrk="1" latinLnBrk="0" hangingPunct="1">
+              <a:lnSpc>
+                <a:spcPct val="90000"/>
+              </a:lnSpc>
+              <a:spcBef>
+                <a:spcPts val="500"/>
+              </a:spcBef>
+              <a:buFont typeface="Arial" panose="020B0604020202020204" pitchFamily="34" charset="0"/>
+              <a:buChar char="•"/>
+              <a:defRPr sz="1800" kern="1200">
+                <a:solidFill>
+                  <a:schemeClr val="tx1"/>
+                </a:solidFill>
+                <a:latin typeface="+mn-lt"/>
+                <a:ea typeface="+mn-ea"/>
+                <a:cs typeface="+mn-cs"/>
+              </a:defRPr>
+            </a:lvl8pPr>
+            <a:lvl9pPr marL="3886200" indent="-228600" algn="l" defTabSz="914400" rtl="0" eaLnBrk="1" latinLnBrk="0" hangingPunct="1">
+              <a:lnSpc>
+                <a:spcPct val="90000"/>
+              </a:lnSpc>
+              <a:spcBef>
+                <a:spcPts val="500"/>
+              </a:spcBef>
+              <a:buFont typeface="Arial" panose="020B0604020202020204" pitchFamily="34" charset="0"/>
+              <a:buChar char="•"/>
+              <a:defRPr sz="1800" kern="1200">
+                <a:solidFill>
+                  <a:schemeClr val="tx1"/>
+                </a:solidFill>
+                <a:latin typeface="+mn-lt"/>
+                <a:ea typeface="+mn-ea"/>
+                <a:cs typeface="+mn-cs"/>
+              </a:defRPr>
+            </a:lvl9pPr>
+          </a:lstStyle>
+          <a:p>
+            <a:r>
+              <a:rPr lang="en-GB" dirty="0"/>
+              <a:t>User </a:t>
+            </a:r>
+            <a:r>
+              <a:rPr lang="en-GB" dirty="0">
+                <a:sym typeface="Wingdings" panose="05000000000000000000" pitchFamily="2" charset="2"/>
               </a:rPr>
-              <a:t>@Entity</a:t>
-            </a:r>
-          </a:p>
-          <a:p>
-            <a:pPr marL="0" indent="0">
-              <a:spcBef>
-                <a:spcPts val="0"/>
-              </a:spcBef>
-              <a:buNone/>
-            </a:pPr>
-            <a:r>
-              <a:rPr lang="en-GB" sz="1500" dirty="0">
-                <a:latin typeface="Courier New" panose="02070309020205020404" pitchFamily="49" charset="0"/>
-                <a:cs typeface="Courier New" panose="02070309020205020404" pitchFamily="49" charset="0"/>
+              <a:t></a:t>
+            </a:r>
+            <a:r>
+              <a:rPr lang="en-GB" dirty="0"/>
+              <a:t> Submission @OneToMany</a:t>
+            </a:r>
+          </a:p>
+          <a:p>
+            <a:pPr lvl="1"/>
+            <a:r>
+              <a:rPr lang="en-GB" dirty="0"/>
+              <a:t>Each user can send many submission</a:t>
+            </a:r>
+          </a:p>
+          <a:p>
+            <a:pPr lvl="1"/>
+            <a:endParaRPr lang="en-GB" dirty="0"/>
+          </a:p>
+          <a:p>
+            <a:r>
+              <a:rPr lang="en-GB" dirty="0"/>
+              <a:t>Submission </a:t>
+            </a:r>
+            <a:r>
+              <a:rPr lang="en-GB" dirty="0">
+                <a:sym typeface="Wingdings" panose="05000000000000000000" pitchFamily="2" charset="2"/>
               </a:rPr>
-              <a:t>@</a:t>
-            </a:r>
-            <a:r>
-              <a:rPr lang="en-GB" sz="1500" dirty="0" err="1">
-                <a:latin typeface="Courier New" panose="02070309020205020404" pitchFamily="49" charset="0"/>
-                <a:cs typeface="Courier New" panose="02070309020205020404" pitchFamily="49" charset="0"/>
-              </a:rPr>
-              <a:t>NamedQueries</a:t>
-            </a:r>
-            <a:r>
-              <a:rPr lang="en-GB" sz="1500" dirty="0">
-                <a:latin typeface="Courier New" panose="02070309020205020404" pitchFamily="49" charset="0"/>
-                <a:cs typeface="Courier New" panose="02070309020205020404" pitchFamily="49" charset="0"/>
-              </a:rPr>
-              <a:t>({ </a:t>
-            </a:r>
-            <a:br>
-              <a:rPr lang="en-GB" sz="1500" dirty="0">
-                <a:latin typeface="Courier New" panose="02070309020205020404" pitchFamily="49" charset="0"/>
-                <a:cs typeface="Courier New" panose="02070309020205020404" pitchFamily="49" charset="0"/>
-              </a:rPr>
-            </a:br>
-            <a:r>
-              <a:rPr lang="en-GB" sz="1500" dirty="0">
-                <a:latin typeface="Courier New" panose="02070309020205020404" pitchFamily="49" charset="0"/>
-                <a:cs typeface="Courier New" panose="02070309020205020404" pitchFamily="49" charset="0"/>
-              </a:rPr>
-              <a:t>  @</a:t>
-            </a:r>
-            <a:r>
-              <a:rPr lang="en-GB" sz="1500" dirty="0" err="1">
-                <a:latin typeface="Courier New" panose="02070309020205020404" pitchFamily="49" charset="0"/>
-                <a:cs typeface="Courier New" panose="02070309020205020404" pitchFamily="49" charset="0"/>
-              </a:rPr>
-              <a:t>NamedQuery</a:t>
-            </a:r>
-            <a:r>
-              <a:rPr lang="en-GB" sz="1500" dirty="0">
-                <a:latin typeface="Courier New" panose="02070309020205020404" pitchFamily="49" charset="0"/>
-                <a:cs typeface="Courier New" panose="02070309020205020404" pitchFamily="49" charset="0"/>
-              </a:rPr>
-              <a:t>(name = “</a:t>
-            </a:r>
-            <a:r>
-              <a:rPr lang="en-GB" sz="1500" dirty="0" err="1">
-                <a:latin typeface="Courier New" panose="02070309020205020404" pitchFamily="49" charset="0"/>
-                <a:cs typeface="Courier New" panose="02070309020205020404" pitchFamily="49" charset="0"/>
-              </a:rPr>
-              <a:t>A.query</a:t>
-            </a:r>
-            <a:r>
-              <a:rPr lang="en-GB" sz="1500" dirty="0">
-                <a:latin typeface="Courier New" panose="02070309020205020404" pitchFamily="49" charset="0"/>
-                <a:cs typeface="Courier New" panose="02070309020205020404" pitchFamily="49" charset="0"/>
-              </a:rPr>
-              <a:t>", query = </a:t>
-            </a:r>
-            <a:br>
-              <a:rPr lang="en-GB" sz="1500" dirty="0">
-                <a:latin typeface="Courier New" panose="02070309020205020404" pitchFamily="49" charset="0"/>
-                <a:cs typeface="Courier New" panose="02070309020205020404" pitchFamily="49" charset="0"/>
-              </a:rPr>
-            </a:br>
-            <a:r>
-              <a:rPr lang="en-GB" sz="1500" dirty="0">
-                <a:latin typeface="Courier New" panose="02070309020205020404" pitchFamily="49" charset="0"/>
-                <a:cs typeface="Courier New" panose="02070309020205020404" pitchFamily="49" charset="0"/>
-              </a:rPr>
-              <a:t>    “ . . . "),</a:t>
-            </a:r>
-          </a:p>
-          <a:p>
-            <a:pPr marL="0" indent="0">
-              <a:spcBef>
-                <a:spcPts val="0"/>
-              </a:spcBef>
-              <a:buNone/>
-            </a:pPr>
-            <a:r>
-              <a:rPr lang="en-GB" sz="1500" dirty="0">
-                <a:latin typeface="Courier New" panose="02070309020205020404" pitchFamily="49" charset="0"/>
-                <a:cs typeface="Courier New" panose="02070309020205020404" pitchFamily="49" charset="0"/>
-              </a:rPr>
-              <a:t>   . . .})</a:t>
-            </a:r>
-          </a:p>
-          <a:p>
-            <a:pPr marL="0" indent="0">
-              <a:spcBef>
-                <a:spcPts val="0"/>
-              </a:spcBef>
-              <a:buNone/>
-            </a:pPr>
-            <a:endParaRPr lang="en-GB" sz="1500" dirty="0">
-              <a:latin typeface="Courier New" panose="02070309020205020404" pitchFamily="49" charset="0"/>
-              <a:cs typeface="Courier New" panose="02070309020205020404" pitchFamily="49" charset="0"/>
-            </a:endParaRPr>
-          </a:p>
-          <a:p>
-            <a:pPr marL="0" indent="0">
-              <a:spcBef>
-                <a:spcPts val="0"/>
-              </a:spcBef>
-              <a:buNone/>
-            </a:pPr>
-            <a:r>
-              <a:rPr lang="en-GB" sz="1500" dirty="0">
-                <a:latin typeface="Courier New" panose="02070309020205020404" pitchFamily="49" charset="0"/>
-                <a:cs typeface="Courier New" panose="02070309020205020404" pitchFamily="49" charset="0"/>
-              </a:rPr>
-              <a:t>public class A implements Serializable {</a:t>
-            </a:r>
-          </a:p>
-          <a:p>
-            <a:pPr marL="0" indent="0">
-              <a:spcBef>
-                <a:spcPts val="0"/>
-              </a:spcBef>
-              <a:buNone/>
-            </a:pPr>
-            <a:r>
-              <a:rPr lang="en-GB" sz="1500" dirty="0">
-                <a:latin typeface="Courier New" panose="02070309020205020404" pitchFamily="49" charset="0"/>
-                <a:cs typeface="Courier New" panose="02070309020205020404" pitchFamily="49" charset="0"/>
-              </a:rPr>
-              <a:t>..</a:t>
-            </a:r>
-          </a:p>
-          <a:p>
-            <a:pPr marL="0" indent="0">
-              <a:spcBef>
-                <a:spcPts val="0"/>
-              </a:spcBef>
-              <a:buNone/>
-            </a:pPr>
-            <a:endParaRPr lang="en-GB" sz="1500" dirty="0">
-              <a:latin typeface="Courier New" panose="02070309020205020404" pitchFamily="49" charset="0"/>
-              <a:cs typeface="Courier New" panose="02070309020205020404" pitchFamily="49" charset="0"/>
-            </a:endParaRPr>
-          </a:p>
-          <a:p>
-            <a:pPr marL="0" indent="0">
-              <a:spcBef>
-                <a:spcPts val="0"/>
-              </a:spcBef>
-              <a:buNone/>
-            </a:pPr>
-            <a:r>
-              <a:rPr lang="en-GB" sz="1500" dirty="0">
-                <a:latin typeface="Courier New" panose="02070309020205020404" pitchFamily="49" charset="0"/>
-                <a:cs typeface="Courier New" panose="02070309020205020404" pitchFamily="49" charset="0"/>
-              </a:rPr>
-              <a:t>// attributes &amp; their annotations</a:t>
-            </a:r>
-          </a:p>
-          <a:p>
-            <a:pPr marL="0" indent="0">
-              <a:spcBef>
-                <a:spcPts val="0"/>
-              </a:spcBef>
-              <a:buNone/>
-            </a:pPr>
-            <a:endParaRPr lang="en-GB" sz="1500" dirty="0">
-              <a:latin typeface="Courier New" panose="02070309020205020404" pitchFamily="49" charset="0"/>
-              <a:cs typeface="Courier New" panose="02070309020205020404" pitchFamily="49" charset="0"/>
-            </a:endParaRPr>
-          </a:p>
-          <a:p>
-            <a:pPr marL="0" indent="0">
-              <a:spcBef>
-                <a:spcPts val="0"/>
-              </a:spcBef>
-              <a:buNone/>
-            </a:pPr>
-            <a:endParaRPr lang="en-GB" sz="1500" dirty="0">
-              <a:latin typeface="Courier New" panose="02070309020205020404" pitchFamily="49" charset="0"/>
-              <a:cs typeface="Courier New" panose="02070309020205020404" pitchFamily="49" charset="0"/>
-            </a:endParaRPr>
-          </a:p>
-          <a:p>
-            <a:pPr marL="0" indent="0">
-              <a:spcBef>
-                <a:spcPts val="0"/>
-              </a:spcBef>
-              <a:buNone/>
-            </a:pPr>
-            <a:r>
-              <a:rPr lang="en-GB" sz="1500" dirty="0">
-                <a:latin typeface="Courier New" panose="02070309020205020404" pitchFamily="49" charset="0"/>
-                <a:cs typeface="Courier New" panose="02070309020205020404" pitchFamily="49" charset="0"/>
-              </a:rPr>
-              <a:t>// relationships &amp; their annotations</a:t>
-            </a:r>
-          </a:p>
-          <a:p>
-            <a:pPr marL="0" indent="0">
-              <a:spcBef>
-                <a:spcPts val="0"/>
-              </a:spcBef>
-              <a:buNone/>
-            </a:pPr>
-            <a:endParaRPr lang="en-GB" sz="1500" dirty="0">
-              <a:latin typeface="Courier New" panose="02070309020205020404" pitchFamily="49" charset="0"/>
-              <a:cs typeface="Courier New" panose="02070309020205020404" pitchFamily="49" charset="0"/>
-            </a:endParaRPr>
-          </a:p>
-          <a:p>
-            <a:pPr marL="0" indent="0">
-              <a:spcBef>
-                <a:spcPts val="0"/>
-              </a:spcBef>
-              <a:buNone/>
-            </a:pPr>
-            <a:endParaRPr lang="en-GB" sz="1500" dirty="0">
-              <a:latin typeface="Courier New" panose="02070309020205020404" pitchFamily="49" charset="0"/>
-              <a:cs typeface="Courier New" panose="02070309020205020404" pitchFamily="49" charset="0"/>
-            </a:endParaRPr>
-          </a:p>
-          <a:p>
-            <a:pPr marL="0" indent="0">
-              <a:spcBef>
-                <a:spcPts val="0"/>
-              </a:spcBef>
-              <a:buNone/>
-            </a:pPr>
-            <a:r>
-              <a:rPr lang="en-GB" sz="1500" dirty="0">
-                <a:latin typeface="Courier New" panose="02070309020205020404" pitchFamily="49" charset="0"/>
-                <a:cs typeface="Courier New" panose="02070309020205020404" pitchFamily="49" charset="0"/>
-              </a:rPr>
-              <a:t>/* </a:t>
-            </a:r>
-          </a:p>
-          <a:p>
-            <a:pPr marL="0" indent="0">
-              <a:spcBef>
-                <a:spcPts val="0"/>
-              </a:spcBef>
-              <a:buNone/>
-            </a:pPr>
-            <a:r>
-              <a:rPr lang="en-GB" sz="1500" dirty="0">
-                <a:latin typeface="Courier New" panose="02070309020205020404" pitchFamily="49" charset="0"/>
-                <a:cs typeface="Courier New" panose="02070309020205020404" pitchFamily="49" charset="0"/>
-              </a:rPr>
-              <a:t>  clone this slide as may times as there are   </a:t>
-            </a:r>
-            <a:br>
-              <a:rPr lang="en-GB" sz="1500" dirty="0">
-                <a:latin typeface="Courier New" panose="02070309020205020404" pitchFamily="49" charset="0"/>
-                <a:cs typeface="Courier New" panose="02070309020205020404" pitchFamily="49" charset="0"/>
-              </a:rPr>
-            </a:br>
-            <a:r>
-              <a:rPr lang="en-GB" sz="1500" dirty="0">
-                <a:latin typeface="Courier New" panose="02070309020205020404" pitchFamily="49" charset="0"/>
-                <a:cs typeface="Courier New" panose="02070309020205020404" pitchFamily="49" charset="0"/>
-              </a:rPr>
-              <a:t>  entities </a:t>
-            </a:r>
-          </a:p>
-          <a:p>
-            <a:pPr marL="0" indent="0">
-              <a:spcBef>
-                <a:spcPts val="0"/>
-              </a:spcBef>
-              <a:buNone/>
-            </a:pPr>
-            <a:r>
-              <a:rPr lang="en-GB" sz="1500" dirty="0">
-                <a:latin typeface="Courier New" panose="02070309020205020404" pitchFamily="49" charset="0"/>
-                <a:cs typeface="Courier New" panose="02070309020205020404" pitchFamily="49" charset="0"/>
-              </a:rPr>
-              <a:t>*/</a:t>
-            </a:r>
-          </a:p>
-          <a:p>
-            <a:pPr marL="0" indent="0">
-              <a:spcBef>
-                <a:spcPts val="0"/>
-              </a:spcBef>
-              <a:buNone/>
-            </a:pPr>
-            <a:endParaRPr lang="en-GB" sz="1500" dirty="0">
-              <a:latin typeface="Courier New" panose="02070309020205020404" pitchFamily="49" charset="0"/>
-              <a:cs typeface="Courier New" panose="02070309020205020404" pitchFamily="49" charset="0"/>
-            </a:endParaRPr>
-          </a:p>
-          <a:p>
-            <a:pPr marL="0" indent="0">
-              <a:spcBef>
-                <a:spcPts val="0"/>
-              </a:spcBef>
-              <a:buNone/>
-            </a:pPr>
-            <a:endParaRPr lang="en-GB" sz="1500" dirty="0">
-              <a:latin typeface="Courier New" panose="02070309020205020404" pitchFamily="49" charset="0"/>
-              <a:cs typeface="Courier New" panose="02070309020205020404" pitchFamily="49" charset="0"/>
+              <a:t> User </a:t>
+            </a:r>
+            <a:r>
+              <a:rPr lang="en-GB" dirty="0"/>
+              <a:t>@ManyToOne</a:t>
+            </a:r>
+          </a:p>
+          <a:p>
+            <a:pPr lvl="1"/>
+            <a:r>
+              <a:rPr lang="en-GB" dirty="0"/>
+              <a:t>Many submissions can be sent by the same user </a:t>
+            </a:r>
+          </a:p>
+          <a:p>
+            <a:pPr lvl="1"/>
+            <a:r>
+              <a:rPr lang="en-GB" dirty="0"/>
+              <a:t>Owner of the relationship</a:t>
+            </a:r>
+          </a:p>
+          <a:p>
+            <a:pPr lvl="1"/>
+            <a:endParaRPr lang="en-GB" dirty="0">
+              <a:sym typeface="Wingdings" panose="05000000000000000000" pitchFamily="2" charset="2"/>
             </a:endParaRPr>
           </a:p>
         </p:txBody>
@@ -8261,7 +12207,7 @@
     </p:spTree>
     <p:extLst>
       <p:ext uri="{BB962C8B-B14F-4D97-AF65-F5344CB8AC3E}">
-        <p14:creationId xmlns:p14="http://schemas.microsoft.com/office/powerpoint/2010/main" val="484876262"/>
+        <p14:creationId xmlns:p14="http://schemas.microsoft.com/office/powerpoint/2010/main" val="3438232095"/>
       </p:ext>
     </p:extLst>
   </p:cSld>
@@ -8305,143 +12251,882 @@
           <a:p>
             <a:r>
               <a:rPr lang="en-GB" dirty="0"/>
-              <a:t>Entity method for doing something</a:t>
-            </a:r>
-          </a:p>
-        </p:txBody>
-      </p:sp>
-      <p:sp>
-        <p:nvSpPr>
-          <p:cNvPr id="3" name="Content Placeholder 2"/>
-          <p:cNvSpPr>
-            <a:spLocks noGrp="1"/>
+              <a:t>Relationship “referring” </a:t>
+            </a:r>
+          </a:p>
+        </p:txBody>
+      </p:sp>
+      <p:sp>
+        <p:nvSpPr>
+          <p:cNvPr id="6" name="Rectangle 5"/>
+          <p:cNvSpPr/>
+          <p:nvPr/>
+        </p:nvSpPr>
+        <p:spPr>
+          <a:xfrm>
+            <a:off x="2968593" y="1744230"/>
+            <a:ext cx="1568918" cy="471638"/>
+          </a:xfrm>
+          <a:prstGeom prst="rect">
+            <a:avLst/>
+          </a:prstGeom>
+          <a:ln w="38100"/>
+        </p:spPr>
+        <p:style>
+          <a:lnRef idx="2">
+            <a:schemeClr val="accent1"/>
+          </a:lnRef>
+          <a:fillRef idx="1">
+            <a:schemeClr val="lt1"/>
+          </a:fillRef>
+          <a:effectRef idx="0">
+            <a:schemeClr val="accent1"/>
+          </a:effectRef>
+          <a:fontRef idx="minor">
+            <a:schemeClr val="dk1"/>
+          </a:fontRef>
+        </p:style>
+        <p:txBody>
+          <a:bodyPr rtlCol="0" anchor="ctr"/>
+          <a:lstStyle/>
+          <a:p>
+            <a:pPr algn="ctr"/>
+            <a:r>
+              <a:rPr lang="en-GB" dirty="0"/>
+              <a:t>Submission</a:t>
+            </a:r>
+          </a:p>
+        </p:txBody>
+      </p:sp>
+      <p:sp>
+        <p:nvSpPr>
+          <p:cNvPr id="7" name="Rectangle 6"/>
+          <p:cNvSpPr/>
+          <p:nvPr/>
+        </p:nvSpPr>
+        <p:spPr>
+          <a:xfrm>
+            <a:off x="204531" y="1744230"/>
+            <a:ext cx="1568918" cy="471638"/>
+          </a:xfrm>
+          <a:prstGeom prst="rect">
+            <a:avLst/>
+          </a:prstGeom>
+          <a:ln w="38100"/>
+        </p:spPr>
+        <p:style>
+          <a:lnRef idx="2">
+            <a:schemeClr val="accent1"/>
+          </a:lnRef>
+          <a:fillRef idx="1">
+            <a:schemeClr val="lt1"/>
+          </a:fillRef>
+          <a:effectRef idx="0">
+            <a:schemeClr val="accent1"/>
+          </a:effectRef>
+          <a:fontRef idx="minor">
+            <a:schemeClr val="dk1"/>
+          </a:fontRef>
+        </p:style>
+        <p:txBody>
+          <a:bodyPr rtlCol="0" anchor="ctr"/>
+          <a:lstStyle/>
+          <a:p>
+            <a:pPr algn="ctr"/>
+            <a:r>
+              <a:rPr lang="en-GB" dirty="0"/>
+              <a:t>Product</a:t>
+            </a:r>
+          </a:p>
+        </p:txBody>
+      </p:sp>
+      <p:sp>
+        <p:nvSpPr>
+          <p:cNvPr id="8" name="Diamond 7"/>
+          <p:cNvSpPr/>
+          <p:nvPr/>
+        </p:nvSpPr>
+        <p:spPr>
+          <a:xfrm rot="5400000">
+            <a:off x="2204983" y="1771428"/>
+            <a:ext cx="394638" cy="417244"/>
+          </a:xfrm>
+          <a:prstGeom prst="diamond">
+            <a:avLst/>
+          </a:prstGeom>
+          <a:ln w="38100"/>
+        </p:spPr>
+        <p:style>
+          <a:lnRef idx="2">
+            <a:schemeClr val="accent1"/>
+          </a:lnRef>
+          <a:fillRef idx="1">
+            <a:schemeClr val="lt1"/>
+          </a:fillRef>
+          <a:effectRef idx="0">
+            <a:schemeClr val="accent1"/>
+          </a:effectRef>
+          <a:fontRef idx="minor">
+            <a:schemeClr val="dk1"/>
+          </a:fontRef>
+        </p:style>
+        <p:txBody>
+          <a:bodyPr rtlCol="0" anchor="ctr"/>
+          <a:lstStyle/>
+          <a:p>
+            <a:pPr algn="ctr"/>
+            <a:endParaRPr lang="en-GB">
+              <a:solidFill>
+                <a:schemeClr val="dk1"/>
+              </a:solidFill>
+            </a:endParaRPr>
+          </a:p>
+        </p:txBody>
+      </p:sp>
+      <p:cxnSp>
+        <p:nvCxnSpPr>
+          <p:cNvPr id="9" name="Straight Connector 8"/>
+          <p:cNvCxnSpPr>
+            <a:stCxn id="6" idx="1"/>
+          </p:cNvCxnSpPr>
+          <p:nvPr/>
+        </p:nvCxnSpPr>
+        <p:spPr>
+          <a:xfrm flipH="1">
+            <a:off x="2639800" y="1980049"/>
+            <a:ext cx="328793" cy="1"/>
+          </a:xfrm>
+          <a:prstGeom prst="line">
+            <a:avLst/>
+          </a:prstGeom>
+          <a:ln w="28575">
+            <a:solidFill>
+              <a:schemeClr val="accent1"/>
+            </a:solidFill>
+          </a:ln>
+        </p:spPr>
+        <p:style>
+          <a:lnRef idx="1">
+            <a:schemeClr val="accent1"/>
+          </a:lnRef>
+          <a:fillRef idx="0">
+            <a:schemeClr val="accent1"/>
+          </a:fillRef>
+          <a:effectRef idx="0">
+            <a:schemeClr val="accent1"/>
+          </a:effectRef>
+          <a:fontRef idx="minor">
+            <a:schemeClr val="tx1"/>
+          </a:fontRef>
+        </p:style>
+      </p:cxnSp>
+      <p:cxnSp>
+        <p:nvCxnSpPr>
+          <p:cNvPr id="10" name="Straight Connector 9"/>
+          <p:cNvCxnSpPr>
+            <a:stCxn id="8" idx="2"/>
+          </p:cNvCxnSpPr>
+          <p:nvPr/>
+        </p:nvCxnSpPr>
+        <p:spPr>
+          <a:xfrm flipH="1">
+            <a:off x="1773450" y="1980050"/>
+            <a:ext cx="420230" cy="0"/>
+          </a:xfrm>
+          <a:prstGeom prst="line">
+            <a:avLst/>
+          </a:prstGeom>
+          <a:ln w="28575">
+            <a:solidFill>
+              <a:schemeClr val="accent1"/>
+            </a:solidFill>
+          </a:ln>
+        </p:spPr>
+        <p:style>
+          <a:lnRef idx="1">
+            <a:schemeClr val="accent1"/>
+          </a:lnRef>
+          <a:fillRef idx="0">
+            <a:schemeClr val="accent1"/>
+          </a:fillRef>
+          <a:effectRef idx="0">
+            <a:schemeClr val="accent1"/>
+          </a:effectRef>
+          <a:fontRef idx="minor">
+            <a:schemeClr val="tx1"/>
+          </a:fontRef>
+        </p:style>
+      </p:cxnSp>
+      <p:sp>
+        <p:nvSpPr>
+          <p:cNvPr id="11" name="TextBox 10"/>
+          <p:cNvSpPr txBox="1"/>
+          <p:nvPr/>
+        </p:nvSpPr>
+        <p:spPr>
+          <a:xfrm>
+            <a:off x="2548363" y="2105721"/>
+            <a:ext cx="481222" cy="369332"/>
+          </a:xfrm>
+          <a:prstGeom prst="rect">
+            <a:avLst/>
+          </a:prstGeom>
+          <a:noFill/>
+        </p:spPr>
+        <p:txBody>
+          <a:bodyPr wrap="none" rtlCol="0">
+            <a:spAutoFit/>
+          </a:bodyPr>
+          <a:lstStyle/>
+          <a:p>
+            <a:r>
+              <a:rPr lang="en-GB" dirty="0"/>
+              <a:t>1:1</a:t>
+            </a:r>
+          </a:p>
+        </p:txBody>
+      </p:sp>
+      <p:sp>
+        <p:nvSpPr>
+          <p:cNvPr id="12" name="TextBox 11"/>
+          <p:cNvSpPr txBox="1"/>
+          <p:nvPr/>
+        </p:nvSpPr>
+        <p:spPr>
+          <a:xfrm>
+            <a:off x="1824778" y="2110612"/>
+            <a:ext cx="513282" cy="369332"/>
+          </a:xfrm>
+          <a:prstGeom prst="rect">
+            <a:avLst/>
+          </a:prstGeom>
+          <a:noFill/>
+        </p:spPr>
+        <p:txBody>
+          <a:bodyPr wrap="none" rtlCol="0">
+            <a:spAutoFit/>
+          </a:bodyPr>
+          <a:lstStyle/>
+          <a:p>
+            <a:r>
+              <a:rPr lang="en-GB" dirty="0"/>
+              <a:t>0:N</a:t>
+            </a:r>
+          </a:p>
+        </p:txBody>
+      </p:sp>
+      <p:sp>
+        <p:nvSpPr>
+          <p:cNvPr id="13" name="TextBox 12"/>
+          <p:cNvSpPr txBox="1"/>
+          <p:nvPr/>
+        </p:nvSpPr>
+        <p:spPr>
+          <a:xfrm>
+            <a:off x="1902252" y="1355558"/>
+            <a:ext cx="999376" cy="369332"/>
+          </a:xfrm>
+          <a:prstGeom prst="rect">
+            <a:avLst/>
+          </a:prstGeom>
+          <a:noFill/>
+        </p:spPr>
+        <p:txBody>
+          <a:bodyPr wrap="none" rtlCol="0">
+            <a:spAutoFit/>
+          </a:bodyPr>
+          <a:lstStyle/>
+          <a:p>
+            <a:r>
+              <a:rPr lang="en-GB" dirty="0"/>
+              <a:t>referring</a:t>
+            </a:r>
+          </a:p>
+        </p:txBody>
+      </p:sp>
+      <p:sp>
+        <p:nvSpPr>
+          <p:cNvPr id="14" name="Rectangle 13"/>
+          <p:cNvSpPr/>
+          <p:nvPr/>
+        </p:nvSpPr>
+        <p:spPr>
+          <a:xfrm>
+            <a:off x="2986239" y="3167167"/>
+            <a:ext cx="1568918" cy="471638"/>
+          </a:xfrm>
+          <a:prstGeom prst="rect">
+            <a:avLst/>
+          </a:prstGeom>
+          <a:noFill/>
+          <a:ln w="38100">
+            <a:solidFill>
+              <a:srgbClr val="00B050"/>
+            </a:solidFill>
+          </a:ln>
+        </p:spPr>
+        <p:style>
+          <a:lnRef idx="2">
+            <a:schemeClr val="accent1"/>
+          </a:lnRef>
+          <a:fillRef idx="1">
+            <a:schemeClr val="lt1"/>
+          </a:fillRef>
+          <a:effectRef idx="0">
+            <a:schemeClr val="accent1"/>
+          </a:effectRef>
+          <a:fontRef idx="minor">
+            <a:schemeClr val="dk1"/>
+          </a:fontRef>
+        </p:style>
+        <p:txBody>
+          <a:bodyPr rtlCol="0" anchor="ctr"/>
+          <a:lstStyle/>
+          <a:p>
+            <a:pPr algn="ctr"/>
+            <a:r>
+              <a:rPr lang="en-GB" dirty="0"/>
+              <a:t>Submission</a:t>
+            </a:r>
+          </a:p>
+        </p:txBody>
+      </p:sp>
+      <p:sp>
+        <p:nvSpPr>
+          <p:cNvPr id="15" name="Rectangle 14"/>
+          <p:cNvSpPr/>
+          <p:nvPr/>
+        </p:nvSpPr>
+        <p:spPr>
+          <a:xfrm>
+            <a:off x="222177" y="3167167"/>
+            <a:ext cx="1568918" cy="471638"/>
+          </a:xfrm>
+          <a:prstGeom prst="rect">
+            <a:avLst/>
+          </a:prstGeom>
+          <a:noFill/>
+          <a:ln w="38100">
+            <a:solidFill>
+              <a:srgbClr val="00B050"/>
+            </a:solidFill>
+          </a:ln>
+        </p:spPr>
+        <p:style>
+          <a:lnRef idx="2">
+            <a:schemeClr val="accent1"/>
+          </a:lnRef>
+          <a:fillRef idx="1">
+            <a:schemeClr val="lt1"/>
+          </a:fillRef>
+          <a:effectRef idx="0">
+            <a:schemeClr val="accent1"/>
+          </a:effectRef>
+          <a:fontRef idx="minor">
+            <a:schemeClr val="dk1"/>
+          </a:fontRef>
+        </p:style>
+        <p:txBody>
+          <a:bodyPr rtlCol="0" anchor="ctr"/>
+          <a:lstStyle/>
+          <a:p>
+            <a:pPr algn="ctr"/>
+            <a:r>
+              <a:rPr lang="en-GB" dirty="0"/>
+              <a:t>Product</a:t>
+            </a:r>
+          </a:p>
+        </p:txBody>
+      </p:sp>
+      <p:cxnSp>
+        <p:nvCxnSpPr>
+          <p:cNvPr id="16" name="Straight Connector 15"/>
+          <p:cNvCxnSpPr>
+            <a:stCxn id="14" idx="1"/>
+            <a:endCxn id="15" idx="3"/>
+          </p:cNvCxnSpPr>
+          <p:nvPr/>
+        </p:nvCxnSpPr>
+        <p:spPr>
+          <a:xfrm flipH="1">
+            <a:off x="1791095" y="3402986"/>
+            <a:ext cx="1195144" cy="0"/>
+          </a:xfrm>
+          <a:prstGeom prst="line">
+            <a:avLst/>
+          </a:prstGeom>
+          <a:ln w="38100">
+            <a:solidFill>
+              <a:srgbClr val="00B050"/>
+            </a:solidFill>
+            <a:headEnd type="triangle" w="med" len="med"/>
+            <a:tailEnd type="none" w="med" len="med"/>
+          </a:ln>
+        </p:spPr>
+        <p:style>
+          <a:lnRef idx="1">
+            <a:schemeClr val="accent1"/>
+          </a:lnRef>
+          <a:fillRef idx="0">
+            <a:schemeClr val="accent1"/>
+          </a:fillRef>
+          <a:effectRef idx="0">
+            <a:schemeClr val="accent1"/>
+          </a:effectRef>
+          <a:fontRef idx="minor">
+            <a:schemeClr val="tx1"/>
+          </a:fontRef>
+        </p:style>
+      </p:cxnSp>
+      <p:sp>
+        <p:nvSpPr>
+          <p:cNvPr id="17" name="Rectangle 16"/>
+          <p:cNvSpPr/>
+          <p:nvPr/>
+        </p:nvSpPr>
+        <p:spPr>
+          <a:xfrm>
+            <a:off x="2994260" y="4474599"/>
+            <a:ext cx="1568918" cy="471638"/>
+          </a:xfrm>
+          <a:prstGeom prst="rect">
+            <a:avLst/>
+          </a:prstGeom>
+          <a:noFill/>
+          <a:ln w="38100">
+            <a:solidFill>
+              <a:srgbClr val="00B050"/>
+            </a:solidFill>
+          </a:ln>
+        </p:spPr>
+        <p:style>
+          <a:lnRef idx="2">
+            <a:schemeClr val="accent1"/>
+          </a:lnRef>
+          <a:fillRef idx="1">
+            <a:schemeClr val="lt1"/>
+          </a:fillRef>
+          <a:effectRef idx="0">
+            <a:schemeClr val="accent1"/>
+          </a:effectRef>
+          <a:fontRef idx="minor">
+            <a:schemeClr val="dk1"/>
+          </a:fontRef>
+        </p:style>
+        <p:txBody>
+          <a:bodyPr rtlCol="0" anchor="ctr"/>
+          <a:lstStyle/>
+          <a:p>
+            <a:pPr algn="ctr"/>
+            <a:r>
+              <a:rPr lang="en-GB" dirty="0"/>
+              <a:t>Submission</a:t>
+            </a:r>
+          </a:p>
+        </p:txBody>
+      </p:sp>
+      <p:sp>
+        <p:nvSpPr>
+          <p:cNvPr id="18" name="Rectangle 17"/>
+          <p:cNvSpPr/>
+          <p:nvPr/>
+        </p:nvSpPr>
+        <p:spPr>
+          <a:xfrm>
+            <a:off x="230198" y="4474599"/>
+            <a:ext cx="1568918" cy="471638"/>
+          </a:xfrm>
+          <a:prstGeom prst="rect">
+            <a:avLst/>
+          </a:prstGeom>
+          <a:noFill/>
+          <a:ln w="38100">
+            <a:solidFill>
+              <a:srgbClr val="00B050"/>
+            </a:solidFill>
+          </a:ln>
+        </p:spPr>
+        <p:style>
+          <a:lnRef idx="2">
+            <a:schemeClr val="accent1"/>
+          </a:lnRef>
+          <a:fillRef idx="1">
+            <a:schemeClr val="lt1"/>
+          </a:fillRef>
+          <a:effectRef idx="0">
+            <a:schemeClr val="accent1"/>
+          </a:effectRef>
+          <a:fontRef idx="minor">
+            <a:schemeClr val="dk1"/>
+          </a:fontRef>
+        </p:style>
+        <p:txBody>
+          <a:bodyPr rtlCol="0" anchor="ctr"/>
+          <a:lstStyle/>
+          <a:p>
+            <a:pPr algn="ctr"/>
+            <a:r>
+              <a:rPr lang="en-GB" dirty="0"/>
+              <a:t>Product</a:t>
+            </a:r>
+          </a:p>
+        </p:txBody>
+      </p:sp>
+      <p:cxnSp>
+        <p:nvCxnSpPr>
+          <p:cNvPr id="19" name="Straight Connector 18"/>
+          <p:cNvCxnSpPr>
+            <a:stCxn id="17" idx="1"/>
+            <a:endCxn id="18" idx="3"/>
+          </p:cNvCxnSpPr>
+          <p:nvPr/>
+        </p:nvCxnSpPr>
+        <p:spPr>
+          <a:xfrm flipH="1">
+            <a:off x="1799116" y="4710418"/>
+            <a:ext cx="1195144" cy="0"/>
+          </a:xfrm>
+          <a:prstGeom prst="line">
+            <a:avLst/>
+          </a:prstGeom>
+          <a:ln w="38100">
+            <a:solidFill>
+              <a:srgbClr val="00B050"/>
+            </a:solidFill>
+            <a:headEnd type="none" w="med" len="med"/>
+            <a:tailEnd type="triangle" w="med" len="med"/>
+          </a:ln>
+        </p:spPr>
+        <p:style>
+          <a:lnRef idx="1">
+            <a:schemeClr val="accent1"/>
+          </a:lnRef>
+          <a:fillRef idx="0">
+            <a:schemeClr val="accent1"/>
+          </a:fillRef>
+          <a:effectRef idx="0">
+            <a:schemeClr val="accent1"/>
+          </a:effectRef>
+          <a:fontRef idx="minor">
+            <a:schemeClr val="tx1"/>
+          </a:fontRef>
+        </p:style>
+      </p:cxnSp>
+      <p:sp>
+        <p:nvSpPr>
+          <p:cNvPr id="20" name="TextBox 19"/>
+          <p:cNvSpPr txBox="1"/>
+          <p:nvPr/>
+        </p:nvSpPr>
+        <p:spPr>
+          <a:xfrm>
+            <a:off x="2671888" y="3134022"/>
+            <a:ext cx="300082" cy="369332"/>
+          </a:xfrm>
+          <a:prstGeom prst="rect">
+            <a:avLst/>
+          </a:prstGeom>
+          <a:noFill/>
+        </p:spPr>
+        <p:txBody>
+          <a:bodyPr wrap="none" rtlCol="0">
+            <a:spAutoFit/>
+          </a:bodyPr>
+          <a:lstStyle/>
+          <a:p>
+            <a:r>
+              <a:rPr lang="en-GB" dirty="0"/>
+              <a:t>*</a:t>
+            </a:r>
+          </a:p>
+        </p:txBody>
+      </p:sp>
+      <p:sp>
+        <p:nvSpPr>
+          <p:cNvPr id="21" name="TextBox 20"/>
+          <p:cNvSpPr txBox="1"/>
+          <p:nvPr/>
+        </p:nvSpPr>
+        <p:spPr>
+          <a:xfrm>
+            <a:off x="1786359" y="4308305"/>
+            <a:ext cx="301686" cy="369332"/>
+          </a:xfrm>
+          <a:prstGeom prst="rect">
+            <a:avLst/>
+          </a:prstGeom>
+          <a:noFill/>
+        </p:spPr>
+        <p:txBody>
+          <a:bodyPr wrap="none" rtlCol="0">
+            <a:spAutoFit/>
+          </a:bodyPr>
+          <a:lstStyle/>
+          <a:p>
+            <a:r>
+              <a:rPr lang="en-GB" dirty="0"/>
+              <a:t>1</a:t>
+            </a:r>
+          </a:p>
+        </p:txBody>
+      </p:sp>
+      <p:sp>
+        <p:nvSpPr>
+          <p:cNvPr id="22" name="Content Placeholder 4">
+            <a:extLst>
+              <a:ext uri="{FF2B5EF4-FFF2-40B4-BE49-F238E27FC236}">
+                <a16:creationId xmlns:a16="http://schemas.microsoft.com/office/drawing/2014/main" id="{A6648EB6-B61D-4205-AB17-1DFCEBC6023C}"/>
+              </a:ext>
+            </a:extLst>
+          </p:cNvPr>
+          <p:cNvSpPr txBox="1">
+            <a:spLocks/>
           </p:cNvSpPr>
-          <p:nvPr>
-            <p:ph idx="1"/>
-          </p:nvPr>
-        </p:nvSpPr>
-        <p:spPr/>
-        <p:txBody>
-          <a:bodyPr>
+          <p:nvPr/>
+        </p:nvSpPr>
+        <p:spPr>
+          <a:xfrm>
+            <a:off x="4629149" y="1825625"/>
+            <a:ext cx="4213293" cy="4351338"/>
+          </a:xfrm>
+          <a:prstGeom prst="rect">
+            <a:avLst/>
+          </a:prstGeom>
+        </p:spPr>
+        <p:txBody>
+          <a:bodyPr vert="horz" lIns="91440" tIns="45720" rIns="91440" bIns="45720" rtlCol="0">
             <a:normAutofit/>
           </a:bodyPr>
-          <a:lstStyle/>
-          <a:p>
-            <a:pPr marL="0" indent="0">
+          <a:lstStyle>
+            <a:lvl1pPr marL="228600" indent="-228600" algn="l" defTabSz="914400" rtl="0" eaLnBrk="1" latinLnBrk="0" hangingPunct="1">
+              <a:lnSpc>
+                <a:spcPct val="90000"/>
+              </a:lnSpc>
+              <a:spcBef>
+                <a:spcPts val="1000"/>
+              </a:spcBef>
+              <a:buFont typeface="Arial" panose="020B0604020202020204" pitchFamily="34" charset="0"/>
+              <a:buChar char="•"/>
+              <a:defRPr sz="2800" kern="1200">
+                <a:solidFill>
+                  <a:schemeClr val="tx1"/>
+                </a:solidFill>
+                <a:latin typeface="+mn-lt"/>
+                <a:ea typeface="+mn-ea"/>
+                <a:cs typeface="+mn-cs"/>
+              </a:defRPr>
+            </a:lvl1pPr>
+            <a:lvl2pPr marL="685800" indent="-228600" algn="l" defTabSz="914400" rtl="0" eaLnBrk="1" latinLnBrk="0" hangingPunct="1">
+              <a:lnSpc>
+                <a:spcPct val="90000"/>
+              </a:lnSpc>
+              <a:spcBef>
+                <a:spcPts val="500"/>
+              </a:spcBef>
+              <a:buFont typeface="Arial" panose="020B0604020202020204" pitchFamily="34" charset="0"/>
+              <a:buChar char="•"/>
+              <a:defRPr sz="2400" kern="1200">
+                <a:solidFill>
+                  <a:schemeClr val="tx1"/>
+                </a:solidFill>
+                <a:latin typeface="+mn-lt"/>
+                <a:ea typeface="+mn-ea"/>
+                <a:cs typeface="+mn-cs"/>
+              </a:defRPr>
+            </a:lvl2pPr>
+            <a:lvl3pPr marL="1143000" indent="-228600" algn="l" defTabSz="914400" rtl="0" eaLnBrk="1" latinLnBrk="0" hangingPunct="1">
+              <a:lnSpc>
+                <a:spcPct val="90000"/>
+              </a:lnSpc>
+              <a:spcBef>
+                <a:spcPts val="500"/>
+              </a:spcBef>
+              <a:buFont typeface="Arial" panose="020B0604020202020204" pitchFamily="34" charset="0"/>
+              <a:buChar char="•"/>
+              <a:defRPr sz="2000" kern="1200">
+                <a:solidFill>
+                  <a:schemeClr val="tx1"/>
+                </a:solidFill>
+                <a:latin typeface="+mn-lt"/>
+                <a:ea typeface="+mn-ea"/>
+                <a:cs typeface="+mn-cs"/>
+              </a:defRPr>
+            </a:lvl3pPr>
+            <a:lvl4pPr marL="1600200" indent="-228600" algn="l" defTabSz="914400" rtl="0" eaLnBrk="1" latinLnBrk="0" hangingPunct="1">
+              <a:lnSpc>
+                <a:spcPct val="90000"/>
+              </a:lnSpc>
+              <a:spcBef>
+                <a:spcPts val="500"/>
+              </a:spcBef>
+              <a:buFont typeface="Arial" panose="020B0604020202020204" pitchFamily="34" charset="0"/>
+              <a:buChar char="•"/>
+              <a:defRPr sz="1800" kern="1200">
+                <a:solidFill>
+                  <a:schemeClr val="tx1"/>
+                </a:solidFill>
+                <a:latin typeface="+mn-lt"/>
+                <a:ea typeface="+mn-ea"/>
+                <a:cs typeface="+mn-cs"/>
+              </a:defRPr>
+            </a:lvl4pPr>
+            <a:lvl5pPr marL="2057400" indent="-228600" algn="l" defTabSz="914400" rtl="0" eaLnBrk="1" latinLnBrk="0" hangingPunct="1">
+              <a:lnSpc>
+                <a:spcPct val="90000"/>
+              </a:lnSpc>
+              <a:spcBef>
+                <a:spcPts val="500"/>
+              </a:spcBef>
+              <a:buFont typeface="Arial" panose="020B0604020202020204" pitchFamily="34" charset="0"/>
+              <a:buChar char="•"/>
+              <a:defRPr sz="1800" kern="1200">
+                <a:solidFill>
+                  <a:schemeClr val="tx1"/>
+                </a:solidFill>
+                <a:latin typeface="+mn-lt"/>
+                <a:ea typeface="+mn-ea"/>
+                <a:cs typeface="+mn-cs"/>
+              </a:defRPr>
+            </a:lvl5pPr>
+            <a:lvl6pPr marL="2514600" indent="-228600" algn="l" defTabSz="914400" rtl="0" eaLnBrk="1" latinLnBrk="0" hangingPunct="1">
+              <a:lnSpc>
+                <a:spcPct val="90000"/>
+              </a:lnSpc>
+              <a:spcBef>
+                <a:spcPts val="500"/>
+              </a:spcBef>
+              <a:buFont typeface="Arial" panose="020B0604020202020204" pitchFamily="34" charset="0"/>
+              <a:buChar char="•"/>
+              <a:defRPr sz="1800" kern="1200">
+                <a:solidFill>
+                  <a:schemeClr val="tx1"/>
+                </a:solidFill>
+                <a:latin typeface="+mn-lt"/>
+                <a:ea typeface="+mn-ea"/>
+                <a:cs typeface="+mn-cs"/>
+              </a:defRPr>
+            </a:lvl6pPr>
+            <a:lvl7pPr marL="2971800" indent="-228600" algn="l" defTabSz="914400" rtl="0" eaLnBrk="1" latinLnBrk="0" hangingPunct="1">
+              <a:lnSpc>
+                <a:spcPct val="90000"/>
+              </a:lnSpc>
+              <a:spcBef>
+                <a:spcPts val="500"/>
+              </a:spcBef>
+              <a:buFont typeface="Arial" panose="020B0604020202020204" pitchFamily="34" charset="0"/>
+              <a:buChar char="•"/>
+              <a:defRPr sz="1800" kern="1200">
+                <a:solidFill>
+                  <a:schemeClr val="tx1"/>
+                </a:solidFill>
+                <a:latin typeface="+mn-lt"/>
+                <a:ea typeface="+mn-ea"/>
+                <a:cs typeface="+mn-cs"/>
+              </a:defRPr>
+            </a:lvl7pPr>
+            <a:lvl8pPr marL="3429000" indent="-228600" algn="l" defTabSz="914400" rtl="0" eaLnBrk="1" latinLnBrk="0" hangingPunct="1">
+              <a:lnSpc>
+                <a:spcPct val="90000"/>
+              </a:lnSpc>
+              <a:spcBef>
+                <a:spcPts val="500"/>
+              </a:spcBef>
+              <a:buFont typeface="Arial" panose="020B0604020202020204" pitchFamily="34" charset="0"/>
+              <a:buChar char="•"/>
+              <a:defRPr sz="1800" kern="1200">
+                <a:solidFill>
+                  <a:schemeClr val="tx1"/>
+                </a:solidFill>
+                <a:latin typeface="+mn-lt"/>
+                <a:ea typeface="+mn-ea"/>
+                <a:cs typeface="+mn-cs"/>
+              </a:defRPr>
+            </a:lvl8pPr>
+            <a:lvl9pPr marL="3886200" indent="-228600" algn="l" defTabSz="914400" rtl="0" eaLnBrk="1" latinLnBrk="0" hangingPunct="1">
+              <a:lnSpc>
+                <a:spcPct val="90000"/>
+              </a:lnSpc>
+              <a:spcBef>
+                <a:spcPts val="500"/>
+              </a:spcBef>
+              <a:buFont typeface="Arial" panose="020B0604020202020204" pitchFamily="34" charset="0"/>
+              <a:buChar char="•"/>
+              <a:defRPr sz="1800" kern="1200">
+                <a:solidFill>
+                  <a:schemeClr val="tx1"/>
+                </a:solidFill>
+                <a:latin typeface="+mn-lt"/>
+                <a:ea typeface="+mn-ea"/>
+                <a:cs typeface="+mn-cs"/>
+              </a:defRPr>
+            </a:lvl9pPr>
+          </a:lstStyle>
+          <a:p>
+            <a:r>
+              <a:rPr lang="en-GB" dirty="0"/>
+              <a:t>Product </a:t>
+            </a:r>
+            <a:r>
+              <a:rPr lang="en-GB" dirty="0">
+                <a:sym typeface="Wingdings" panose="05000000000000000000" pitchFamily="2" charset="2"/>
+              </a:rPr>
+              <a:t></a:t>
+            </a:r>
+            <a:r>
+              <a:rPr lang="en-GB" dirty="0"/>
+              <a:t> Submission @OneToMany</a:t>
+            </a:r>
+          </a:p>
+          <a:p>
+            <a:pPr lvl="1"/>
+            <a:r>
+              <a:rPr lang="en-US" dirty="0"/>
+              <a:t>Each product can be referred to many submissions</a:t>
+            </a:r>
+            <a:endParaRPr lang="en-GB" dirty="0"/>
+          </a:p>
+          <a:p>
+            <a:r>
+              <a:rPr lang="en-GB" dirty="0"/>
+              <a:t>Submission </a:t>
+            </a:r>
+            <a:r>
+              <a:rPr lang="en-GB" dirty="0">
+                <a:sym typeface="Wingdings" panose="05000000000000000000" pitchFamily="2" charset="2"/>
+              </a:rPr>
+              <a:t> Product </a:t>
+            </a:r>
+            <a:r>
+              <a:rPr lang="en-GB" dirty="0"/>
+              <a:t>@ManyToOne</a:t>
+            </a:r>
+          </a:p>
+          <a:p>
+            <a:pPr lvl="1"/>
+            <a:r>
+              <a:rPr lang="en-GB" dirty="0"/>
+              <a:t>Many submissions can refer to the same product</a:t>
+            </a:r>
+          </a:p>
+          <a:p>
+            <a:pPr lvl="1"/>
+            <a:r>
+              <a:rPr lang="en-GB" dirty="0"/>
+              <a:t>Owner of the relationship</a:t>
+            </a:r>
+          </a:p>
+          <a:p>
+            <a:pPr marL="457200" lvl="1" indent="0">
               <a:buNone/>
             </a:pPr>
-            <a:r>
-              <a:rPr lang="en-GB" sz="1500" dirty="0">
-                <a:latin typeface="Courier New" panose="02070309020205020404" pitchFamily="49" charset="0"/>
-                <a:cs typeface="Courier New" panose="02070309020205020404" pitchFamily="49" charset="0"/>
-              </a:rPr>
-              <a:t>// in entity A	</a:t>
-            </a:r>
-          </a:p>
-          <a:p>
-            <a:pPr marL="0" indent="0">
-              <a:buNone/>
-            </a:pPr>
-            <a:r>
-              <a:rPr lang="en-GB" sz="1500" dirty="0">
-                <a:latin typeface="Courier New" panose="02070309020205020404" pitchFamily="49" charset="0"/>
-                <a:cs typeface="Courier New" panose="02070309020205020404" pitchFamily="49" charset="0"/>
-              </a:rPr>
-              <a:t>public void  method(Class </a:t>
-            </a:r>
-            <a:r>
-              <a:rPr lang="en-GB" sz="1500" dirty="0" err="1">
-                <a:latin typeface="Courier New" panose="02070309020205020404" pitchFamily="49" charset="0"/>
-                <a:cs typeface="Courier New" panose="02070309020205020404" pitchFamily="49" charset="0"/>
-              </a:rPr>
-              <a:t>arg</a:t>
-            </a:r>
-            <a:r>
-              <a:rPr lang="en-GB" sz="1500" dirty="0">
-                <a:latin typeface="Courier New" panose="02070309020205020404" pitchFamily="49" charset="0"/>
-                <a:cs typeface="Courier New" panose="02070309020205020404" pitchFamily="49" charset="0"/>
-              </a:rPr>
-              <a:t>, . . .) {</a:t>
-            </a:r>
-          </a:p>
-          <a:p>
-            <a:pPr marL="0" indent="0">
-              <a:buNone/>
-            </a:pPr>
-            <a:endParaRPr lang="en-GB" sz="1500" dirty="0">
-              <a:latin typeface="Courier New" panose="02070309020205020404" pitchFamily="49" charset="0"/>
-              <a:cs typeface="Courier New" panose="02070309020205020404" pitchFamily="49" charset="0"/>
-            </a:endParaRPr>
-          </a:p>
-          <a:p>
-            <a:pPr marL="0" indent="0">
-              <a:buNone/>
-            </a:pPr>
-            <a:r>
-              <a:rPr lang="en-GB" sz="1500" dirty="0">
-                <a:latin typeface="Courier New" panose="02070309020205020404" pitchFamily="49" charset="0"/>
-                <a:cs typeface="Courier New" panose="02070309020205020404" pitchFamily="49" charset="0"/>
-              </a:rPr>
-              <a:t>   // code </a:t>
-            </a:r>
-          </a:p>
-          <a:p>
-            <a:pPr marL="0" indent="0">
-              <a:buNone/>
-            </a:pPr>
-            <a:endParaRPr lang="en-GB" sz="1500" dirty="0">
-              <a:latin typeface="Courier New" panose="02070309020205020404" pitchFamily="49" charset="0"/>
-              <a:cs typeface="Courier New" panose="02070309020205020404" pitchFamily="49" charset="0"/>
-            </a:endParaRPr>
-          </a:p>
-          <a:p>
-            <a:pPr marL="0" indent="0">
-              <a:buNone/>
-            </a:pPr>
-            <a:r>
-              <a:rPr lang="en-GB" sz="1500" dirty="0">
-                <a:latin typeface="Courier New" panose="02070309020205020404" pitchFamily="49" charset="0"/>
-                <a:cs typeface="Courier New" panose="02070309020205020404" pitchFamily="49" charset="0"/>
-              </a:rPr>
-              <a:t>}</a:t>
-            </a:r>
-          </a:p>
-          <a:p>
-            <a:pPr marL="0" indent="0">
-              <a:buNone/>
-            </a:pPr>
-            <a:endParaRPr lang="en-GB" sz="1500" dirty="0">
-              <a:latin typeface="Courier New" panose="02070309020205020404" pitchFamily="49" charset="0"/>
-              <a:cs typeface="Courier New" panose="02070309020205020404" pitchFamily="49" charset="0"/>
-            </a:endParaRPr>
-          </a:p>
-          <a:p>
-            <a:pPr marL="0" indent="0">
-              <a:buNone/>
-            </a:pPr>
-            <a:endParaRPr lang="en-GB" sz="1500" dirty="0">
-              <a:latin typeface="Courier New" panose="02070309020205020404" pitchFamily="49" charset="0"/>
-              <a:cs typeface="Courier New" panose="02070309020205020404" pitchFamily="49" charset="0"/>
-            </a:endParaRPr>
-          </a:p>
-          <a:p>
-            <a:pPr marL="0" indent="0">
-              <a:buNone/>
-            </a:pPr>
-            <a:r>
-              <a:rPr lang="en-GB" sz="1500" dirty="0">
-                <a:latin typeface="Courier New" panose="02070309020205020404" pitchFamily="49" charset="0"/>
-                <a:cs typeface="Courier New" panose="02070309020205020404" pitchFamily="49" charset="0"/>
-              </a:rPr>
-              <a:t>// use if requested</a:t>
-            </a:r>
+            <a:endParaRPr lang="en-GB" dirty="0"/>
           </a:p>
         </p:txBody>
       </p:sp>
     </p:spTree>
     <p:extLst>
       <p:ext uri="{BB962C8B-B14F-4D97-AF65-F5344CB8AC3E}">
-        <p14:creationId xmlns:p14="http://schemas.microsoft.com/office/powerpoint/2010/main" val="1218911751"/>
+        <p14:creationId xmlns:p14="http://schemas.microsoft.com/office/powerpoint/2010/main" val="560682459"/>
       </p:ext>
     </p:extLst>
   </p:cSld>

--- a/Documentation/Presentation.pptx
+++ b/Documentation/Presentation.pptx
@@ -277,7 +277,7 @@
           <a:p>
             <a:fld id="{ED92C02F-46E9-4319-AE92-CFF24FDD2824}" type="datetimeFigureOut">
               <a:rPr lang="en-GB" smtClean="0"/>
-              <a:t>04/08/2021</a:t>
+              <a:t>17/08/2021</a:t>
             </a:fld>
             <a:endParaRPr lang="en-GB" dirty="0"/>
           </a:p>
@@ -436,7 +436,7 @@
           <a:p>
             <a:fld id="{BC687BD1-250A-4D3C-93F8-CE8E4620A598}" type="slidenum">
               <a:rPr lang="en-GB" smtClean="0"/>
-              <a:t>‹#›</a:t>
+              <a:t>‹N›</a:t>
             </a:fld>
             <a:endParaRPr lang="en-GB" dirty="0"/>
           </a:p>
@@ -760,7 +760,7 @@
           <a:p>
             <a:fld id="{4CAA9714-E498-4BB1-946F-9B4AA3A4C648}" type="datetimeFigureOut">
               <a:rPr lang="en-GB" smtClean="0"/>
-              <a:t>04/08/2021</a:t>
+              <a:t>17/08/2021</a:t>
             </a:fld>
             <a:endParaRPr lang="en-GB" dirty="0"/>
           </a:p>
@@ -802,7 +802,7 @@
           <a:p>
             <a:fld id="{2D2B23BE-89C9-4E17-8330-1D0EE89529DF}" type="slidenum">
               <a:rPr lang="en-GB" smtClean="0"/>
-              <a:t>‹#›</a:t>
+              <a:t>‹N›</a:t>
             </a:fld>
             <a:endParaRPr lang="en-GB" dirty="0"/>
           </a:p>
@@ -930,7 +930,7 @@
           <a:p>
             <a:fld id="{4CAA9714-E498-4BB1-946F-9B4AA3A4C648}" type="datetimeFigureOut">
               <a:rPr lang="en-GB" smtClean="0"/>
-              <a:t>04/08/2021</a:t>
+              <a:t>17/08/2021</a:t>
             </a:fld>
             <a:endParaRPr lang="en-GB" dirty="0"/>
           </a:p>
@@ -972,7 +972,7 @@
           <a:p>
             <a:fld id="{2D2B23BE-89C9-4E17-8330-1D0EE89529DF}" type="slidenum">
               <a:rPr lang="en-GB" smtClean="0"/>
-              <a:t>‹#›</a:t>
+              <a:t>‹N›</a:t>
             </a:fld>
             <a:endParaRPr lang="en-GB" dirty="0"/>
           </a:p>
@@ -1110,7 +1110,7 @@
           <a:p>
             <a:fld id="{4CAA9714-E498-4BB1-946F-9B4AA3A4C648}" type="datetimeFigureOut">
               <a:rPr lang="en-GB" smtClean="0"/>
-              <a:t>04/08/2021</a:t>
+              <a:t>17/08/2021</a:t>
             </a:fld>
             <a:endParaRPr lang="en-GB" dirty="0"/>
           </a:p>
@@ -1152,7 +1152,7 @@
           <a:p>
             <a:fld id="{2D2B23BE-89C9-4E17-8330-1D0EE89529DF}" type="slidenum">
               <a:rPr lang="en-GB" smtClean="0"/>
-              <a:t>‹#›</a:t>
+              <a:t>‹N›</a:t>
             </a:fld>
             <a:endParaRPr lang="en-GB" dirty="0"/>
           </a:p>
@@ -1280,7 +1280,7 @@
           <a:p>
             <a:fld id="{4CAA9714-E498-4BB1-946F-9B4AA3A4C648}" type="datetimeFigureOut">
               <a:rPr lang="en-GB" smtClean="0"/>
-              <a:t>04/08/2021</a:t>
+              <a:t>17/08/2021</a:t>
             </a:fld>
             <a:endParaRPr lang="en-GB" dirty="0"/>
           </a:p>
@@ -1322,7 +1322,7 @@
           <a:p>
             <a:fld id="{2D2B23BE-89C9-4E17-8330-1D0EE89529DF}" type="slidenum">
               <a:rPr lang="en-GB" smtClean="0"/>
-              <a:t>‹#›</a:t>
+              <a:t>‹N›</a:t>
             </a:fld>
             <a:endParaRPr lang="en-GB" dirty="0"/>
           </a:p>
@@ -1524,7 +1524,7 @@
           <a:p>
             <a:fld id="{4CAA9714-E498-4BB1-946F-9B4AA3A4C648}" type="datetimeFigureOut">
               <a:rPr lang="en-GB" smtClean="0"/>
-              <a:t>04/08/2021</a:t>
+              <a:t>17/08/2021</a:t>
             </a:fld>
             <a:endParaRPr lang="en-GB" dirty="0"/>
           </a:p>
@@ -1566,7 +1566,7 @@
           <a:p>
             <a:fld id="{2D2B23BE-89C9-4E17-8330-1D0EE89529DF}" type="slidenum">
               <a:rPr lang="en-GB" smtClean="0"/>
-              <a:t>‹#›</a:t>
+              <a:t>‹N›</a:t>
             </a:fld>
             <a:endParaRPr lang="en-GB" dirty="0"/>
           </a:p>
@@ -1756,7 +1756,7 @@
           <a:p>
             <a:fld id="{4CAA9714-E498-4BB1-946F-9B4AA3A4C648}" type="datetimeFigureOut">
               <a:rPr lang="en-GB" smtClean="0"/>
-              <a:t>04/08/2021</a:t>
+              <a:t>17/08/2021</a:t>
             </a:fld>
             <a:endParaRPr lang="en-GB" dirty="0"/>
           </a:p>
@@ -1798,7 +1798,7 @@
           <a:p>
             <a:fld id="{2D2B23BE-89C9-4E17-8330-1D0EE89529DF}" type="slidenum">
               <a:rPr lang="en-GB" smtClean="0"/>
-              <a:t>‹#›</a:t>
+              <a:t>‹N›</a:t>
             </a:fld>
             <a:endParaRPr lang="en-GB" dirty="0"/>
           </a:p>
@@ -2123,7 +2123,7 @@
           <a:p>
             <a:fld id="{4CAA9714-E498-4BB1-946F-9B4AA3A4C648}" type="datetimeFigureOut">
               <a:rPr lang="en-GB" smtClean="0"/>
-              <a:t>04/08/2021</a:t>
+              <a:t>17/08/2021</a:t>
             </a:fld>
             <a:endParaRPr lang="en-GB" dirty="0"/>
           </a:p>
@@ -2165,7 +2165,7 @@
           <a:p>
             <a:fld id="{2D2B23BE-89C9-4E17-8330-1D0EE89529DF}" type="slidenum">
               <a:rPr lang="en-GB" smtClean="0"/>
-              <a:t>‹#›</a:t>
+              <a:t>‹N›</a:t>
             </a:fld>
             <a:endParaRPr lang="en-GB" dirty="0"/>
           </a:p>
@@ -2241,7 +2241,7 @@
           <a:p>
             <a:fld id="{4CAA9714-E498-4BB1-946F-9B4AA3A4C648}" type="datetimeFigureOut">
               <a:rPr lang="en-GB" smtClean="0"/>
-              <a:t>04/08/2021</a:t>
+              <a:t>17/08/2021</a:t>
             </a:fld>
             <a:endParaRPr lang="en-GB" dirty="0"/>
           </a:p>
@@ -2283,7 +2283,7 @@
           <a:p>
             <a:fld id="{2D2B23BE-89C9-4E17-8330-1D0EE89529DF}" type="slidenum">
               <a:rPr lang="en-GB" smtClean="0"/>
-              <a:t>‹#›</a:t>
+              <a:t>‹N›</a:t>
             </a:fld>
             <a:endParaRPr lang="en-GB" dirty="0"/>
           </a:p>
@@ -2336,7 +2336,7 @@
           <a:p>
             <a:fld id="{4CAA9714-E498-4BB1-946F-9B4AA3A4C648}" type="datetimeFigureOut">
               <a:rPr lang="en-GB" smtClean="0"/>
-              <a:t>04/08/2021</a:t>
+              <a:t>17/08/2021</a:t>
             </a:fld>
             <a:endParaRPr lang="en-GB" dirty="0"/>
           </a:p>
@@ -2378,7 +2378,7 @@
           <a:p>
             <a:fld id="{2D2B23BE-89C9-4E17-8330-1D0EE89529DF}" type="slidenum">
               <a:rPr lang="en-GB" smtClean="0"/>
-              <a:t>‹#›</a:t>
+              <a:t>‹N›</a:t>
             </a:fld>
             <a:endParaRPr lang="en-GB" dirty="0"/>
           </a:p>
@@ -2613,7 +2613,7 @@
           <a:p>
             <a:fld id="{4CAA9714-E498-4BB1-946F-9B4AA3A4C648}" type="datetimeFigureOut">
               <a:rPr lang="en-GB" smtClean="0"/>
-              <a:t>04/08/2021</a:t>
+              <a:t>17/08/2021</a:t>
             </a:fld>
             <a:endParaRPr lang="en-GB" dirty="0"/>
           </a:p>
@@ -2655,7 +2655,7 @@
           <a:p>
             <a:fld id="{2D2B23BE-89C9-4E17-8330-1D0EE89529DF}" type="slidenum">
               <a:rPr lang="en-GB" smtClean="0"/>
-              <a:t>‹#›</a:t>
+              <a:t>‹N›</a:t>
             </a:fld>
             <a:endParaRPr lang="en-GB" dirty="0"/>
           </a:p>
@@ -2869,7 +2869,7 @@
           <a:p>
             <a:fld id="{4CAA9714-E498-4BB1-946F-9B4AA3A4C648}" type="datetimeFigureOut">
               <a:rPr lang="en-GB" smtClean="0"/>
-              <a:t>04/08/2021</a:t>
+              <a:t>17/08/2021</a:t>
             </a:fld>
             <a:endParaRPr lang="en-GB" dirty="0"/>
           </a:p>
@@ -2911,7 +2911,7 @@
           <a:p>
             <a:fld id="{2D2B23BE-89C9-4E17-8330-1D0EE89529DF}" type="slidenum">
               <a:rPr lang="en-GB" smtClean="0"/>
-              <a:t>‹#›</a:t>
+              <a:t>‹N›</a:t>
             </a:fld>
             <a:endParaRPr lang="en-GB" dirty="0"/>
           </a:p>
@@ -3082,7 +3082,7 @@
           <a:p>
             <a:fld id="{4CAA9714-E498-4BB1-946F-9B4AA3A4C648}" type="datetimeFigureOut">
               <a:rPr lang="en-GB" smtClean="0"/>
-              <a:t>04/08/2021</a:t>
+              <a:t>17/08/2021</a:t>
             </a:fld>
             <a:endParaRPr lang="en-GB" dirty="0"/>
           </a:p>
@@ -3160,7 +3160,7 @@
           <a:p>
             <a:fld id="{2D2B23BE-89C9-4E17-8330-1D0EE89529DF}" type="slidenum">
               <a:rPr lang="en-GB" smtClean="0"/>
-              <a:t>‹#›</a:t>
+              <a:t>‹N›</a:t>
             </a:fld>
             <a:endParaRPr lang="en-GB" dirty="0"/>
           </a:p>
@@ -8287,7 +8287,7 @@
         <p:spPr>
           <a:xfrm>
             <a:off x="271645" y="2797050"/>
-            <a:ext cx="1003955" cy="1169551"/>
+            <a:ext cx="1003955" cy="1384995"/>
           </a:xfrm>
           <a:prstGeom prst="rect">
             <a:avLst/>
@@ -8327,6 +8327,12 @@
             <a:r>
               <a:rPr lang="en-GB" sz="1400" dirty="0"/>
               <a:t>banned</a:t>
+            </a:r>
+          </a:p>
+          <a:p>
+            <a:r>
+              <a:rPr lang="en-GB" sz="1400" dirty="0"/>
+              <a:t>points</a:t>
             </a:r>
           </a:p>
         </p:txBody>
@@ -9468,7 +9474,7 @@
         <p:spPr>
           <a:xfrm>
             <a:off x="3761001" y="4493998"/>
-            <a:ext cx="999535" cy="738664"/>
+            <a:ext cx="999535" cy="523220"/>
           </a:xfrm>
           <a:prstGeom prst="rect">
             <a:avLst/>
@@ -9485,12 +9491,7 @@
               <a:rPr lang="en-GB" sz="1400" u="sng" dirty="0"/>
               <a:t>id</a:t>
             </a:r>
-          </a:p>
-          <a:p>
-            <a:r>
-              <a:rPr lang="en-GB" sz="1400" dirty="0"/>
-              <a:t>points*</a:t>
-            </a:r>
+            <a:endParaRPr lang="en-GB" sz="1400" dirty="0"/>
           </a:p>
           <a:p>
             <a:r>
@@ -10022,7 +10023,15 @@
             </a:pPr>
             <a:r>
               <a:rPr lang="en-GB" sz="2000" dirty="0"/>
-              <a:t>Log(</a:t>
+              <a:t>l</a:t>
+            </a:r>
+            <a:r>
+              <a:rPr lang="en-GB" sz="2000"/>
+              <a:t>og</a:t>
+            </a:r>
+            <a:r>
+              <a:rPr lang="en-GB" sz="2000" dirty="0"/>
+              <a:t>(</a:t>
             </a:r>
             <a:r>
               <a:rPr lang="en-GB" sz="2000" u="sng" dirty="0"/>
@@ -10045,7 +10054,7 @@
             </a:pPr>
             <a:r>
               <a:rPr lang="en-GB" sz="2000" dirty="0"/>
-              <a:t>User(</a:t>
+              <a:t>user(</a:t>
             </a:r>
             <a:r>
               <a:rPr lang="en-GB" sz="2000" u="sng" dirty="0"/>
@@ -10053,7 +10062,7 @@
             </a:r>
             <a:r>
               <a:rPr lang="en-GB" sz="2000" dirty="0"/>
-              <a:t>, username, password, email, banned)</a:t>
+              <a:t>, username, password, email, banned, points)</a:t>
             </a:r>
           </a:p>
           <a:p>
@@ -10068,7 +10077,7 @@
             </a:pPr>
             <a:r>
               <a:rPr lang="en-GB" sz="2000" dirty="0"/>
-              <a:t>Submission(</a:t>
+              <a:t>submission(</a:t>
             </a:r>
             <a:r>
               <a:rPr lang="en-GB" sz="2000" u="sng" dirty="0"/>
@@ -10076,7 +10085,7 @@
             </a:r>
             <a:r>
               <a:rPr lang="en-GB" sz="2000" dirty="0"/>
-              <a:t>, user, product, points*, canceled*)</a:t>
+              <a:t>, user, product)</a:t>
             </a:r>
           </a:p>
           <a:p>
@@ -10091,7 +10100,7 @@
             </a:pPr>
             <a:r>
               <a:rPr lang="en-GB" sz="2000" dirty="0"/>
-              <a:t>Answer(</a:t>
+              <a:t>answer(</a:t>
             </a:r>
             <a:r>
               <a:rPr lang="en-GB" sz="2000" u="sng" dirty="0"/>
@@ -10099,7 +10108,7 @@
             </a:r>
             <a:r>
               <a:rPr lang="en-GB" sz="2000" dirty="0"/>
-              <a:t>, submission, question, text)	Product(</a:t>
+              <a:t>, submission, question, text)	product(</a:t>
             </a:r>
             <a:r>
               <a:rPr lang="en-GB" sz="2000" u="sng" dirty="0"/>
@@ -10148,7 +10157,7 @@
             </a:pPr>
             <a:r>
               <a:rPr lang="en-GB" sz="2000" dirty="0"/>
-              <a:t>Admin(</a:t>
+              <a:t>admin(</a:t>
             </a:r>
             <a:r>
               <a:rPr lang="en-GB" sz="2000" u="sng" dirty="0"/>
@@ -10170,8 +10179,12 @@
               <a:buNone/>
             </a:pPr>
             <a:r>
+              <a:rPr lang="en-GB" sz="2000" dirty="0" err="1"/>
+              <a:t>offensive_word</a:t>
+            </a:r>
+            <a:r>
               <a:rPr lang="en-GB" sz="2000" dirty="0"/>
-              <a:t>Offensive Word(</a:t>
+              <a:t>(</a:t>
             </a:r>
             <a:r>
               <a:rPr lang="en-GB" sz="2000" u="sng" dirty="0"/>
@@ -10274,7 +10287,7 @@
         </p:nvCxnSpPr>
         <p:spPr>
           <a:xfrm flipH="1" flipV="1">
-            <a:off x="1461154" y="2620927"/>
+            <a:off x="1338606" y="2617118"/>
             <a:ext cx="904976" cy="518201"/>
           </a:xfrm>
           <a:prstGeom prst="straightConnector1">

--- a/Documentation/Presentation.pptx
+++ b/Documentation/Presentation.pptx
@@ -5,7 +5,7 @@
     <p:sldMasterId id="2147483660" r:id="rId1"/>
   </p:sldMasterIdLst>
   <p:notesMasterIdLst>
-    <p:notesMasterId r:id="rId19"/>
+    <p:notesMasterId r:id="rId24"/>
   </p:notesMasterIdLst>
   <p:sldIdLst>
     <p:sldId id="256" r:id="rId2"/>
@@ -21,10 +21,15 @@
     <p:sldId id="293" r:id="rId12"/>
     <p:sldId id="294" r:id="rId13"/>
     <p:sldId id="281" r:id="rId14"/>
-    <p:sldId id="284" r:id="rId15"/>
-    <p:sldId id="286" r:id="rId16"/>
-    <p:sldId id="285" r:id="rId17"/>
-    <p:sldId id="289" r:id="rId18"/>
+    <p:sldId id="295" r:id="rId15"/>
+    <p:sldId id="296" r:id="rId16"/>
+    <p:sldId id="298" r:id="rId17"/>
+    <p:sldId id="297" r:id="rId18"/>
+    <p:sldId id="299" r:id="rId19"/>
+    <p:sldId id="284" r:id="rId20"/>
+    <p:sldId id="286" r:id="rId21"/>
+    <p:sldId id="285" r:id="rId22"/>
+    <p:sldId id="289" r:id="rId23"/>
   </p:sldIdLst>
   <p:sldSz cx="9144000" cy="6858000" type="screen4x3"/>
   <p:notesSz cx="6858000" cy="9144000"/>
@@ -277,7 +282,7 @@
           <a:p>
             <a:fld id="{ED92C02F-46E9-4319-AE92-CFF24FDD2824}" type="datetimeFigureOut">
               <a:rPr lang="en-GB" smtClean="0"/>
-              <a:t>17/08/2021</a:t>
+              <a:t>27/08/2021</a:t>
             </a:fld>
             <a:endParaRPr lang="en-GB" dirty="0"/>
           </a:p>
@@ -436,7 +441,7 @@
           <a:p>
             <a:fld id="{BC687BD1-250A-4D3C-93F8-CE8E4620A598}" type="slidenum">
               <a:rPr lang="en-GB" smtClean="0"/>
-              <a:t>‹N›</a:t>
+              <a:t>‹#›</a:t>
             </a:fld>
             <a:endParaRPr lang="en-GB" dirty="0"/>
           </a:p>
@@ -760,7 +765,7 @@
           <a:p>
             <a:fld id="{4CAA9714-E498-4BB1-946F-9B4AA3A4C648}" type="datetimeFigureOut">
               <a:rPr lang="en-GB" smtClean="0"/>
-              <a:t>17/08/2021</a:t>
+              <a:t>27/08/2021</a:t>
             </a:fld>
             <a:endParaRPr lang="en-GB" dirty="0"/>
           </a:p>
@@ -802,7 +807,7 @@
           <a:p>
             <a:fld id="{2D2B23BE-89C9-4E17-8330-1D0EE89529DF}" type="slidenum">
               <a:rPr lang="en-GB" smtClean="0"/>
-              <a:t>‹N›</a:t>
+              <a:t>‹#›</a:t>
             </a:fld>
             <a:endParaRPr lang="en-GB" dirty="0"/>
           </a:p>
@@ -930,7 +935,7 @@
           <a:p>
             <a:fld id="{4CAA9714-E498-4BB1-946F-9B4AA3A4C648}" type="datetimeFigureOut">
               <a:rPr lang="en-GB" smtClean="0"/>
-              <a:t>17/08/2021</a:t>
+              <a:t>27/08/2021</a:t>
             </a:fld>
             <a:endParaRPr lang="en-GB" dirty="0"/>
           </a:p>
@@ -972,7 +977,7 @@
           <a:p>
             <a:fld id="{2D2B23BE-89C9-4E17-8330-1D0EE89529DF}" type="slidenum">
               <a:rPr lang="en-GB" smtClean="0"/>
-              <a:t>‹N›</a:t>
+              <a:t>‹#›</a:t>
             </a:fld>
             <a:endParaRPr lang="en-GB" dirty="0"/>
           </a:p>
@@ -1110,7 +1115,7 @@
           <a:p>
             <a:fld id="{4CAA9714-E498-4BB1-946F-9B4AA3A4C648}" type="datetimeFigureOut">
               <a:rPr lang="en-GB" smtClean="0"/>
-              <a:t>17/08/2021</a:t>
+              <a:t>27/08/2021</a:t>
             </a:fld>
             <a:endParaRPr lang="en-GB" dirty="0"/>
           </a:p>
@@ -1152,7 +1157,7 @@
           <a:p>
             <a:fld id="{2D2B23BE-89C9-4E17-8330-1D0EE89529DF}" type="slidenum">
               <a:rPr lang="en-GB" smtClean="0"/>
-              <a:t>‹N›</a:t>
+              <a:t>‹#›</a:t>
             </a:fld>
             <a:endParaRPr lang="en-GB" dirty="0"/>
           </a:p>
@@ -1280,7 +1285,7 @@
           <a:p>
             <a:fld id="{4CAA9714-E498-4BB1-946F-9B4AA3A4C648}" type="datetimeFigureOut">
               <a:rPr lang="en-GB" smtClean="0"/>
-              <a:t>17/08/2021</a:t>
+              <a:t>27/08/2021</a:t>
             </a:fld>
             <a:endParaRPr lang="en-GB" dirty="0"/>
           </a:p>
@@ -1322,7 +1327,7 @@
           <a:p>
             <a:fld id="{2D2B23BE-89C9-4E17-8330-1D0EE89529DF}" type="slidenum">
               <a:rPr lang="en-GB" smtClean="0"/>
-              <a:t>‹N›</a:t>
+              <a:t>‹#›</a:t>
             </a:fld>
             <a:endParaRPr lang="en-GB" dirty="0"/>
           </a:p>
@@ -1524,7 +1529,7 @@
           <a:p>
             <a:fld id="{4CAA9714-E498-4BB1-946F-9B4AA3A4C648}" type="datetimeFigureOut">
               <a:rPr lang="en-GB" smtClean="0"/>
-              <a:t>17/08/2021</a:t>
+              <a:t>27/08/2021</a:t>
             </a:fld>
             <a:endParaRPr lang="en-GB" dirty="0"/>
           </a:p>
@@ -1566,7 +1571,7 @@
           <a:p>
             <a:fld id="{2D2B23BE-89C9-4E17-8330-1D0EE89529DF}" type="slidenum">
               <a:rPr lang="en-GB" smtClean="0"/>
-              <a:t>‹N›</a:t>
+              <a:t>‹#›</a:t>
             </a:fld>
             <a:endParaRPr lang="en-GB" dirty="0"/>
           </a:p>
@@ -1756,7 +1761,7 @@
           <a:p>
             <a:fld id="{4CAA9714-E498-4BB1-946F-9B4AA3A4C648}" type="datetimeFigureOut">
               <a:rPr lang="en-GB" smtClean="0"/>
-              <a:t>17/08/2021</a:t>
+              <a:t>27/08/2021</a:t>
             </a:fld>
             <a:endParaRPr lang="en-GB" dirty="0"/>
           </a:p>
@@ -1798,7 +1803,7 @@
           <a:p>
             <a:fld id="{2D2B23BE-89C9-4E17-8330-1D0EE89529DF}" type="slidenum">
               <a:rPr lang="en-GB" smtClean="0"/>
-              <a:t>‹N›</a:t>
+              <a:t>‹#›</a:t>
             </a:fld>
             <a:endParaRPr lang="en-GB" dirty="0"/>
           </a:p>
@@ -2123,7 +2128,7 @@
           <a:p>
             <a:fld id="{4CAA9714-E498-4BB1-946F-9B4AA3A4C648}" type="datetimeFigureOut">
               <a:rPr lang="en-GB" smtClean="0"/>
-              <a:t>17/08/2021</a:t>
+              <a:t>27/08/2021</a:t>
             </a:fld>
             <a:endParaRPr lang="en-GB" dirty="0"/>
           </a:p>
@@ -2165,7 +2170,7 @@
           <a:p>
             <a:fld id="{2D2B23BE-89C9-4E17-8330-1D0EE89529DF}" type="slidenum">
               <a:rPr lang="en-GB" smtClean="0"/>
-              <a:t>‹N›</a:t>
+              <a:t>‹#›</a:t>
             </a:fld>
             <a:endParaRPr lang="en-GB" dirty="0"/>
           </a:p>
@@ -2241,7 +2246,7 @@
           <a:p>
             <a:fld id="{4CAA9714-E498-4BB1-946F-9B4AA3A4C648}" type="datetimeFigureOut">
               <a:rPr lang="en-GB" smtClean="0"/>
-              <a:t>17/08/2021</a:t>
+              <a:t>27/08/2021</a:t>
             </a:fld>
             <a:endParaRPr lang="en-GB" dirty="0"/>
           </a:p>
@@ -2283,7 +2288,7 @@
           <a:p>
             <a:fld id="{2D2B23BE-89C9-4E17-8330-1D0EE89529DF}" type="slidenum">
               <a:rPr lang="en-GB" smtClean="0"/>
-              <a:t>‹N›</a:t>
+              <a:t>‹#›</a:t>
             </a:fld>
             <a:endParaRPr lang="en-GB" dirty="0"/>
           </a:p>
@@ -2336,7 +2341,7 @@
           <a:p>
             <a:fld id="{4CAA9714-E498-4BB1-946F-9B4AA3A4C648}" type="datetimeFigureOut">
               <a:rPr lang="en-GB" smtClean="0"/>
-              <a:t>17/08/2021</a:t>
+              <a:t>27/08/2021</a:t>
             </a:fld>
             <a:endParaRPr lang="en-GB" dirty="0"/>
           </a:p>
@@ -2378,7 +2383,7 @@
           <a:p>
             <a:fld id="{2D2B23BE-89C9-4E17-8330-1D0EE89529DF}" type="slidenum">
               <a:rPr lang="en-GB" smtClean="0"/>
-              <a:t>‹N›</a:t>
+              <a:t>‹#›</a:t>
             </a:fld>
             <a:endParaRPr lang="en-GB" dirty="0"/>
           </a:p>
@@ -2613,7 +2618,7 @@
           <a:p>
             <a:fld id="{4CAA9714-E498-4BB1-946F-9B4AA3A4C648}" type="datetimeFigureOut">
               <a:rPr lang="en-GB" smtClean="0"/>
-              <a:t>17/08/2021</a:t>
+              <a:t>27/08/2021</a:t>
             </a:fld>
             <a:endParaRPr lang="en-GB" dirty="0"/>
           </a:p>
@@ -2655,7 +2660,7 @@
           <a:p>
             <a:fld id="{2D2B23BE-89C9-4E17-8330-1D0EE89529DF}" type="slidenum">
               <a:rPr lang="en-GB" smtClean="0"/>
-              <a:t>‹N›</a:t>
+              <a:t>‹#›</a:t>
             </a:fld>
             <a:endParaRPr lang="en-GB" dirty="0"/>
           </a:p>
@@ -2869,7 +2874,7 @@
           <a:p>
             <a:fld id="{4CAA9714-E498-4BB1-946F-9B4AA3A4C648}" type="datetimeFigureOut">
               <a:rPr lang="en-GB" smtClean="0"/>
-              <a:t>17/08/2021</a:t>
+              <a:t>27/08/2021</a:t>
             </a:fld>
             <a:endParaRPr lang="en-GB" dirty="0"/>
           </a:p>
@@ -2911,7 +2916,7 @@
           <a:p>
             <a:fld id="{2D2B23BE-89C9-4E17-8330-1D0EE89529DF}" type="slidenum">
               <a:rPr lang="en-GB" smtClean="0"/>
-              <a:t>‹N›</a:t>
+              <a:t>‹#›</a:t>
             </a:fld>
             <a:endParaRPr lang="en-GB" dirty="0"/>
           </a:p>
@@ -3082,7 +3087,7 @@
           <a:p>
             <a:fld id="{4CAA9714-E498-4BB1-946F-9B4AA3A4C648}" type="datetimeFigureOut">
               <a:rPr lang="en-GB" smtClean="0"/>
-              <a:t>17/08/2021</a:t>
+              <a:t>27/08/2021</a:t>
             </a:fld>
             <a:endParaRPr lang="en-GB" dirty="0"/>
           </a:p>
@@ -3160,7 +3165,7 @@
           <a:p>
             <a:fld id="{2D2B23BE-89C9-4E17-8330-1D0EE89529DF}" type="slidenum">
               <a:rPr lang="en-GB" smtClean="0"/>
-              <a:t>‹N›</a:t>
+              <a:t>‹#›</a:t>
             </a:fld>
             <a:endParaRPr lang="en-GB" dirty="0"/>
           </a:p>
@@ -6399,7 +6404,7 @@
                 <a:latin typeface="Courier New" panose="02070309020205020404" pitchFamily="49" charset="0"/>
                 <a:cs typeface="Courier New" panose="02070309020205020404" pitchFamily="49" charset="0"/>
               </a:rPr>
-              <a:t>db_gamified_marketing_app</a:t>
+              <a:t>gamified_marketing</a:t>
             </a:r>
             <a:r>
               <a:rPr lang="en-GB" sz="1500" dirty="0">
@@ -6814,14 +6819,14 @@
           <a:p>
             <a:r>
               <a:rPr lang="en-GB" dirty="0"/>
-              <a:t>Entity method for doing something</a:t>
-            </a:r>
-          </a:p>
-        </p:txBody>
-      </p:sp>
-      <p:sp>
-        <p:nvSpPr>
-          <p:cNvPr id="3" name="Content Placeholder 2"/>
+              <a:t>Entity User</a:t>
+            </a:r>
+          </a:p>
+        </p:txBody>
+      </p:sp>
+      <p:sp>
+        <p:nvSpPr>
+          <p:cNvPr id="5" name="Content Placeholder 4"/>
           <p:cNvSpPr>
             <a:spLocks noGrp="1"/>
           </p:cNvSpPr>
@@ -6829,14 +6834,22 @@
             <p:ph idx="1"/>
           </p:nvPr>
         </p:nvSpPr>
-        <p:spPr/>
+        <p:spPr>
+          <a:xfrm>
+            <a:off x="1" y="1434164"/>
+            <a:ext cx="9144000" cy="5342021"/>
+          </a:xfrm>
+        </p:spPr>
         <p:txBody>
           <a:bodyPr>
-            <a:normAutofit/>
+            <a:normAutofit lnSpcReduction="10000"/>
           </a:bodyPr>
           <a:lstStyle/>
           <a:p>
             <a:pPr marL="0" indent="0">
+              <a:spcBef>
+                <a:spcPts val="0"/>
+              </a:spcBef>
               <a:buNone/>
             </a:pPr>
             <a:r>
@@ -6844,11 +6857,14 @@
                 <a:latin typeface="Courier New" panose="02070309020205020404" pitchFamily="49" charset="0"/>
                 <a:cs typeface="Courier New" panose="02070309020205020404" pitchFamily="49" charset="0"/>
               </a:rPr>
-              <a:t>// in entity A	</a:t>
-            </a:r>
-          </a:p>
-          <a:p>
-            <a:pPr marL="0" indent="0">
+              <a:t>@Entity</a:t>
+            </a:r>
+          </a:p>
+          <a:p>
+            <a:pPr marL="0" indent="0">
+              <a:spcBef>
+                <a:spcPts val="0"/>
+              </a:spcBef>
               <a:buNone/>
             </a:pPr>
             <a:r>
@@ -6856,27 +6872,66 @@
                 <a:latin typeface="Courier New" panose="02070309020205020404" pitchFamily="49" charset="0"/>
                 <a:cs typeface="Courier New" panose="02070309020205020404" pitchFamily="49" charset="0"/>
               </a:rPr>
-              <a:t>public void  method(Class </a:t>
+              <a:t>@Table(name = “user”, schema = “</a:t>
             </a:r>
             <a:r>
               <a:rPr lang="en-GB" sz="1500" dirty="0" err="1">
                 <a:latin typeface="Courier New" panose="02070309020205020404" pitchFamily="49" charset="0"/>
                 <a:cs typeface="Courier New" panose="02070309020205020404" pitchFamily="49" charset="0"/>
               </a:rPr>
-              <a:t>arg</a:t>
+              <a:t>gamified_marketing</a:t>
             </a:r>
             <a:r>
               <a:rPr lang="en-GB" sz="1500" dirty="0">
                 <a:latin typeface="Courier New" panose="02070309020205020404" pitchFamily="49" charset="0"/>
                 <a:cs typeface="Courier New" panose="02070309020205020404" pitchFamily="49" charset="0"/>
               </a:rPr>
-              <a:t>, . . .) {</a:t>
-            </a:r>
-          </a:p>
-          <a:p>
-            <a:pPr marL="0" indent="0">
-              <a:buNone/>
-            </a:pPr>
+              <a:t>”)</a:t>
+            </a:r>
+          </a:p>
+          <a:p>
+            <a:pPr marL="0" indent="0">
+              <a:spcBef>
+                <a:spcPts val="0"/>
+              </a:spcBef>
+              <a:buNone/>
+            </a:pPr>
+            <a:r>
+              <a:rPr lang="en-GB" sz="1500" dirty="0">
+                <a:latin typeface="Courier New" panose="02070309020205020404" pitchFamily="49" charset="0"/>
+                <a:cs typeface="Courier New" panose="02070309020205020404" pitchFamily="49" charset="0"/>
+              </a:rPr>
+              <a:t>public class User implements Serializable {</a:t>
+            </a:r>
+          </a:p>
+          <a:p>
+            <a:pPr marL="0" indent="0">
+              <a:spcBef>
+                <a:spcPts val="0"/>
+              </a:spcBef>
+              <a:buNone/>
+            </a:pPr>
+            <a:r>
+              <a:rPr lang="en-US" sz="1500" dirty="0">
+                <a:latin typeface="Courier New" panose="02070309020205020404" pitchFamily="49" charset="0"/>
+                <a:cs typeface="Courier New" panose="02070309020205020404" pitchFamily="49" charset="0"/>
+              </a:rPr>
+              <a:t>	private static final long </a:t>
+            </a:r>
+            <a:r>
+              <a:rPr lang="en-US" sz="1500" dirty="0" err="1">
+                <a:latin typeface="Courier New" panose="02070309020205020404" pitchFamily="49" charset="0"/>
+                <a:cs typeface="Courier New" panose="02070309020205020404" pitchFamily="49" charset="0"/>
+              </a:rPr>
+              <a:t>serialVersionUID</a:t>
+            </a:r>
+            <a:r>
+              <a:rPr lang="en-US" sz="1500" dirty="0">
+                <a:latin typeface="Courier New" panose="02070309020205020404" pitchFamily="49" charset="0"/>
+                <a:cs typeface="Courier New" panose="02070309020205020404" pitchFamily="49" charset="0"/>
+              </a:rPr>
+              <a:t> = 1L;</a:t>
+            </a:r>
             <a:endParaRPr lang="en-GB" sz="1500" dirty="0">
               <a:latin typeface="Courier New" panose="02070309020205020404" pitchFamily="49" charset="0"/>
               <a:cs typeface="Courier New" panose="02070309020205020404" pitchFamily="49" charset="0"/>
@@ -6884,18 +6939,9 @@
           </a:p>
           <a:p>
             <a:pPr marL="0" indent="0">
-              <a:buNone/>
-            </a:pPr>
-            <a:r>
-              <a:rPr lang="en-GB" sz="1500" dirty="0">
-                <a:latin typeface="Courier New" panose="02070309020205020404" pitchFamily="49" charset="0"/>
-                <a:cs typeface="Courier New" panose="02070309020205020404" pitchFamily="49" charset="0"/>
-              </a:rPr>
-              <a:t>   // code </a:t>
-            </a:r>
-          </a:p>
-          <a:p>
-            <a:pPr marL="0" indent="0">
+              <a:spcBef>
+                <a:spcPts val="0"/>
+              </a:spcBef>
               <a:buNone/>
             </a:pPr>
             <a:endParaRPr lang="en-GB" sz="1500" dirty="0">
@@ -6905,6 +6951,9 @@
           </a:p>
           <a:p>
             <a:pPr marL="0" indent="0">
+              <a:spcBef>
+                <a:spcPts val="0"/>
+              </a:spcBef>
               <a:buNone/>
             </a:pPr>
             <a:r>
@@ -6912,13 +6961,164 @@
                 <a:latin typeface="Courier New" panose="02070309020205020404" pitchFamily="49" charset="0"/>
                 <a:cs typeface="Courier New" panose="02070309020205020404" pitchFamily="49" charset="0"/>
               </a:rPr>
-              <a:t>}</a:t>
-            </a:r>
-          </a:p>
-          <a:p>
-            <a:pPr marL="0" indent="0">
-              <a:buNone/>
-            </a:pPr>
+              <a:t>// attributes &amp; their annotations</a:t>
+            </a:r>
+          </a:p>
+          <a:p>
+            <a:pPr marL="0" indent="0">
+              <a:spcBef>
+                <a:spcPts val="0"/>
+              </a:spcBef>
+              <a:buNone/>
+            </a:pPr>
+            <a:r>
+              <a:rPr lang="en-GB" sz="1500" dirty="0">
+                <a:latin typeface="Courier New" panose="02070309020205020404" pitchFamily="49" charset="0"/>
+                <a:cs typeface="Courier New" panose="02070309020205020404" pitchFamily="49" charset="0"/>
+              </a:rPr>
+              <a:t>	@Id</a:t>
+            </a:r>
+          </a:p>
+          <a:p>
+            <a:pPr marL="0" indent="0">
+              <a:spcBef>
+                <a:spcPts val="0"/>
+              </a:spcBef>
+              <a:buNone/>
+            </a:pPr>
+            <a:r>
+              <a:rPr lang="en-GB" sz="1500" dirty="0">
+                <a:latin typeface="Courier New" panose="02070309020205020404" pitchFamily="49" charset="0"/>
+                <a:cs typeface="Courier New" panose="02070309020205020404" pitchFamily="49" charset="0"/>
+              </a:rPr>
+              <a:t>	@GeneratedValue(strategy = </a:t>
+            </a:r>
+            <a:r>
+              <a:rPr lang="en-GB" sz="1500" dirty="0" err="1">
+                <a:latin typeface="Courier New" panose="02070309020205020404" pitchFamily="49" charset="0"/>
+                <a:cs typeface="Courier New" panose="02070309020205020404" pitchFamily="49" charset="0"/>
+              </a:rPr>
+              <a:t>GenerationType.IDENTITY</a:t>
+            </a:r>
+            <a:r>
+              <a:rPr lang="en-GB" sz="1500" dirty="0">
+                <a:latin typeface="Courier New" panose="02070309020205020404" pitchFamily="49" charset="0"/>
+                <a:cs typeface="Courier New" panose="02070309020205020404" pitchFamily="49" charset="0"/>
+              </a:rPr>
+              <a:t>)</a:t>
+            </a:r>
+          </a:p>
+          <a:p>
+            <a:pPr marL="0" indent="0">
+              <a:spcBef>
+                <a:spcPts val="0"/>
+              </a:spcBef>
+              <a:buNone/>
+            </a:pPr>
+            <a:r>
+              <a:rPr lang="en-GB" sz="1500" dirty="0">
+                <a:latin typeface="Courier New" panose="02070309020205020404" pitchFamily="49" charset="0"/>
+                <a:cs typeface="Courier New" panose="02070309020205020404" pitchFamily="49" charset="0"/>
+              </a:rPr>
+              <a:t>    	private int id;</a:t>
+            </a:r>
+          </a:p>
+          <a:p>
+            <a:pPr marL="0" indent="0">
+              <a:spcBef>
+                <a:spcPts val="0"/>
+              </a:spcBef>
+              <a:buNone/>
+            </a:pPr>
+            <a:r>
+              <a:rPr lang="en-GB" sz="1500" dirty="0">
+                <a:latin typeface="Courier New" panose="02070309020205020404" pitchFamily="49" charset="0"/>
+                <a:cs typeface="Courier New" panose="02070309020205020404" pitchFamily="49" charset="0"/>
+              </a:rPr>
+              <a:t>	</a:t>
+            </a:r>
+            <a:r>
+              <a:rPr lang="nb-NO" sz="1500" dirty="0">
+                <a:latin typeface="Courier New" panose="02070309020205020404" pitchFamily="49" charset="0"/>
+                <a:cs typeface="Courier New" panose="02070309020205020404" pitchFamily="49" charset="0"/>
+              </a:rPr>
+              <a:t>private Integer id;</a:t>
+            </a:r>
+          </a:p>
+          <a:p>
+            <a:pPr marL="0" indent="0">
+              <a:spcBef>
+                <a:spcPts val="0"/>
+              </a:spcBef>
+              <a:buNone/>
+            </a:pPr>
+            <a:r>
+              <a:rPr lang="nb-NO" sz="1500" dirty="0">
+                <a:latin typeface="Courier New" panose="02070309020205020404" pitchFamily="49" charset="0"/>
+                <a:cs typeface="Courier New" panose="02070309020205020404" pitchFamily="49" charset="0"/>
+              </a:rPr>
+              <a:t>	private String username;</a:t>
+            </a:r>
+          </a:p>
+          <a:p>
+            <a:pPr marL="0" indent="0">
+              <a:spcBef>
+                <a:spcPts val="0"/>
+              </a:spcBef>
+              <a:buNone/>
+            </a:pPr>
+            <a:r>
+              <a:rPr lang="nb-NO" sz="1500" dirty="0">
+                <a:latin typeface="Courier New" panose="02070309020205020404" pitchFamily="49" charset="0"/>
+                <a:cs typeface="Courier New" panose="02070309020205020404" pitchFamily="49" charset="0"/>
+              </a:rPr>
+              <a:t>	private String password;</a:t>
+            </a:r>
+          </a:p>
+          <a:p>
+            <a:pPr marL="0" indent="0">
+              <a:spcBef>
+                <a:spcPts val="0"/>
+              </a:spcBef>
+              <a:buNone/>
+            </a:pPr>
+            <a:r>
+              <a:rPr lang="nb-NO" sz="1500" dirty="0">
+                <a:latin typeface="Courier New" panose="02070309020205020404" pitchFamily="49" charset="0"/>
+                <a:cs typeface="Courier New" panose="02070309020205020404" pitchFamily="49" charset="0"/>
+              </a:rPr>
+              <a:t>	private String email;</a:t>
+            </a:r>
+          </a:p>
+          <a:p>
+            <a:pPr marL="0" indent="0">
+              <a:spcBef>
+                <a:spcPts val="0"/>
+              </a:spcBef>
+              <a:buNone/>
+            </a:pPr>
+            <a:r>
+              <a:rPr lang="nb-NO" sz="1500" dirty="0">
+                <a:latin typeface="Courier New" panose="02070309020205020404" pitchFamily="49" charset="0"/>
+                <a:cs typeface="Courier New" panose="02070309020205020404" pitchFamily="49" charset="0"/>
+              </a:rPr>
+              <a:t>	private Boolean banned;</a:t>
+            </a:r>
+          </a:p>
+          <a:p>
+            <a:pPr marL="0" indent="0">
+              <a:spcBef>
+                <a:spcPts val="0"/>
+              </a:spcBef>
+              <a:buNone/>
+            </a:pPr>
+            <a:r>
+              <a:rPr lang="nb-NO" sz="1500" dirty="0">
+                <a:latin typeface="Courier New" panose="02070309020205020404" pitchFamily="49" charset="0"/>
+                <a:cs typeface="Courier New" panose="02070309020205020404" pitchFamily="49" charset="0"/>
+              </a:rPr>
+              <a:t>	private Integer points;</a:t>
+            </a:r>
             <a:endParaRPr lang="en-GB" sz="1500" dirty="0">
               <a:latin typeface="Courier New" panose="02070309020205020404" pitchFamily="49" charset="0"/>
               <a:cs typeface="Courier New" panose="02070309020205020404" pitchFamily="49" charset="0"/>
@@ -6926,6 +7126,39 @@
           </a:p>
           <a:p>
             <a:pPr marL="0" indent="0">
+              <a:spcBef>
+                <a:spcPts val="0"/>
+              </a:spcBef>
+              <a:buNone/>
+            </a:pPr>
+            <a:r>
+              <a:rPr lang="en-GB" sz="1500" dirty="0">
+                <a:latin typeface="Courier New" panose="02070309020205020404" pitchFamily="49" charset="0"/>
+                <a:cs typeface="Courier New" panose="02070309020205020404" pitchFamily="49" charset="0"/>
+              </a:rPr>
+              <a:t>	@Temporal(TemporalType.TIMESTAMP)</a:t>
+            </a:r>
+          </a:p>
+          <a:p>
+            <a:pPr marL="0" indent="0">
+              <a:spcBef>
+                <a:spcPts val="0"/>
+              </a:spcBef>
+              <a:buNone/>
+            </a:pPr>
+            <a:r>
+              <a:rPr lang="en-GB" sz="1500" dirty="0">
+                <a:latin typeface="Courier New" panose="02070309020205020404" pitchFamily="49" charset="0"/>
+                <a:cs typeface="Courier New" panose="02070309020205020404" pitchFamily="49" charset="0"/>
+              </a:rPr>
+              <a:t>	private Date datetime;</a:t>
+            </a:r>
+          </a:p>
+          <a:p>
+            <a:pPr marL="0" indent="0">
+              <a:spcBef>
+                <a:spcPts val="0"/>
+              </a:spcBef>
               <a:buNone/>
             </a:pPr>
             <a:endParaRPr lang="en-GB" sz="1500" dirty="0">
@@ -6935,6 +7168,9 @@
           </a:p>
           <a:p>
             <a:pPr marL="0" indent="0">
+              <a:spcBef>
+                <a:spcPts val="0"/>
+              </a:spcBef>
               <a:buNone/>
             </a:pPr>
             <a:r>
@@ -6942,15 +7178,168 @@
                 <a:latin typeface="Courier New" panose="02070309020205020404" pitchFamily="49" charset="0"/>
                 <a:cs typeface="Courier New" panose="02070309020205020404" pitchFamily="49" charset="0"/>
               </a:rPr>
-              <a:t>// use if requested</a:t>
-            </a:r>
+              <a:t>// relationships &amp; their annotations</a:t>
+            </a:r>
+          </a:p>
+          <a:p>
+            <a:pPr marL="0" indent="0">
+              <a:spcBef>
+                <a:spcPts val="0"/>
+              </a:spcBef>
+              <a:buNone/>
+            </a:pPr>
+            <a:r>
+              <a:rPr lang="en-GB" sz="1500" dirty="0">
+                <a:latin typeface="Courier New" panose="02070309020205020404" pitchFamily="49" charset="0"/>
+                <a:cs typeface="Courier New" panose="02070309020205020404" pitchFamily="49" charset="0"/>
+              </a:rPr>
+              <a:t>	@ManyToOne</a:t>
+            </a:r>
+          </a:p>
+          <a:p>
+            <a:pPr marL="0" indent="0">
+              <a:spcBef>
+                <a:spcPts val="0"/>
+              </a:spcBef>
+              <a:buNone/>
+            </a:pPr>
+            <a:r>
+              <a:rPr lang="en-GB" sz="1500" dirty="0">
+                <a:latin typeface="Courier New" panose="02070309020205020404" pitchFamily="49" charset="0"/>
+                <a:cs typeface="Courier New" panose="02070309020205020404" pitchFamily="49" charset="0"/>
+              </a:rPr>
+              <a:t>	@JoinColumn(name = "user)</a:t>
+            </a:r>
+          </a:p>
+          <a:p>
+            <a:pPr marL="0" indent="0">
+              <a:spcBef>
+                <a:spcPts val="0"/>
+              </a:spcBef>
+              <a:buNone/>
+            </a:pPr>
+            <a:r>
+              <a:rPr lang="en-GB" sz="1500" dirty="0">
+                <a:latin typeface="Courier New" panose="02070309020205020404" pitchFamily="49" charset="0"/>
+                <a:cs typeface="Courier New" panose="02070309020205020404" pitchFamily="49" charset="0"/>
+              </a:rPr>
+              <a:t>    	private User </a:t>
+            </a:r>
+            <a:r>
+              <a:rPr lang="en-GB" sz="1500" dirty="0" err="1">
+                <a:latin typeface="Courier New" panose="02070309020205020404" pitchFamily="49" charset="0"/>
+                <a:cs typeface="Courier New" panose="02070309020205020404" pitchFamily="49" charset="0"/>
+              </a:rPr>
+              <a:t>user</a:t>
+            </a:r>
+            <a:r>
+              <a:rPr lang="en-GB" sz="1500" dirty="0">
+                <a:latin typeface="Courier New" panose="02070309020205020404" pitchFamily="49" charset="0"/>
+                <a:cs typeface="Courier New" panose="02070309020205020404" pitchFamily="49" charset="0"/>
+              </a:rPr>
+              <a:t>;</a:t>
+            </a:r>
+          </a:p>
+          <a:p>
+            <a:pPr marL="0" indent="0">
+              <a:spcBef>
+                <a:spcPts val="0"/>
+              </a:spcBef>
+              <a:buNone/>
+            </a:pPr>
+            <a:endParaRPr lang="en-GB" sz="1500" dirty="0">
+              <a:latin typeface="Courier New" panose="02070309020205020404" pitchFamily="49" charset="0"/>
+              <a:cs typeface="Courier New" panose="02070309020205020404" pitchFamily="49" charset="0"/>
+            </a:endParaRPr>
+          </a:p>
+          <a:p>
+            <a:pPr marL="0" indent="0">
+              <a:spcBef>
+                <a:spcPts val="0"/>
+              </a:spcBef>
+              <a:buNone/>
+            </a:pPr>
+            <a:r>
+              <a:rPr lang="en-GB" sz="1500" dirty="0">
+                <a:latin typeface="Courier New" panose="02070309020205020404" pitchFamily="49" charset="0"/>
+                <a:cs typeface="Courier New" panose="02070309020205020404" pitchFamily="49" charset="0"/>
+              </a:rPr>
+              <a:t>/* </a:t>
+            </a:r>
+          </a:p>
+          <a:p>
+            <a:pPr marL="0" indent="0">
+              <a:spcBef>
+                <a:spcPts val="0"/>
+              </a:spcBef>
+              <a:buNone/>
+            </a:pPr>
+            <a:r>
+              <a:rPr lang="en-GB" sz="1500" dirty="0">
+                <a:latin typeface="Courier New" panose="02070309020205020404" pitchFamily="49" charset="0"/>
+                <a:cs typeface="Courier New" panose="02070309020205020404" pitchFamily="49" charset="0"/>
+              </a:rPr>
+              <a:t>  clone this slide as may times as there are   </a:t>
+            </a:r>
+            <a:br>
+              <a:rPr lang="en-GB" sz="1500" dirty="0">
+                <a:latin typeface="Courier New" panose="02070309020205020404" pitchFamily="49" charset="0"/>
+                <a:cs typeface="Courier New" panose="02070309020205020404" pitchFamily="49" charset="0"/>
+              </a:rPr>
+            </a:br>
+            <a:r>
+              <a:rPr lang="en-GB" sz="1500" dirty="0">
+                <a:latin typeface="Courier New" panose="02070309020205020404" pitchFamily="49" charset="0"/>
+                <a:cs typeface="Courier New" panose="02070309020205020404" pitchFamily="49" charset="0"/>
+              </a:rPr>
+              <a:t>  entities </a:t>
+            </a:r>
+          </a:p>
+          <a:p>
+            <a:pPr marL="0" indent="0">
+              <a:spcBef>
+                <a:spcPts val="0"/>
+              </a:spcBef>
+              <a:buNone/>
+            </a:pPr>
+            <a:r>
+              <a:rPr lang="en-GB" sz="1500" dirty="0">
+                <a:latin typeface="Courier New" panose="02070309020205020404" pitchFamily="49" charset="0"/>
+                <a:cs typeface="Courier New" panose="02070309020205020404" pitchFamily="49" charset="0"/>
+              </a:rPr>
+              <a:t>*/</a:t>
+            </a:r>
+          </a:p>
+          <a:p>
+            <a:pPr marL="0" indent="0">
+              <a:spcBef>
+                <a:spcPts val="0"/>
+              </a:spcBef>
+              <a:buNone/>
+            </a:pPr>
+            <a:endParaRPr lang="en-GB" sz="1500" dirty="0">
+              <a:latin typeface="Courier New" panose="02070309020205020404" pitchFamily="49" charset="0"/>
+              <a:cs typeface="Courier New" panose="02070309020205020404" pitchFamily="49" charset="0"/>
+            </a:endParaRPr>
+          </a:p>
+          <a:p>
+            <a:pPr marL="0" indent="0">
+              <a:spcBef>
+                <a:spcPts val="0"/>
+              </a:spcBef>
+              <a:buNone/>
+            </a:pPr>
+            <a:endParaRPr lang="en-GB" sz="1500" dirty="0">
+              <a:latin typeface="Courier New" panose="02070309020205020404" pitchFamily="49" charset="0"/>
+              <a:cs typeface="Courier New" panose="02070309020205020404" pitchFamily="49" charset="0"/>
+            </a:endParaRPr>
           </a:p>
         </p:txBody>
       </p:sp>
     </p:spTree>
     <p:extLst>
       <p:ext uri="{BB962C8B-B14F-4D97-AF65-F5344CB8AC3E}">
-        <p14:creationId xmlns:p14="http://schemas.microsoft.com/office/powerpoint/2010/main" val="1218911751"/>
+        <p14:creationId xmlns:p14="http://schemas.microsoft.com/office/powerpoint/2010/main" val="1432605586"/>
       </p:ext>
     </p:extLst>
   </p:cSld>
@@ -6987,59 +7376,19 @@
             <p:ph type="title"/>
           </p:nvPr>
         </p:nvSpPr>
-        <p:spPr/>
+        <p:spPr>
+          <a:xfrm>
+            <a:off x="628650" y="0"/>
+            <a:ext cx="7886700" cy="1325563"/>
+          </a:xfrm>
+        </p:spPr>
         <p:txBody>
           <a:bodyPr/>
           <a:lstStyle/>
           <a:p>
             <a:r>
               <a:rPr lang="en-GB" dirty="0"/>
-              <a:t>Components</a:t>
-            </a:r>
-          </a:p>
-        </p:txBody>
-      </p:sp>
-      <p:sp>
-        <p:nvSpPr>
-          <p:cNvPr id="4" name="Content Placeholder 3"/>
-          <p:cNvSpPr>
-            <a:spLocks noGrp="1"/>
-          </p:cNvSpPr>
-          <p:nvPr>
-            <p:ph sz="half" idx="1"/>
-          </p:nvPr>
-        </p:nvSpPr>
-        <p:spPr/>
-        <p:txBody>
-          <a:bodyPr>
-            <a:normAutofit/>
-          </a:bodyPr>
-          <a:lstStyle/>
-          <a:p>
-            <a:r>
-              <a:rPr lang="en-GB" dirty="0"/>
-              <a:t>Client components</a:t>
-            </a:r>
-          </a:p>
-          <a:p>
-            <a:pPr lvl="1"/>
-            <a:r>
-              <a:rPr lang="en-GB" sz="2000" dirty="0"/>
-              <a:t>Login/Logout (if requested)</a:t>
-            </a:r>
-          </a:p>
-          <a:p>
-            <a:pPr lvl="1"/>
-            <a:r>
-              <a:rPr lang="en-GB" sz="2000" dirty="0"/>
-              <a:t>Servlets</a:t>
-            </a:r>
-          </a:p>
-          <a:p>
-            <a:pPr lvl="1"/>
-            <a:r>
-              <a:rPr lang="en-GB" sz="2000" dirty="0"/>
-              <a:t>Views</a:t>
+              <a:t>Entity Admin</a:t>
             </a:r>
           </a:p>
         </p:txBody>
@@ -7051,132 +7400,687 @@
             <a:spLocks noGrp="1"/>
           </p:cNvSpPr>
           <p:nvPr>
-            <p:ph sz="half" idx="2"/>
+            <p:ph idx="1"/>
           </p:nvPr>
         </p:nvSpPr>
         <p:spPr>
           <a:xfrm>
-            <a:off x="4629149" y="1825625"/>
-            <a:ext cx="4418597" cy="4351338"/>
+            <a:off x="87550" y="986691"/>
+            <a:ext cx="9144000" cy="6153411"/>
           </a:xfrm>
         </p:spPr>
         <p:txBody>
           <a:bodyPr>
-            <a:normAutofit/>
+            <a:noAutofit/>
           </a:bodyPr>
           <a:lstStyle/>
           <a:p>
-            <a:r>
-              <a:rPr lang="en-GB" dirty="0"/>
-              <a:t>Business Components</a:t>
-            </a:r>
-          </a:p>
-          <a:p>
-            <a:pPr lvl="1"/>
-            <a:r>
-              <a:rPr lang="en-GB" dirty="0"/>
-              <a:t>BC1 </a:t>
-            </a:r>
-          </a:p>
-          <a:p>
-            <a:pPr lvl="2"/>
-            <a:r>
-              <a:rPr lang="en-GB" dirty="0"/>
-              <a:t>(stateless or stateful)</a:t>
-            </a:r>
-          </a:p>
-          <a:p>
-            <a:pPr lvl="2"/>
-            <a:r>
-              <a:rPr lang="en-GB" dirty="0"/>
-              <a:t>Method BC11( </a:t>
-            </a:r>
-            <a:r>
-              <a:rPr lang="en-GB" dirty="0" err="1"/>
-              <a:t>params</a:t>
-            </a:r>
-            <a:r>
-              <a:rPr lang="en-GB" dirty="0"/>
+            <a:pPr marL="0" indent="0">
+              <a:spcBef>
+                <a:spcPts val="0"/>
+              </a:spcBef>
+              <a:buNone/>
+            </a:pPr>
+            <a:r>
+              <a:rPr lang="en-GB" sz="1300" dirty="0">
+                <a:latin typeface="Courier New" panose="02070309020205020404" pitchFamily="49" charset="0"/>
+                <a:cs typeface="Courier New" panose="02070309020205020404" pitchFamily="49" charset="0"/>
+              </a:rPr>
+              <a:t>@Entity</a:t>
+            </a:r>
+          </a:p>
+          <a:p>
+            <a:pPr marL="0" indent="0">
+              <a:spcBef>
+                <a:spcPts val="0"/>
+              </a:spcBef>
+              <a:buNone/>
+            </a:pPr>
+            <a:r>
+              <a:rPr lang="en-GB" sz="1300" dirty="0">
+                <a:latin typeface="Courier New" panose="02070309020205020404" pitchFamily="49" charset="0"/>
+                <a:cs typeface="Courier New" panose="02070309020205020404" pitchFamily="49" charset="0"/>
+              </a:rPr>
+              <a:t>@Table(name = "admin", schema = "</a:t>
+            </a:r>
+            <a:r>
+              <a:rPr lang="en-GB" sz="1300" dirty="0" err="1">
+                <a:latin typeface="Courier New" panose="02070309020205020404" pitchFamily="49" charset="0"/>
+                <a:cs typeface="Courier New" panose="02070309020205020404" pitchFamily="49" charset="0"/>
+              </a:rPr>
+              <a:t>gamified_marketing</a:t>
+            </a:r>
+            <a:r>
+              <a:rPr lang="en-GB" sz="1300" dirty="0">
+                <a:latin typeface="Courier New" panose="02070309020205020404" pitchFamily="49" charset="0"/>
+                <a:cs typeface="Courier New" panose="02070309020205020404" pitchFamily="49" charset="0"/>
+              </a:rPr>
+              <a:t>")</a:t>
+            </a:r>
+          </a:p>
+          <a:p>
+            <a:pPr marL="0" indent="0">
+              <a:spcBef>
+                <a:spcPts val="0"/>
+              </a:spcBef>
+              <a:buNone/>
+            </a:pPr>
+            <a:r>
+              <a:rPr lang="en-GB" sz="1300" dirty="0">
+                <a:latin typeface="Courier New" panose="02070309020205020404" pitchFamily="49" charset="0"/>
+                <a:cs typeface="Courier New" panose="02070309020205020404" pitchFamily="49" charset="0"/>
+              </a:rPr>
+              <a:t>public class Admin implements Serializable {</a:t>
+            </a:r>
+          </a:p>
+          <a:p>
+            <a:pPr marL="0" indent="0">
+              <a:spcBef>
+                <a:spcPts val="0"/>
+              </a:spcBef>
+              <a:buNone/>
+            </a:pPr>
+            <a:r>
+              <a:rPr lang="en-GB" sz="1300" dirty="0">
+                <a:latin typeface="Courier New" panose="02070309020205020404" pitchFamily="49" charset="0"/>
+                <a:cs typeface="Courier New" panose="02070309020205020404" pitchFamily="49" charset="0"/>
+              </a:rPr>
+              <a:t>	private static final long </a:t>
+            </a:r>
+            <a:r>
+              <a:rPr lang="en-GB" sz="1300" dirty="0" err="1">
+                <a:latin typeface="Courier New" panose="02070309020205020404" pitchFamily="49" charset="0"/>
+                <a:cs typeface="Courier New" panose="02070309020205020404" pitchFamily="49" charset="0"/>
+              </a:rPr>
+              <a:t>serialVersionUID</a:t>
+            </a:r>
+            <a:r>
+              <a:rPr lang="en-GB" sz="1300" dirty="0">
+                <a:latin typeface="Courier New" panose="02070309020205020404" pitchFamily="49" charset="0"/>
+                <a:cs typeface="Courier New" panose="02070309020205020404" pitchFamily="49" charset="0"/>
+              </a:rPr>
+              <a:t> = 1L;</a:t>
+            </a:r>
+          </a:p>
+          <a:p>
+            <a:pPr marL="0" indent="0">
+              <a:spcBef>
+                <a:spcPts val="0"/>
+              </a:spcBef>
+              <a:buNone/>
+            </a:pPr>
+            <a:r>
+              <a:rPr lang="en-GB" sz="1300" dirty="0">
+                <a:latin typeface="Courier New" panose="02070309020205020404" pitchFamily="49" charset="0"/>
+                <a:cs typeface="Courier New" panose="02070309020205020404" pitchFamily="49" charset="0"/>
+              </a:rPr>
+              <a:t>	</a:t>
+            </a:r>
+          </a:p>
+          <a:p>
+            <a:pPr marL="0" indent="0">
+              <a:spcBef>
+                <a:spcPts val="0"/>
+              </a:spcBef>
+              <a:buNone/>
+            </a:pPr>
+            <a:r>
+              <a:rPr lang="en-GB" sz="1300" dirty="0">
+                <a:latin typeface="Courier New" panose="02070309020205020404" pitchFamily="49" charset="0"/>
+                <a:cs typeface="Courier New" panose="02070309020205020404" pitchFamily="49" charset="0"/>
+              </a:rPr>
+              <a:t>	@Id</a:t>
+            </a:r>
+          </a:p>
+          <a:p>
+            <a:pPr marL="0" indent="0">
+              <a:spcBef>
+                <a:spcPts val="0"/>
+              </a:spcBef>
+              <a:buNone/>
+            </a:pPr>
+            <a:r>
+              <a:rPr lang="en-GB" sz="1300" dirty="0">
+                <a:latin typeface="Courier New" panose="02070309020205020404" pitchFamily="49" charset="0"/>
+                <a:cs typeface="Courier New" panose="02070309020205020404" pitchFamily="49" charset="0"/>
+              </a:rPr>
+              <a:t>	@GeneratedValue(strategy = </a:t>
+            </a:r>
+            <a:r>
+              <a:rPr lang="en-GB" sz="1300" dirty="0" err="1">
+                <a:latin typeface="Courier New" panose="02070309020205020404" pitchFamily="49" charset="0"/>
+                <a:cs typeface="Courier New" panose="02070309020205020404" pitchFamily="49" charset="0"/>
+              </a:rPr>
+              <a:t>GenerationType.IDENTITY</a:t>
+            </a:r>
+            <a:r>
+              <a:rPr lang="en-GB" sz="1300" dirty="0">
+                <a:latin typeface="Courier New" panose="02070309020205020404" pitchFamily="49" charset="0"/>
+                <a:cs typeface="Courier New" panose="02070309020205020404" pitchFamily="49" charset="0"/>
+              </a:rPr>
               <a:t>)</a:t>
             </a:r>
           </a:p>
           <a:p>
-            <a:pPr lvl="2"/>
-            <a:r>
-              <a:rPr lang="en-GB" dirty="0"/>
-              <a:t>Method BC11( </a:t>
-            </a:r>
-            <a:r>
-              <a:rPr lang="en-GB" dirty="0" err="1"/>
-              <a:t>params</a:t>
-            </a:r>
-            <a:r>
-              <a:rPr lang="en-GB" dirty="0"/>
-              <a:t>)</a:t>
-            </a:r>
-          </a:p>
-          <a:p>
-            <a:pPr lvl="1"/>
-            <a:endParaRPr lang="en-GB" dirty="0"/>
-          </a:p>
-          <a:p>
-            <a:pPr lvl="1"/>
-            <a:r>
-              <a:rPr lang="en-GB" dirty="0"/>
-              <a:t>BC2</a:t>
-            </a:r>
-          </a:p>
-          <a:p>
-            <a:pPr lvl="2"/>
-            <a:r>
-              <a:rPr lang="en-GB" dirty="0"/>
-              <a:t>(stateless or stateful)</a:t>
-            </a:r>
-          </a:p>
-          <a:p>
-            <a:pPr lvl="2"/>
-            <a:r>
-              <a:rPr lang="en-GB" dirty="0"/>
-              <a:t>Method BC21( </a:t>
-            </a:r>
-            <a:r>
-              <a:rPr lang="en-GB" dirty="0" err="1"/>
-              <a:t>params</a:t>
-            </a:r>
-            <a:r>
-              <a:rPr lang="en-GB" dirty="0"/>
-              <a:t>)</a:t>
-            </a:r>
-          </a:p>
-          <a:p>
-            <a:pPr lvl="2"/>
-            <a:r>
-              <a:rPr lang="en-GB" dirty="0"/>
-              <a:t>Method BC22( </a:t>
-            </a:r>
-            <a:r>
-              <a:rPr lang="en-GB" dirty="0" err="1"/>
-              <a:t>params</a:t>
-            </a:r>
-            <a:r>
-              <a:rPr lang="en-GB" dirty="0"/>
-              <a:t>)</a:t>
-            </a:r>
-          </a:p>
-          <a:p>
-            <a:pPr lvl="2"/>
-            <a:endParaRPr lang="en-GB" dirty="0"/>
-          </a:p>
-          <a:p>
-            <a:pPr lvl="1"/>
-            <a:endParaRPr lang="en-GB" dirty="0"/>
+            <a:pPr marL="0" indent="0">
+              <a:spcBef>
+                <a:spcPts val="0"/>
+              </a:spcBef>
+              <a:buNone/>
+            </a:pPr>
+            <a:r>
+              <a:rPr lang="en-GB" sz="1300" dirty="0">
+                <a:latin typeface="Courier New" panose="02070309020205020404" pitchFamily="49" charset="0"/>
+                <a:cs typeface="Courier New" panose="02070309020205020404" pitchFamily="49" charset="0"/>
+              </a:rPr>
+              <a:t>	private Integer id;</a:t>
+            </a:r>
+          </a:p>
+          <a:p>
+            <a:pPr marL="0" indent="0">
+              <a:spcBef>
+                <a:spcPts val="0"/>
+              </a:spcBef>
+              <a:buNone/>
+            </a:pPr>
+            <a:r>
+              <a:rPr lang="en-GB" sz="1300" dirty="0">
+                <a:latin typeface="Courier New" panose="02070309020205020404" pitchFamily="49" charset="0"/>
+                <a:cs typeface="Courier New" panose="02070309020205020404" pitchFamily="49" charset="0"/>
+              </a:rPr>
+              <a:t>	private String username;</a:t>
+            </a:r>
+          </a:p>
+          <a:p>
+            <a:pPr marL="0" indent="0">
+              <a:spcBef>
+                <a:spcPts val="0"/>
+              </a:spcBef>
+              <a:buNone/>
+            </a:pPr>
+            <a:r>
+              <a:rPr lang="en-GB" sz="1300" dirty="0">
+                <a:latin typeface="Courier New" panose="02070309020205020404" pitchFamily="49" charset="0"/>
+                <a:cs typeface="Courier New" panose="02070309020205020404" pitchFamily="49" charset="0"/>
+              </a:rPr>
+              <a:t>	private String password;</a:t>
+            </a:r>
+          </a:p>
+          <a:p>
+            <a:pPr marL="0" indent="0">
+              <a:spcBef>
+                <a:spcPts val="0"/>
+              </a:spcBef>
+              <a:buNone/>
+            </a:pPr>
+            <a:r>
+              <a:rPr lang="en-GB" sz="1300" dirty="0">
+                <a:latin typeface="Courier New" panose="02070309020205020404" pitchFamily="49" charset="0"/>
+                <a:cs typeface="Courier New" panose="02070309020205020404" pitchFamily="49" charset="0"/>
+              </a:rPr>
+              <a:t>	</a:t>
+            </a:r>
+          </a:p>
+          <a:p>
+            <a:pPr marL="0" indent="0">
+              <a:spcBef>
+                <a:spcPts val="0"/>
+              </a:spcBef>
+              <a:buNone/>
+            </a:pPr>
+            <a:r>
+              <a:rPr lang="en-GB" sz="1300" dirty="0">
+                <a:latin typeface="Courier New" panose="02070309020205020404" pitchFamily="49" charset="0"/>
+                <a:cs typeface="Courier New" panose="02070309020205020404" pitchFamily="49" charset="0"/>
+              </a:rPr>
+              <a:t>	public Admin() {</a:t>
+            </a:r>
+          </a:p>
+          <a:p>
+            <a:pPr marL="0" indent="0">
+              <a:spcBef>
+                <a:spcPts val="0"/>
+              </a:spcBef>
+              <a:buNone/>
+            </a:pPr>
+            <a:r>
+              <a:rPr lang="en-GB" sz="1300" dirty="0">
+                <a:latin typeface="Courier New" panose="02070309020205020404" pitchFamily="49" charset="0"/>
+                <a:cs typeface="Courier New" panose="02070309020205020404" pitchFamily="49" charset="0"/>
+              </a:rPr>
+              <a:t>		// EJB constructor</a:t>
+            </a:r>
+          </a:p>
+          <a:p>
+            <a:pPr marL="0" indent="0">
+              <a:spcBef>
+                <a:spcPts val="0"/>
+              </a:spcBef>
+              <a:buNone/>
+            </a:pPr>
+            <a:r>
+              <a:rPr lang="en-GB" sz="1300" dirty="0">
+                <a:latin typeface="Courier New" panose="02070309020205020404" pitchFamily="49" charset="0"/>
+                <a:cs typeface="Courier New" panose="02070309020205020404" pitchFamily="49" charset="0"/>
+              </a:rPr>
+              <a:t>	}</a:t>
+            </a:r>
+          </a:p>
+          <a:p>
+            <a:pPr marL="0" indent="0">
+              <a:spcBef>
+                <a:spcPts val="0"/>
+              </a:spcBef>
+              <a:buNone/>
+            </a:pPr>
+            <a:r>
+              <a:rPr lang="en-GB" sz="1300" dirty="0">
+                <a:latin typeface="Courier New" panose="02070309020205020404" pitchFamily="49" charset="0"/>
+                <a:cs typeface="Courier New" panose="02070309020205020404" pitchFamily="49" charset="0"/>
+              </a:rPr>
+              <a:t>	public Integer </a:t>
+            </a:r>
+            <a:r>
+              <a:rPr lang="en-GB" sz="1300" dirty="0" err="1">
+                <a:latin typeface="Courier New" panose="02070309020205020404" pitchFamily="49" charset="0"/>
+                <a:cs typeface="Courier New" panose="02070309020205020404" pitchFamily="49" charset="0"/>
+              </a:rPr>
+              <a:t>getId</a:t>
+            </a:r>
+            <a:r>
+              <a:rPr lang="en-GB" sz="1300" dirty="0">
+                <a:latin typeface="Courier New" panose="02070309020205020404" pitchFamily="49" charset="0"/>
+                <a:cs typeface="Courier New" panose="02070309020205020404" pitchFamily="49" charset="0"/>
+              </a:rPr>
+              <a:t>() {</a:t>
+            </a:r>
+          </a:p>
+          <a:p>
+            <a:pPr marL="0" indent="0">
+              <a:spcBef>
+                <a:spcPts val="0"/>
+              </a:spcBef>
+              <a:buNone/>
+            </a:pPr>
+            <a:r>
+              <a:rPr lang="en-GB" sz="1300" dirty="0">
+                <a:latin typeface="Courier New" panose="02070309020205020404" pitchFamily="49" charset="0"/>
+                <a:cs typeface="Courier New" panose="02070309020205020404" pitchFamily="49" charset="0"/>
+              </a:rPr>
+              <a:t>		return id;</a:t>
+            </a:r>
+          </a:p>
+          <a:p>
+            <a:pPr marL="0" indent="0">
+              <a:spcBef>
+                <a:spcPts val="0"/>
+              </a:spcBef>
+              <a:buNone/>
+            </a:pPr>
+            <a:r>
+              <a:rPr lang="en-GB" sz="1300" dirty="0">
+                <a:latin typeface="Courier New" panose="02070309020205020404" pitchFamily="49" charset="0"/>
+                <a:cs typeface="Courier New" panose="02070309020205020404" pitchFamily="49" charset="0"/>
+              </a:rPr>
+              <a:t>	}</a:t>
+            </a:r>
+          </a:p>
+          <a:p>
+            <a:pPr marL="0" indent="0">
+              <a:spcBef>
+                <a:spcPts val="0"/>
+              </a:spcBef>
+              <a:buNone/>
+            </a:pPr>
+            <a:r>
+              <a:rPr lang="en-GB" sz="1300" dirty="0">
+                <a:latin typeface="Courier New" panose="02070309020205020404" pitchFamily="49" charset="0"/>
+                <a:cs typeface="Courier New" panose="02070309020205020404" pitchFamily="49" charset="0"/>
+              </a:rPr>
+              <a:t>	public void </a:t>
+            </a:r>
+            <a:r>
+              <a:rPr lang="en-GB" sz="1300" dirty="0" err="1">
+                <a:latin typeface="Courier New" panose="02070309020205020404" pitchFamily="49" charset="0"/>
+                <a:cs typeface="Courier New" panose="02070309020205020404" pitchFamily="49" charset="0"/>
+              </a:rPr>
+              <a:t>setId</a:t>
+            </a:r>
+            <a:r>
+              <a:rPr lang="en-GB" sz="1300" dirty="0">
+                <a:latin typeface="Courier New" panose="02070309020205020404" pitchFamily="49" charset="0"/>
+                <a:cs typeface="Courier New" panose="02070309020205020404" pitchFamily="49" charset="0"/>
+              </a:rPr>
+              <a:t>(Integer id) {</a:t>
+            </a:r>
+          </a:p>
+          <a:p>
+            <a:pPr marL="0" indent="0">
+              <a:spcBef>
+                <a:spcPts val="0"/>
+              </a:spcBef>
+              <a:buNone/>
+            </a:pPr>
+            <a:r>
+              <a:rPr lang="en-GB" sz="1300" dirty="0">
+                <a:latin typeface="Courier New" panose="02070309020205020404" pitchFamily="49" charset="0"/>
+                <a:cs typeface="Courier New" panose="02070309020205020404" pitchFamily="49" charset="0"/>
+              </a:rPr>
+              <a:t>		this.id = id;</a:t>
+            </a:r>
+          </a:p>
+          <a:p>
+            <a:pPr marL="0" indent="0">
+              <a:spcBef>
+                <a:spcPts val="0"/>
+              </a:spcBef>
+              <a:buNone/>
+            </a:pPr>
+            <a:r>
+              <a:rPr lang="en-GB" sz="1300" dirty="0">
+                <a:latin typeface="Courier New" panose="02070309020205020404" pitchFamily="49" charset="0"/>
+                <a:cs typeface="Courier New" panose="02070309020205020404" pitchFamily="49" charset="0"/>
+              </a:rPr>
+              <a:t>	}</a:t>
+            </a:r>
+          </a:p>
+          <a:p>
+            <a:pPr marL="0" indent="0">
+              <a:spcBef>
+                <a:spcPts val="0"/>
+              </a:spcBef>
+              <a:buNone/>
+            </a:pPr>
+            <a:r>
+              <a:rPr lang="en-GB" sz="1300" dirty="0">
+                <a:latin typeface="Courier New" panose="02070309020205020404" pitchFamily="49" charset="0"/>
+                <a:cs typeface="Courier New" panose="02070309020205020404" pitchFamily="49" charset="0"/>
+              </a:rPr>
+              <a:t>	public String </a:t>
+            </a:r>
+            <a:r>
+              <a:rPr lang="en-GB" sz="1300" dirty="0" err="1">
+                <a:latin typeface="Courier New" panose="02070309020205020404" pitchFamily="49" charset="0"/>
+                <a:cs typeface="Courier New" panose="02070309020205020404" pitchFamily="49" charset="0"/>
+              </a:rPr>
+              <a:t>getUsername</a:t>
+            </a:r>
+            <a:r>
+              <a:rPr lang="en-GB" sz="1300" dirty="0">
+                <a:latin typeface="Courier New" panose="02070309020205020404" pitchFamily="49" charset="0"/>
+                <a:cs typeface="Courier New" panose="02070309020205020404" pitchFamily="49" charset="0"/>
+              </a:rPr>
+              <a:t>() {</a:t>
+            </a:r>
+          </a:p>
+          <a:p>
+            <a:pPr marL="0" indent="0">
+              <a:spcBef>
+                <a:spcPts val="0"/>
+              </a:spcBef>
+              <a:buNone/>
+            </a:pPr>
+            <a:r>
+              <a:rPr lang="en-GB" sz="1300" dirty="0">
+                <a:latin typeface="Courier New" panose="02070309020205020404" pitchFamily="49" charset="0"/>
+                <a:cs typeface="Courier New" panose="02070309020205020404" pitchFamily="49" charset="0"/>
+              </a:rPr>
+              <a:t>		return username;</a:t>
+            </a:r>
+          </a:p>
+          <a:p>
+            <a:pPr marL="0" indent="0">
+              <a:spcBef>
+                <a:spcPts val="0"/>
+              </a:spcBef>
+              <a:buNone/>
+            </a:pPr>
+            <a:r>
+              <a:rPr lang="en-GB" sz="1300" dirty="0">
+                <a:latin typeface="Courier New" panose="02070309020205020404" pitchFamily="49" charset="0"/>
+                <a:cs typeface="Courier New" panose="02070309020205020404" pitchFamily="49" charset="0"/>
+              </a:rPr>
+              <a:t>	}</a:t>
+            </a:r>
+          </a:p>
+          <a:p>
+            <a:pPr marL="0" indent="0">
+              <a:spcBef>
+                <a:spcPts val="0"/>
+              </a:spcBef>
+              <a:buNone/>
+            </a:pPr>
+            <a:r>
+              <a:rPr lang="en-GB" sz="1300" dirty="0">
+                <a:latin typeface="Courier New" panose="02070309020205020404" pitchFamily="49" charset="0"/>
+                <a:cs typeface="Courier New" panose="02070309020205020404" pitchFamily="49" charset="0"/>
+              </a:rPr>
+              <a:t>	public void </a:t>
+            </a:r>
+            <a:r>
+              <a:rPr lang="en-GB" sz="1300" dirty="0" err="1">
+                <a:latin typeface="Courier New" panose="02070309020205020404" pitchFamily="49" charset="0"/>
+                <a:cs typeface="Courier New" panose="02070309020205020404" pitchFamily="49" charset="0"/>
+              </a:rPr>
+              <a:t>setUsername</a:t>
+            </a:r>
+            <a:r>
+              <a:rPr lang="en-GB" sz="1300" dirty="0">
+                <a:latin typeface="Courier New" panose="02070309020205020404" pitchFamily="49" charset="0"/>
+                <a:cs typeface="Courier New" panose="02070309020205020404" pitchFamily="49" charset="0"/>
+              </a:rPr>
+              <a:t>(String username) {</a:t>
+            </a:r>
+          </a:p>
+          <a:p>
+            <a:pPr marL="0" indent="0">
+              <a:spcBef>
+                <a:spcPts val="0"/>
+              </a:spcBef>
+              <a:buNone/>
+            </a:pPr>
+            <a:r>
+              <a:rPr lang="en-GB" sz="1300" dirty="0">
+                <a:latin typeface="Courier New" panose="02070309020205020404" pitchFamily="49" charset="0"/>
+                <a:cs typeface="Courier New" panose="02070309020205020404" pitchFamily="49" charset="0"/>
+              </a:rPr>
+              <a:t>		</a:t>
+            </a:r>
+            <a:r>
+              <a:rPr lang="en-GB" sz="1300" dirty="0" err="1">
+                <a:latin typeface="Courier New" panose="02070309020205020404" pitchFamily="49" charset="0"/>
+                <a:cs typeface="Courier New" panose="02070309020205020404" pitchFamily="49" charset="0"/>
+              </a:rPr>
+              <a:t>this.username</a:t>
+            </a:r>
+            <a:r>
+              <a:rPr lang="en-GB" sz="1300" dirty="0">
+                <a:latin typeface="Courier New" panose="02070309020205020404" pitchFamily="49" charset="0"/>
+                <a:cs typeface="Courier New" panose="02070309020205020404" pitchFamily="49" charset="0"/>
+              </a:rPr>
+              <a:t> = username;</a:t>
+            </a:r>
+          </a:p>
+          <a:p>
+            <a:pPr marL="0" indent="0">
+              <a:spcBef>
+                <a:spcPts val="0"/>
+              </a:spcBef>
+              <a:buNone/>
+            </a:pPr>
+            <a:r>
+              <a:rPr lang="en-GB" sz="1300" dirty="0">
+                <a:latin typeface="Courier New" panose="02070309020205020404" pitchFamily="49" charset="0"/>
+                <a:cs typeface="Courier New" panose="02070309020205020404" pitchFamily="49" charset="0"/>
+              </a:rPr>
+              <a:t>	}</a:t>
+            </a:r>
+          </a:p>
+          <a:p>
+            <a:pPr marL="0" indent="0">
+              <a:spcBef>
+                <a:spcPts val="0"/>
+              </a:spcBef>
+              <a:buNone/>
+            </a:pPr>
+            <a:r>
+              <a:rPr lang="en-GB" sz="1300" dirty="0">
+                <a:latin typeface="Courier New" panose="02070309020205020404" pitchFamily="49" charset="0"/>
+                <a:cs typeface="Courier New" panose="02070309020205020404" pitchFamily="49" charset="0"/>
+              </a:rPr>
+              <a:t>	public String </a:t>
+            </a:r>
+            <a:r>
+              <a:rPr lang="en-GB" sz="1300" dirty="0" err="1">
+                <a:latin typeface="Courier New" panose="02070309020205020404" pitchFamily="49" charset="0"/>
+                <a:cs typeface="Courier New" panose="02070309020205020404" pitchFamily="49" charset="0"/>
+              </a:rPr>
+              <a:t>getPassword</a:t>
+            </a:r>
+            <a:r>
+              <a:rPr lang="en-GB" sz="1300" dirty="0">
+                <a:latin typeface="Courier New" panose="02070309020205020404" pitchFamily="49" charset="0"/>
+                <a:cs typeface="Courier New" panose="02070309020205020404" pitchFamily="49" charset="0"/>
+              </a:rPr>
+              <a:t>() {</a:t>
+            </a:r>
+          </a:p>
+          <a:p>
+            <a:pPr marL="0" indent="0">
+              <a:spcBef>
+                <a:spcPts val="0"/>
+              </a:spcBef>
+              <a:buNone/>
+            </a:pPr>
+            <a:r>
+              <a:rPr lang="en-GB" sz="1300" dirty="0">
+                <a:latin typeface="Courier New" panose="02070309020205020404" pitchFamily="49" charset="0"/>
+                <a:cs typeface="Courier New" panose="02070309020205020404" pitchFamily="49" charset="0"/>
+              </a:rPr>
+              <a:t>		return password;</a:t>
+            </a:r>
+          </a:p>
+          <a:p>
+            <a:pPr marL="0" indent="0">
+              <a:spcBef>
+                <a:spcPts val="0"/>
+              </a:spcBef>
+              <a:buNone/>
+            </a:pPr>
+            <a:r>
+              <a:rPr lang="en-GB" sz="1300" dirty="0">
+                <a:latin typeface="Courier New" panose="02070309020205020404" pitchFamily="49" charset="0"/>
+                <a:cs typeface="Courier New" panose="02070309020205020404" pitchFamily="49" charset="0"/>
+              </a:rPr>
+              <a:t>	}</a:t>
+            </a:r>
+          </a:p>
+          <a:p>
+            <a:pPr marL="0" indent="0">
+              <a:spcBef>
+                <a:spcPts val="0"/>
+              </a:spcBef>
+              <a:buNone/>
+            </a:pPr>
+            <a:r>
+              <a:rPr lang="en-GB" sz="1300" dirty="0">
+                <a:latin typeface="Courier New" panose="02070309020205020404" pitchFamily="49" charset="0"/>
+                <a:cs typeface="Courier New" panose="02070309020205020404" pitchFamily="49" charset="0"/>
+              </a:rPr>
+              <a:t>	public void </a:t>
+            </a:r>
+            <a:r>
+              <a:rPr lang="en-GB" sz="1300" dirty="0" err="1">
+                <a:latin typeface="Courier New" panose="02070309020205020404" pitchFamily="49" charset="0"/>
+                <a:cs typeface="Courier New" panose="02070309020205020404" pitchFamily="49" charset="0"/>
+              </a:rPr>
+              <a:t>setPassword</a:t>
+            </a:r>
+            <a:r>
+              <a:rPr lang="en-GB" sz="1300" dirty="0">
+                <a:latin typeface="Courier New" panose="02070309020205020404" pitchFamily="49" charset="0"/>
+                <a:cs typeface="Courier New" panose="02070309020205020404" pitchFamily="49" charset="0"/>
+              </a:rPr>
+              <a:t>(String password) {</a:t>
+            </a:r>
+          </a:p>
+          <a:p>
+            <a:pPr marL="0" indent="0">
+              <a:spcBef>
+                <a:spcPts val="0"/>
+              </a:spcBef>
+              <a:buNone/>
+            </a:pPr>
+            <a:r>
+              <a:rPr lang="en-GB" sz="1300" dirty="0">
+                <a:latin typeface="Courier New" panose="02070309020205020404" pitchFamily="49" charset="0"/>
+                <a:cs typeface="Courier New" panose="02070309020205020404" pitchFamily="49" charset="0"/>
+              </a:rPr>
+              <a:t>		</a:t>
+            </a:r>
+            <a:r>
+              <a:rPr lang="en-GB" sz="1300" dirty="0" err="1">
+                <a:latin typeface="Courier New" panose="02070309020205020404" pitchFamily="49" charset="0"/>
+                <a:cs typeface="Courier New" panose="02070309020205020404" pitchFamily="49" charset="0"/>
+              </a:rPr>
+              <a:t>this.password</a:t>
+            </a:r>
+            <a:r>
+              <a:rPr lang="en-GB" sz="1300" dirty="0">
+                <a:latin typeface="Courier New" panose="02070309020205020404" pitchFamily="49" charset="0"/>
+                <a:cs typeface="Courier New" panose="02070309020205020404" pitchFamily="49" charset="0"/>
+              </a:rPr>
+              <a:t> = password;</a:t>
+            </a:r>
+          </a:p>
+          <a:p>
+            <a:pPr marL="0" indent="0">
+              <a:spcBef>
+                <a:spcPts val="0"/>
+              </a:spcBef>
+              <a:buNone/>
+            </a:pPr>
+            <a:r>
+              <a:rPr lang="en-GB" sz="1300" dirty="0">
+                <a:latin typeface="Courier New" panose="02070309020205020404" pitchFamily="49" charset="0"/>
+                <a:cs typeface="Courier New" panose="02070309020205020404" pitchFamily="49" charset="0"/>
+              </a:rPr>
+              <a:t>	}</a:t>
+            </a:r>
+          </a:p>
+          <a:p>
+            <a:pPr marL="0" indent="0">
+              <a:spcBef>
+                <a:spcPts val="0"/>
+              </a:spcBef>
+              <a:buNone/>
+            </a:pPr>
+            <a:r>
+              <a:rPr lang="en-GB" sz="1300" dirty="0">
+                <a:latin typeface="Courier New" panose="02070309020205020404" pitchFamily="49" charset="0"/>
+                <a:cs typeface="Courier New" panose="02070309020205020404" pitchFamily="49" charset="0"/>
+              </a:rPr>
+              <a:t>}</a:t>
+            </a:r>
+          </a:p>
+          <a:p>
+            <a:pPr marL="0" indent="0">
+              <a:spcBef>
+                <a:spcPts val="0"/>
+              </a:spcBef>
+              <a:buNone/>
+            </a:pPr>
+            <a:endParaRPr lang="en-GB" sz="1300" dirty="0">
+              <a:latin typeface="Courier New" panose="02070309020205020404" pitchFamily="49" charset="0"/>
+              <a:cs typeface="Courier New" panose="02070309020205020404" pitchFamily="49" charset="0"/>
+            </a:endParaRPr>
           </a:p>
         </p:txBody>
       </p:sp>
     </p:spTree>
     <p:extLst>
       <p:ext uri="{BB962C8B-B14F-4D97-AF65-F5344CB8AC3E}">
-        <p14:creationId xmlns:p14="http://schemas.microsoft.com/office/powerpoint/2010/main" val="1681549262"/>
+        <p14:creationId xmlns:p14="http://schemas.microsoft.com/office/powerpoint/2010/main" val="3344415716"/>
       </p:ext>
     </p:extLst>
   </p:cSld>
@@ -7220,6 +8124,2482 @@
           <a:p>
             <a:r>
               <a:rPr lang="en-GB" dirty="0"/>
+              <a:t>Entity Answer</a:t>
+            </a:r>
+          </a:p>
+        </p:txBody>
+      </p:sp>
+      <p:sp>
+        <p:nvSpPr>
+          <p:cNvPr id="5" name="Content Placeholder 4"/>
+          <p:cNvSpPr>
+            <a:spLocks noGrp="1"/>
+          </p:cNvSpPr>
+          <p:nvPr>
+            <p:ph idx="1"/>
+          </p:nvPr>
+        </p:nvSpPr>
+        <p:spPr>
+          <a:xfrm>
+            <a:off x="1" y="1434164"/>
+            <a:ext cx="9144000" cy="5342021"/>
+          </a:xfrm>
+        </p:spPr>
+        <p:txBody>
+          <a:bodyPr>
+            <a:normAutofit fontScale="85000" lnSpcReduction="20000"/>
+          </a:bodyPr>
+          <a:lstStyle/>
+          <a:p>
+            <a:pPr marL="0" indent="0">
+              <a:spcBef>
+                <a:spcPts val="0"/>
+              </a:spcBef>
+              <a:buNone/>
+            </a:pPr>
+            <a:r>
+              <a:rPr lang="en-GB" sz="1500" dirty="0">
+                <a:latin typeface="Courier New" panose="02070309020205020404" pitchFamily="49" charset="0"/>
+                <a:cs typeface="Courier New" panose="02070309020205020404" pitchFamily="49" charset="0"/>
+              </a:rPr>
+              <a:t>@Entity</a:t>
+            </a:r>
+          </a:p>
+          <a:p>
+            <a:pPr marL="0" indent="0">
+              <a:spcBef>
+                <a:spcPts val="0"/>
+              </a:spcBef>
+              <a:buNone/>
+            </a:pPr>
+            <a:r>
+              <a:rPr lang="en-GB" sz="1500" dirty="0">
+                <a:latin typeface="Courier New" panose="02070309020205020404" pitchFamily="49" charset="0"/>
+                <a:cs typeface="Courier New" panose="02070309020205020404" pitchFamily="49" charset="0"/>
+              </a:rPr>
+              <a:t>@Table(name = "answer", schema = "</a:t>
+            </a:r>
+            <a:r>
+              <a:rPr lang="en-GB" sz="1500" dirty="0" err="1">
+                <a:latin typeface="Courier New" panose="02070309020205020404" pitchFamily="49" charset="0"/>
+                <a:cs typeface="Courier New" panose="02070309020205020404" pitchFamily="49" charset="0"/>
+              </a:rPr>
+              <a:t>gamified_marketing</a:t>
+            </a:r>
+            <a:r>
+              <a:rPr lang="en-GB" sz="1500" dirty="0">
+                <a:latin typeface="Courier New" panose="02070309020205020404" pitchFamily="49" charset="0"/>
+                <a:cs typeface="Courier New" panose="02070309020205020404" pitchFamily="49" charset="0"/>
+              </a:rPr>
+              <a:t>")</a:t>
+            </a:r>
+          </a:p>
+          <a:p>
+            <a:pPr marL="0" indent="0">
+              <a:spcBef>
+                <a:spcPts val="0"/>
+              </a:spcBef>
+              <a:buNone/>
+            </a:pPr>
+            <a:r>
+              <a:rPr lang="en-GB" sz="1500" dirty="0">
+                <a:latin typeface="Courier New" panose="02070309020205020404" pitchFamily="49" charset="0"/>
+                <a:cs typeface="Courier New" panose="02070309020205020404" pitchFamily="49" charset="0"/>
+              </a:rPr>
+              <a:t>public class Answer implements Serializable {</a:t>
+            </a:r>
+          </a:p>
+          <a:p>
+            <a:pPr marL="0" indent="0">
+              <a:spcBef>
+                <a:spcPts val="0"/>
+              </a:spcBef>
+              <a:buNone/>
+            </a:pPr>
+            <a:r>
+              <a:rPr lang="en-GB" sz="1500" dirty="0">
+                <a:latin typeface="Courier New" panose="02070309020205020404" pitchFamily="49" charset="0"/>
+                <a:cs typeface="Courier New" panose="02070309020205020404" pitchFamily="49" charset="0"/>
+              </a:rPr>
+              <a:t>	private static final long </a:t>
+            </a:r>
+            <a:r>
+              <a:rPr lang="en-GB" sz="1500" dirty="0" err="1">
+                <a:latin typeface="Courier New" panose="02070309020205020404" pitchFamily="49" charset="0"/>
+                <a:cs typeface="Courier New" panose="02070309020205020404" pitchFamily="49" charset="0"/>
+              </a:rPr>
+              <a:t>serialVersionUID</a:t>
+            </a:r>
+            <a:r>
+              <a:rPr lang="en-GB" sz="1500" dirty="0">
+                <a:latin typeface="Courier New" panose="02070309020205020404" pitchFamily="49" charset="0"/>
+                <a:cs typeface="Courier New" panose="02070309020205020404" pitchFamily="49" charset="0"/>
+              </a:rPr>
+              <a:t> = 1L;</a:t>
+            </a:r>
+          </a:p>
+          <a:p>
+            <a:pPr marL="0" indent="0">
+              <a:spcBef>
+                <a:spcPts val="0"/>
+              </a:spcBef>
+              <a:buNone/>
+            </a:pPr>
+            <a:endParaRPr lang="en-GB" sz="1500" dirty="0">
+              <a:latin typeface="Courier New" panose="02070309020205020404" pitchFamily="49" charset="0"/>
+              <a:cs typeface="Courier New" panose="02070309020205020404" pitchFamily="49" charset="0"/>
+            </a:endParaRPr>
+          </a:p>
+          <a:p>
+            <a:pPr marL="0" indent="0">
+              <a:spcBef>
+                <a:spcPts val="0"/>
+              </a:spcBef>
+              <a:buNone/>
+            </a:pPr>
+            <a:r>
+              <a:rPr lang="en-GB" sz="1500" dirty="0">
+                <a:latin typeface="Courier New" panose="02070309020205020404" pitchFamily="49" charset="0"/>
+                <a:cs typeface="Courier New" panose="02070309020205020404" pitchFamily="49" charset="0"/>
+              </a:rPr>
+              <a:t>	@Id</a:t>
+            </a:r>
+          </a:p>
+          <a:p>
+            <a:pPr marL="0" indent="0">
+              <a:spcBef>
+                <a:spcPts val="0"/>
+              </a:spcBef>
+              <a:buNone/>
+            </a:pPr>
+            <a:r>
+              <a:rPr lang="en-GB" sz="1500" dirty="0">
+                <a:latin typeface="Courier New" panose="02070309020205020404" pitchFamily="49" charset="0"/>
+                <a:cs typeface="Courier New" panose="02070309020205020404" pitchFamily="49" charset="0"/>
+              </a:rPr>
+              <a:t>	@GeneratedValue(strategy = </a:t>
+            </a:r>
+            <a:r>
+              <a:rPr lang="en-GB" sz="1500" dirty="0" err="1">
+                <a:latin typeface="Courier New" panose="02070309020205020404" pitchFamily="49" charset="0"/>
+                <a:cs typeface="Courier New" panose="02070309020205020404" pitchFamily="49" charset="0"/>
+              </a:rPr>
+              <a:t>GenerationType.IDENTITY</a:t>
+            </a:r>
+            <a:r>
+              <a:rPr lang="en-GB" sz="1500" dirty="0">
+                <a:latin typeface="Courier New" panose="02070309020205020404" pitchFamily="49" charset="0"/>
+                <a:cs typeface="Courier New" panose="02070309020205020404" pitchFamily="49" charset="0"/>
+              </a:rPr>
+              <a:t>)</a:t>
+            </a:r>
+          </a:p>
+          <a:p>
+            <a:pPr marL="0" indent="0">
+              <a:spcBef>
+                <a:spcPts val="0"/>
+              </a:spcBef>
+              <a:buNone/>
+            </a:pPr>
+            <a:r>
+              <a:rPr lang="en-GB" sz="1500" dirty="0">
+                <a:latin typeface="Courier New" panose="02070309020205020404" pitchFamily="49" charset="0"/>
+                <a:cs typeface="Courier New" panose="02070309020205020404" pitchFamily="49" charset="0"/>
+              </a:rPr>
+              <a:t>	private Integer id;</a:t>
+            </a:r>
+          </a:p>
+          <a:p>
+            <a:pPr marL="0" indent="0">
+              <a:spcBef>
+                <a:spcPts val="0"/>
+              </a:spcBef>
+              <a:buNone/>
+            </a:pPr>
+            <a:r>
+              <a:rPr lang="en-GB" sz="1500" dirty="0">
+                <a:latin typeface="Courier New" panose="02070309020205020404" pitchFamily="49" charset="0"/>
+                <a:cs typeface="Courier New" panose="02070309020205020404" pitchFamily="49" charset="0"/>
+              </a:rPr>
+              <a:t>	private Integer submission;</a:t>
+            </a:r>
+          </a:p>
+          <a:p>
+            <a:pPr marL="0" indent="0">
+              <a:spcBef>
+                <a:spcPts val="0"/>
+              </a:spcBef>
+              <a:buNone/>
+            </a:pPr>
+            <a:r>
+              <a:rPr lang="en-GB" sz="1500" dirty="0">
+                <a:latin typeface="Courier New" panose="02070309020205020404" pitchFamily="49" charset="0"/>
+                <a:cs typeface="Courier New" panose="02070309020205020404" pitchFamily="49" charset="0"/>
+              </a:rPr>
+              <a:t>	private Integer question;</a:t>
+            </a:r>
+          </a:p>
+          <a:p>
+            <a:pPr marL="0" indent="0">
+              <a:spcBef>
+                <a:spcPts val="0"/>
+              </a:spcBef>
+              <a:buNone/>
+            </a:pPr>
+            <a:r>
+              <a:rPr lang="en-GB" sz="1500" dirty="0">
+                <a:latin typeface="Courier New" panose="02070309020205020404" pitchFamily="49" charset="0"/>
+                <a:cs typeface="Courier New" panose="02070309020205020404" pitchFamily="49" charset="0"/>
+              </a:rPr>
+              <a:t>	private String text;</a:t>
+            </a:r>
+          </a:p>
+          <a:p>
+            <a:pPr marL="0" indent="0">
+              <a:spcBef>
+                <a:spcPts val="0"/>
+              </a:spcBef>
+              <a:buNone/>
+            </a:pPr>
+            <a:r>
+              <a:rPr lang="en-GB" sz="1500" dirty="0">
+                <a:latin typeface="Courier New" panose="02070309020205020404" pitchFamily="49" charset="0"/>
+                <a:cs typeface="Courier New" panose="02070309020205020404" pitchFamily="49" charset="0"/>
+              </a:rPr>
+              <a:t>	</a:t>
+            </a:r>
+          </a:p>
+          <a:p>
+            <a:pPr marL="0" indent="0">
+              <a:spcBef>
+                <a:spcPts val="0"/>
+              </a:spcBef>
+              <a:buNone/>
+            </a:pPr>
+            <a:r>
+              <a:rPr lang="en-GB" sz="1500" dirty="0">
+                <a:latin typeface="Courier New" panose="02070309020205020404" pitchFamily="49" charset="0"/>
+                <a:cs typeface="Courier New" panose="02070309020205020404" pitchFamily="49" charset="0"/>
+              </a:rPr>
+              <a:t>	public Integer </a:t>
+            </a:r>
+            <a:r>
+              <a:rPr lang="en-GB" sz="1500" dirty="0" err="1">
+                <a:latin typeface="Courier New" panose="02070309020205020404" pitchFamily="49" charset="0"/>
+                <a:cs typeface="Courier New" panose="02070309020205020404" pitchFamily="49" charset="0"/>
+              </a:rPr>
+              <a:t>getId</a:t>
+            </a:r>
+            <a:r>
+              <a:rPr lang="en-GB" sz="1500" dirty="0">
+                <a:latin typeface="Courier New" panose="02070309020205020404" pitchFamily="49" charset="0"/>
+                <a:cs typeface="Courier New" panose="02070309020205020404" pitchFamily="49" charset="0"/>
+              </a:rPr>
+              <a:t>() {</a:t>
+            </a:r>
+          </a:p>
+          <a:p>
+            <a:pPr marL="0" indent="0">
+              <a:spcBef>
+                <a:spcPts val="0"/>
+              </a:spcBef>
+              <a:buNone/>
+            </a:pPr>
+            <a:r>
+              <a:rPr lang="en-GB" sz="1500" dirty="0">
+                <a:latin typeface="Courier New" panose="02070309020205020404" pitchFamily="49" charset="0"/>
+                <a:cs typeface="Courier New" panose="02070309020205020404" pitchFamily="49" charset="0"/>
+              </a:rPr>
+              <a:t>		return id;</a:t>
+            </a:r>
+          </a:p>
+          <a:p>
+            <a:pPr marL="0" indent="0">
+              <a:spcBef>
+                <a:spcPts val="0"/>
+              </a:spcBef>
+              <a:buNone/>
+            </a:pPr>
+            <a:r>
+              <a:rPr lang="en-GB" sz="1500" dirty="0">
+                <a:latin typeface="Courier New" panose="02070309020205020404" pitchFamily="49" charset="0"/>
+                <a:cs typeface="Courier New" panose="02070309020205020404" pitchFamily="49" charset="0"/>
+              </a:rPr>
+              <a:t>	}</a:t>
+            </a:r>
+          </a:p>
+          <a:p>
+            <a:pPr marL="0" indent="0">
+              <a:spcBef>
+                <a:spcPts val="0"/>
+              </a:spcBef>
+              <a:buNone/>
+            </a:pPr>
+            <a:r>
+              <a:rPr lang="en-GB" sz="1500" dirty="0">
+                <a:latin typeface="Courier New" panose="02070309020205020404" pitchFamily="49" charset="0"/>
+                <a:cs typeface="Courier New" panose="02070309020205020404" pitchFamily="49" charset="0"/>
+              </a:rPr>
+              <a:t>	public void </a:t>
+            </a:r>
+            <a:r>
+              <a:rPr lang="en-GB" sz="1500" dirty="0" err="1">
+                <a:latin typeface="Courier New" panose="02070309020205020404" pitchFamily="49" charset="0"/>
+                <a:cs typeface="Courier New" panose="02070309020205020404" pitchFamily="49" charset="0"/>
+              </a:rPr>
+              <a:t>setId</a:t>
+            </a:r>
+            <a:r>
+              <a:rPr lang="en-GB" sz="1500" dirty="0">
+                <a:latin typeface="Courier New" panose="02070309020205020404" pitchFamily="49" charset="0"/>
+                <a:cs typeface="Courier New" panose="02070309020205020404" pitchFamily="49" charset="0"/>
+              </a:rPr>
+              <a:t>(Integer id) {</a:t>
+            </a:r>
+          </a:p>
+          <a:p>
+            <a:pPr marL="0" indent="0">
+              <a:spcBef>
+                <a:spcPts val="0"/>
+              </a:spcBef>
+              <a:buNone/>
+            </a:pPr>
+            <a:r>
+              <a:rPr lang="en-GB" sz="1500" dirty="0">
+                <a:latin typeface="Courier New" panose="02070309020205020404" pitchFamily="49" charset="0"/>
+                <a:cs typeface="Courier New" panose="02070309020205020404" pitchFamily="49" charset="0"/>
+              </a:rPr>
+              <a:t>		this.id = id;</a:t>
+            </a:r>
+          </a:p>
+          <a:p>
+            <a:pPr marL="0" indent="0">
+              <a:spcBef>
+                <a:spcPts val="0"/>
+              </a:spcBef>
+              <a:buNone/>
+            </a:pPr>
+            <a:r>
+              <a:rPr lang="en-GB" sz="1500" dirty="0">
+                <a:latin typeface="Courier New" panose="02070309020205020404" pitchFamily="49" charset="0"/>
+                <a:cs typeface="Courier New" panose="02070309020205020404" pitchFamily="49" charset="0"/>
+              </a:rPr>
+              <a:t>	}</a:t>
+            </a:r>
+          </a:p>
+          <a:p>
+            <a:pPr marL="0" indent="0">
+              <a:spcBef>
+                <a:spcPts val="0"/>
+              </a:spcBef>
+              <a:buNone/>
+            </a:pPr>
+            <a:r>
+              <a:rPr lang="en-GB" sz="1500" dirty="0">
+                <a:latin typeface="Courier New" panose="02070309020205020404" pitchFamily="49" charset="0"/>
+                <a:cs typeface="Courier New" panose="02070309020205020404" pitchFamily="49" charset="0"/>
+              </a:rPr>
+              <a:t>	public Integer </a:t>
+            </a:r>
+            <a:r>
+              <a:rPr lang="en-GB" sz="1500" dirty="0" err="1">
+                <a:latin typeface="Courier New" panose="02070309020205020404" pitchFamily="49" charset="0"/>
+                <a:cs typeface="Courier New" panose="02070309020205020404" pitchFamily="49" charset="0"/>
+              </a:rPr>
+              <a:t>getSubmission</a:t>
+            </a:r>
+            <a:r>
+              <a:rPr lang="en-GB" sz="1500" dirty="0">
+                <a:latin typeface="Courier New" panose="02070309020205020404" pitchFamily="49" charset="0"/>
+                <a:cs typeface="Courier New" panose="02070309020205020404" pitchFamily="49" charset="0"/>
+              </a:rPr>
+              <a:t>() {</a:t>
+            </a:r>
+          </a:p>
+          <a:p>
+            <a:pPr marL="0" indent="0">
+              <a:spcBef>
+                <a:spcPts val="0"/>
+              </a:spcBef>
+              <a:buNone/>
+            </a:pPr>
+            <a:r>
+              <a:rPr lang="en-GB" sz="1500" dirty="0">
+                <a:latin typeface="Courier New" panose="02070309020205020404" pitchFamily="49" charset="0"/>
+                <a:cs typeface="Courier New" panose="02070309020205020404" pitchFamily="49" charset="0"/>
+              </a:rPr>
+              <a:t>		return submission;</a:t>
+            </a:r>
+          </a:p>
+          <a:p>
+            <a:pPr marL="0" indent="0">
+              <a:spcBef>
+                <a:spcPts val="0"/>
+              </a:spcBef>
+              <a:buNone/>
+            </a:pPr>
+            <a:r>
+              <a:rPr lang="en-GB" sz="1500" dirty="0">
+                <a:latin typeface="Courier New" panose="02070309020205020404" pitchFamily="49" charset="0"/>
+                <a:cs typeface="Courier New" panose="02070309020205020404" pitchFamily="49" charset="0"/>
+              </a:rPr>
+              <a:t>	}</a:t>
+            </a:r>
+          </a:p>
+          <a:p>
+            <a:pPr marL="0" indent="0">
+              <a:spcBef>
+                <a:spcPts val="0"/>
+              </a:spcBef>
+              <a:buNone/>
+            </a:pPr>
+            <a:r>
+              <a:rPr lang="en-GB" sz="1500" dirty="0">
+                <a:latin typeface="Courier New" panose="02070309020205020404" pitchFamily="49" charset="0"/>
+                <a:cs typeface="Courier New" panose="02070309020205020404" pitchFamily="49" charset="0"/>
+              </a:rPr>
+              <a:t>	public void </a:t>
+            </a:r>
+            <a:r>
+              <a:rPr lang="en-GB" sz="1500" dirty="0" err="1">
+                <a:latin typeface="Courier New" panose="02070309020205020404" pitchFamily="49" charset="0"/>
+                <a:cs typeface="Courier New" panose="02070309020205020404" pitchFamily="49" charset="0"/>
+              </a:rPr>
+              <a:t>setSubmission</a:t>
+            </a:r>
+            <a:r>
+              <a:rPr lang="en-GB" sz="1500" dirty="0">
+                <a:latin typeface="Courier New" panose="02070309020205020404" pitchFamily="49" charset="0"/>
+                <a:cs typeface="Courier New" panose="02070309020205020404" pitchFamily="49" charset="0"/>
+              </a:rPr>
+              <a:t>(Integer submission) {</a:t>
+            </a:r>
+          </a:p>
+          <a:p>
+            <a:pPr marL="0" indent="0">
+              <a:spcBef>
+                <a:spcPts val="0"/>
+              </a:spcBef>
+              <a:buNone/>
+            </a:pPr>
+            <a:r>
+              <a:rPr lang="en-GB" sz="1500" dirty="0">
+                <a:latin typeface="Courier New" panose="02070309020205020404" pitchFamily="49" charset="0"/>
+                <a:cs typeface="Courier New" panose="02070309020205020404" pitchFamily="49" charset="0"/>
+              </a:rPr>
+              <a:t>		</a:t>
+            </a:r>
+            <a:r>
+              <a:rPr lang="en-GB" sz="1500" dirty="0" err="1">
+                <a:latin typeface="Courier New" panose="02070309020205020404" pitchFamily="49" charset="0"/>
+                <a:cs typeface="Courier New" panose="02070309020205020404" pitchFamily="49" charset="0"/>
+              </a:rPr>
+              <a:t>this.submission</a:t>
+            </a:r>
+            <a:r>
+              <a:rPr lang="en-GB" sz="1500" dirty="0">
+                <a:latin typeface="Courier New" panose="02070309020205020404" pitchFamily="49" charset="0"/>
+                <a:cs typeface="Courier New" panose="02070309020205020404" pitchFamily="49" charset="0"/>
+              </a:rPr>
+              <a:t> = submission;</a:t>
+            </a:r>
+          </a:p>
+          <a:p>
+            <a:pPr marL="0" indent="0">
+              <a:spcBef>
+                <a:spcPts val="0"/>
+              </a:spcBef>
+              <a:buNone/>
+            </a:pPr>
+            <a:r>
+              <a:rPr lang="en-GB" sz="1500" dirty="0">
+                <a:latin typeface="Courier New" panose="02070309020205020404" pitchFamily="49" charset="0"/>
+                <a:cs typeface="Courier New" panose="02070309020205020404" pitchFamily="49" charset="0"/>
+              </a:rPr>
+              <a:t>	}</a:t>
+            </a:r>
+          </a:p>
+          <a:p>
+            <a:pPr marL="0" indent="0">
+              <a:spcBef>
+                <a:spcPts val="0"/>
+              </a:spcBef>
+              <a:buNone/>
+            </a:pPr>
+            <a:r>
+              <a:rPr lang="en-GB" sz="1500" dirty="0">
+                <a:latin typeface="Courier New" panose="02070309020205020404" pitchFamily="49" charset="0"/>
+                <a:cs typeface="Courier New" panose="02070309020205020404" pitchFamily="49" charset="0"/>
+              </a:rPr>
+              <a:t>	public Integer </a:t>
+            </a:r>
+            <a:r>
+              <a:rPr lang="en-GB" sz="1500" dirty="0" err="1">
+                <a:latin typeface="Courier New" panose="02070309020205020404" pitchFamily="49" charset="0"/>
+                <a:cs typeface="Courier New" panose="02070309020205020404" pitchFamily="49" charset="0"/>
+              </a:rPr>
+              <a:t>getQuestion</a:t>
+            </a:r>
+            <a:r>
+              <a:rPr lang="en-GB" sz="1500" dirty="0">
+                <a:latin typeface="Courier New" panose="02070309020205020404" pitchFamily="49" charset="0"/>
+                <a:cs typeface="Courier New" panose="02070309020205020404" pitchFamily="49" charset="0"/>
+              </a:rPr>
+              <a:t>() {</a:t>
+            </a:r>
+          </a:p>
+          <a:p>
+            <a:pPr marL="0" indent="0">
+              <a:spcBef>
+                <a:spcPts val="0"/>
+              </a:spcBef>
+              <a:buNone/>
+            </a:pPr>
+            <a:r>
+              <a:rPr lang="en-GB" sz="1500" dirty="0">
+                <a:latin typeface="Courier New" panose="02070309020205020404" pitchFamily="49" charset="0"/>
+                <a:cs typeface="Courier New" panose="02070309020205020404" pitchFamily="49" charset="0"/>
+              </a:rPr>
+              <a:t>		return question;</a:t>
+            </a:r>
+          </a:p>
+          <a:p>
+            <a:pPr marL="0" indent="0">
+              <a:spcBef>
+                <a:spcPts val="0"/>
+              </a:spcBef>
+              <a:buNone/>
+            </a:pPr>
+            <a:r>
+              <a:rPr lang="en-GB" sz="1500" dirty="0">
+                <a:latin typeface="Courier New" panose="02070309020205020404" pitchFamily="49" charset="0"/>
+                <a:cs typeface="Courier New" panose="02070309020205020404" pitchFamily="49" charset="0"/>
+              </a:rPr>
+              <a:t>	}</a:t>
+            </a:r>
+          </a:p>
+          <a:p>
+            <a:pPr marL="0" indent="0">
+              <a:spcBef>
+                <a:spcPts val="0"/>
+              </a:spcBef>
+              <a:buNone/>
+            </a:pPr>
+            <a:r>
+              <a:rPr lang="en-GB" sz="1500" dirty="0">
+                <a:latin typeface="Courier New" panose="02070309020205020404" pitchFamily="49" charset="0"/>
+                <a:cs typeface="Courier New" panose="02070309020205020404" pitchFamily="49" charset="0"/>
+              </a:rPr>
+              <a:t>	public void </a:t>
+            </a:r>
+            <a:r>
+              <a:rPr lang="en-GB" sz="1500" dirty="0" err="1">
+                <a:latin typeface="Courier New" panose="02070309020205020404" pitchFamily="49" charset="0"/>
+                <a:cs typeface="Courier New" panose="02070309020205020404" pitchFamily="49" charset="0"/>
+              </a:rPr>
+              <a:t>setQuestion</a:t>
+            </a:r>
+            <a:r>
+              <a:rPr lang="en-GB" sz="1500" dirty="0">
+                <a:latin typeface="Courier New" panose="02070309020205020404" pitchFamily="49" charset="0"/>
+                <a:cs typeface="Courier New" panose="02070309020205020404" pitchFamily="49" charset="0"/>
+              </a:rPr>
+              <a:t>(Integer question) {</a:t>
+            </a:r>
+          </a:p>
+          <a:p>
+            <a:pPr marL="0" indent="0">
+              <a:spcBef>
+                <a:spcPts val="0"/>
+              </a:spcBef>
+              <a:buNone/>
+            </a:pPr>
+            <a:r>
+              <a:rPr lang="en-GB" sz="1500" dirty="0">
+                <a:latin typeface="Courier New" panose="02070309020205020404" pitchFamily="49" charset="0"/>
+                <a:cs typeface="Courier New" panose="02070309020205020404" pitchFamily="49" charset="0"/>
+              </a:rPr>
+              <a:t>		</a:t>
+            </a:r>
+            <a:r>
+              <a:rPr lang="en-GB" sz="1500" dirty="0" err="1">
+                <a:latin typeface="Courier New" panose="02070309020205020404" pitchFamily="49" charset="0"/>
+                <a:cs typeface="Courier New" panose="02070309020205020404" pitchFamily="49" charset="0"/>
+              </a:rPr>
+              <a:t>this.question</a:t>
+            </a:r>
+            <a:r>
+              <a:rPr lang="en-GB" sz="1500" dirty="0">
+                <a:latin typeface="Courier New" panose="02070309020205020404" pitchFamily="49" charset="0"/>
+                <a:cs typeface="Courier New" panose="02070309020205020404" pitchFamily="49" charset="0"/>
+              </a:rPr>
+              <a:t> = question;</a:t>
+            </a:r>
+          </a:p>
+          <a:p>
+            <a:pPr marL="0" indent="0">
+              <a:spcBef>
+                <a:spcPts val="0"/>
+              </a:spcBef>
+              <a:buNone/>
+            </a:pPr>
+            <a:r>
+              <a:rPr lang="en-GB" sz="1500" dirty="0">
+                <a:latin typeface="Courier New" panose="02070309020205020404" pitchFamily="49" charset="0"/>
+                <a:cs typeface="Courier New" panose="02070309020205020404" pitchFamily="49" charset="0"/>
+              </a:rPr>
+              <a:t>	}</a:t>
+            </a:r>
+          </a:p>
+          <a:p>
+            <a:pPr marL="0" indent="0">
+              <a:spcBef>
+                <a:spcPts val="0"/>
+              </a:spcBef>
+              <a:buNone/>
+            </a:pPr>
+            <a:r>
+              <a:rPr lang="en-GB" sz="1500" dirty="0">
+                <a:latin typeface="Courier New" panose="02070309020205020404" pitchFamily="49" charset="0"/>
+                <a:cs typeface="Courier New" panose="02070309020205020404" pitchFamily="49" charset="0"/>
+              </a:rPr>
+              <a:t>	public String </a:t>
+            </a:r>
+            <a:r>
+              <a:rPr lang="en-GB" sz="1500" dirty="0" err="1">
+                <a:latin typeface="Courier New" panose="02070309020205020404" pitchFamily="49" charset="0"/>
+                <a:cs typeface="Courier New" panose="02070309020205020404" pitchFamily="49" charset="0"/>
+              </a:rPr>
+              <a:t>getText</a:t>
+            </a:r>
+            <a:r>
+              <a:rPr lang="en-GB" sz="1500" dirty="0">
+                <a:latin typeface="Courier New" panose="02070309020205020404" pitchFamily="49" charset="0"/>
+                <a:cs typeface="Courier New" panose="02070309020205020404" pitchFamily="49" charset="0"/>
+              </a:rPr>
+              <a:t>() {</a:t>
+            </a:r>
+          </a:p>
+          <a:p>
+            <a:pPr marL="0" indent="0">
+              <a:spcBef>
+                <a:spcPts val="0"/>
+              </a:spcBef>
+              <a:buNone/>
+            </a:pPr>
+            <a:r>
+              <a:rPr lang="en-GB" sz="1500" dirty="0">
+                <a:latin typeface="Courier New" panose="02070309020205020404" pitchFamily="49" charset="0"/>
+                <a:cs typeface="Courier New" panose="02070309020205020404" pitchFamily="49" charset="0"/>
+              </a:rPr>
+              <a:t>		return text;</a:t>
+            </a:r>
+          </a:p>
+          <a:p>
+            <a:pPr marL="0" indent="0">
+              <a:spcBef>
+                <a:spcPts val="0"/>
+              </a:spcBef>
+              <a:buNone/>
+            </a:pPr>
+            <a:r>
+              <a:rPr lang="en-GB" sz="1500" dirty="0">
+                <a:latin typeface="Courier New" panose="02070309020205020404" pitchFamily="49" charset="0"/>
+                <a:cs typeface="Courier New" panose="02070309020205020404" pitchFamily="49" charset="0"/>
+              </a:rPr>
+              <a:t>	}</a:t>
+            </a:r>
+          </a:p>
+          <a:p>
+            <a:pPr marL="0" indent="0">
+              <a:spcBef>
+                <a:spcPts val="0"/>
+              </a:spcBef>
+              <a:buNone/>
+            </a:pPr>
+            <a:r>
+              <a:rPr lang="en-GB" sz="1500" dirty="0">
+                <a:latin typeface="Courier New" panose="02070309020205020404" pitchFamily="49" charset="0"/>
+                <a:cs typeface="Courier New" panose="02070309020205020404" pitchFamily="49" charset="0"/>
+              </a:rPr>
+              <a:t>	public void </a:t>
+            </a:r>
+            <a:r>
+              <a:rPr lang="en-GB" sz="1500" dirty="0" err="1">
+                <a:latin typeface="Courier New" panose="02070309020205020404" pitchFamily="49" charset="0"/>
+                <a:cs typeface="Courier New" panose="02070309020205020404" pitchFamily="49" charset="0"/>
+              </a:rPr>
+              <a:t>setText</a:t>
+            </a:r>
+            <a:r>
+              <a:rPr lang="en-GB" sz="1500" dirty="0">
+                <a:latin typeface="Courier New" panose="02070309020205020404" pitchFamily="49" charset="0"/>
+                <a:cs typeface="Courier New" panose="02070309020205020404" pitchFamily="49" charset="0"/>
+              </a:rPr>
+              <a:t>(String text) {</a:t>
+            </a:r>
+          </a:p>
+          <a:p>
+            <a:pPr marL="0" indent="0">
+              <a:spcBef>
+                <a:spcPts val="0"/>
+              </a:spcBef>
+              <a:buNone/>
+            </a:pPr>
+            <a:r>
+              <a:rPr lang="en-GB" sz="1500" dirty="0">
+                <a:latin typeface="Courier New" panose="02070309020205020404" pitchFamily="49" charset="0"/>
+                <a:cs typeface="Courier New" panose="02070309020205020404" pitchFamily="49" charset="0"/>
+              </a:rPr>
+              <a:t>		</a:t>
+            </a:r>
+            <a:r>
+              <a:rPr lang="en-GB" sz="1500" dirty="0" err="1">
+                <a:latin typeface="Courier New" panose="02070309020205020404" pitchFamily="49" charset="0"/>
+                <a:cs typeface="Courier New" panose="02070309020205020404" pitchFamily="49" charset="0"/>
+              </a:rPr>
+              <a:t>this.text</a:t>
+            </a:r>
+            <a:r>
+              <a:rPr lang="en-GB" sz="1500" dirty="0">
+                <a:latin typeface="Courier New" panose="02070309020205020404" pitchFamily="49" charset="0"/>
+                <a:cs typeface="Courier New" panose="02070309020205020404" pitchFamily="49" charset="0"/>
+              </a:rPr>
+              <a:t> = text;</a:t>
+            </a:r>
+          </a:p>
+          <a:p>
+            <a:pPr marL="0" indent="0">
+              <a:spcBef>
+                <a:spcPts val="0"/>
+              </a:spcBef>
+              <a:buNone/>
+            </a:pPr>
+            <a:r>
+              <a:rPr lang="en-GB" sz="1500" dirty="0">
+                <a:latin typeface="Courier New" panose="02070309020205020404" pitchFamily="49" charset="0"/>
+                <a:cs typeface="Courier New" panose="02070309020205020404" pitchFamily="49" charset="0"/>
+              </a:rPr>
+              <a:t>	}</a:t>
+            </a:r>
+          </a:p>
+          <a:p>
+            <a:pPr marL="0" indent="0">
+              <a:spcBef>
+                <a:spcPts val="0"/>
+              </a:spcBef>
+              <a:buNone/>
+            </a:pPr>
+            <a:r>
+              <a:rPr lang="en-GB" sz="1500" dirty="0">
+                <a:latin typeface="Courier New" panose="02070309020205020404" pitchFamily="49" charset="0"/>
+                <a:cs typeface="Courier New" panose="02070309020205020404" pitchFamily="49" charset="0"/>
+              </a:rPr>
+              <a:t>}</a:t>
+            </a:r>
+          </a:p>
+        </p:txBody>
+      </p:sp>
+    </p:spTree>
+    <p:extLst>
+      <p:ext uri="{BB962C8B-B14F-4D97-AF65-F5344CB8AC3E}">
+        <p14:creationId xmlns:p14="http://schemas.microsoft.com/office/powerpoint/2010/main" val="2129738381"/>
+      </p:ext>
+    </p:extLst>
+  </p:cSld>
+  <p:clrMapOvr>
+    <a:masterClrMapping/>
+  </p:clrMapOvr>
+</p:sld>
+</file>
+
+<file path=ppt/slides/slide17.xml><?xml version="1.0" encoding="utf-8"?>
+<p:sld xmlns:a="http://schemas.openxmlformats.org/drawingml/2006/main" xmlns:r="http://schemas.openxmlformats.org/officeDocument/2006/relationships" xmlns:p="http://schemas.openxmlformats.org/presentationml/2006/main">
+  <p:cSld>
+    <p:spTree>
+      <p:nvGrpSpPr>
+        <p:cNvPr id="1" name=""/>
+        <p:cNvGrpSpPr/>
+        <p:nvPr/>
+      </p:nvGrpSpPr>
+      <p:grpSpPr>
+        <a:xfrm>
+          <a:off x="0" y="0"/>
+          <a:ext cx="0" cy="0"/>
+          <a:chOff x="0" y="0"/>
+          <a:chExt cx="0" cy="0"/>
+        </a:xfrm>
+      </p:grpSpPr>
+      <p:sp>
+        <p:nvSpPr>
+          <p:cNvPr id="2" name="Title 1"/>
+          <p:cNvSpPr>
+            <a:spLocks noGrp="1"/>
+          </p:cNvSpPr>
+          <p:nvPr>
+            <p:ph type="title"/>
+          </p:nvPr>
+        </p:nvSpPr>
+        <p:spPr/>
+        <p:txBody>
+          <a:bodyPr/>
+          <a:lstStyle/>
+          <a:p>
+            <a:r>
+              <a:rPr lang="en-GB" dirty="0"/>
+              <a:t>Entity User</a:t>
+            </a:r>
+          </a:p>
+        </p:txBody>
+      </p:sp>
+      <p:sp>
+        <p:nvSpPr>
+          <p:cNvPr id="5" name="Content Placeholder 4"/>
+          <p:cNvSpPr>
+            <a:spLocks noGrp="1"/>
+          </p:cNvSpPr>
+          <p:nvPr>
+            <p:ph idx="1"/>
+          </p:nvPr>
+        </p:nvSpPr>
+        <p:spPr>
+          <a:xfrm>
+            <a:off x="1" y="1434164"/>
+            <a:ext cx="9144000" cy="5342021"/>
+          </a:xfrm>
+        </p:spPr>
+        <p:txBody>
+          <a:bodyPr>
+            <a:normAutofit lnSpcReduction="10000"/>
+          </a:bodyPr>
+          <a:lstStyle/>
+          <a:p>
+            <a:pPr marL="0" indent="0">
+              <a:spcBef>
+                <a:spcPts val="0"/>
+              </a:spcBef>
+              <a:buNone/>
+            </a:pPr>
+            <a:r>
+              <a:rPr lang="en-GB" sz="1500" dirty="0">
+                <a:latin typeface="Courier New" panose="02070309020205020404" pitchFamily="49" charset="0"/>
+                <a:cs typeface="Courier New" panose="02070309020205020404" pitchFamily="49" charset="0"/>
+              </a:rPr>
+              <a:t>@Entity</a:t>
+            </a:r>
+          </a:p>
+          <a:p>
+            <a:pPr marL="0" indent="0">
+              <a:spcBef>
+                <a:spcPts val="0"/>
+              </a:spcBef>
+              <a:buNone/>
+            </a:pPr>
+            <a:r>
+              <a:rPr lang="en-GB" sz="1500" dirty="0">
+                <a:latin typeface="Courier New" panose="02070309020205020404" pitchFamily="49" charset="0"/>
+                <a:cs typeface="Courier New" panose="02070309020205020404" pitchFamily="49" charset="0"/>
+              </a:rPr>
+              <a:t>@Table(name = “user”, schema = “</a:t>
+            </a:r>
+            <a:r>
+              <a:rPr lang="en-GB" sz="1500" dirty="0" err="1">
+                <a:latin typeface="Courier New" panose="02070309020205020404" pitchFamily="49" charset="0"/>
+                <a:cs typeface="Courier New" panose="02070309020205020404" pitchFamily="49" charset="0"/>
+              </a:rPr>
+              <a:t>db_gamified_marketing_app</a:t>
+            </a:r>
+            <a:r>
+              <a:rPr lang="en-GB" sz="1500" dirty="0">
+                <a:latin typeface="Courier New" panose="02070309020205020404" pitchFamily="49" charset="0"/>
+                <a:cs typeface="Courier New" panose="02070309020205020404" pitchFamily="49" charset="0"/>
+              </a:rPr>
+              <a:t>”)</a:t>
+            </a:r>
+          </a:p>
+          <a:p>
+            <a:pPr marL="0" indent="0">
+              <a:spcBef>
+                <a:spcPts val="0"/>
+              </a:spcBef>
+              <a:buNone/>
+            </a:pPr>
+            <a:r>
+              <a:rPr lang="en-GB" sz="1500" dirty="0">
+                <a:latin typeface="Courier New" panose="02070309020205020404" pitchFamily="49" charset="0"/>
+                <a:cs typeface="Courier New" panose="02070309020205020404" pitchFamily="49" charset="0"/>
+              </a:rPr>
+              <a:t>public class User implements Serializable {</a:t>
+            </a:r>
+          </a:p>
+          <a:p>
+            <a:pPr marL="0" indent="0">
+              <a:spcBef>
+                <a:spcPts val="0"/>
+              </a:spcBef>
+              <a:buNone/>
+            </a:pPr>
+            <a:r>
+              <a:rPr lang="en-US" sz="1500" dirty="0">
+                <a:latin typeface="Courier New" panose="02070309020205020404" pitchFamily="49" charset="0"/>
+                <a:cs typeface="Courier New" panose="02070309020205020404" pitchFamily="49" charset="0"/>
+              </a:rPr>
+              <a:t>	private static final long </a:t>
+            </a:r>
+            <a:r>
+              <a:rPr lang="en-US" sz="1500" dirty="0" err="1">
+                <a:latin typeface="Courier New" panose="02070309020205020404" pitchFamily="49" charset="0"/>
+                <a:cs typeface="Courier New" panose="02070309020205020404" pitchFamily="49" charset="0"/>
+              </a:rPr>
+              <a:t>serialVersionUID</a:t>
+            </a:r>
+            <a:r>
+              <a:rPr lang="en-US" sz="1500" dirty="0">
+                <a:latin typeface="Courier New" panose="02070309020205020404" pitchFamily="49" charset="0"/>
+                <a:cs typeface="Courier New" panose="02070309020205020404" pitchFamily="49" charset="0"/>
+              </a:rPr>
+              <a:t> = 1L;</a:t>
+            </a:r>
+            <a:endParaRPr lang="en-GB" sz="1500" dirty="0">
+              <a:latin typeface="Courier New" panose="02070309020205020404" pitchFamily="49" charset="0"/>
+              <a:cs typeface="Courier New" panose="02070309020205020404" pitchFamily="49" charset="0"/>
+            </a:endParaRPr>
+          </a:p>
+          <a:p>
+            <a:pPr marL="0" indent="0">
+              <a:spcBef>
+                <a:spcPts val="0"/>
+              </a:spcBef>
+              <a:buNone/>
+            </a:pPr>
+            <a:endParaRPr lang="en-GB" sz="1500" dirty="0">
+              <a:latin typeface="Courier New" panose="02070309020205020404" pitchFamily="49" charset="0"/>
+              <a:cs typeface="Courier New" panose="02070309020205020404" pitchFamily="49" charset="0"/>
+            </a:endParaRPr>
+          </a:p>
+          <a:p>
+            <a:pPr marL="0" indent="0">
+              <a:spcBef>
+                <a:spcPts val="0"/>
+              </a:spcBef>
+              <a:buNone/>
+            </a:pPr>
+            <a:r>
+              <a:rPr lang="en-GB" sz="1500" dirty="0">
+                <a:latin typeface="Courier New" panose="02070309020205020404" pitchFamily="49" charset="0"/>
+                <a:cs typeface="Courier New" panose="02070309020205020404" pitchFamily="49" charset="0"/>
+              </a:rPr>
+              <a:t>// attributes &amp; their annotations</a:t>
+            </a:r>
+          </a:p>
+          <a:p>
+            <a:pPr marL="0" indent="0">
+              <a:spcBef>
+                <a:spcPts val="0"/>
+              </a:spcBef>
+              <a:buNone/>
+            </a:pPr>
+            <a:r>
+              <a:rPr lang="en-GB" sz="1500" dirty="0">
+                <a:latin typeface="Courier New" panose="02070309020205020404" pitchFamily="49" charset="0"/>
+                <a:cs typeface="Courier New" panose="02070309020205020404" pitchFamily="49" charset="0"/>
+              </a:rPr>
+              <a:t>	@Id</a:t>
+            </a:r>
+          </a:p>
+          <a:p>
+            <a:pPr marL="0" indent="0">
+              <a:spcBef>
+                <a:spcPts val="0"/>
+              </a:spcBef>
+              <a:buNone/>
+            </a:pPr>
+            <a:r>
+              <a:rPr lang="en-GB" sz="1500" dirty="0">
+                <a:latin typeface="Courier New" panose="02070309020205020404" pitchFamily="49" charset="0"/>
+                <a:cs typeface="Courier New" panose="02070309020205020404" pitchFamily="49" charset="0"/>
+              </a:rPr>
+              <a:t>	@GeneratedValue(strategy = </a:t>
+            </a:r>
+            <a:r>
+              <a:rPr lang="en-GB" sz="1500" dirty="0" err="1">
+                <a:latin typeface="Courier New" panose="02070309020205020404" pitchFamily="49" charset="0"/>
+                <a:cs typeface="Courier New" panose="02070309020205020404" pitchFamily="49" charset="0"/>
+              </a:rPr>
+              <a:t>GenerationType.IDENTITY</a:t>
+            </a:r>
+            <a:r>
+              <a:rPr lang="en-GB" sz="1500" dirty="0">
+                <a:latin typeface="Courier New" panose="02070309020205020404" pitchFamily="49" charset="0"/>
+                <a:cs typeface="Courier New" panose="02070309020205020404" pitchFamily="49" charset="0"/>
+              </a:rPr>
+              <a:t>)</a:t>
+            </a:r>
+          </a:p>
+          <a:p>
+            <a:pPr marL="0" indent="0">
+              <a:spcBef>
+                <a:spcPts val="0"/>
+              </a:spcBef>
+              <a:buNone/>
+            </a:pPr>
+            <a:r>
+              <a:rPr lang="en-GB" sz="1500" dirty="0">
+                <a:latin typeface="Courier New" panose="02070309020205020404" pitchFamily="49" charset="0"/>
+                <a:cs typeface="Courier New" panose="02070309020205020404" pitchFamily="49" charset="0"/>
+              </a:rPr>
+              <a:t>    	private int id;</a:t>
+            </a:r>
+          </a:p>
+          <a:p>
+            <a:pPr marL="0" indent="0">
+              <a:spcBef>
+                <a:spcPts val="0"/>
+              </a:spcBef>
+              <a:buNone/>
+            </a:pPr>
+            <a:r>
+              <a:rPr lang="en-GB" sz="1500" dirty="0">
+                <a:latin typeface="Courier New" panose="02070309020205020404" pitchFamily="49" charset="0"/>
+                <a:cs typeface="Courier New" panose="02070309020205020404" pitchFamily="49" charset="0"/>
+              </a:rPr>
+              <a:t>	</a:t>
+            </a:r>
+            <a:r>
+              <a:rPr lang="nb-NO" sz="1500" dirty="0">
+                <a:latin typeface="Courier New" panose="02070309020205020404" pitchFamily="49" charset="0"/>
+                <a:cs typeface="Courier New" panose="02070309020205020404" pitchFamily="49" charset="0"/>
+              </a:rPr>
+              <a:t>private Integer id;</a:t>
+            </a:r>
+          </a:p>
+          <a:p>
+            <a:pPr marL="0" indent="0">
+              <a:spcBef>
+                <a:spcPts val="0"/>
+              </a:spcBef>
+              <a:buNone/>
+            </a:pPr>
+            <a:r>
+              <a:rPr lang="nb-NO" sz="1500" dirty="0">
+                <a:latin typeface="Courier New" panose="02070309020205020404" pitchFamily="49" charset="0"/>
+                <a:cs typeface="Courier New" panose="02070309020205020404" pitchFamily="49" charset="0"/>
+              </a:rPr>
+              <a:t>	private String username;</a:t>
+            </a:r>
+          </a:p>
+          <a:p>
+            <a:pPr marL="0" indent="0">
+              <a:spcBef>
+                <a:spcPts val="0"/>
+              </a:spcBef>
+              <a:buNone/>
+            </a:pPr>
+            <a:r>
+              <a:rPr lang="nb-NO" sz="1500" dirty="0">
+                <a:latin typeface="Courier New" panose="02070309020205020404" pitchFamily="49" charset="0"/>
+                <a:cs typeface="Courier New" panose="02070309020205020404" pitchFamily="49" charset="0"/>
+              </a:rPr>
+              <a:t>	private String password;</a:t>
+            </a:r>
+          </a:p>
+          <a:p>
+            <a:pPr marL="0" indent="0">
+              <a:spcBef>
+                <a:spcPts val="0"/>
+              </a:spcBef>
+              <a:buNone/>
+            </a:pPr>
+            <a:r>
+              <a:rPr lang="nb-NO" sz="1500" dirty="0">
+                <a:latin typeface="Courier New" panose="02070309020205020404" pitchFamily="49" charset="0"/>
+                <a:cs typeface="Courier New" panose="02070309020205020404" pitchFamily="49" charset="0"/>
+              </a:rPr>
+              <a:t>	private String email;</a:t>
+            </a:r>
+          </a:p>
+          <a:p>
+            <a:pPr marL="0" indent="0">
+              <a:spcBef>
+                <a:spcPts val="0"/>
+              </a:spcBef>
+              <a:buNone/>
+            </a:pPr>
+            <a:r>
+              <a:rPr lang="nb-NO" sz="1500" dirty="0">
+                <a:latin typeface="Courier New" panose="02070309020205020404" pitchFamily="49" charset="0"/>
+                <a:cs typeface="Courier New" panose="02070309020205020404" pitchFamily="49" charset="0"/>
+              </a:rPr>
+              <a:t>	private Boolean banned;</a:t>
+            </a:r>
+          </a:p>
+          <a:p>
+            <a:pPr marL="0" indent="0">
+              <a:spcBef>
+                <a:spcPts val="0"/>
+              </a:spcBef>
+              <a:buNone/>
+            </a:pPr>
+            <a:r>
+              <a:rPr lang="nb-NO" sz="1500" dirty="0">
+                <a:latin typeface="Courier New" panose="02070309020205020404" pitchFamily="49" charset="0"/>
+                <a:cs typeface="Courier New" panose="02070309020205020404" pitchFamily="49" charset="0"/>
+              </a:rPr>
+              <a:t>	private Integer points;</a:t>
+            </a:r>
+            <a:endParaRPr lang="en-GB" sz="1500" dirty="0">
+              <a:latin typeface="Courier New" panose="02070309020205020404" pitchFamily="49" charset="0"/>
+              <a:cs typeface="Courier New" panose="02070309020205020404" pitchFamily="49" charset="0"/>
+            </a:endParaRPr>
+          </a:p>
+          <a:p>
+            <a:pPr marL="0" indent="0">
+              <a:spcBef>
+                <a:spcPts val="0"/>
+              </a:spcBef>
+              <a:buNone/>
+            </a:pPr>
+            <a:r>
+              <a:rPr lang="en-GB" sz="1500" dirty="0">
+                <a:latin typeface="Courier New" panose="02070309020205020404" pitchFamily="49" charset="0"/>
+                <a:cs typeface="Courier New" panose="02070309020205020404" pitchFamily="49" charset="0"/>
+              </a:rPr>
+              <a:t>	@Temporal(TemporalType.TIMESTAMP)</a:t>
+            </a:r>
+          </a:p>
+          <a:p>
+            <a:pPr marL="0" indent="0">
+              <a:spcBef>
+                <a:spcPts val="0"/>
+              </a:spcBef>
+              <a:buNone/>
+            </a:pPr>
+            <a:r>
+              <a:rPr lang="en-GB" sz="1500" dirty="0">
+                <a:latin typeface="Courier New" panose="02070309020205020404" pitchFamily="49" charset="0"/>
+                <a:cs typeface="Courier New" panose="02070309020205020404" pitchFamily="49" charset="0"/>
+              </a:rPr>
+              <a:t>	private Date datetime;</a:t>
+            </a:r>
+          </a:p>
+          <a:p>
+            <a:pPr marL="0" indent="0">
+              <a:spcBef>
+                <a:spcPts val="0"/>
+              </a:spcBef>
+              <a:buNone/>
+            </a:pPr>
+            <a:endParaRPr lang="en-GB" sz="1500" dirty="0">
+              <a:latin typeface="Courier New" panose="02070309020205020404" pitchFamily="49" charset="0"/>
+              <a:cs typeface="Courier New" panose="02070309020205020404" pitchFamily="49" charset="0"/>
+            </a:endParaRPr>
+          </a:p>
+          <a:p>
+            <a:pPr marL="0" indent="0">
+              <a:spcBef>
+                <a:spcPts val="0"/>
+              </a:spcBef>
+              <a:buNone/>
+            </a:pPr>
+            <a:r>
+              <a:rPr lang="en-GB" sz="1500" dirty="0">
+                <a:latin typeface="Courier New" panose="02070309020205020404" pitchFamily="49" charset="0"/>
+                <a:cs typeface="Courier New" panose="02070309020205020404" pitchFamily="49" charset="0"/>
+              </a:rPr>
+              <a:t>// relationships &amp; their annotations</a:t>
+            </a:r>
+          </a:p>
+          <a:p>
+            <a:pPr marL="0" indent="0">
+              <a:spcBef>
+                <a:spcPts val="0"/>
+              </a:spcBef>
+              <a:buNone/>
+            </a:pPr>
+            <a:r>
+              <a:rPr lang="en-GB" sz="1500" dirty="0">
+                <a:latin typeface="Courier New" panose="02070309020205020404" pitchFamily="49" charset="0"/>
+                <a:cs typeface="Courier New" panose="02070309020205020404" pitchFamily="49" charset="0"/>
+              </a:rPr>
+              <a:t>	@ManyToOne</a:t>
+            </a:r>
+          </a:p>
+          <a:p>
+            <a:pPr marL="0" indent="0">
+              <a:spcBef>
+                <a:spcPts val="0"/>
+              </a:spcBef>
+              <a:buNone/>
+            </a:pPr>
+            <a:r>
+              <a:rPr lang="en-GB" sz="1500" dirty="0">
+                <a:latin typeface="Courier New" panose="02070309020205020404" pitchFamily="49" charset="0"/>
+                <a:cs typeface="Courier New" panose="02070309020205020404" pitchFamily="49" charset="0"/>
+              </a:rPr>
+              <a:t>	@JoinColumn(name = "user)</a:t>
+            </a:r>
+          </a:p>
+          <a:p>
+            <a:pPr marL="0" indent="0">
+              <a:spcBef>
+                <a:spcPts val="0"/>
+              </a:spcBef>
+              <a:buNone/>
+            </a:pPr>
+            <a:r>
+              <a:rPr lang="en-GB" sz="1500" dirty="0">
+                <a:latin typeface="Courier New" panose="02070309020205020404" pitchFamily="49" charset="0"/>
+                <a:cs typeface="Courier New" panose="02070309020205020404" pitchFamily="49" charset="0"/>
+              </a:rPr>
+              <a:t>    	private User </a:t>
+            </a:r>
+            <a:r>
+              <a:rPr lang="en-GB" sz="1500" dirty="0" err="1">
+                <a:latin typeface="Courier New" panose="02070309020205020404" pitchFamily="49" charset="0"/>
+                <a:cs typeface="Courier New" panose="02070309020205020404" pitchFamily="49" charset="0"/>
+              </a:rPr>
+              <a:t>user</a:t>
+            </a:r>
+            <a:r>
+              <a:rPr lang="en-GB" sz="1500" dirty="0">
+                <a:latin typeface="Courier New" panose="02070309020205020404" pitchFamily="49" charset="0"/>
+                <a:cs typeface="Courier New" panose="02070309020205020404" pitchFamily="49" charset="0"/>
+              </a:rPr>
+              <a:t>;</a:t>
+            </a:r>
+          </a:p>
+          <a:p>
+            <a:pPr marL="0" indent="0">
+              <a:spcBef>
+                <a:spcPts val="0"/>
+              </a:spcBef>
+              <a:buNone/>
+            </a:pPr>
+            <a:endParaRPr lang="en-GB" sz="1500" dirty="0">
+              <a:latin typeface="Courier New" panose="02070309020205020404" pitchFamily="49" charset="0"/>
+              <a:cs typeface="Courier New" panose="02070309020205020404" pitchFamily="49" charset="0"/>
+            </a:endParaRPr>
+          </a:p>
+          <a:p>
+            <a:pPr marL="0" indent="0">
+              <a:spcBef>
+                <a:spcPts val="0"/>
+              </a:spcBef>
+              <a:buNone/>
+            </a:pPr>
+            <a:r>
+              <a:rPr lang="en-GB" sz="1500" dirty="0">
+                <a:latin typeface="Courier New" panose="02070309020205020404" pitchFamily="49" charset="0"/>
+                <a:cs typeface="Courier New" panose="02070309020205020404" pitchFamily="49" charset="0"/>
+              </a:rPr>
+              <a:t>/* </a:t>
+            </a:r>
+          </a:p>
+          <a:p>
+            <a:pPr marL="0" indent="0">
+              <a:spcBef>
+                <a:spcPts val="0"/>
+              </a:spcBef>
+              <a:buNone/>
+            </a:pPr>
+            <a:r>
+              <a:rPr lang="en-GB" sz="1500" dirty="0">
+                <a:latin typeface="Courier New" panose="02070309020205020404" pitchFamily="49" charset="0"/>
+                <a:cs typeface="Courier New" panose="02070309020205020404" pitchFamily="49" charset="0"/>
+              </a:rPr>
+              <a:t>  clone this slide as may times as there are   </a:t>
+            </a:r>
+            <a:br>
+              <a:rPr lang="en-GB" sz="1500" dirty="0">
+                <a:latin typeface="Courier New" panose="02070309020205020404" pitchFamily="49" charset="0"/>
+                <a:cs typeface="Courier New" panose="02070309020205020404" pitchFamily="49" charset="0"/>
+              </a:rPr>
+            </a:br>
+            <a:r>
+              <a:rPr lang="en-GB" sz="1500" dirty="0">
+                <a:latin typeface="Courier New" panose="02070309020205020404" pitchFamily="49" charset="0"/>
+                <a:cs typeface="Courier New" panose="02070309020205020404" pitchFamily="49" charset="0"/>
+              </a:rPr>
+              <a:t>  entities </a:t>
+            </a:r>
+          </a:p>
+          <a:p>
+            <a:pPr marL="0" indent="0">
+              <a:spcBef>
+                <a:spcPts val="0"/>
+              </a:spcBef>
+              <a:buNone/>
+            </a:pPr>
+            <a:r>
+              <a:rPr lang="en-GB" sz="1500" dirty="0">
+                <a:latin typeface="Courier New" panose="02070309020205020404" pitchFamily="49" charset="0"/>
+                <a:cs typeface="Courier New" panose="02070309020205020404" pitchFamily="49" charset="0"/>
+              </a:rPr>
+              <a:t>*/</a:t>
+            </a:r>
+          </a:p>
+          <a:p>
+            <a:pPr marL="0" indent="0">
+              <a:spcBef>
+                <a:spcPts val="0"/>
+              </a:spcBef>
+              <a:buNone/>
+            </a:pPr>
+            <a:endParaRPr lang="en-GB" sz="1500" dirty="0">
+              <a:latin typeface="Courier New" panose="02070309020205020404" pitchFamily="49" charset="0"/>
+              <a:cs typeface="Courier New" panose="02070309020205020404" pitchFamily="49" charset="0"/>
+            </a:endParaRPr>
+          </a:p>
+          <a:p>
+            <a:pPr marL="0" indent="0">
+              <a:spcBef>
+                <a:spcPts val="0"/>
+              </a:spcBef>
+              <a:buNone/>
+            </a:pPr>
+            <a:endParaRPr lang="en-GB" sz="1500" dirty="0">
+              <a:latin typeface="Courier New" panose="02070309020205020404" pitchFamily="49" charset="0"/>
+              <a:cs typeface="Courier New" panose="02070309020205020404" pitchFamily="49" charset="0"/>
+            </a:endParaRPr>
+          </a:p>
+        </p:txBody>
+      </p:sp>
+    </p:spTree>
+    <p:extLst>
+      <p:ext uri="{BB962C8B-B14F-4D97-AF65-F5344CB8AC3E}">
+        <p14:creationId xmlns:p14="http://schemas.microsoft.com/office/powerpoint/2010/main" val="2019415193"/>
+      </p:ext>
+    </p:extLst>
+  </p:cSld>
+  <p:clrMapOvr>
+    <a:masterClrMapping/>
+  </p:clrMapOvr>
+</p:sld>
+</file>
+
+<file path=ppt/slides/slide18.xml><?xml version="1.0" encoding="utf-8"?>
+<p:sld xmlns:a="http://schemas.openxmlformats.org/drawingml/2006/main" xmlns:r="http://schemas.openxmlformats.org/officeDocument/2006/relationships" xmlns:p="http://schemas.openxmlformats.org/presentationml/2006/main">
+  <p:cSld>
+    <p:spTree>
+      <p:nvGrpSpPr>
+        <p:cNvPr id="1" name=""/>
+        <p:cNvGrpSpPr/>
+        <p:nvPr/>
+      </p:nvGrpSpPr>
+      <p:grpSpPr>
+        <a:xfrm>
+          <a:off x="0" y="0"/>
+          <a:ext cx="0" cy="0"/>
+          <a:chOff x="0" y="0"/>
+          <a:chExt cx="0" cy="0"/>
+        </a:xfrm>
+      </p:grpSpPr>
+      <p:sp>
+        <p:nvSpPr>
+          <p:cNvPr id="2" name="Title 1"/>
+          <p:cNvSpPr>
+            <a:spLocks noGrp="1"/>
+          </p:cNvSpPr>
+          <p:nvPr>
+            <p:ph type="title"/>
+          </p:nvPr>
+        </p:nvSpPr>
+        <p:spPr/>
+        <p:txBody>
+          <a:bodyPr/>
+          <a:lstStyle/>
+          <a:p>
+            <a:r>
+              <a:rPr lang="en-GB" dirty="0"/>
+              <a:t>Entity User</a:t>
+            </a:r>
+          </a:p>
+        </p:txBody>
+      </p:sp>
+      <p:sp>
+        <p:nvSpPr>
+          <p:cNvPr id="5" name="Content Placeholder 4"/>
+          <p:cNvSpPr>
+            <a:spLocks noGrp="1"/>
+          </p:cNvSpPr>
+          <p:nvPr>
+            <p:ph idx="1"/>
+          </p:nvPr>
+        </p:nvSpPr>
+        <p:spPr>
+          <a:xfrm>
+            <a:off x="1" y="1434164"/>
+            <a:ext cx="9144000" cy="5342021"/>
+          </a:xfrm>
+        </p:spPr>
+        <p:txBody>
+          <a:bodyPr>
+            <a:normAutofit lnSpcReduction="10000"/>
+          </a:bodyPr>
+          <a:lstStyle/>
+          <a:p>
+            <a:pPr marL="0" indent="0">
+              <a:spcBef>
+                <a:spcPts val="0"/>
+              </a:spcBef>
+              <a:buNone/>
+            </a:pPr>
+            <a:r>
+              <a:rPr lang="en-GB" sz="1500" dirty="0">
+                <a:latin typeface="Courier New" panose="02070309020205020404" pitchFamily="49" charset="0"/>
+                <a:cs typeface="Courier New" panose="02070309020205020404" pitchFamily="49" charset="0"/>
+              </a:rPr>
+              <a:t>@Entity</a:t>
+            </a:r>
+          </a:p>
+          <a:p>
+            <a:pPr marL="0" indent="0">
+              <a:spcBef>
+                <a:spcPts val="0"/>
+              </a:spcBef>
+              <a:buNone/>
+            </a:pPr>
+            <a:r>
+              <a:rPr lang="en-GB" sz="1500" dirty="0">
+                <a:latin typeface="Courier New" panose="02070309020205020404" pitchFamily="49" charset="0"/>
+                <a:cs typeface="Courier New" panose="02070309020205020404" pitchFamily="49" charset="0"/>
+              </a:rPr>
+              <a:t>@Table(name = “user”, schema = “</a:t>
+            </a:r>
+            <a:r>
+              <a:rPr lang="en-GB" sz="1500" dirty="0" err="1">
+                <a:latin typeface="Courier New" panose="02070309020205020404" pitchFamily="49" charset="0"/>
+                <a:cs typeface="Courier New" panose="02070309020205020404" pitchFamily="49" charset="0"/>
+              </a:rPr>
+              <a:t>db_gamified_marketing_app</a:t>
+            </a:r>
+            <a:r>
+              <a:rPr lang="en-GB" sz="1500" dirty="0">
+                <a:latin typeface="Courier New" panose="02070309020205020404" pitchFamily="49" charset="0"/>
+                <a:cs typeface="Courier New" panose="02070309020205020404" pitchFamily="49" charset="0"/>
+              </a:rPr>
+              <a:t>”)</a:t>
+            </a:r>
+          </a:p>
+          <a:p>
+            <a:pPr marL="0" indent="0">
+              <a:spcBef>
+                <a:spcPts val="0"/>
+              </a:spcBef>
+              <a:buNone/>
+            </a:pPr>
+            <a:r>
+              <a:rPr lang="en-GB" sz="1500" dirty="0">
+                <a:latin typeface="Courier New" panose="02070309020205020404" pitchFamily="49" charset="0"/>
+                <a:cs typeface="Courier New" panose="02070309020205020404" pitchFamily="49" charset="0"/>
+              </a:rPr>
+              <a:t>public class User implements Serializable {</a:t>
+            </a:r>
+          </a:p>
+          <a:p>
+            <a:pPr marL="0" indent="0">
+              <a:spcBef>
+                <a:spcPts val="0"/>
+              </a:spcBef>
+              <a:buNone/>
+            </a:pPr>
+            <a:r>
+              <a:rPr lang="en-US" sz="1500" dirty="0">
+                <a:latin typeface="Courier New" panose="02070309020205020404" pitchFamily="49" charset="0"/>
+                <a:cs typeface="Courier New" panose="02070309020205020404" pitchFamily="49" charset="0"/>
+              </a:rPr>
+              <a:t>	private static final long </a:t>
+            </a:r>
+            <a:r>
+              <a:rPr lang="en-US" sz="1500" dirty="0" err="1">
+                <a:latin typeface="Courier New" panose="02070309020205020404" pitchFamily="49" charset="0"/>
+                <a:cs typeface="Courier New" panose="02070309020205020404" pitchFamily="49" charset="0"/>
+              </a:rPr>
+              <a:t>serialVersionUID</a:t>
+            </a:r>
+            <a:r>
+              <a:rPr lang="en-US" sz="1500" dirty="0">
+                <a:latin typeface="Courier New" panose="02070309020205020404" pitchFamily="49" charset="0"/>
+                <a:cs typeface="Courier New" panose="02070309020205020404" pitchFamily="49" charset="0"/>
+              </a:rPr>
+              <a:t> = 1L;</a:t>
+            </a:r>
+            <a:endParaRPr lang="en-GB" sz="1500" dirty="0">
+              <a:latin typeface="Courier New" panose="02070309020205020404" pitchFamily="49" charset="0"/>
+              <a:cs typeface="Courier New" panose="02070309020205020404" pitchFamily="49" charset="0"/>
+            </a:endParaRPr>
+          </a:p>
+          <a:p>
+            <a:pPr marL="0" indent="0">
+              <a:spcBef>
+                <a:spcPts val="0"/>
+              </a:spcBef>
+              <a:buNone/>
+            </a:pPr>
+            <a:endParaRPr lang="en-GB" sz="1500" dirty="0">
+              <a:latin typeface="Courier New" panose="02070309020205020404" pitchFamily="49" charset="0"/>
+              <a:cs typeface="Courier New" panose="02070309020205020404" pitchFamily="49" charset="0"/>
+            </a:endParaRPr>
+          </a:p>
+          <a:p>
+            <a:pPr marL="0" indent="0">
+              <a:spcBef>
+                <a:spcPts val="0"/>
+              </a:spcBef>
+              <a:buNone/>
+            </a:pPr>
+            <a:r>
+              <a:rPr lang="en-GB" sz="1500" dirty="0">
+                <a:latin typeface="Courier New" panose="02070309020205020404" pitchFamily="49" charset="0"/>
+                <a:cs typeface="Courier New" panose="02070309020205020404" pitchFamily="49" charset="0"/>
+              </a:rPr>
+              <a:t>// attributes &amp; their annotations</a:t>
+            </a:r>
+          </a:p>
+          <a:p>
+            <a:pPr marL="0" indent="0">
+              <a:spcBef>
+                <a:spcPts val="0"/>
+              </a:spcBef>
+              <a:buNone/>
+            </a:pPr>
+            <a:r>
+              <a:rPr lang="en-GB" sz="1500" dirty="0">
+                <a:latin typeface="Courier New" panose="02070309020205020404" pitchFamily="49" charset="0"/>
+                <a:cs typeface="Courier New" panose="02070309020205020404" pitchFamily="49" charset="0"/>
+              </a:rPr>
+              <a:t>	@Id</a:t>
+            </a:r>
+          </a:p>
+          <a:p>
+            <a:pPr marL="0" indent="0">
+              <a:spcBef>
+                <a:spcPts val="0"/>
+              </a:spcBef>
+              <a:buNone/>
+            </a:pPr>
+            <a:r>
+              <a:rPr lang="en-GB" sz="1500" dirty="0">
+                <a:latin typeface="Courier New" panose="02070309020205020404" pitchFamily="49" charset="0"/>
+                <a:cs typeface="Courier New" panose="02070309020205020404" pitchFamily="49" charset="0"/>
+              </a:rPr>
+              <a:t>	@GeneratedValue(strategy = </a:t>
+            </a:r>
+            <a:r>
+              <a:rPr lang="en-GB" sz="1500" dirty="0" err="1">
+                <a:latin typeface="Courier New" panose="02070309020205020404" pitchFamily="49" charset="0"/>
+                <a:cs typeface="Courier New" panose="02070309020205020404" pitchFamily="49" charset="0"/>
+              </a:rPr>
+              <a:t>GenerationType.IDENTITY</a:t>
+            </a:r>
+            <a:r>
+              <a:rPr lang="en-GB" sz="1500" dirty="0">
+                <a:latin typeface="Courier New" panose="02070309020205020404" pitchFamily="49" charset="0"/>
+                <a:cs typeface="Courier New" panose="02070309020205020404" pitchFamily="49" charset="0"/>
+              </a:rPr>
+              <a:t>)</a:t>
+            </a:r>
+          </a:p>
+          <a:p>
+            <a:pPr marL="0" indent="0">
+              <a:spcBef>
+                <a:spcPts val="0"/>
+              </a:spcBef>
+              <a:buNone/>
+            </a:pPr>
+            <a:r>
+              <a:rPr lang="en-GB" sz="1500" dirty="0">
+                <a:latin typeface="Courier New" panose="02070309020205020404" pitchFamily="49" charset="0"/>
+                <a:cs typeface="Courier New" panose="02070309020205020404" pitchFamily="49" charset="0"/>
+              </a:rPr>
+              <a:t>    	private int id;</a:t>
+            </a:r>
+          </a:p>
+          <a:p>
+            <a:pPr marL="0" indent="0">
+              <a:spcBef>
+                <a:spcPts val="0"/>
+              </a:spcBef>
+              <a:buNone/>
+            </a:pPr>
+            <a:r>
+              <a:rPr lang="en-GB" sz="1500" dirty="0">
+                <a:latin typeface="Courier New" panose="02070309020205020404" pitchFamily="49" charset="0"/>
+                <a:cs typeface="Courier New" panose="02070309020205020404" pitchFamily="49" charset="0"/>
+              </a:rPr>
+              <a:t>	</a:t>
+            </a:r>
+            <a:r>
+              <a:rPr lang="nb-NO" sz="1500" dirty="0">
+                <a:latin typeface="Courier New" panose="02070309020205020404" pitchFamily="49" charset="0"/>
+                <a:cs typeface="Courier New" panose="02070309020205020404" pitchFamily="49" charset="0"/>
+              </a:rPr>
+              <a:t>private Integer id;</a:t>
+            </a:r>
+          </a:p>
+          <a:p>
+            <a:pPr marL="0" indent="0">
+              <a:spcBef>
+                <a:spcPts val="0"/>
+              </a:spcBef>
+              <a:buNone/>
+            </a:pPr>
+            <a:r>
+              <a:rPr lang="nb-NO" sz="1500" dirty="0">
+                <a:latin typeface="Courier New" panose="02070309020205020404" pitchFamily="49" charset="0"/>
+                <a:cs typeface="Courier New" panose="02070309020205020404" pitchFamily="49" charset="0"/>
+              </a:rPr>
+              <a:t>	private String username;</a:t>
+            </a:r>
+          </a:p>
+          <a:p>
+            <a:pPr marL="0" indent="0">
+              <a:spcBef>
+                <a:spcPts val="0"/>
+              </a:spcBef>
+              <a:buNone/>
+            </a:pPr>
+            <a:r>
+              <a:rPr lang="nb-NO" sz="1500" dirty="0">
+                <a:latin typeface="Courier New" panose="02070309020205020404" pitchFamily="49" charset="0"/>
+                <a:cs typeface="Courier New" panose="02070309020205020404" pitchFamily="49" charset="0"/>
+              </a:rPr>
+              <a:t>	private String password;</a:t>
+            </a:r>
+          </a:p>
+          <a:p>
+            <a:pPr marL="0" indent="0">
+              <a:spcBef>
+                <a:spcPts val="0"/>
+              </a:spcBef>
+              <a:buNone/>
+            </a:pPr>
+            <a:r>
+              <a:rPr lang="nb-NO" sz="1500" dirty="0">
+                <a:latin typeface="Courier New" panose="02070309020205020404" pitchFamily="49" charset="0"/>
+                <a:cs typeface="Courier New" panose="02070309020205020404" pitchFamily="49" charset="0"/>
+              </a:rPr>
+              <a:t>	private String email;</a:t>
+            </a:r>
+          </a:p>
+          <a:p>
+            <a:pPr marL="0" indent="0">
+              <a:spcBef>
+                <a:spcPts val="0"/>
+              </a:spcBef>
+              <a:buNone/>
+            </a:pPr>
+            <a:r>
+              <a:rPr lang="nb-NO" sz="1500" dirty="0">
+                <a:latin typeface="Courier New" panose="02070309020205020404" pitchFamily="49" charset="0"/>
+                <a:cs typeface="Courier New" panose="02070309020205020404" pitchFamily="49" charset="0"/>
+              </a:rPr>
+              <a:t>	private Boolean banned;</a:t>
+            </a:r>
+          </a:p>
+          <a:p>
+            <a:pPr marL="0" indent="0">
+              <a:spcBef>
+                <a:spcPts val="0"/>
+              </a:spcBef>
+              <a:buNone/>
+            </a:pPr>
+            <a:r>
+              <a:rPr lang="nb-NO" sz="1500" dirty="0">
+                <a:latin typeface="Courier New" panose="02070309020205020404" pitchFamily="49" charset="0"/>
+                <a:cs typeface="Courier New" panose="02070309020205020404" pitchFamily="49" charset="0"/>
+              </a:rPr>
+              <a:t>	private Integer points;</a:t>
+            </a:r>
+            <a:endParaRPr lang="en-GB" sz="1500" dirty="0">
+              <a:latin typeface="Courier New" panose="02070309020205020404" pitchFamily="49" charset="0"/>
+              <a:cs typeface="Courier New" panose="02070309020205020404" pitchFamily="49" charset="0"/>
+            </a:endParaRPr>
+          </a:p>
+          <a:p>
+            <a:pPr marL="0" indent="0">
+              <a:spcBef>
+                <a:spcPts val="0"/>
+              </a:spcBef>
+              <a:buNone/>
+            </a:pPr>
+            <a:r>
+              <a:rPr lang="en-GB" sz="1500" dirty="0">
+                <a:latin typeface="Courier New" panose="02070309020205020404" pitchFamily="49" charset="0"/>
+                <a:cs typeface="Courier New" panose="02070309020205020404" pitchFamily="49" charset="0"/>
+              </a:rPr>
+              <a:t>	@Temporal(TemporalType.TIMESTAMP)</a:t>
+            </a:r>
+          </a:p>
+          <a:p>
+            <a:pPr marL="0" indent="0">
+              <a:spcBef>
+                <a:spcPts val="0"/>
+              </a:spcBef>
+              <a:buNone/>
+            </a:pPr>
+            <a:r>
+              <a:rPr lang="en-GB" sz="1500" dirty="0">
+                <a:latin typeface="Courier New" panose="02070309020205020404" pitchFamily="49" charset="0"/>
+                <a:cs typeface="Courier New" panose="02070309020205020404" pitchFamily="49" charset="0"/>
+              </a:rPr>
+              <a:t>	private Date datetime;</a:t>
+            </a:r>
+          </a:p>
+          <a:p>
+            <a:pPr marL="0" indent="0">
+              <a:spcBef>
+                <a:spcPts val="0"/>
+              </a:spcBef>
+              <a:buNone/>
+            </a:pPr>
+            <a:endParaRPr lang="en-GB" sz="1500" dirty="0">
+              <a:latin typeface="Courier New" panose="02070309020205020404" pitchFamily="49" charset="0"/>
+              <a:cs typeface="Courier New" panose="02070309020205020404" pitchFamily="49" charset="0"/>
+            </a:endParaRPr>
+          </a:p>
+          <a:p>
+            <a:pPr marL="0" indent="0">
+              <a:spcBef>
+                <a:spcPts val="0"/>
+              </a:spcBef>
+              <a:buNone/>
+            </a:pPr>
+            <a:r>
+              <a:rPr lang="en-GB" sz="1500" dirty="0">
+                <a:latin typeface="Courier New" panose="02070309020205020404" pitchFamily="49" charset="0"/>
+                <a:cs typeface="Courier New" panose="02070309020205020404" pitchFamily="49" charset="0"/>
+              </a:rPr>
+              <a:t>// relationships &amp; their annotations</a:t>
+            </a:r>
+          </a:p>
+          <a:p>
+            <a:pPr marL="0" indent="0">
+              <a:spcBef>
+                <a:spcPts val="0"/>
+              </a:spcBef>
+              <a:buNone/>
+            </a:pPr>
+            <a:r>
+              <a:rPr lang="en-GB" sz="1500" dirty="0">
+                <a:latin typeface="Courier New" panose="02070309020205020404" pitchFamily="49" charset="0"/>
+                <a:cs typeface="Courier New" panose="02070309020205020404" pitchFamily="49" charset="0"/>
+              </a:rPr>
+              <a:t>	@ManyToOne</a:t>
+            </a:r>
+          </a:p>
+          <a:p>
+            <a:pPr marL="0" indent="0">
+              <a:spcBef>
+                <a:spcPts val="0"/>
+              </a:spcBef>
+              <a:buNone/>
+            </a:pPr>
+            <a:r>
+              <a:rPr lang="en-GB" sz="1500" dirty="0">
+                <a:latin typeface="Courier New" panose="02070309020205020404" pitchFamily="49" charset="0"/>
+                <a:cs typeface="Courier New" panose="02070309020205020404" pitchFamily="49" charset="0"/>
+              </a:rPr>
+              <a:t>	@JoinColumn(name = "user)</a:t>
+            </a:r>
+          </a:p>
+          <a:p>
+            <a:pPr marL="0" indent="0">
+              <a:spcBef>
+                <a:spcPts val="0"/>
+              </a:spcBef>
+              <a:buNone/>
+            </a:pPr>
+            <a:r>
+              <a:rPr lang="en-GB" sz="1500" dirty="0">
+                <a:latin typeface="Courier New" panose="02070309020205020404" pitchFamily="49" charset="0"/>
+                <a:cs typeface="Courier New" panose="02070309020205020404" pitchFamily="49" charset="0"/>
+              </a:rPr>
+              <a:t>    	private User </a:t>
+            </a:r>
+            <a:r>
+              <a:rPr lang="en-GB" sz="1500" dirty="0" err="1">
+                <a:latin typeface="Courier New" panose="02070309020205020404" pitchFamily="49" charset="0"/>
+                <a:cs typeface="Courier New" panose="02070309020205020404" pitchFamily="49" charset="0"/>
+              </a:rPr>
+              <a:t>user</a:t>
+            </a:r>
+            <a:r>
+              <a:rPr lang="en-GB" sz="1500" dirty="0">
+                <a:latin typeface="Courier New" panose="02070309020205020404" pitchFamily="49" charset="0"/>
+                <a:cs typeface="Courier New" panose="02070309020205020404" pitchFamily="49" charset="0"/>
+              </a:rPr>
+              <a:t>;</a:t>
+            </a:r>
+          </a:p>
+          <a:p>
+            <a:pPr marL="0" indent="0">
+              <a:spcBef>
+                <a:spcPts val="0"/>
+              </a:spcBef>
+              <a:buNone/>
+            </a:pPr>
+            <a:endParaRPr lang="en-GB" sz="1500" dirty="0">
+              <a:latin typeface="Courier New" panose="02070309020205020404" pitchFamily="49" charset="0"/>
+              <a:cs typeface="Courier New" panose="02070309020205020404" pitchFamily="49" charset="0"/>
+            </a:endParaRPr>
+          </a:p>
+          <a:p>
+            <a:pPr marL="0" indent="0">
+              <a:spcBef>
+                <a:spcPts val="0"/>
+              </a:spcBef>
+              <a:buNone/>
+            </a:pPr>
+            <a:r>
+              <a:rPr lang="en-GB" sz="1500" dirty="0">
+                <a:latin typeface="Courier New" panose="02070309020205020404" pitchFamily="49" charset="0"/>
+                <a:cs typeface="Courier New" panose="02070309020205020404" pitchFamily="49" charset="0"/>
+              </a:rPr>
+              <a:t>/* </a:t>
+            </a:r>
+          </a:p>
+          <a:p>
+            <a:pPr marL="0" indent="0">
+              <a:spcBef>
+                <a:spcPts val="0"/>
+              </a:spcBef>
+              <a:buNone/>
+            </a:pPr>
+            <a:r>
+              <a:rPr lang="en-GB" sz="1500" dirty="0">
+                <a:latin typeface="Courier New" panose="02070309020205020404" pitchFamily="49" charset="0"/>
+                <a:cs typeface="Courier New" panose="02070309020205020404" pitchFamily="49" charset="0"/>
+              </a:rPr>
+              <a:t>  clone this slide as may times as there are   </a:t>
+            </a:r>
+            <a:br>
+              <a:rPr lang="en-GB" sz="1500" dirty="0">
+                <a:latin typeface="Courier New" panose="02070309020205020404" pitchFamily="49" charset="0"/>
+                <a:cs typeface="Courier New" panose="02070309020205020404" pitchFamily="49" charset="0"/>
+              </a:rPr>
+            </a:br>
+            <a:r>
+              <a:rPr lang="en-GB" sz="1500" dirty="0">
+                <a:latin typeface="Courier New" panose="02070309020205020404" pitchFamily="49" charset="0"/>
+                <a:cs typeface="Courier New" panose="02070309020205020404" pitchFamily="49" charset="0"/>
+              </a:rPr>
+              <a:t>  entities </a:t>
+            </a:r>
+          </a:p>
+          <a:p>
+            <a:pPr marL="0" indent="0">
+              <a:spcBef>
+                <a:spcPts val="0"/>
+              </a:spcBef>
+              <a:buNone/>
+            </a:pPr>
+            <a:r>
+              <a:rPr lang="en-GB" sz="1500" dirty="0">
+                <a:latin typeface="Courier New" panose="02070309020205020404" pitchFamily="49" charset="0"/>
+                <a:cs typeface="Courier New" panose="02070309020205020404" pitchFamily="49" charset="0"/>
+              </a:rPr>
+              <a:t>*/</a:t>
+            </a:r>
+          </a:p>
+          <a:p>
+            <a:pPr marL="0" indent="0">
+              <a:spcBef>
+                <a:spcPts val="0"/>
+              </a:spcBef>
+              <a:buNone/>
+            </a:pPr>
+            <a:endParaRPr lang="en-GB" sz="1500" dirty="0">
+              <a:latin typeface="Courier New" panose="02070309020205020404" pitchFamily="49" charset="0"/>
+              <a:cs typeface="Courier New" panose="02070309020205020404" pitchFamily="49" charset="0"/>
+            </a:endParaRPr>
+          </a:p>
+          <a:p>
+            <a:pPr marL="0" indent="0">
+              <a:spcBef>
+                <a:spcPts val="0"/>
+              </a:spcBef>
+              <a:buNone/>
+            </a:pPr>
+            <a:endParaRPr lang="en-GB" sz="1500" dirty="0">
+              <a:latin typeface="Courier New" panose="02070309020205020404" pitchFamily="49" charset="0"/>
+              <a:cs typeface="Courier New" panose="02070309020205020404" pitchFamily="49" charset="0"/>
+            </a:endParaRPr>
+          </a:p>
+        </p:txBody>
+      </p:sp>
+    </p:spTree>
+    <p:extLst>
+      <p:ext uri="{BB962C8B-B14F-4D97-AF65-F5344CB8AC3E}">
+        <p14:creationId xmlns:p14="http://schemas.microsoft.com/office/powerpoint/2010/main" val="4232650439"/>
+      </p:ext>
+    </p:extLst>
+  </p:cSld>
+  <p:clrMapOvr>
+    <a:masterClrMapping/>
+  </p:clrMapOvr>
+</p:sld>
+</file>
+
+<file path=ppt/slides/slide19.xml><?xml version="1.0" encoding="utf-8"?>
+<p:sld xmlns:a="http://schemas.openxmlformats.org/drawingml/2006/main" xmlns:r="http://schemas.openxmlformats.org/officeDocument/2006/relationships" xmlns:p="http://schemas.openxmlformats.org/presentationml/2006/main">
+  <p:cSld>
+    <p:spTree>
+      <p:nvGrpSpPr>
+        <p:cNvPr id="1" name=""/>
+        <p:cNvGrpSpPr/>
+        <p:nvPr/>
+      </p:nvGrpSpPr>
+      <p:grpSpPr>
+        <a:xfrm>
+          <a:off x="0" y="0"/>
+          <a:ext cx="0" cy="0"/>
+          <a:chOff x="0" y="0"/>
+          <a:chExt cx="0" cy="0"/>
+        </a:xfrm>
+      </p:grpSpPr>
+      <p:sp>
+        <p:nvSpPr>
+          <p:cNvPr id="2" name="Title 1"/>
+          <p:cNvSpPr>
+            <a:spLocks noGrp="1"/>
+          </p:cNvSpPr>
+          <p:nvPr>
+            <p:ph type="title"/>
+          </p:nvPr>
+        </p:nvSpPr>
+        <p:spPr/>
+        <p:txBody>
+          <a:bodyPr/>
+          <a:lstStyle/>
+          <a:p>
+            <a:r>
+              <a:rPr lang="en-GB" dirty="0"/>
+              <a:t>Entity method for doing something</a:t>
+            </a:r>
+          </a:p>
+        </p:txBody>
+      </p:sp>
+      <p:sp>
+        <p:nvSpPr>
+          <p:cNvPr id="3" name="Content Placeholder 2"/>
+          <p:cNvSpPr>
+            <a:spLocks noGrp="1"/>
+          </p:cNvSpPr>
+          <p:nvPr>
+            <p:ph idx="1"/>
+          </p:nvPr>
+        </p:nvSpPr>
+        <p:spPr/>
+        <p:txBody>
+          <a:bodyPr>
+            <a:normAutofit/>
+          </a:bodyPr>
+          <a:lstStyle/>
+          <a:p>
+            <a:pPr marL="0" indent="0">
+              <a:buNone/>
+            </a:pPr>
+            <a:r>
+              <a:rPr lang="en-GB" sz="1500" dirty="0">
+                <a:latin typeface="Courier New" panose="02070309020205020404" pitchFamily="49" charset="0"/>
+                <a:cs typeface="Courier New" panose="02070309020205020404" pitchFamily="49" charset="0"/>
+              </a:rPr>
+              <a:t>// in entity A	</a:t>
+            </a:r>
+          </a:p>
+          <a:p>
+            <a:pPr marL="0" indent="0">
+              <a:buNone/>
+            </a:pPr>
+            <a:r>
+              <a:rPr lang="en-GB" sz="1500" dirty="0">
+                <a:latin typeface="Courier New" panose="02070309020205020404" pitchFamily="49" charset="0"/>
+                <a:cs typeface="Courier New" panose="02070309020205020404" pitchFamily="49" charset="0"/>
+              </a:rPr>
+              <a:t>public void  method(Class </a:t>
+            </a:r>
+            <a:r>
+              <a:rPr lang="en-GB" sz="1500" dirty="0" err="1">
+                <a:latin typeface="Courier New" panose="02070309020205020404" pitchFamily="49" charset="0"/>
+                <a:cs typeface="Courier New" panose="02070309020205020404" pitchFamily="49" charset="0"/>
+              </a:rPr>
+              <a:t>arg</a:t>
+            </a:r>
+            <a:r>
+              <a:rPr lang="en-GB" sz="1500" dirty="0">
+                <a:latin typeface="Courier New" panose="02070309020205020404" pitchFamily="49" charset="0"/>
+                <a:cs typeface="Courier New" panose="02070309020205020404" pitchFamily="49" charset="0"/>
+              </a:rPr>
+              <a:t>, . . .) {</a:t>
+            </a:r>
+          </a:p>
+          <a:p>
+            <a:pPr marL="0" indent="0">
+              <a:buNone/>
+            </a:pPr>
+            <a:endParaRPr lang="en-GB" sz="1500" dirty="0">
+              <a:latin typeface="Courier New" panose="02070309020205020404" pitchFamily="49" charset="0"/>
+              <a:cs typeface="Courier New" panose="02070309020205020404" pitchFamily="49" charset="0"/>
+            </a:endParaRPr>
+          </a:p>
+          <a:p>
+            <a:pPr marL="0" indent="0">
+              <a:buNone/>
+            </a:pPr>
+            <a:r>
+              <a:rPr lang="en-GB" sz="1500" dirty="0">
+                <a:latin typeface="Courier New" panose="02070309020205020404" pitchFamily="49" charset="0"/>
+                <a:cs typeface="Courier New" panose="02070309020205020404" pitchFamily="49" charset="0"/>
+              </a:rPr>
+              <a:t>   // code </a:t>
+            </a:r>
+          </a:p>
+          <a:p>
+            <a:pPr marL="0" indent="0">
+              <a:buNone/>
+            </a:pPr>
+            <a:endParaRPr lang="en-GB" sz="1500" dirty="0">
+              <a:latin typeface="Courier New" panose="02070309020205020404" pitchFamily="49" charset="0"/>
+              <a:cs typeface="Courier New" panose="02070309020205020404" pitchFamily="49" charset="0"/>
+            </a:endParaRPr>
+          </a:p>
+          <a:p>
+            <a:pPr marL="0" indent="0">
+              <a:buNone/>
+            </a:pPr>
+            <a:r>
+              <a:rPr lang="en-GB" sz="1500" dirty="0">
+                <a:latin typeface="Courier New" panose="02070309020205020404" pitchFamily="49" charset="0"/>
+                <a:cs typeface="Courier New" panose="02070309020205020404" pitchFamily="49" charset="0"/>
+              </a:rPr>
+              <a:t>}</a:t>
+            </a:r>
+          </a:p>
+          <a:p>
+            <a:pPr marL="0" indent="0">
+              <a:buNone/>
+            </a:pPr>
+            <a:endParaRPr lang="en-GB" sz="1500" dirty="0">
+              <a:latin typeface="Courier New" panose="02070309020205020404" pitchFamily="49" charset="0"/>
+              <a:cs typeface="Courier New" panose="02070309020205020404" pitchFamily="49" charset="0"/>
+            </a:endParaRPr>
+          </a:p>
+          <a:p>
+            <a:pPr marL="0" indent="0">
+              <a:buNone/>
+            </a:pPr>
+            <a:endParaRPr lang="en-GB" sz="1500" dirty="0">
+              <a:latin typeface="Courier New" panose="02070309020205020404" pitchFamily="49" charset="0"/>
+              <a:cs typeface="Courier New" panose="02070309020205020404" pitchFamily="49" charset="0"/>
+            </a:endParaRPr>
+          </a:p>
+          <a:p>
+            <a:pPr marL="0" indent="0">
+              <a:buNone/>
+            </a:pPr>
+            <a:r>
+              <a:rPr lang="en-GB" sz="1500" dirty="0">
+                <a:latin typeface="Courier New" panose="02070309020205020404" pitchFamily="49" charset="0"/>
+                <a:cs typeface="Courier New" panose="02070309020205020404" pitchFamily="49" charset="0"/>
+              </a:rPr>
+              <a:t>// use if requested</a:t>
+            </a:r>
+          </a:p>
+        </p:txBody>
+      </p:sp>
+    </p:spTree>
+    <p:extLst>
+      <p:ext uri="{BB962C8B-B14F-4D97-AF65-F5344CB8AC3E}">
+        <p14:creationId xmlns:p14="http://schemas.microsoft.com/office/powerpoint/2010/main" val="1218911751"/>
+      </p:ext>
+    </p:extLst>
+  </p:cSld>
+  <p:clrMapOvr>
+    <a:masterClrMapping/>
+  </p:clrMapOvr>
+</p:sld>
+</file>
+
+<file path=ppt/slides/slide2.xml><?xml version="1.0" encoding="utf-8"?>
+<p:sld xmlns:a="http://schemas.openxmlformats.org/drawingml/2006/main" xmlns:r="http://schemas.openxmlformats.org/officeDocument/2006/relationships" xmlns:p="http://schemas.openxmlformats.org/presentationml/2006/main">
+  <p:cSld>
+    <p:spTree>
+      <p:nvGrpSpPr>
+        <p:cNvPr id="1" name=""/>
+        <p:cNvGrpSpPr/>
+        <p:nvPr/>
+      </p:nvGrpSpPr>
+      <p:grpSpPr>
+        <a:xfrm>
+          <a:off x="0" y="0"/>
+          <a:ext cx="0" cy="0"/>
+          <a:chOff x="0" y="0"/>
+          <a:chExt cx="0" cy="0"/>
+        </a:xfrm>
+      </p:grpSpPr>
+      <p:sp>
+        <p:nvSpPr>
+          <p:cNvPr id="2" name="Title 1"/>
+          <p:cNvSpPr>
+            <a:spLocks noGrp="1"/>
+          </p:cNvSpPr>
+          <p:nvPr>
+            <p:ph type="title"/>
+          </p:nvPr>
+        </p:nvSpPr>
+        <p:spPr/>
+        <p:txBody>
+          <a:bodyPr/>
+          <a:lstStyle/>
+          <a:p>
+            <a:r>
+              <a:rPr lang="en-GB" dirty="0"/>
+              <a:t>Specifications</a:t>
+            </a:r>
+          </a:p>
+        </p:txBody>
+      </p:sp>
+      <p:sp>
+        <p:nvSpPr>
+          <p:cNvPr id="3" name="Content Placeholder 2"/>
+          <p:cNvSpPr>
+            <a:spLocks noGrp="1"/>
+          </p:cNvSpPr>
+          <p:nvPr>
+            <p:ph idx="1"/>
+          </p:nvPr>
+        </p:nvSpPr>
+        <p:spPr>
+          <a:xfrm>
+            <a:off x="628649" y="1457978"/>
+            <a:ext cx="8235951" cy="5306889"/>
+          </a:xfrm>
+        </p:spPr>
+        <p:txBody>
+          <a:bodyPr>
+            <a:noAutofit/>
+          </a:bodyPr>
+          <a:lstStyle/>
+          <a:p>
+            <a:pPr marL="0" indent="0">
+              <a:buNone/>
+            </a:pPr>
+            <a:r>
+              <a:rPr lang="en-US" sz="1600" dirty="0"/>
+              <a:t>An application deals with gamified consumer data collection. A user registers with a username, a password and an email. A registered user logs in and accesses a HOME PAGE where a “Questionnaire of the day” is published. The HOME PAGE displays the name and the image of the “product of the day” and the product reviews by other users. The HOME PAGE comprises a link to access a QUESTIONNAIRE PAGE with a questionnaire divided in two sections: a section with a variable number of marketing questions about the product of the day (e.g., Q1: “Do you know the product?” Q2: Have you purchased the product before?” and Q3 “Would you recommend the product to a friend?”) and a section with fixed inputs for collecting statistical data about the user: age, sex, expertise level (low, medium high). The user fills in the marketing section, then accesses (with a next button) the statistical section where she can complete the questionnaire and submit it (with a submit button), cancel it (with a cancel button), or go back to the previous section and change the answers (with a previous button). All inputs of the marketing section are mandatory. All inputs of the statistical section are optional. After successfully submitting the questionnaire, the user is routed to a page with a thanks and greetings message. The database contains a table of offensive words. If any response of the user contains a word listed in the table, the transaction is rolled back, no data are recorded in the database, and the user’s account is blocked so that no questionnaires can be filled in by such account in the future.</a:t>
+            </a:r>
+          </a:p>
+          <a:p>
+            <a:pPr marL="0" indent="0">
+              <a:buNone/>
+            </a:pPr>
+            <a:r>
+              <a:rPr lang="en-US" sz="1600" dirty="0"/>
+              <a:t>When the user submits the questionnaire one or more trigger compute the gamification points to assign to the user for the specific questionnaire, according to the following rule: </a:t>
+            </a:r>
+          </a:p>
+          <a:p>
+            <a:pPr marL="342900" indent="-342900">
+              <a:buFont typeface="+mj-lt"/>
+              <a:buAutoNum type="arabicPeriod"/>
+            </a:pPr>
+            <a:r>
+              <a:rPr lang="en-US" sz="1600" dirty="0"/>
+              <a:t>One point is assigned for every answered question of section 1 (remember that the number of questions can vary in different questionnaires).</a:t>
+            </a:r>
+          </a:p>
+          <a:p>
+            <a:pPr marL="342900" indent="-342900">
+              <a:buFont typeface="+mj-lt"/>
+              <a:buAutoNum type="arabicPeriod"/>
+            </a:pPr>
+            <a:r>
+              <a:rPr lang="en-US" sz="1600" dirty="0"/>
+              <a:t>Two points are assigned for every answered optional question of section</a:t>
+            </a:r>
+          </a:p>
+          <a:p>
+            <a:pPr marL="0" indent="0">
+              <a:buNone/>
+            </a:pPr>
+            <a:endParaRPr lang="en-GB" sz="1600" dirty="0"/>
+          </a:p>
+        </p:txBody>
+      </p:sp>
+    </p:spTree>
+    <p:extLst>
+      <p:ext uri="{BB962C8B-B14F-4D97-AF65-F5344CB8AC3E}">
+        <p14:creationId xmlns:p14="http://schemas.microsoft.com/office/powerpoint/2010/main" val="1650179272"/>
+      </p:ext>
+    </p:extLst>
+  </p:cSld>
+  <p:clrMapOvr>
+    <a:masterClrMapping/>
+  </p:clrMapOvr>
+</p:sld>
+</file>
+
+<file path=ppt/slides/slide20.xml><?xml version="1.0" encoding="utf-8"?>
+<p:sld xmlns:a="http://schemas.openxmlformats.org/drawingml/2006/main" xmlns:r="http://schemas.openxmlformats.org/officeDocument/2006/relationships" xmlns:p="http://schemas.openxmlformats.org/presentationml/2006/main">
+  <p:cSld>
+    <p:spTree>
+      <p:nvGrpSpPr>
+        <p:cNvPr id="1" name=""/>
+        <p:cNvGrpSpPr/>
+        <p:nvPr/>
+      </p:nvGrpSpPr>
+      <p:grpSpPr>
+        <a:xfrm>
+          <a:off x="0" y="0"/>
+          <a:ext cx="0" cy="0"/>
+          <a:chOff x="0" y="0"/>
+          <a:chExt cx="0" cy="0"/>
+        </a:xfrm>
+      </p:grpSpPr>
+      <p:sp>
+        <p:nvSpPr>
+          <p:cNvPr id="2" name="Title 1"/>
+          <p:cNvSpPr>
+            <a:spLocks noGrp="1"/>
+          </p:cNvSpPr>
+          <p:nvPr>
+            <p:ph type="title"/>
+          </p:nvPr>
+        </p:nvSpPr>
+        <p:spPr/>
+        <p:txBody>
+          <a:bodyPr/>
+          <a:lstStyle/>
+          <a:p>
+            <a:r>
+              <a:rPr lang="en-GB" dirty="0"/>
+              <a:t>Components</a:t>
+            </a:r>
+          </a:p>
+        </p:txBody>
+      </p:sp>
+      <p:sp>
+        <p:nvSpPr>
+          <p:cNvPr id="4" name="Content Placeholder 3"/>
+          <p:cNvSpPr>
+            <a:spLocks noGrp="1"/>
+          </p:cNvSpPr>
+          <p:nvPr>
+            <p:ph sz="half" idx="1"/>
+          </p:nvPr>
+        </p:nvSpPr>
+        <p:spPr/>
+        <p:txBody>
+          <a:bodyPr>
+            <a:normAutofit/>
+          </a:bodyPr>
+          <a:lstStyle/>
+          <a:p>
+            <a:r>
+              <a:rPr lang="en-GB" dirty="0"/>
+              <a:t>Client components</a:t>
+            </a:r>
+          </a:p>
+          <a:p>
+            <a:pPr lvl="1"/>
+            <a:r>
+              <a:rPr lang="en-GB" sz="2000" dirty="0"/>
+              <a:t>Login/Logout (if requested)</a:t>
+            </a:r>
+          </a:p>
+          <a:p>
+            <a:pPr lvl="1"/>
+            <a:r>
+              <a:rPr lang="en-GB" sz="2000" dirty="0"/>
+              <a:t>Servlets</a:t>
+            </a:r>
+          </a:p>
+          <a:p>
+            <a:pPr lvl="1"/>
+            <a:r>
+              <a:rPr lang="en-GB" sz="2000" dirty="0"/>
+              <a:t>Views</a:t>
+            </a:r>
+          </a:p>
+        </p:txBody>
+      </p:sp>
+      <p:sp>
+        <p:nvSpPr>
+          <p:cNvPr id="5" name="Content Placeholder 4"/>
+          <p:cNvSpPr>
+            <a:spLocks noGrp="1"/>
+          </p:cNvSpPr>
+          <p:nvPr>
+            <p:ph sz="half" idx="2"/>
+          </p:nvPr>
+        </p:nvSpPr>
+        <p:spPr>
+          <a:xfrm>
+            <a:off x="4629149" y="1825625"/>
+            <a:ext cx="4418597" cy="4351338"/>
+          </a:xfrm>
+        </p:spPr>
+        <p:txBody>
+          <a:bodyPr>
+            <a:normAutofit/>
+          </a:bodyPr>
+          <a:lstStyle/>
+          <a:p>
+            <a:r>
+              <a:rPr lang="en-GB" dirty="0"/>
+              <a:t>Business Components</a:t>
+            </a:r>
+          </a:p>
+          <a:p>
+            <a:pPr lvl="1"/>
+            <a:r>
+              <a:rPr lang="en-GB" dirty="0"/>
+              <a:t>BC1 </a:t>
+            </a:r>
+          </a:p>
+          <a:p>
+            <a:pPr lvl="2"/>
+            <a:r>
+              <a:rPr lang="en-GB" dirty="0"/>
+              <a:t>(stateless or stateful)</a:t>
+            </a:r>
+          </a:p>
+          <a:p>
+            <a:pPr lvl="2"/>
+            <a:r>
+              <a:rPr lang="en-GB" dirty="0"/>
+              <a:t>Method BC11( </a:t>
+            </a:r>
+            <a:r>
+              <a:rPr lang="en-GB" dirty="0" err="1"/>
+              <a:t>params</a:t>
+            </a:r>
+            <a:r>
+              <a:rPr lang="en-GB" dirty="0"/>
+              <a:t>)</a:t>
+            </a:r>
+          </a:p>
+          <a:p>
+            <a:pPr lvl="2"/>
+            <a:r>
+              <a:rPr lang="en-GB" dirty="0"/>
+              <a:t>Method BC11( </a:t>
+            </a:r>
+            <a:r>
+              <a:rPr lang="en-GB" dirty="0" err="1"/>
+              <a:t>params</a:t>
+            </a:r>
+            <a:r>
+              <a:rPr lang="en-GB" dirty="0"/>
+              <a:t>)</a:t>
+            </a:r>
+          </a:p>
+          <a:p>
+            <a:pPr lvl="1"/>
+            <a:endParaRPr lang="en-GB" dirty="0"/>
+          </a:p>
+          <a:p>
+            <a:pPr lvl="1"/>
+            <a:r>
+              <a:rPr lang="en-GB" dirty="0"/>
+              <a:t>BC2</a:t>
+            </a:r>
+          </a:p>
+          <a:p>
+            <a:pPr lvl="2"/>
+            <a:r>
+              <a:rPr lang="en-GB" dirty="0"/>
+              <a:t>(stateless or stateful)</a:t>
+            </a:r>
+          </a:p>
+          <a:p>
+            <a:pPr lvl="2"/>
+            <a:r>
+              <a:rPr lang="en-GB" dirty="0"/>
+              <a:t>Method BC21( </a:t>
+            </a:r>
+            <a:r>
+              <a:rPr lang="en-GB" dirty="0" err="1"/>
+              <a:t>params</a:t>
+            </a:r>
+            <a:r>
+              <a:rPr lang="en-GB" dirty="0"/>
+              <a:t>)</a:t>
+            </a:r>
+          </a:p>
+          <a:p>
+            <a:pPr lvl="2"/>
+            <a:r>
+              <a:rPr lang="en-GB" dirty="0"/>
+              <a:t>Method BC22( </a:t>
+            </a:r>
+            <a:r>
+              <a:rPr lang="en-GB" dirty="0" err="1"/>
+              <a:t>params</a:t>
+            </a:r>
+            <a:r>
+              <a:rPr lang="en-GB" dirty="0"/>
+              <a:t>)</a:t>
+            </a:r>
+          </a:p>
+          <a:p>
+            <a:pPr lvl="2"/>
+            <a:endParaRPr lang="en-GB" dirty="0"/>
+          </a:p>
+          <a:p>
+            <a:pPr lvl="1"/>
+            <a:endParaRPr lang="en-GB" dirty="0"/>
+          </a:p>
+        </p:txBody>
+      </p:sp>
+    </p:spTree>
+    <p:extLst>
+      <p:ext uri="{BB962C8B-B14F-4D97-AF65-F5344CB8AC3E}">
+        <p14:creationId xmlns:p14="http://schemas.microsoft.com/office/powerpoint/2010/main" val="1681549262"/>
+      </p:ext>
+    </p:extLst>
+  </p:cSld>
+  <p:clrMapOvr>
+    <a:masterClrMapping/>
+  </p:clrMapOvr>
+</p:sld>
+</file>
+
+<file path=ppt/slides/slide21.xml><?xml version="1.0" encoding="utf-8"?>
+<p:sld xmlns:a="http://schemas.openxmlformats.org/drawingml/2006/main" xmlns:r="http://schemas.openxmlformats.org/officeDocument/2006/relationships" xmlns:p="http://schemas.openxmlformats.org/presentationml/2006/main">
+  <p:cSld>
+    <p:spTree>
+      <p:nvGrpSpPr>
+        <p:cNvPr id="1" name=""/>
+        <p:cNvGrpSpPr/>
+        <p:nvPr/>
+      </p:nvGrpSpPr>
+      <p:grpSpPr>
+        <a:xfrm>
+          <a:off x="0" y="0"/>
+          <a:ext cx="0" cy="0"/>
+          <a:chOff x="0" y="0"/>
+          <a:chExt cx="0" cy="0"/>
+        </a:xfrm>
+      </p:grpSpPr>
+      <p:sp>
+        <p:nvSpPr>
+          <p:cNvPr id="2" name="Title 1"/>
+          <p:cNvSpPr>
+            <a:spLocks noGrp="1"/>
+          </p:cNvSpPr>
+          <p:nvPr>
+            <p:ph type="title"/>
+          </p:nvPr>
+        </p:nvSpPr>
+        <p:spPr/>
+        <p:txBody>
+          <a:bodyPr/>
+          <a:lstStyle/>
+          <a:p>
+            <a:r>
+              <a:rPr lang="en-GB" dirty="0"/>
               <a:t>Business method for  doing something</a:t>
             </a:r>
           </a:p>
@@ -7390,7 +10770,7 @@
 </p:sld>
 </file>
 
-<file path=ppt/slides/slide17.xml><?xml version="1.0" encoding="utf-8"?>
+<file path=ppt/slides/slide22.xml><?xml version="1.0" encoding="utf-8"?>
 <p:sld xmlns:a="http://schemas.openxmlformats.org/drawingml/2006/main" xmlns:r="http://schemas.openxmlformats.org/officeDocument/2006/relationships" xmlns:p="http://schemas.openxmlformats.org/presentationml/2006/main">
   <p:cSld>
     <p:spTree>
@@ -7480,125 +10860,6 @@
     <p:extLst>
       <p:ext uri="{BB962C8B-B14F-4D97-AF65-F5344CB8AC3E}">
         <p14:creationId xmlns:p14="http://schemas.microsoft.com/office/powerpoint/2010/main" val="1999349392"/>
-      </p:ext>
-    </p:extLst>
-  </p:cSld>
-  <p:clrMapOvr>
-    <a:masterClrMapping/>
-  </p:clrMapOvr>
-</p:sld>
-</file>
-
-<file path=ppt/slides/slide2.xml><?xml version="1.0" encoding="utf-8"?>
-<p:sld xmlns:a="http://schemas.openxmlformats.org/drawingml/2006/main" xmlns:r="http://schemas.openxmlformats.org/officeDocument/2006/relationships" xmlns:p="http://schemas.openxmlformats.org/presentationml/2006/main">
-  <p:cSld>
-    <p:spTree>
-      <p:nvGrpSpPr>
-        <p:cNvPr id="1" name=""/>
-        <p:cNvGrpSpPr/>
-        <p:nvPr/>
-      </p:nvGrpSpPr>
-      <p:grpSpPr>
-        <a:xfrm>
-          <a:off x="0" y="0"/>
-          <a:ext cx="0" cy="0"/>
-          <a:chOff x="0" y="0"/>
-          <a:chExt cx="0" cy="0"/>
-        </a:xfrm>
-      </p:grpSpPr>
-      <p:sp>
-        <p:nvSpPr>
-          <p:cNvPr id="2" name="Title 1"/>
-          <p:cNvSpPr>
-            <a:spLocks noGrp="1"/>
-          </p:cNvSpPr>
-          <p:nvPr>
-            <p:ph type="title"/>
-          </p:nvPr>
-        </p:nvSpPr>
-        <p:spPr/>
-        <p:txBody>
-          <a:bodyPr/>
-          <a:lstStyle/>
-          <a:p>
-            <a:r>
-              <a:rPr lang="en-GB" dirty="0"/>
-              <a:t>Specifications</a:t>
-            </a:r>
-          </a:p>
-        </p:txBody>
-      </p:sp>
-      <p:sp>
-        <p:nvSpPr>
-          <p:cNvPr id="3" name="Content Placeholder 2"/>
-          <p:cNvSpPr>
-            <a:spLocks noGrp="1"/>
-          </p:cNvSpPr>
-          <p:nvPr>
-            <p:ph idx="1"/>
-          </p:nvPr>
-        </p:nvSpPr>
-        <p:spPr>
-          <a:xfrm>
-            <a:off x="628649" y="1457978"/>
-            <a:ext cx="8235951" cy="5306889"/>
-          </a:xfrm>
-        </p:spPr>
-        <p:txBody>
-          <a:bodyPr>
-            <a:noAutofit/>
-          </a:bodyPr>
-          <a:lstStyle/>
-          <a:p>
-            <a:pPr marL="0" indent="0">
-              <a:buNone/>
-            </a:pPr>
-            <a:r>
-              <a:rPr lang="en-US" sz="1600" dirty="0"/>
-              <a:t>An application deals with gamified consumer data collection. A user registers with a username, a password and an email. A registered user logs in and accesses a HOME PAGE where a “Questionnaire of the day” is published. The HOME PAGE displays the name and the image of the “product of the day” and the product reviews by other users. The HOME PAGE comprises a link to access a QUESTIONNAIRE PAGE with a questionnaire divided in two sections: a section with a variable number of marketing questions about the product of the day (e.g., Q1: “Do you know the product?” Q2: Have you purchased the product before?” and Q3 “Would you recommend the product to a friend?”) and a section with fixed inputs for collecting statistical data about the user: age, sex, expertise level (low, medium high). The user fills in the marketing section, then accesses (with a next button) the statistical section where she can complete the questionnaire and submit it (with a submit button), cancel it (with a cancel button), or go back to the previous section and change the answers (with a previous button). All inputs of the marketing section are mandatory. All inputs of the statistical section are optional. After successfully submitting the questionnaire, the user is routed to a page with a thanks and greetings message. The database contains a table of offensive words. If any response of the user contains a word listed in the table, the transaction is rolled back, no data are recorded in the database, and the user’s account is blocked so that no questionnaires can be filled in by such account in the future.</a:t>
-            </a:r>
-          </a:p>
-          <a:p>
-            <a:pPr marL="0" indent="0">
-              <a:buNone/>
-            </a:pPr>
-            <a:r>
-              <a:rPr lang="en-US" sz="1600" dirty="0"/>
-              <a:t>When the user submits the questionnaire one or more trigger compute the gamification points to assign to the user for the specific questionnaire, according to the following rule: </a:t>
-            </a:r>
-          </a:p>
-          <a:p>
-            <a:pPr marL="342900" indent="-342900">
-              <a:buFont typeface="+mj-lt"/>
-              <a:buAutoNum type="arabicPeriod"/>
-            </a:pPr>
-            <a:r>
-              <a:rPr lang="en-US" sz="1600" dirty="0"/>
-              <a:t>One point is assigned for every answered question of section 1 (remember that the number of questions can vary in different questionnaires).</a:t>
-            </a:r>
-          </a:p>
-          <a:p>
-            <a:pPr marL="342900" indent="-342900">
-              <a:buFont typeface="+mj-lt"/>
-              <a:buAutoNum type="arabicPeriod"/>
-            </a:pPr>
-            <a:r>
-              <a:rPr lang="en-US" sz="1600" dirty="0"/>
-              <a:t>Two points are assigned for every answered optional question of section</a:t>
-            </a:r>
-          </a:p>
-          <a:p>
-            <a:pPr marL="0" indent="0">
-              <a:buNone/>
-            </a:pPr>
-            <a:endParaRPr lang="en-GB" sz="1600" dirty="0"/>
-          </a:p>
-        </p:txBody>
-      </p:sp>
-    </p:spTree>
-    <p:extLst>
-      <p:ext uri="{BB962C8B-B14F-4D97-AF65-F5344CB8AC3E}">
-        <p14:creationId xmlns:p14="http://schemas.microsoft.com/office/powerpoint/2010/main" val="1650179272"/>
       </p:ext>
     </p:extLst>
   </p:cSld>
@@ -7760,40 +11021,13 @@
       </p:grpSpPr>
       <p:sp>
         <p:nvSpPr>
-          <p:cNvPr id="2" name="Title 1"/>
-          <p:cNvSpPr>
-            <a:spLocks noGrp="1"/>
-          </p:cNvSpPr>
-          <p:nvPr>
-            <p:ph type="title"/>
-          </p:nvPr>
-        </p:nvSpPr>
-        <p:spPr>
-          <a:xfrm>
-            <a:off x="628650" y="390215"/>
-            <a:ext cx="7886700" cy="1325563"/>
-          </a:xfrm>
-        </p:spPr>
-        <p:txBody>
-          <a:bodyPr/>
-          <a:lstStyle/>
-          <a:p>
-            <a:r>
-              <a:rPr lang="en-GB" dirty="0"/>
-              <a:t>Entity Relationship</a:t>
-            </a:r>
-          </a:p>
-        </p:txBody>
-      </p:sp>
-      <p:sp>
-        <p:nvSpPr>
           <p:cNvPr id="14" name="TextBox 13"/>
           <p:cNvSpPr txBox="1"/>
           <p:nvPr/>
         </p:nvSpPr>
         <p:spPr>
           <a:xfrm>
-            <a:off x="3695147" y="2843855"/>
+            <a:off x="3904697" y="2843855"/>
             <a:ext cx="513282" cy="369332"/>
           </a:xfrm>
           <a:prstGeom prst="rect">
@@ -7822,7 +11056,7 @@
         </p:nvSpPr>
         <p:spPr>
           <a:xfrm>
-            <a:off x="2659690" y="2914044"/>
+            <a:off x="2869240" y="2914044"/>
             <a:ext cx="595204" cy="514956"/>
           </a:xfrm>
           <a:prstGeom prst="diamond">
@@ -7869,7 +11103,7 @@
         </p:nvSpPr>
         <p:spPr>
           <a:xfrm>
-            <a:off x="2978090" y="4118963"/>
+            <a:off x="3187640" y="4118963"/>
             <a:ext cx="481222" cy="369332"/>
           </a:xfrm>
           <a:prstGeom prst="rect">
@@ -7898,7 +11132,7 @@
         </p:nvSpPr>
         <p:spPr>
           <a:xfrm>
-            <a:off x="3785578" y="1791929"/>
+            <a:off x="3995128" y="1791929"/>
             <a:ext cx="576701" cy="738664"/>
           </a:xfrm>
           <a:prstGeom prst="rect">
@@ -7937,7 +11171,7 @@
         </p:nvSpPr>
         <p:spPr>
           <a:xfrm>
-            <a:off x="2159671" y="4497264"/>
+            <a:off x="2369221" y="4497264"/>
             <a:ext cx="1607419" cy="587141"/>
           </a:xfrm>
           <a:prstGeom prst="rect">
@@ -7979,7 +11213,7 @@
         </p:nvSpPr>
         <p:spPr>
           <a:xfrm>
-            <a:off x="4165926" y="2886435"/>
+            <a:off x="4375476" y="2886435"/>
             <a:ext cx="1290009" cy="587141"/>
           </a:xfrm>
           <a:prstGeom prst="rect">
@@ -8024,7 +11258,7 @@
         </p:nvCxnSpPr>
         <p:spPr>
           <a:xfrm rot="16200000" flipH="1">
-            <a:off x="1825332" y="4456495"/>
+            <a:off x="2034882" y="4456495"/>
             <a:ext cx="283471" cy="385207"/>
           </a:xfrm>
           <a:prstGeom prst="bentConnector2">
@@ -8054,7 +11288,7 @@
         </p:nvSpPr>
         <p:spPr>
           <a:xfrm>
-            <a:off x="1476862" y="3992408"/>
+            <a:off x="1686412" y="3992408"/>
             <a:ext cx="595204" cy="514956"/>
           </a:xfrm>
           <a:prstGeom prst="diamond">
@@ -8105,7 +11339,7 @@
         </p:nvCxnSpPr>
         <p:spPr>
           <a:xfrm rot="5400000" flipH="1" flipV="1">
-            <a:off x="1503066" y="3720606"/>
+            <a:off x="1712616" y="3720606"/>
             <a:ext cx="543201" cy="405"/>
           </a:xfrm>
           <a:prstGeom prst="bentConnector3">
@@ -8137,7 +11371,7 @@
         </p:nvSpPr>
         <p:spPr>
           <a:xfrm>
-            <a:off x="5499008" y="3208570"/>
+            <a:off x="5708558" y="3208570"/>
             <a:ext cx="683751" cy="1169551"/>
           </a:xfrm>
           <a:prstGeom prst="rect">
@@ -8186,7 +11420,7 @@
         </p:nvSpPr>
         <p:spPr>
           <a:xfrm>
-            <a:off x="1786415" y="3449295"/>
+            <a:off x="1995965" y="3449295"/>
             <a:ext cx="513282" cy="369332"/>
           </a:xfrm>
           <a:prstGeom prst="rect">
@@ -8215,7 +11449,7 @@
         </p:nvSpPr>
         <p:spPr>
           <a:xfrm>
-            <a:off x="1562957" y="4752954"/>
+            <a:off x="1772507" y="4752954"/>
             <a:ext cx="481222" cy="369332"/>
           </a:xfrm>
           <a:prstGeom prst="rect">
@@ -8244,7 +11478,7 @@
         </p:nvSpPr>
         <p:spPr>
           <a:xfrm>
-            <a:off x="1205875" y="2862066"/>
+            <a:off x="1415425" y="2862066"/>
             <a:ext cx="1137987" cy="587141"/>
           </a:xfrm>
           <a:prstGeom prst="rect">
@@ -8286,8 +11520,8 @@
         </p:nvSpPr>
         <p:spPr>
           <a:xfrm>
-            <a:off x="271645" y="2797050"/>
-            <a:ext cx="1003955" cy="1384995"/>
+            <a:off x="481195" y="2797050"/>
+            <a:ext cx="1003955" cy="1169551"/>
           </a:xfrm>
           <a:prstGeom prst="rect">
             <a:avLst/>
@@ -8327,12 +11561,6 @@
             <a:r>
               <a:rPr lang="en-GB" sz="1400" dirty="0"/>
               <a:t>banned</a:t>
-            </a:r>
-          </a:p>
-          <a:p>
-            <a:r>
-              <a:rPr lang="en-GB" sz="1400" dirty="0"/>
-              <a:t>points</a:t>
             </a:r>
           </a:p>
         </p:txBody>
@@ -8351,7 +11579,7 @@
         </p:nvSpPr>
         <p:spPr>
           <a:xfrm>
-            <a:off x="6345866" y="1091121"/>
+            <a:off x="6555416" y="1091121"/>
             <a:ext cx="1137987" cy="587141"/>
           </a:xfrm>
           <a:prstGeom prst="rect">
@@ -8399,7 +11627,7 @@
         </p:nvSpPr>
         <p:spPr>
           <a:xfrm>
-            <a:off x="7548051" y="1077367"/>
+            <a:off x="7757601" y="1077367"/>
             <a:ext cx="1003955" cy="738664"/>
           </a:xfrm>
           <a:prstGeom prst="rect">
@@ -8446,7 +11674,7 @@
         </p:nvSpPr>
         <p:spPr>
           <a:xfrm>
-            <a:off x="6345866" y="1939097"/>
+            <a:off x="6555416" y="1939097"/>
             <a:ext cx="1137987" cy="587141"/>
           </a:xfrm>
           <a:prstGeom prst="rect">
@@ -8494,7 +11722,7 @@
         </p:nvSpPr>
         <p:spPr>
           <a:xfrm>
-            <a:off x="7547476" y="1991209"/>
+            <a:off x="7757026" y="1991209"/>
             <a:ext cx="560474" cy="307777"/>
           </a:xfrm>
           <a:prstGeom prst="rect">
@@ -8529,8 +11757,8 @@
         </p:nvSpPr>
         <p:spPr>
           <a:xfrm>
-            <a:off x="5854770" y="4529600"/>
-            <a:ext cx="1607419" cy="587141"/>
+            <a:off x="6145519" y="4539941"/>
+            <a:ext cx="1461290" cy="587141"/>
           </a:xfrm>
           <a:prstGeom prst="rect">
             <a:avLst/>
@@ -8579,7 +11807,7 @@
         </p:nvCxnSpPr>
         <p:spPr>
           <a:xfrm rot="16200000" flipV="1">
-            <a:off x="5719555" y="2913631"/>
+            <a:off x="5929105" y="2913631"/>
             <a:ext cx="701388" cy="1193278"/>
           </a:xfrm>
           <a:prstGeom prst="bentConnector2">
@@ -8615,7 +11843,7 @@
         </p:nvSpPr>
         <p:spPr>
           <a:xfrm>
-            <a:off x="6365223" y="3639578"/>
+            <a:off x="6574773" y="3639578"/>
             <a:ext cx="595204" cy="514956"/>
           </a:xfrm>
           <a:prstGeom prst="diamond">
@@ -8671,9 +11899,9 @@
           <p:nvPr/>
         </p:nvCxnSpPr>
         <p:spPr>
-          <a:xfrm flipV="1">
-            <a:off x="6658480" y="4154534"/>
-            <a:ext cx="4345" cy="375066"/>
+          <a:xfrm flipH="1" flipV="1">
+            <a:off x="6872375" y="4154534"/>
+            <a:ext cx="3789" cy="385407"/>
           </a:xfrm>
           <a:prstGeom prst="straightConnector1">
             <a:avLst/>
@@ -8712,7 +11940,7 @@
         </p:nvSpPr>
         <p:spPr>
           <a:xfrm>
-            <a:off x="7490790" y="4507363"/>
+            <a:off x="8021987" y="4453838"/>
             <a:ext cx="1003955" cy="738664"/>
           </a:xfrm>
           <a:prstGeom prst="rect">
@@ -8759,7 +11987,7 @@
         </p:nvSpPr>
         <p:spPr>
           <a:xfrm>
-            <a:off x="6627260" y="5109814"/>
+            <a:off x="6836810" y="5109814"/>
             <a:ext cx="513282" cy="369332"/>
           </a:xfrm>
           <a:prstGeom prst="rect">
@@ -8794,7 +12022,7 @@
         </p:nvSpPr>
         <p:spPr>
           <a:xfrm>
-            <a:off x="5490307" y="2843855"/>
+            <a:off x="5699857" y="2843855"/>
             <a:ext cx="513282" cy="369332"/>
           </a:xfrm>
           <a:prstGeom prst="rect">
@@ -8829,7 +12057,7 @@
         </p:nvSpPr>
         <p:spPr>
           <a:xfrm>
-            <a:off x="1478862" y="1929167"/>
+            <a:off x="1688412" y="1929167"/>
             <a:ext cx="595204" cy="514956"/>
           </a:xfrm>
           <a:prstGeom prst="diamond">
@@ -8882,7 +12110,7 @@
         </p:nvSpPr>
         <p:spPr>
           <a:xfrm>
-            <a:off x="2601853" y="1896068"/>
+            <a:off x="2811403" y="1896068"/>
             <a:ext cx="1137987" cy="587141"/>
           </a:xfrm>
           <a:prstGeom prst="rect">
@@ -8930,7 +12158,7 @@
         </p:nvSpPr>
         <p:spPr>
           <a:xfrm>
-            <a:off x="4878974" y="5798867"/>
+            <a:off x="5088524" y="5798867"/>
             <a:ext cx="742328" cy="523220"/>
           </a:xfrm>
           <a:prstGeom prst="rect">
@@ -8972,7 +12200,7 @@
         </p:nvSpPr>
         <p:spPr>
           <a:xfrm>
-            <a:off x="2062896" y="1885494"/>
+            <a:off x="2272446" y="1885494"/>
             <a:ext cx="481222" cy="369332"/>
           </a:xfrm>
           <a:prstGeom prst="rect">
@@ -9007,7 +12235,7 @@
         </p:nvSpPr>
         <p:spPr>
           <a:xfrm>
-            <a:off x="1754432" y="2488901"/>
+            <a:off x="1963982" y="2488901"/>
             <a:ext cx="513282" cy="369332"/>
           </a:xfrm>
           <a:prstGeom prst="rect">
@@ -9046,7 +12274,7 @@
         </p:nvCxnSpPr>
         <p:spPr>
           <a:xfrm flipH="1">
-            <a:off x="1774869" y="2444123"/>
+            <a:off x="1984419" y="2444123"/>
             <a:ext cx="1595" cy="417943"/>
           </a:xfrm>
           <a:prstGeom prst="straightConnector1">
@@ -9090,7 +12318,7 @@
         </p:nvCxnSpPr>
         <p:spPr>
           <a:xfrm flipH="1" flipV="1">
-            <a:off x="2074066" y="2186645"/>
+            <a:off x="2283616" y="2186645"/>
             <a:ext cx="527787" cy="2994"/>
           </a:xfrm>
           <a:prstGeom prst="straightConnector1">
@@ -9134,7 +12362,7 @@
         </p:nvCxnSpPr>
         <p:spPr>
           <a:xfrm flipH="1" flipV="1">
-            <a:off x="2957292" y="3429000"/>
+            <a:off x="3166842" y="3429000"/>
             <a:ext cx="6089" cy="1068264"/>
           </a:xfrm>
           <a:prstGeom prst="straightConnector1">
@@ -9178,7 +12406,7 @@
         </p:nvCxnSpPr>
         <p:spPr>
           <a:xfrm>
-            <a:off x="3254894" y="3171522"/>
+            <a:off x="3464444" y="3171522"/>
             <a:ext cx="911032" cy="8484"/>
           </a:xfrm>
           <a:prstGeom prst="straightConnector1">
@@ -9220,7 +12448,7 @@
         </p:nvCxnSpPr>
         <p:spPr>
           <a:xfrm>
-            <a:off x="2963380" y="5058928"/>
+            <a:off x="3172930" y="5058928"/>
             <a:ext cx="0" cy="423259"/>
           </a:xfrm>
           <a:prstGeom prst="straightConnector1">
@@ -9260,7 +12488,7 @@
         </p:nvSpPr>
         <p:spPr>
           <a:xfrm>
-            <a:off x="2680488" y="5479146"/>
+            <a:off x="2890038" y="5479146"/>
             <a:ext cx="595204" cy="514956"/>
           </a:xfrm>
           <a:prstGeom prst="diamond">
@@ -9317,7 +12545,7 @@
         </p:nvCxnSpPr>
         <p:spPr>
           <a:xfrm>
-            <a:off x="3275692" y="5736624"/>
+            <a:off x="3485242" y="5736624"/>
             <a:ext cx="478499" cy="1"/>
           </a:xfrm>
           <a:prstGeom prst="bentConnector3">
@@ -9355,7 +12583,7 @@
         </p:nvSpPr>
         <p:spPr>
           <a:xfrm>
-            <a:off x="3754191" y="5443054"/>
+            <a:off x="3963741" y="5443054"/>
             <a:ext cx="1137987" cy="587141"/>
           </a:xfrm>
           <a:prstGeom prst="rect">
@@ -9403,7 +12631,7 @@
         </p:nvSpPr>
         <p:spPr>
           <a:xfrm>
-            <a:off x="3261369" y="5707470"/>
+            <a:off x="3470919" y="5707470"/>
             <a:ext cx="481222" cy="369332"/>
           </a:xfrm>
           <a:prstGeom prst="rect">
@@ -9438,7 +12666,7 @@
         </p:nvSpPr>
         <p:spPr>
           <a:xfrm>
-            <a:off x="2437200" y="5119832"/>
+            <a:off x="2646750" y="5119832"/>
             <a:ext cx="513282" cy="369332"/>
           </a:xfrm>
           <a:prstGeom prst="rect">
@@ -9473,8 +12701,8 @@
         </p:nvSpPr>
         <p:spPr>
           <a:xfrm>
-            <a:off x="3761001" y="4493998"/>
-            <a:ext cx="999535" cy="523220"/>
+            <a:off x="3970551" y="4493998"/>
+            <a:ext cx="999535" cy="954107"/>
           </a:xfrm>
           <a:prstGeom prst="rect">
             <a:avLst/>
@@ -9495,8 +12723,21 @@
           </a:p>
           <a:p>
             <a:r>
+              <a:rPr lang="en-GB" sz="1400" dirty="0" err="1"/>
+              <a:t>canceled</a:t>
+            </a:r>
+            <a:endParaRPr lang="en-GB" sz="1400" dirty="0"/>
+          </a:p>
+          <a:p>
+            <a:r>
               <a:rPr lang="en-GB" sz="1400" dirty="0"/>
-              <a:t>canceled*</a:t>
+              <a:t>points</a:t>
+            </a:r>
+          </a:p>
+          <a:p>
+            <a:r>
+              <a:rPr lang="en-GB" sz="1400" dirty="0"/>
+              <a:t>age</a:t>
             </a:r>
           </a:p>
         </p:txBody>
@@ -9515,7 +12756,7 @@
         </p:nvSpPr>
         <p:spPr>
           <a:xfrm>
-            <a:off x="6369286" y="5479146"/>
+            <a:off x="6578836" y="5479146"/>
             <a:ext cx="595204" cy="514956"/>
           </a:xfrm>
           <a:prstGeom prst="diamond">
@@ -9572,7 +12813,7 @@
         </p:nvCxnSpPr>
         <p:spPr>
           <a:xfrm flipV="1">
-            <a:off x="4892178" y="5736624"/>
+            <a:off x="5101728" y="5736624"/>
             <a:ext cx="1477108" cy="1"/>
           </a:xfrm>
           <a:prstGeom prst="bentConnector3">
@@ -9614,8 +12855,8 @@
         </p:nvCxnSpPr>
         <p:spPr>
           <a:xfrm flipH="1" flipV="1">
-            <a:off x="6658480" y="5116741"/>
-            <a:ext cx="8408" cy="362405"/>
+            <a:off x="6876164" y="5127082"/>
+            <a:ext cx="274" cy="352064"/>
           </a:xfrm>
           <a:prstGeom prst="straightConnector1">
             <a:avLst/>
@@ -9654,7 +12895,7 @@
         </p:nvSpPr>
         <p:spPr>
           <a:xfrm>
-            <a:off x="4926441" y="5433667"/>
+            <a:off x="5135991" y="5433667"/>
             <a:ext cx="481222" cy="369332"/>
           </a:xfrm>
           <a:prstGeom prst="rect">
@@ -9689,7 +12930,7 @@
         </p:nvSpPr>
         <p:spPr>
           <a:xfrm>
-            <a:off x="6715471" y="4117955"/>
+            <a:off x="6925021" y="4117955"/>
             <a:ext cx="481222" cy="369332"/>
           </a:xfrm>
           <a:prstGeom prst="rect">
@@ -9724,7 +12965,7 @@
         </p:nvSpPr>
         <p:spPr>
           <a:xfrm>
-            <a:off x="887318" y="2147104"/>
+            <a:off x="1096868" y="2147104"/>
             <a:ext cx="940192" cy="307777"/>
           </a:xfrm>
           <a:prstGeom prst="rect">
@@ -9763,7 +13004,7 @@
         </p:nvSpPr>
         <p:spPr>
           <a:xfrm>
-            <a:off x="887318" y="4266064"/>
+            <a:off x="1096868" y="4266064"/>
             <a:ext cx="796632" cy="307777"/>
           </a:xfrm>
           <a:prstGeom prst="rect">
@@ -9802,7 +13043,7 @@
         </p:nvSpPr>
         <p:spPr>
           <a:xfrm>
-            <a:off x="2038192" y="5772232"/>
+            <a:off x="2247742" y="5772232"/>
             <a:ext cx="845837" cy="307777"/>
           </a:xfrm>
           <a:prstGeom prst="rect">
@@ -9841,7 +13082,7 @@
         </p:nvSpPr>
         <p:spPr>
           <a:xfrm>
-            <a:off x="3059201" y="3238623"/>
+            <a:off x="3268751" y="3238623"/>
             <a:ext cx="845837" cy="307777"/>
           </a:xfrm>
           <a:prstGeom prst="rect">
@@ -9880,7 +13121,7 @@
         </p:nvSpPr>
         <p:spPr>
           <a:xfrm>
-            <a:off x="6868600" y="5766879"/>
+            <a:off x="7078150" y="5766879"/>
             <a:ext cx="1057513" cy="307777"/>
           </a:xfrm>
           <a:prstGeom prst="rect">
@@ -9919,7 +13160,7 @@
         </p:nvSpPr>
         <p:spPr>
           <a:xfrm>
-            <a:off x="6779629" y="3549752"/>
+            <a:off x="6989179" y="3549752"/>
             <a:ext cx="1057513" cy="307777"/>
           </a:xfrm>
           <a:prstGeom prst="rect">
@@ -9940,6 +13181,401 @@
                 </a:solidFill>
               </a:rPr>
               <a:t>having</a:t>
+            </a:r>
+          </a:p>
+        </p:txBody>
+      </p:sp>
+      <p:sp>
+        <p:nvSpPr>
+          <p:cNvPr id="58" name="Diamond 125">
+            <a:extLst>
+              <a:ext uri="{FF2B5EF4-FFF2-40B4-BE49-F238E27FC236}">
+                <a16:creationId xmlns:a16="http://schemas.microsoft.com/office/drawing/2014/main" id="{6F729D96-8883-4E7F-BDD7-F0A28685D9F5}"/>
+              </a:ext>
+            </a:extLst>
+          </p:cNvPr>
+          <p:cNvSpPr/>
+          <p:nvPr/>
+        </p:nvSpPr>
+        <p:spPr>
+          <a:xfrm>
+            <a:off x="1537632" y="5223215"/>
+            <a:ext cx="595204" cy="514956"/>
+          </a:xfrm>
+          <a:prstGeom prst="diamond">
+            <a:avLst/>
+          </a:prstGeom>
+          <a:ln w="38100">
+            <a:solidFill>
+              <a:srgbClr val="FF0000"/>
+            </a:solidFill>
+          </a:ln>
+        </p:spPr>
+        <p:style>
+          <a:lnRef idx="2">
+            <a:schemeClr val="accent1"/>
+          </a:lnRef>
+          <a:fillRef idx="1">
+            <a:schemeClr val="lt1"/>
+          </a:fillRef>
+          <a:effectRef idx="0">
+            <a:schemeClr val="accent1"/>
+          </a:effectRef>
+          <a:fontRef idx="minor">
+            <a:schemeClr val="dk1"/>
+          </a:fontRef>
+        </p:style>
+        <p:txBody>
+          <a:bodyPr rtlCol="0" anchor="ctr"/>
+          <a:lstStyle/>
+          <a:p>
+            <a:pPr algn="ctr"/>
+            <a:endParaRPr lang="en-GB" dirty="0">
+              <a:solidFill>
+                <a:schemeClr val="dk1"/>
+              </a:solidFill>
+            </a:endParaRPr>
+          </a:p>
+        </p:txBody>
+      </p:sp>
+      <p:sp>
+        <p:nvSpPr>
+          <p:cNvPr id="71" name="Rectangle 70">
+            <a:extLst>
+              <a:ext uri="{FF2B5EF4-FFF2-40B4-BE49-F238E27FC236}">
+                <a16:creationId xmlns:a16="http://schemas.microsoft.com/office/drawing/2014/main" id="{CE7EA96B-5172-4EEA-AF6F-A77DC23A719B}"/>
+              </a:ext>
+            </a:extLst>
+          </p:cNvPr>
+          <p:cNvSpPr/>
+          <p:nvPr/>
+        </p:nvSpPr>
+        <p:spPr>
+          <a:xfrm>
+            <a:off x="702246" y="5839101"/>
+            <a:ext cx="1137987" cy="587141"/>
+          </a:xfrm>
+          <a:prstGeom prst="rect">
+            <a:avLst/>
+          </a:prstGeom>
+          <a:ln w="38100"/>
+        </p:spPr>
+        <p:style>
+          <a:lnRef idx="2">
+            <a:schemeClr val="accent1"/>
+          </a:lnRef>
+          <a:fillRef idx="1">
+            <a:schemeClr val="lt1"/>
+          </a:fillRef>
+          <a:effectRef idx="0">
+            <a:schemeClr val="accent1"/>
+          </a:effectRef>
+          <a:fontRef idx="minor">
+            <a:schemeClr val="dk1"/>
+          </a:fontRef>
+        </p:style>
+        <p:txBody>
+          <a:bodyPr rtlCol="0" anchor="ctr"/>
+          <a:lstStyle/>
+          <a:p>
+            <a:pPr algn="ctr"/>
+            <a:r>
+              <a:rPr lang="en-GB" dirty="0"/>
+              <a:t>Statistics</a:t>
+            </a:r>
+          </a:p>
+        </p:txBody>
+      </p:sp>
+      <p:sp>
+        <p:nvSpPr>
+          <p:cNvPr id="72" name="TextBox 71">
+            <a:extLst>
+              <a:ext uri="{FF2B5EF4-FFF2-40B4-BE49-F238E27FC236}">
+                <a16:creationId xmlns:a16="http://schemas.microsoft.com/office/drawing/2014/main" id="{959EDA33-77A2-4ED3-8136-F1EC987DDE80}"/>
+              </a:ext>
+            </a:extLst>
+          </p:cNvPr>
+          <p:cNvSpPr txBox="1"/>
+          <p:nvPr/>
+        </p:nvSpPr>
+        <p:spPr>
+          <a:xfrm>
+            <a:off x="178561" y="4902272"/>
+            <a:ext cx="999535" cy="954107"/>
+          </a:xfrm>
+          <a:prstGeom prst="rect">
+            <a:avLst/>
+          </a:prstGeom>
+          <a:noFill/>
+        </p:spPr>
+        <p:txBody>
+          <a:bodyPr wrap="square" rtlCol="0">
+            <a:spAutoFit/>
+          </a:bodyPr>
+          <a:lstStyle/>
+          <a:p>
+            <a:r>
+              <a:rPr lang="en-GB" sz="1400" u="sng" dirty="0"/>
+              <a:t>id</a:t>
+            </a:r>
+          </a:p>
+          <a:p>
+            <a:r>
+              <a:rPr lang="en-GB" sz="1400" dirty="0"/>
+              <a:t>age</a:t>
+            </a:r>
+          </a:p>
+          <a:p>
+            <a:r>
+              <a:rPr lang="en-GB" sz="1400" dirty="0"/>
+              <a:t>sex</a:t>
+            </a:r>
+          </a:p>
+          <a:p>
+            <a:r>
+              <a:rPr lang="en-GB" sz="1400" dirty="0"/>
+              <a:t>expertise</a:t>
+            </a:r>
+          </a:p>
+        </p:txBody>
+      </p:sp>
+      <p:cxnSp>
+        <p:nvCxnSpPr>
+          <p:cNvPr id="43" name="Connector: Elbow 42">
+            <a:extLst>
+              <a:ext uri="{FF2B5EF4-FFF2-40B4-BE49-F238E27FC236}">
+                <a16:creationId xmlns:a16="http://schemas.microsoft.com/office/drawing/2014/main" id="{30D3B947-DDDA-454C-A8C3-89D105645A47}"/>
+              </a:ext>
+            </a:extLst>
+          </p:cNvPr>
+          <p:cNvCxnSpPr>
+            <a:stCxn id="58" idx="1"/>
+            <a:endCxn id="71" idx="0"/>
+          </p:cNvCxnSpPr>
+          <p:nvPr/>
+        </p:nvCxnSpPr>
+        <p:spPr>
+          <a:xfrm rot="10800000" flipV="1">
+            <a:off x="1271240" y="5480693"/>
+            <a:ext cx="266392" cy="358408"/>
+          </a:xfrm>
+          <a:prstGeom prst="bentConnector2">
+            <a:avLst/>
+          </a:prstGeom>
+        </p:spPr>
+        <p:style>
+          <a:lnRef idx="1">
+            <a:schemeClr val="accent1"/>
+          </a:lnRef>
+          <a:fillRef idx="0">
+            <a:schemeClr val="accent1"/>
+          </a:fillRef>
+          <a:effectRef idx="0">
+            <a:schemeClr val="accent1"/>
+          </a:effectRef>
+          <a:fontRef idx="minor">
+            <a:schemeClr val="tx1"/>
+          </a:fontRef>
+        </p:style>
+      </p:cxnSp>
+      <p:cxnSp>
+        <p:nvCxnSpPr>
+          <p:cNvPr id="46" name="Connector: Elbow 45">
+            <a:extLst>
+              <a:ext uri="{FF2B5EF4-FFF2-40B4-BE49-F238E27FC236}">
+                <a16:creationId xmlns:a16="http://schemas.microsoft.com/office/drawing/2014/main" id="{290DEF01-FE0B-4917-A000-67D30F22CDAE}"/>
+              </a:ext>
+            </a:extLst>
+          </p:cNvPr>
+          <p:cNvCxnSpPr>
+            <a:cxnSpLocks/>
+            <a:stCxn id="58" idx="3"/>
+          </p:cNvCxnSpPr>
+          <p:nvPr/>
+        </p:nvCxnSpPr>
+        <p:spPr>
+          <a:xfrm flipV="1">
+            <a:off x="2132836" y="5073902"/>
+            <a:ext cx="393021" cy="406791"/>
+          </a:xfrm>
+          <a:prstGeom prst="bentConnector2">
+            <a:avLst/>
+          </a:prstGeom>
+        </p:spPr>
+        <p:style>
+          <a:lnRef idx="1">
+            <a:schemeClr val="accent1"/>
+          </a:lnRef>
+          <a:fillRef idx="0">
+            <a:schemeClr val="accent1"/>
+          </a:fillRef>
+          <a:effectRef idx="0">
+            <a:schemeClr val="accent1"/>
+          </a:effectRef>
+          <a:fontRef idx="minor">
+            <a:schemeClr val="tx1"/>
+          </a:fontRef>
+        </p:style>
+      </p:cxnSp>
+      <p:sp>
+        <p:nvSpPr>
+          <p:cNvPr id="89" name="TextBox 88">
+            <a:extLst>
+              <a:ext uri="{FF2B5EF4-FFF2-40B4-BE49-F238E27FC236}">
+                <a16:creationId xmlns:a16="http://schemas.microsoft.com/office/drawing/2014/main" id="{577DAA94-76FE-46EA-893A-29F9FDE9D569}"/>
+              </a:ext>
+            </a:extLst>
+          </p:cNvPr>
+          <p:cNvSpPr txBox="1"/>
+          <p:nvPr/>
+        </p:nvSpPr>
+        <p:spPr>
+          <a:xfrm>
+            <a:off x="911064" y="5143999"/>
+            <a:ext cx="481222" cy="369332"/>
+          </a:xfrm>
+          <a:prstGeom prst="rect">
+            <a:avLst/>
+          </a:prstGeom>
+          <a:noFill/>
+        </p:spPr>
+        <p:txBody>
+          <a:bodyPr wrap="square" rtlCol="0">
+            <a:spAutoFit/>
+          </a:bodyPr>
+          <a:lstStyle/>
+          <a:p>
+            <a:r>
+              <a:rPr lang="en-GB" dirty="0"/>
+              <a:t>1:1</a:t>
+            </a:r>
+          </a:p>
+        </p:txBody>
+      </p:sp>
+      <p:sp>
+        <p:nvSpPr>
+          <p:cNvPr id="90" name="TextBox 89">
+            <a:extLst>
+              <a:ext uri="{FF2B5EF4-FFF2-40B4-BE49-F238E27FC236}">
+                <a16:creationId xmlns:a16="http://schemas.microsoft.com/office/drawing/2014/main" id="{20BB6281-BC66-4B14-8E04-EA5A7B2D07EE}"/>
+              </a:ext>
+            </a:extLst>
+          </p:cNvPr>
+          <p:cNvSpPr txBox="1"/>
+          <p:nvPr/>
+        </p:nvSpPr>
+        <p:spPr>
+          <a:xfrm>
+            <a:off x="2111214" y="5424766"/>
+            <a:ext cx="481222" cy="369332"/>
+          </a:xfrm>
+          <a:prstGeom prst="rect">
+            <a:avLst/>
+          </a:prstGeom>
+          <a:noFill/>
+        </p:spPr>
+        <p:txBody>
+          <a:bodyPr wrap="square" rtlCol="0">
+            <a:spAutoFit/>
+          </a:bodyPr>
+          <a:lstStyle/>
+          <a:p>
+            <a:r>
+              <a:rPr lang="en-GB" dirty="0"/>
+              <a:t>1:1</a:t>
+            </a:r>
+          </a:p>
+        </p:txBody>
+      </p:sp>
+      <p:sp>
+        <p:nvSpPr>
+          <p:cNvPr id="93" name="Title 1">
+            <a:extLst>
+              <a:ext uri="{FF2B5EF4-FFF2-40B4-BE49-F238E27FC236}">
+                <a16:creationId xmlns:a16="http://schemas.microsoft.com/office/drawing/2014/main" id="{E4E006F0-9AE7-4429-AD34-9F0F492587B9}"/>
+              </a:ext>
+            </a:extLst>
+          </p:cNvPr>
+          <p:cNvSpPr txBox="1">
+            <a:spLocks/>
+          </p:cNvSpPr>
+          <p:nvPr/>
+        </p:nvSpPr>
+        <p:spPr>
+          <a:xfrm>
+            <a:off x="628650" y="365126"/>
+            <a:ext cx="7886700" cy="1325563"/>
+          </a:xfrm>
+          <a:prstGeom prst="rect">
+            <a:avLst/>
+          </a:prstGeom>
+        </p:spPr>
+        <p:txBody>
+          <a:bodyPr vert="horz" lIns="91440" tIns="45720" rIns="91440" bIns="45720" rtlCol="0" anchor="ctr">
+            <a:normAutofit/>
+          </a:bodyPr>
+          <a:lstStyle>
+            <a:lvl1pPr algn="l" defTabSz="914400" rtl="0" eaLnBrk="1" latinLnBrk="0" hangingPunct="1">
+              <a:lnSpc>
+                <a:spcPct val="90000"/>
+              </a:lnSpc>
+              <a:spcBef>
+                <a:spcPct val="0"/>
+              </a:spcBef>
+              <a:buNone/>
+              <a:defRPr sz="4400" kern="1200">
+                <a:solidFill>
+                  <a:schemeClr val="tx1"/>
+                </a:solidFill>
+                <a:latin typeface="+mj-lt"/>
+                <a:ea typeface="+mj-ea"/>
+                <a:cs typeface="+mj-cs"/>
+              </a:defRPr>
+            </a:lvl1pPr>
+          </a:lstStyle>
+          <a:p>
+            <a:r>
+              <a:rPr lang="en-GB" dirty="0"/>
+              <a:t>Entity Relationship</a:t>
+            </a:r>
+          </a:p>
+        </p:txBody>
+      </p:sp>
+      <p:sp>
+        <p:nvSpPr>
+          <p:cNvPr id="94" name="TextBox 23">
+            <a:extLst>
+              <a:ext uri="{FF2B5EF4-FFF2-40B4-BE49-F238E27FC236}">
+                <a16:creationId xmlns:a16="http://schemas.microsoft.com/office/drawing/2014/main" id="{96CEDC6E-311E-42B4-BF18-6662FC2D5E6C}"/>
+              </a:ext>
+            </a:extLst>
+          </p:cNvPr>
+          <p:cNvSpPr txBox="1"/>
+          <p:nvPr/>
+        </p:nvSpPr>
+        <p:spPr>
+          <a:xfrm>
+            <a:off x="974887" y="4914836"/>
+            <a:ext cx="954502" cy="307777"/>
+          </a:xfrm>
+          <a:prstGeom prst="rect">
+            <a:avLst/>
+          </a:prstGeom>
+          <a:noFill/>
+        </p:spPr>
+        <p:txBody>
+          <a:bodyPr wrap="square" rtlCol="0">
+            <a:spAutoFit/>
+          </a:bodyPr>
+          <a:lstStyle/>
+          <a:p>
+            <a:r>
+              <a:rPr lang="en-GB" sz="1400" dirty="0">
+                <a:solidFill>
+                  <a:srgbClr val="FF0000"/>
+                </a:solidFill>
+              </a:rPr>
+              <a:t>belonging</a:t>
             </a:r>
           </a:p>
         </p:txBody>
@@ -10023,15 +13659,7 @@
             </a:pPr>
             <a:r>
               <a:rPr lang="en-GB" sz="2000" dirty="0"/>
-              <a:t>l</a:t>
-            </a:r>
-            <a:r>
-              <a:rPr lang="en-GB" sz="2000"/>
-              <a:t>og</a:t>
-            </a:r>
-            <a:r>
-              <a:rPr lang="en-GB" sz="2000" dirty="0"/>
-              <a:t>(</a:t>
+              <a:t>log(</a:t>
             </a:r>
             <a:r>
               <a:rPr lang="en-GB" sz="2000" u="sng" dirty="0"/>
@@ -10131,7 +13759,15 @@
             </a:pPr>
             <a:r>
               <a:rPr lang="en-GB" sz="2000" dirty="0"/>
-              <a:t>		Question(</a:t>
+              <a:t>statistics(id, </a:t>
+            </a:r>
+            <a:r>
+              <a:rPr lang="en-GB" sz="2000" u="sng" dirty="0"/>
+              <a:t>submission</a:t>
+            </a:r>
+            <a:r>
+              <a:rPr lang="en-GB" sz="2000" dirty="0"/>
+              <a:t>, age, sex, expertise)	question(</a:t>
             </a:r>
             <a:r>
               <a:rPr lang="en-GB" sz="2000" u="sng" dirty="0"/>
@@ -10327,9 +13963,9 @@
           <p:nvPr/>
         </p:nvCxnSpPr>
         <p:spPr>
-          <a:xfrm flipV="1">
-            <a:off x="4411744" y="4061749"/>
-            <a:ext cx="1611984" cy="513565"/>
+          <a:xfrm flipH="1" flipV="1">
+            <a:off x="6023728" y="4061750"/>
+            <a:ext cx="948572" cy="513564"/>
           </a:xfrm>
           <a:prstGeom prst="straightConnector1">
             <a:avLst/>
@@ -10370,7 +14006,7 @@
         <p:spPr>
           <a:xfrm>
             <a:off x="3327662" y="4061749"/>
-            <a:ext cx="141402" cy="513565"/>
+            <a:ext cx="2796913" cy="513565"/>
           </a:xfrm>
           <a:prstGeom prst="straightConnector1">
             <a:avLst/>
@@ -10469,6 +14105,47 @@
             <a:schemeClr val="accent1"/>
           </a:fillRef>
           <a:effectRef idx="0">
+            <a:schemeClr val="accent1"/>
+          </a:effectRef>
+          <a:fontRef idx="minor">
+            <a:schemeClr val="tx1"/>
+          </a:fontRef>
+        </p:style>
+      </p:cxnSp>
+      <p:cxnSp>
+        <p:nvCxnSpPr>
+          <p:cNvPr id="17" name="Straight Arrow Connector 16">
+            <a:extLst>
+              <a:ext uri="{FF2B5EF4-FFF2-40B4-BE49-F238E27FC236}">
+                <a16:creationId xmlns:a16="http://schemas.microsoft.com/office/drawing/2014/main" id="{FE0F5763-2ED2-4804-A464-A5C5BF93FA4B}"/>
+              </a:ext>
+            </a:extLst>
+          </p:cNvPr>
+          <p:cNvCxnSpPr>
+            <a:cxnSpLocks/>
+          </p:cNvCxnSpPr>
+          <p:nvPr/>
+        </p:nvCxnSpPr>
+        <p:spPr>
+          <a:xfrm flipH="1" flipV="1">
+            <a:off x="1838325" y="3330588"/>
+            <a:ext cx="179011" cy="1136637"/>
+          </a:xfrm>
+          <a:prstGeom prst="straightConnector1">
+            <a:avLst/>
+          </a:prstGeom>
+          <a:ln>
+            <a:tailEnd type="triangle"/>
+          </a:ln>
+        </p:spPr>
+        <p:style>
+          <a:lnRef idx="3">
+            <a:schemeClr val="accent1"/>
+          </a:lnRef>
+          <a:fillRef idx="0">
+            <a:schemeClr val="accent1"/>
+          </a:fillRef>
+          <a:effectRef idx="2">
             <a:schemeClr val="accent1"/>
           </a:effectRef>
           <a:fontRef idx="minor">

--- a/Documentation/Presentation.pptx
+++ b/Documentation/Presentation.pptx
@@ -449,7 +449,7 @@
           <a:p>
             <a:fld id="{BC687BD1-250A-4D3C-93F8-CE8E4620A598}" type="slidenum">
               <a:rPr lang="en-GB" smtClean="0"/>
-              <a:t>‹#›</a:t>
+              <a:t>‹N›</a:t>
             </a:fld>
             <a:endParaRPr lang="en-GB" dirty="0"/>
           </a:p>
@@ -815,7 +815,7 @@
           <a:p>
             <a:fld id="{2D2B23BE-89C9-4E17-8330-1D0EE89529DF}" type="slidenum">
               <a:rPr lang="en-GB" smtClean="0"/>
-              <a:t>‹#›</a:t>
+              <a:t>‹N›</a:t>
             </a:fld>
             <a:endParaRPr lang="en-GB" dirty="0"/>
           </a:p>
@@ -985,7 +985,7 @@
           <a:p>
             <a:fld id="{2D2B23BE-89C9-4E17-8330-1D0EE89529DF}" type="slidenum">
               <a:rPr lang="en-GB" smtClean="0"/>
-              <a:t>‹#›</a:t>
+              <a:t>‹N›</a:t>
             </a:fld>
             <a:endParaRPr lang="en-GB" dirty="0"/>
           </a:p>
@@ -1165,7 +1165,7 @@
           <a:p>
             <a:fld id="{2D2B23BE-89C9-4E17-8330-1D0EE89529DF}" type="slidenum">
               <a:rPr lang="en-GB" smtClean="0"/>
-              <a:t>‹#›</a:t>
+              <a:t>‹N›</a:t>
             </a:fld>
             <a:endParaRPr lang="en-GB" dirty="0"/>
           </a:p>
@@ -1335,7 +1335,7 @@
           <a:p>
             <a:fld id="{2D2B23BE-89C9-4E17-8330-1D0EE89529DF}" type="slidenum">
               <a:rPr lang="en-GB" smtClean="0"/>
-              <a:t>‹#›</a:t>
+              <a:t>‹N›</a:t>
             </a:fld>
             <a:endParaRPr lang="en-GB" dirty="0"/>
           </a:p>
@@ -1579,7 +1579,7 @@
           <a:p>
             <a:fld id="{2D2B23BE-89C9-4E17-8330-1D0EE89529DF}" type="slidenum">
               <a:rPr lang="en-GB" smtClean="0"/>
-              <a:t>‹#›</a:t>
+              <a:t>‹N›</a:t>
             </a:fld>
             <a:endParaRPr lang="en-GB" dirty="0"/>
           </a:p>
@@ -1811,7 +1811,7 @@
           <a:p>
             <a:fld id="{2D2B23BE-89C9-4E17-8330-1D0EE89529DF}" type="slidenum">
               <a:rPr lang="en-GB" smtClean="0"/>
-              <a:t>‹#›</a:t>
+              <a:t>‹N›</a:t>
             </a:fld>
             <a:endParaRPr lang="en-GB" dirty="0"/>
           </a:p>
@@ -2178,7 +2178,7 @@
           <a:p>
             <a:fld id="{2D2B23BE-89C9-4E17-8330-1D0EE89529DF}" type="slidenum">
               <a:rPr lang="en-GB" smtClean="0"/>
-              <a:t>‹#›</a:t>
+              <a:t>‹N›</a:t>
             </a:fld>
             <a:endParaRPr lang="en-GB" dirty="0"/>
           </a:p>
@@ -2296,7 +2296,7 @@
           <a:p>
             <a:fld id="{2D2B23BE-89C9-4E17-8330-1D0EE89529DF}" type="slidenum">
               <a:rPr lang="en-GB" smtClean="0"/>
-              <a:t>‹#›</a:t>
+              <a:t>‹N›</a:t>
             </a:fld>
             <a:endParaRPr lang="en-GB" dirty="0"/>
           </a:p>
@@ -2391,7 +2391,7 @@
           <a:p>
             <a:fld id="{2D2B23BE-89C9-4E17-8330-1D0EE89529DF}" type="slidenum">
               <a:rPr lang="en-GB" smtClean="0"/>
-              <a:t>‹#›</a:t>
+              <a:t>‹N›</a:t>
             </a:fld>
             <a:endParaRPr lang="en-GB" dirty="0"/>
           </a:p>
@@ -2668,7 +2668,7 @@
           <a:p>
             <a:fld id="{2D2B23BE-89C9-4E17-8330-1D0EE89529DF}" type="slidenum">
               <a:rPr lang="en-GB" smtClean="0"/>
-              <a:t>‹#›</a:t>
+              <a:t>‹N›</a:t>
             </a:fld>
             <a:endParaRPr lang="en-GB" dirty="0"/>
           </a:p>
@@ -2924,7 +2924,7 @@
           <a:p>
             <a:fld id="{2D2B23BE-89C9-4E17-8330-1D0EE89529DF}" type="slidenum">
               <a:rPr lang="en-GB" smtClean="0"/>
-              <a:t>‹#›</a:t>
+              <a:t>‹N›</a:t>
             </a:fld>
             <a:endParaRPr lang="en-GB" dirty="0"/>
           </a:p>
@@ -3173,7 +3173,7 @@
           <a:p>
             <a:fld id="{2D2B23BE-89C9-4E17-8330-1D0EE89529DF}" type="slidenum">
               <a:rPr lang="en-GB" smtClean="0"/>
-              <a:t>‹#›</a:t>
+              <a:t>‹N›</a:t>
             </a:fld>
             <a:endParaRPr lang="en-GB" dirty="0"/>
           </a:p>
@@ -20749,37 +20749,32 @@
       </p:sp>
       <p:pic>
         <p:nvPicPr>
-          <p:cNvPr id="5" name="Segnaposto contenuto 4">
+          <p:cNvPr id="7" name="Immagine 6">
             <a:extLst>
               <a:ext uri="{FF2B5EF4-FFF2-40B4-BE49-F238E27FC236}">
-                <a16:creationId xmlns:a16="http://schemas.microsoft.com/office/drawing/2014/main" id="{AB431508-A156-4194-84C0-E9A5D8B55E22}"/>
+                <a16:creationId xmlns:a16="http://schemas.microsoft.com/office/drawing/2014/main" id="{4F3B9185-FB57-41EF-A196-61B3DFDD9A2B}"/>
               </a:ext>
             </a:extLst>
           </p:cNvPr>
           <p:cNvPicPr>
-            <a:picLocks noGrp="1" noChangeAspect="1"/>
+            <a:picLocks noChangeAspect="1"/>
           </p:cNvPicPr>
-          <p:nvPr>
-            <p:ph idx="1"/>
-          </p:nvPr>
+          <p:nvPr/>
         </p:nvPicPr>
         <p:blipFill>
-          <a:blip r:embed="rId2" cstate="print">
-            <a:extLst>
-              <a:ext uri="{28A0092B-C50C-407E-A947-70E740481C1C}">
-                <a14:useLocalDpi xmlns:a14="http://schemas.microsoft.com/office/drawing/2010/main" val="0"/>
-              </a:ext>
-            </a:extLst>
-          </a:blip>
+          <a:blip r:embed="rId2"/>
           <a:stretch>
             <a:fillRect/>
           </a:stretch>
         </p:blipFill>
         <p:spPr>
           <a:xfrm>
-            <a:off x="-904671" y="972767"/>
-            <a:ext cx="12091480" cy="6264612"/>
+            <a:off x="1394048" y="873924"/>
+            <a:ext cx="6355903" cy="5896527"/>
           </a:xfrm>
+          <a:prstGeom prst="rect">
+            <a:avLst/>
+          </a:prstGeom>
         </p:spPr>
       </p:pic>
     </p:spTree>
